--- a/SiEPIC_Photonics_Package/solvers_simulators/tutorials/Bragg_tutorial/Workshop.pptx
+++ b/SiEPIC_Photonics_Package/solvers_simulators/tutorials/Bragg_tutorial/Workshop.pptx
@@ -7,10 +7,10 @@
     <p:sldMasterId id="2147484533" r:id="rId3"/>
   </p:sldMasterIdLst>
   <p:notesMasterIdLst>
-    <p:notesMasterId r:id="rId15"/>
+    <p:notesMasterId r:id="rId17"/>
   </p:notesMasterIdLst>
   <p:handoutMasterIdLst>
-    <p:handoutMasterId r:id="rId16"/>
+    <p:handoutMasterId r:id="rId18"/>
   </p:handoutMasterIdLst>
   <p:sldIdLst>
     <p:sldId id="426" r:id="rId4"/>
@@ -24,6 +24,8 @@
     <p:sldId id="472" r:id="rId12"/>
     <p:sldId id="475" r:id="rId13"/>
     <p:sldId id="476" r:id="rId14"/>
+    <p:sldId id="477" r:id="rId15"/>
+    <p:sldId id="478" r:id="rId16"/>
   </p:sldIdLst>
   <p:sldSz cx="9144000" cy="6858000" type="screen4x3"/>
   <p:notesSz cx="6858000" cy="9144000"/>
@@ -288,7 +290,7 @@
             <a:fld id="{16215AEE-C922-4944-98A7-22910184AC8A}" type="datetimeFigureOut">
               <a:rPr lang="en-US" altLang="zh-CN"/>
               <a:pPr/>
-              <a:t>3/4/2020</a:t>
+              <a:t>5/1/2020</a:t>
             </a:fld>
             <a:endParaRPr lang="en-US" altLang="zh-CN"/>
           </a:p>
@@ -492,7 +494,7 @@
             <a:fld id="{CA038EEF-2DAF-6B44-A6B5-C268C3465D47}" type="datetimeFigureOut">
               <a:rPr lang="en-CA" altLang="zh-CN"/>
               <a:pPr/>
-              <a:t>2020-03-04</a:t>
+              <a:t>2020-05-01</a:t>
             </a:fld>
             <a:endParaRPr lang="en-CA" altLang="zh-CN"/>
           </a:p>
@@ -1257,6 +1259,176 @@
 </p:notes>
 </file>
 
+<file path=ppt/notesSlides/notesSlide12.xml><?xml version="1.0" encoding="utf-8"?>
+<p:notes xmlns:a="http://schemas.openxmlformats.org/drawingml/2006/main" xmlns:r="http://schemas.openxmlformats.org/officeDocument/2006/relationships" xmlns:p="http://schemas.openxmlformats.org/presentationml/2006/main">
+  <p:cSld>
+    <p:spTree>
+      <p:nvGrpSpPr>
+        <p:cNvPr id="1" name=""/>
+        <p:cNvGrpSpPr/>
+        <p:nvPr/>
+      </p:nvGrpSpPr>
+      <p:grpSpPr>
+        <a:xfrm>
+          <a:off x="0" y="0"/>
+          <a:ext cx="0" cy="0"/>
+          <a:chOff x="0" y="0"/>
+          <a:chExt cx="0" cy="0"/>
+        </a:xfrm>
+      </p:grpSpPr>
+      <p:sp>
+        <p:nvSpPr>
+          <p:cNvPr id="2" name="Slide Image Placeholder 1"/>
+          <p:cNvSpPr>
+            <a:spLocks noGrp="1" noRot="1" noChangeAspect="1"/>
+          </p:cNvSpPr>
+          <p:nvPr>
+            <p:ph type="sldImg"/>
+          </p:nvPr>
+        </p:nvSpPr>
+        <p:spPr/>
+      </p:sp>
+      <p:sp>
+        <p:nvSpPr>
+          <p:cNvPr id="3" name="Notes Placeholder 2"/>
+          <p:cNvSpPr>
+            <a:spLocks noGrp="1"/>
+          </p:cNvSpPr>
+          <p:nvPr>
+            <p:ph type="body" idx="1"/>
+          </p:nvPr>
+        </p:nvSpPr>
+        <p:spPr/>
+        <p:txBody>
+          <a:bodyPr/>
+          <a:lstStyle/>
+          <a:p>
+            <a:endParaRPr lang="en-CA" dirty="0"/>
+          </a:p>
+        </p:txBody>
+      </p:sp>
+      <p:sp>
+        <p:nvSpPr>
+          <p:cNvPr id="4" name="Slide Number Placeholder 3"/>
+          <p:cNvSpPr>
+            <a:spLocks noGrp="1"/>
+          </p:cNvSpPr>
+          <p:nvPr>
+            <p:ph type="sldNum" sz="quarter" idx="10"/>
+          </p:nvPr>
+        </p:nvSpPr>
+        <p:spPr/>
+        <p:txBody>
+          <a:bodyPr/>
+          <a:lstStyle/>
+          <a:p>
+            <a:fld id="{C013E244-2E7F-424D-868B-6272F407A4EB}" type="slidenum">
+              <a:rPr lang="en-CA" altLang="zh-CN" smtClean="0"/>
+              <a:pPr/>
+              <a:t>12</a:t>
+            </a:fld>
+            <a:endParaRPr lang="en-CA" altLang="zh-CN"/>
+          </a:p>
+        </p:txBody>
+      </p:sp>
+    </p:spTree>
+    <p:extLst>
+      <p:ext uri="{BB962C8B-B14F-4D97-AF65-F5344CB8AC3E}">
+        <p14:creationId xmlns:p14="http://schemas.microsoft.com/office/powerpoint/2010/main" val="1793843599"/>
+      </p:ext>
+    </p:extLst>
+  </p:cSld>
+  <p:clrMapOvr>
+    <a:masterClrMapping/>
+  </p:clrMapOvr>
+</p:notes>
+</file>
+
+<file path=ppt/notesSlides/notesSlide13.xml><?xml version="1.0" encoding="utf-8"?>
+<p:notes xmlns:a="http://schemas.openxmlformats.org/drawingml/2006/main" xmlns:r="http://schemas.openxmlformats.org/officeDocument/2006/relationships" xmlns:p="http://schemas.openxmlformats.org/presentationml/2006/main">
+  <p:cSld>
+    <p:spTree>
+      <p:nvGrpSpPr>
+        <p:cNvPr id="1" name=""/>
+        <p:cNvGrpSpPr/>
+        <p:nvPr/>
+      </p:nvGrpSpPr>
+      <p:grpSpPr>
+        <a:xfrm>
+          <a:off x="0" y="0"/>
+          <a:ext cx="0" cy="0"/>
+          <a:chOff x="0" y="0"/>
+          <a:chExt cx="0" cy="0"/>
+        </a:xfrm>
+      </p:grpSpPr>
+      <p:sp>
+        <p:nvSpPr>
+          <p:cNvPr id="2" name="Slide Image Placeholder 1"/>
+          <p:cNvSpPr>
+            <a:spLocks noGrp="1" noRot="1" noChangeAspect="1"/>
+          </p:cNvSpPr>
+          <p:nvPr>
+            <p:ph type="sldImg"/>
+          </p:nvPr>
+        </p:nvSpPr>
+        <p:spPr/>
+      </p:sp>
+      <p:sp>
+        <p:nvSpPr>
+          <p:cNvPr id="3" name="Notes Placeholder 2"/>
+          <p:cNvSpPr>
+            <a:spLocks noGrp="1"/>
+          </p:cNvSpPr>
+          <p:nvPr>
+            <p:ph type="body" idx="1"/>
+          </p:nvPr>
+        </p:nvSpPr>
+        <p:spPr/>
+        <p:txBody>
+          <a:bodyPr/>
+          <a:lstStyle/>
+          <a:p>
+            <a:endParaRPr lang="en-CA" dirty="0"/>
+          </a:p>
+        </p:txBody>
+      </p:sp>
+      <p:sp>
+        <p:nvSpPr>
+          <p:cNvPr id="4" name="Slide Number Placeholder 3"/>
+          <p:cNvSpPr>
+            <a:spLocks noGrp="1"/>
+          </p:cNvSpPr>
+          <p:nvPr>
+            <p:ph type="sldNum" sz="quarter" idx="10"/>
+          </p:nvPr>
+        </p:nvSpPr>
+        <p:spPr/>
+        <p:txBody>
+          <a:bodyPr/>
+          <a:lstStyle/>
+          <a:p>
+            <a:fld id="{C013E244-2E7F-424D-868B-6272F407A4EB}" type="slidenum">
+              <a:rPr lang="en-CA" altLang="zh-CN" smtClean="0"/>
+              <a:pPr/>
+              <a:t>13</a:t>
+            </a:fld>
+            <a:endParaRPr lang="en-CA" altLang="zh-CN"/>
+          </a:p>
+        </p:txBody>
+      </p:sp>
+    </p:spTree>
+    <p:extLst>
+      <p:ext uri="{BB962C8B-B14F-4D97-AF65-F5344CB8AC3E}">
+        <p14:creationId xmlns:p14="http://schemas.microsoft.com/office/powerpoint/2010/main" val="1586806537"/>
+      </p:ext>
+    </p:extLst>
+  </p:cSld>
+  <p:clrMapOvr>
+    <a:masterClrMapping/>
+  </p:clrMapOvr>
+</p:notes>
+</file>
+
 <file path=ppt/notesSlides/notesSlide2.xml><?xml version="1.0" encoding="utf-8"?>
 <p:notes xmlns:a="http://schemas.openxmlformats.org/drawingml/2006/main" xmlns:r="http://schemas.openxmlformats.org/officeDocument/2006/relationships" xmlns:p="http://schemas.openxmlformats.org/presentationml/2006/main">
   <p:cSld>
@@ -2121,7 +2293,7 @@
             <a:fld id="{2C31E0B7-D99D-9840-9AA4-AFE996601F1A}" type="datetime1">
               <a:rPr lang="en-US" altLang="zh-CN"/>
               <a:pPr/>
-              <a:t>3/4/2020</a:t>
+              <a:t>5/1/2020</a:t>
             </a:fld>
             <a:endParaRPr lang="en-US" altLang="zh-CN"/>
           </a:p>
@@ -2306,7 +2478,7 @@
             <a:fld id="{8CD81206-CB00-054A-A73E-85C388CF01BA}" type="datetime1">
               <a:rPr lang="en-US" altLang="zh-CN"/>
               <a:pPr/>
-              <a:t>3/4/2020</a:t>
+              <a:t>5/1/2020</a:t>
             </a:fld>
             <a:endParaRPr lang="en-US" altLang="zh-CN"/>
           </a:p>
@@ -2501,7 +2673,7 @@
             <a:fld id="{763C9DB7-BA8E-3248-A482-551635BAD7C2}" type="datetime1">
               <a:rPr lang="en-US" altLang="zh-CN"/>
               <a:pPr/>
-              <a:t>3/4/2020</a:t>
+              <a:t>5/1/2020</a:t>
             </a:fld>
             <a:endParaRPr lang="en-US" altLang="zh-CN"/>
           </a:p>
@@ -2635,7 +2807,7 @@
             <a:fld id="{E076C303-4390-464C-B7E9-6F5306EF3170}" type="datetime1">
               <a:rPr lang="en-US" altLang="zh-CN"/>
               <a:pPr/>
-              <a:t>3/4/2020</a:t>
+              <a:t>5/1/2020</a:t>
             </a:fld>
             <a:endParaRPr lang="en-US" altLang="zh-CN"/>
           </a:p>
@@ -2774,7 +2946,7 @@
             <a:fld id="{5CA8F940-8C0D-5F40-9547-CE421C3644DF}" type="datetime1">
               <a:rPr lang="en-US" altLang="zh-CN" smtClean="0"/>
               <a:pPr/>
-              <a:t>3/4/2020</a:t>
+              <a:t>5/1/2020</a:t>
             </a:fld>
             <a:endParaRPr lang="en-US" altLang="zh-CN"/>
           </a:p>
@@ -4130,7 +4302,7 @@
             <a:fld id="{93BCDC2B-E37E-7845-AABF-FC5B18D3CD04}" type="datetime1">
               <a:rPr lang="en-US" altLang="zh-CN" smtClean="0"/>
               <a:pPr/>
-              <a:t>3/4/2020</a:t>
+              <a:t>5/1/2020</a:t>
             </a:fld>
             <a:endParaRPr lang="en-US" altLang="zh-CN"/>
           </a:p>
@@ -5200,7 +5372,7 @@
             <a:fld id="{5CA8F940-8C0D-5F40-9547-CE421C3644DF}" type="datetime1">
               <a:rPr lang="en-US" altLang="zh-CN" smtClean="0"/>
               <a:pPr/>
-              <a:t>3/4/2020</a:t>
+              <a:t>5/1/2020</a:t>
             </a:fld>
             <a:endParaRPr lang="en-US" altLang="zh-CN"/>
           </a:p>
@@ -6247,7 +6419,7 @@
             <a:fld id="{DD399CBA-90F1-8740-8ACB-6A73FE316139}" type="datetime1">
               <a:rPr lang="en-US" altLang="zh-CN" smtClean="0"/>
               <a:pPr/>
-              <a:t>3/4/2020</a:t>
+              <a:t>5/1/2020</a:t>
             </a:fld>
             <a:endParaRPr lang="en-US" altLang="zh-CN"/>
           </a:p>
@@ -7245,7 +7417,7 @@
             <a:fld id="{93BCDC2B-E37E-7845-AABF-FC5B18D3CD04}" type="datetime1">
               <a:rPr lang="en-US" altLang="zh-CN"/>
               <a:pPr/>
-              <a:t>3/4/2020</a:t>
+              <a:t>5/1/2020</a:t>
             </a:fld>
             <a:endParaRPr lang="en-US" altLang="zh-CN"/>
           </a:p>
@@ -7869,7 +8041,7 @@
             <a:fld id="{5CA8F940-8C0D-5F40-9547-CE421C3644DF}" type="datetime1">
               <a:rPr lang="en-US" altLang="zh-CN"/>
               <a:pPr/>
-              <a:t>3/4/2020</a:t>
+              <a:t>5/1/2020</a:t>
             </a:fld>
             <a:endParaRPr lang="en-US" altLang="zh-CN"/>
           </a:p>
@@ -8435,7 +8607,7 @@
             <a:fld id="{DD399CBA-90F1-8740-8ACB-6A73FE316139}" type="datetime1">
               <a:rPr lang="en-US" altLang="zh-CN"/>
               <a:pPr/>
-              <a:t>3/4/2020</a:t>
+              <a:t>5/1/2020</a:t>
             </a:fld>
             <a:endParaRPr lang="en-US" altLang="zh-CN"/>
           </a:p>
@@ -8789,7 +8961,7 @@
             <a:fld id="{E65CEB06-13C5-8042-B7D9-86F62FC68B21}" type="datetime1">
               <a:rPr lang="en-US" altLang="zh-CN"/>
               <a:pPr/>
-              <a:t>3/4/2020</a:t>
+              <a:t>5/1/2020</a:t>
             </a:fld>
             <a:endParaRPr lang="en-US" altLang="zh-CN"/>
           </a:p>
@@ -9046,7 +9218,7 @@
             <a:fld id="{2C31E0B7-D99D-9840-9AA4-AFE996601F1A}" type="datetime1">
               <a:rPr lang="en-US" altLang="zh-CN"/>
               <a:pPr/>
-              <a:t>3/4/2020</a:t>
+              <a:t>5/1/2020</a:t>
             </a:fld>
             <a:endParaRPr lang="en-US" altLang="zh-CN"/>
           </a:p>
@@ -9231,7 +9403,7 @@
             <a:fld id="{E65CEB06-13C5-8042-B7D9-86F62FC68B21}" type="datetime1">
               <a:rPr lang="en-US" altLang="zh-CN"/>
               <a:pPr/>
-              <a:t>3/4/2020</a:t>
+              <a:t>5/1/2020</a:t>
             </a:fld>
             <a:endParaRPr lang="en-US" altLang="zh-CN"/>
           </a:p>
@@ -9493,7 +9665,7 @@
             <a:fld id="{385F2447-58C6-0F4D-AFAC-D240FBEAC3D4}" type="datetime1">
               <a:rPr lang="en-US" altLang="zh-CN"/>
               <a:pPr/>
-              <a:t>3/4/2020</a:t>
+              <a:t>5/1/2020</a:t>
             </a:fld>
             <a:endParaRPr lang="en-US" altLang="zh-CN"/>
           </a:p>
@@ -9795,7 +9967,7 @@
             <a:fld id="{E90B6505-6397-EF47-ACB9-9C7F9DC228F7}" type="datetime1">
               <a:rPr lang="en-US" altLang="zh-CN"/>
               <a:pPr/>
-              <a:t>3/4/2020</a:t>
+              <a:t>5/1/2020</a:t>
             </a:fld>
             <a:endParaRPr lang="en-US" altLang="zh-CN"/>
           </a:p>
@@ -10231,7 +10403,7 @@
             <a:fld id="{7DA9DDF0-8E9D-F747-A826-0A16262FD38B}" type="datetime1">
               <a:rPr lang="en-US" altLang="zh-CN"/>
               <a:pPr/>
-              <a:t>3/4/2020</a:t>
+              <a:t>5/1/2020</a:t>
             </a:fld>
             <a:endParaRPr lang="en-US" altLang="zh-CN"/>
           </a:p>
@@ -10365,7 +10537,7 @@
             <a:fld id="{3C451A12-666D-2B4A-9912-EC4A679D5D15}" type="datetime1">
               <a:rPr lang="en-US" altLang="zh-CN"/>
               <a:pPr/>
-              <a:t>3/4/2020</a:t>
+              <a:t>5/1/2020</a:t>
             </a:fld>
             <a:endParaRPr lang="en-US" altLang="zh-CN"/>
           </a:p>
@@ -10477,7 +10649,7 @@
             <a:fld id="{E38B5506-74D3-1544-BC99-3AF1A8C1C66D}" type="datetime1">
               <a:rPr lang="en-US" altLang="zh-CN"/>
               <a:pPr/>
-              <a:t>3/4/2020</a:t>
+              <a:t>5/1/2020</a:t>
             </a:fld>
             <a:endParaRPr lang="en-US" altLang="zh-CN"/>
           </a:p>
@@ -10769,7 +10941,7 @@
             <a:fld id="{E54C1426-CCF5-AF49-BEFF-95069A0371A2}" type="datetime1">
               <a:rPr lang="en-US" altLang="zh-CN"/>
               <a:pPr/>
-              <a:t>3/4/2020</a:t>
+              <a:t>5/1/2020</a:t>
             </a:fld>
             <a:endParaRPr lang="en-US" altLang="zh-CN"/>
           </a:p>
@@ -11044,7 +11216,7 @@
             <a:fld id="{F5DD3FC9-CD0F-8D4D-89C4-5B675B0D57BB}" type="datetime1">
               <a:rPr lang="en-US" altLang="zh-CN"/>
               <a:pPr/>
-              <a:t>3/4/2020</a:t>
+              <a:t>5/1/2020</a:t>
             </a:fld>
             <a:endParaRPr lang="en-US" altLang="zh-CN"/>
           </a:p>
@@ -11229,7 +11401,7 @@
             <a:fld id="{8CD81206-CB00-054A-A73E-85C388CF01BA}" type="datetime1">
               <a:rPr lang="en-US" altLang="zh-CN"/>
               <a:pPr/>
-              <a:t>3/4/2020</a:t>
+              <a:t>5/1/2020</a:t>
             </a:fld>
             <a:endParaRPr lang="en-US" altLang="zh-CN"/>
           </a:p>
@@ -11491,7 +11663,7 @@
             <a:fld id="{385F2447-58C6-0F4D-AFAC-D240FBEAC3D4}" type="datetime1">
               <a:rPr lang="en-US" altLang="zh-CN"/>
               <a:pPr/>
-              <a:t>3/4/2020</a:t>
+              <a:t>5/1/2020</a:t>
             </a:fld>
             <a:endParaRPr lang="en-US" altLang="zh-CN"/>
           </a:p>
@@ -11686,7 +11858,7 @@
             <a:fld id="{763C9DB7-BA8E-3248-A482-551635BAD7C2}" type="datetime1">
               <a:rPr lang="en-US" altLang="zh-CN"/>
               <a:pPr/>
-              <a:t>3/4/2020</a:t>
+              <a:t>5/1/2020</a:t>
             </a:fld>
             <a:endParaRPr lang="en-US" altLang="zh-CN"/>
           </a:p>
@@ -11820,7 +11992,7 @@
             <a:fld id="{E076C303-4390-464C-B7E9-6F5306EF3170}" type="datetime1">
               <a:rPr lang="en-US" altLang="zh-CN"/>
               <a:pPr/>
-              <a:t>3/4/2020</a:t>
+              <a:t>5/1/2020</a:t>
             </a:fld>
             <a:endParaRPr lang="en-US" altLang="zh-CN"/>
           </a:p>
@@ -12122,7 +12294,7 @@
             <a:fld id="{E90B6505-6397-EF47-ACB9-9C7F9DC228F7}" type="datetime1">
               <a:rPr lang="en-US" altLang="zh-CN"/>
               <a:pPr/>
-              <a:t>3/4/2020</a:t>
+              <a:t>5/1/2020</a:t>
             </a:fld>
             <a:endParaRPr lang="en-US" altLang="zh-CN"/>
           </a:p>
@@ -12558,7 +12730,7 @@
             <a:fld id="{7DA9DDF0-8E9D-F747-A826-0A16262FD38B}" type="datetime1">
               <a:rPr lang="en-US" altLang="zh-CN"/>
               <a:pPr/>
-              <a:t>3/4/2020</a:t>
+              <a:t>5/1/2020</a:t>
             </a:fld>
             <a:endParaRPr lang="en-US" altLang="zh-CN"/>
           </a:p>
@@ -12692,7 +12864,7 @@
             <a:fld id="{3C451A12-666D-2B4A-9912-EC4A679D5D15}" type="datetime1">
               <a:rPr lang="en-US" altLang="zh-CN"/>
               <a:pPr/>
-              <a:t>3/4/2020</a:t>
+              <a:t>5/1/2020</a:t>
             </a:fld>
             <a:endParaRPr lang="en-US" altLang="zh-CN"/>
           </a:p>
@@ -12804,7 +12976,7 @@
             <a:fld id="{E38B5506-74D3-1544-BC99-3AF1A8C1C66D}" type="datetime1">
               <a:rPr lang="en-US" altLang="zh-CN"/>
               <a:pPr/>
-              <a:t>3/4/2020</a:t>
+              <a:t>5/1/2020</a:t>
             </a:fld>
             <a:endParaRPr lang="en-US" altLang="zh-CN"/>
           </a:p>
@@ -13096,7 +13268,7 @@
             <a:fld id="{E54C1426-CCF5-AF49-BEFF-95069A0371A2}" type="datetime1">
               <a:rPr lang="en-US" altLang="zh-CN"/>
               <a:pPr/>
-              <a:t>3/4/2020</a:t>
+              <a:t>5/1/2020</a:t>
             </a:fld>
             <a:endParaRPr lang="en-US" altLang="zh-CN"/>
           </a:p>
@@ -13368,7 +13540,7 @@
             <a:fld id="{F5DD3FC9-CD0F-8D4D-89C4-5B675B0D57BB}" type="datetime1">
               <a:rPr lang="en-US" altLang="zh-CN"/>
               <a:pPr/>
-              <a:t>3/4/2020</a:t>
+              <a:t>5/1/2020</a:t>
             </a:fld>
             <a:endParaRPr lang="en-US" altLang="zh-CN"/>
           </a:p>
@@ -13655,7 +13827,7 @@
             <a:fld id="{DF89C5E0-80CB-C842-991E-0650A17D1E84}" type="datetime1">
               <a:rPr lang="en-US" altLang="zh-CN"/>
               <a:pPr/>
-              <a:t>3/4/2020</a:t>
+              <a:t>5/1/2020</a:t>
             </a:fld>
             <a:endParaRPr lang="en-US" altLang="zh-CN"/>
           </a:p>
@@ -14372,7 +14544,7 @@
             <a:fld id="{A47398D4-8B5A-BE43-B588-3D17D5B3482C}" type="datetime1">
               <a:rPr lang="en-US" altLang="zh-CN" smtClean="0"/>
               <a:pPr/>
-              <a:t>3/4/2020</a:t>
+              <a:t>5/1/2020</a:t>
             </a:fld>
             <a:endParaRPr lang="en-US" altLang="zh-CN"/>
           </a:p>
@@ -15086,7 +15258,7 @@
             <a:fld id="{DF89C5E0-80CB-C842-991E-0650A17D1E84}" type="datetime1">
               <a:rPr lang="en-US" altLang="zh-CN"/>
               <a:pPr/>
-              <a:t>3/4/2020</a:t>
+              <a:t>5/1/2020</a:t>
             </a:fld>
             <a:endParaRPr lang="en-US" altLang="zh-CN"/>
           </a:p>
@@ -15700,14 +15872,14 @@
                 <a:ea typeface="ＭＳ Ｐゴシック" charset="-128"/>
                 <a:cs typeface="Times New Roman" panose="02020603050405020304" pitchFamily="18" charset="0"/>
               </a:rPr>
-              <a:t>Design of Silicon Photonic Bragg Grating Devices</a:t>
-            </a:r>
-            <a:r>
-              <a:rPr kumimoji="0" lang="en-US" altLang="zh-CN" sz="2400" b="1" dirty="0">
+              <a:t>Design of Silicon Photonic Bragg Grating Devices with </a:t>
+            </a:r>
+            <a:r>
+              <a:rPr kumimoji="0" lang="en-US" altLang="zh-CN" sz="3200" b="1" dirty="0" err="1">
                 <a:ea typeface="ＭＳ Ｐゴシック" charset="-128"/>
                 <a:cs typeface="Times New Roman" panose="02020603050405020304" pitchFamily="18" charset="0"/>
               </a:rPr>
-              <a:t/>
+              <a:t>Lumerical</a:t>
             </a:r>
             <a:br>
               <a:rPr kumimoji="0" lang="en-US" altLang="zh-CN" sz="2400" b="1" dirty="0">
@@ -15715,13 +15887,6 @@
                 <a:cs typeface="Times New Roman" panose="02020603050405020304" pitchFamily="18" charset="0"/>
               </a:rPr>
             </a:br>
-            <a:r>
-              <a:rPr kumimoji="0" lang="en-US" altLang="zh-CN" sz="2000" b="1" dirty="0">
-                <a:ea typeface="ＭＳ Ｐゴシック" charset="-128"/>
-                <a:cs typeface="Times New Roman" panose="02020603050405020304" pitchFamily="18" charset="0"/>
-              </a:rPr>
-              <a:t/>
-            </a:r>
             <a:br>
               <a:rPr kumimoji="0" lang="en-US" altLang="zh-CN" sz="2000" b="1" dirty="0">
                 <a:ea typeface="ＭＳ Ｐゴシック" charset="-128"/>
@@ -15734,13 +15899,6 @@
                 <a:cs typeface="Times New Roman" panose="02020603050405020304" pitchFamily="18" charset="0"/>
               </a:rPr>
               <a:t>Vancouver, BC, Canada</a:t>
-            </a:r>
-            <a:r>
-              <a:rPr kumimoji="0" lang="en-US" altLang="zh-CN" sz="2000" b="1" dirty="0">
-                <a:ea typeface="ＭＳ Ｐゴシック" charset="-128"/>
-                <a:cs typeface="Times New Roman" panose="02020603050405020304" pitchFamily="18" charset="0"/>
-              </a:rPr>
-              <a:t/>
             </a:r>
             <a:br>
               <a:rPr kumimoji="0" lang="en-US" altLang="zh-CN" sz="2000" b="1" dirty="0">
@@ -15971,7 +16129,7 @@
             </a:r>
           </a:p>
           <a:p>
-            <a:endParaRPr kumimoji="0" lang="en-US" altLang="zh-CN" sz="1400" dirty="0" smtClean="0">
+            <a:endParaRPr kumimoji="0" lang="en-US" altLang="zh-CN" sz="1400" dirty="0">
               <a:solidFill>
                 <a:schemeClr val="bg1"/>
               </a:solidFill>
@@ -15982,7 +16140,7 @@
           </a:p>
           <a:p>
             <a:r>
-              <a:rPr kumimoji="0" lang="en-US" altLang="zh-CN" sz="1400" dirty="0" smtClean="0">
+              <a:rPr kumimoji="0" lang="en-US" altLang="zh-CN" sz="1400" dirty="0">
                 <a:solidFill>
                   <a:schemeClr val="bg1"/>
                 </a:solidFill>
@@ -15990,18 +16148,7 @@
                 <a:ea typeface="Times New Roman" charset="0"/>
                 <a:cs typeface="Times New Roman" charset="0"/>
               </a:rPr>
-              <a:t>The </a:t>
-            </a:r>
-            <a:r>
-              <a:rPr kumimoji="0" lang="en-US" altLang="zh-CN" sz="1400" dirty="0">
-                <a:solidFill>
-                  <a:schemeClr val="bg1"/>
-                </a:solidFill>
-                <a:latin typeface="+mj-lt"/>
-                <a:ea typeface="Times New Roman" charset="0"/>
-                <a:cs typeface="Times New Roman" charset="0"/>
-              </a:rPr>
-              <a:t>University of British Columbia, Vancouver</a:t>
+              <a:t>The University of British Columbia, Vancouver</a:t>
             </a:r>
           </a:p>
         </p:txBody>
@@ -16064,13 +16211,8 @@
           <a:p>
             <a:r>
               <a:rPr lang="en-CA" dirty="0"/>
-              <a:t>Bragg Gratings: </a:t>
-            </a:r>
-            <a:r>
-              <a:rPr lang="en-CA" dirty="0" smtClean="0"/>
-              <a:t>FDTD</a:t>
-            </a:r>
-            <a:endParaRPr lang="en-CA" dirty="0"/>
+              <a:t>Bragg Gratings: 3D/2D FDTD</a:t>
+            </a:r>
           </a:p>
         </p:txBody>
       </p:sp>
@@ -16170,7 +16312,7 @@
               <a:buChar char="•"/>
             </a:pPr>
             <a:r>
-              <a:rPr lang="en-US" sz="1600" dirty="0" smtClean="0">
+              <a:rPr lang="en-US" sz="1600" b="1" dirty="0">
                 <a:solidFill>
                   <a:srgbClr val="17375E"/>
                 </a:solidFill>
@@ -16184,7 +16326,7 @@
               <a:buChar char="•"/>
             </a:pPr>
             <a:r>
-              <a:rPr lang="en-US" sz="1200" dirty="0" smtClean="0">
+              <a:rPr lang="en-US" sz="1200" dirty="0">
                 <a:solidFill>
                   <a:srgbClr val="17375E"/>
                 </a:solidFill>
@@ -16192,14 +16334,14 @@
               <a:t>Simulating the full device length either in </a:t>
             </a:r>
             <a:r>
-              <a:rPr lang="en-US" sz="1200" b="1" dirty="0" smtClean="0">
+              <a:rPr lang="en-US" sz="1200" b="1" dirty="0">
                 <a:solidFill>
                   <a:srgbClr val="17375E"/>
                 </a:solidFill>
               </a:rPr>
               <a:t>2D FDTD or 3D FDTD</a:t>
             </a:r>
-            <a:endParaRPr lang="en-US" sz="1200" b="1" dirty="0" smtClean="0"/>
+            <a:endParaRPr lang="en-US" sz="1200" b="1" dirty="0"/>
           </a:p>
           <a:p>
             <a:pPr marL="1200150" lvl="2" indent="-285750">
@@ -16218,7 +16360,7 @@
               <a:buChar char="•"/>
             </a:pPr>
             <a:r>
-              <a:rPr lang="en-US" sz="1600" dirty="0" smtClean="0">
+              <a:rPr lang="en-US" sz="1600" b="1" dirty="0">
                 <a:solidFill>
                   <a:srgbClr val="17375E"/>
                 </a:solidFill>
@@ -16232,12 +16374,12 @@
               <a:buChar char="•"/>
             </a:pPr>
             <a:r>
-              <a:rPr lang="en-US" sz="1600" dirty="0" smtClean="0">
+              <a:rPr lang="en-US" sz="1600" dirty="0">
                 <a:solidFill>
                   <a:srgbClr val="17375E"/>
                 </a:solidFill>
               </a:rPr>
-              <a:t>Accurate, if the simulation mesh and time were sufficiently large.</a:t>
+              <a:t>Accurate, if the simulation mesh and time were sufficiently large…</a:t>
             </a:r>
           </a:p>
           <a:p>
@@ -16245,44 +16387,47 @@
               <a:buFont typeface="Arial" panose="020B0604020202020204" pitchFamily="34" charset="0"/>
               <a:buChar char="•"/>
             </a:pPr>
-            <a:endParaRPr lang="en-US" sz="1600" dirty="0" smtClean="0">
+            <a:r>
+              <a:rPr lang="en-US" sz="1600" dirty="0">
+                <a:solidFill>
+                  <a:srgbClr val="17375E"/>
+                </a:solidFill>
+              </a:rPr>
+              <a:t>Can be used to simulated complex apodization provide.</a:t>
+            </a:r>
+          </a:p>
+          <a:p>
+            <a:pPr marL="1200150" lvl="2" indent="-285750">
+              <a:buFont typeface="Arial" panose="020B0604020202020204" pitchFamily="34" charset="0"/>
+              <a:buChar char="•"/>
+            </a:pPr>
+            <a:endParaRPr lang="en-US" sz="1600" dirty="0">
               <a:solidFill>
                 <a:srgbClr val="17375E"/>
               </a:solidFill>
             </a:endParaRPr>
           </a:p>
           <a:p>
+            <a:pPr marL="742950" lvl="1" indent="-285750">
+              <a:buFont typeface="Arial" panose="020B0604020202020204" pitchFamily="34" charset="0"/>
+              <a:buChar char="•"/>
+            </a:pPr>
+            <a:r>
+              <a:rPr lang="en-US" sz="1600" b="1" dirty="0">
+                <a:solidFill>
+                  <a:srgbClr val="17375E"/>
+                </a:solidFill>
+              </a:rPr>
+              <a:t>Disadvantages:</a:t>
+            </a:r>
+          </a:p>
+          <a:p>
             <a:pPr marL="1200150" lvl="2" indent="-285750">
               <a:buFont typeface="Arial" panose="020B0604020202020204" pitchFamily="34" charset="0"/>
               <a:buChar char="•"/>
             </a:pPr>
-            <a:endParaRPr lang="en-US" sz="1600" dirty="0" smtClean="0">
-              <a:solidFill>
-                <a:srgbClr val="17375E"/>
-              </a:solidFill>
-            </a:endParaRPr>
-          </a:p>
-          <a:p>
-            <a:pPr marL="742950" lvl="1" indent="-285750">
-              <a:buFont typeface="Arial" panose="020B0604020202020204" pitchFamily="34" charset="0"/>
-              <a:buChar char="•"/>
-            </a:pPr>
-            <a:r>
-              <a:rPr lang="en-US" sz="1600" dirty="0" smtClean="0">
-                <a:solidFill>
-                  <a:srgbClr val="17375E"/>
-                </a:solidFill>
-              </a:rPr>
-              <a:t>Disadvantages:</a:t>
-            </a:r>
-          </a:p>
-          <a:p>
-            <a:pPr marL="1200150" lvl="2" indent="-285750">
-              <a:buFont typeface="Arial" panose="020B0604020202020204" pitchFamily="34" charset="0"/>
-              <a:buChar char="•"/>
-            </a:pPr>
-            <a:r>
-              <a:rPr lang="en-US" sz="1600" dirty="0" smtClean="0">
+            <a:r>
+              <a:rPr lang="en-US" sz="1600" dirty="0">
                 <a:solidFill>
                   <a:srgbClr val="17375E"/>
                 </a:solidFill>
@@ -16292,6 +16437,36 @@
           </a:p>
         </p:txBody>
       </p:sp>
+      <p:pic>
+        <p:nvPicPr>
+          <p:cNvPr id="3" name="Picture 2">
+            <a:extLst>
+              <a:ext uri="{FF2B5EF4-FFF2-40B4-BE49-F238E27FC236}">
+                <a16:creationId xmlns:a16="http://schemas.microsoft.com/office/drawing/2014/main" id="{A05DA367-5330-424B-BC4D-F0725709E5A8}"/>
+              </a:ext>
+            </a:extLst>
+          </p:cNvPr>
+          <p:cNvPicPr>
+            <a:picLocks noChangeAspect="1"/>
+          </p:cNvPicPr>
+          <p:nvPr/>
+        </p:nvPicPr>
+        <p:blipFill>
+          <a:blip r:embed="rId3"/>
+          <a:stretch>
+            <a:fillRect/>
+          </a:stretch>
+        </p:blipFill>
+        <p:spPr>
+          <a:xfrm>
+            <a:off x="5584830" y="3393733"/>
+            <a:ext cx="3559170" cy="2650266"/>
+          </a:xfrm>
+          <a:prstGeom prst="rect">
+            <a:avLst/>
+          </a:prstGeom>
+        </p:spPr>
+      </p:pic>
     </p:spTree>
     <p:extLst>
       <p:ext uri="{BB962C8B-B14F-4D97-AF65-F5344CB8AC3E}">
@@ -16350,13 +16525,8 @@
           <a:p>
             <a:r>
               <a:rPr lang="en-CA" dirty="0"/>
-              <a:t>Bragg Gratings: </a:t>
-            </a:r>
-            <a:r>
-              <a:rPr lang="en-CA" dirty="0" smtClean="0"/>
-              <a:t>FDTD</a:t>
-            </a:r>
-            <a:endParaRPr lang="en-CA" dirty="0"/>
+              <a:t>Bragg Gratings: 3D/2D FDTD</a:t>
+            </a:r>
           </a:p>
         </p:txBody>
       </p:sp>
@@ -16438,7 +16608,7 @@
         <p:spPr>
           <a:xfrm>
             <a:off x="107504" y="1250160"/>
-            <a:ext cx="9036496" cy="1077218"/>
+            <a:ext cx="9036496" cy="2062103"/>
           </a:xfrm>
           <a:prstGeom prst="rect">
             <a:avLst/>
@@ -16456,7 +16626,7 @@
               <a:buChar char="•"/>
             </a:pPr>
             <a:r>
-              <a:rPr lang="en-US" sz="1600" dirty="0" smtClean="0">
+              <a:rPr lang="en-US" sz="1600" dirty="0">
                 <a:solidFill>
                   <a:srgbClr val="17375E"/>
                 </a:solidFill>
@@ -16464,7 +16634,7 @@
               <a:t>Open FDTD project </a:t>
             </a:r>
             <a:r>
-              <a:rPr lang="en-US" sz="1600" b="1" dirty="0" err="1" smtClean="0">
+              <a:rPr lang="en-US" sz="1600" b="1" dirty="0" err="1">
                 <a:solidFill>
                   <a:srgbClr val="17375E"/>
                 </a:solidFill>
@@ -16472,7 +16642,7 @@
               <a:t>MAIN_FDTD.fsp</a:t>
             </a:r>
             <a:r>
-              <a:rPr lang="en-US" sz="1600" b="1" dirty="0" smtClean="0">
+              <a:rPr lang="en-US" sz="1600" b="1" dirty="0">
                 <a:solidFill>
                   <a:srgbClr val="17375E"/>
                 </a:solidFill>
@@ -16480,23 +16650,15 @@
               <a:t> </a:t>
             </a:r>
             <a:r>
-              <a:rPr lang="en-US" sz="1600" dirty="0" smtClean="0">
+              <a:rPr lang="en-US" sz="1600" dirty="0">
                 <a:solidFill>
                   <a:srgbClr val="17375E"/>
                 </a:solidFill>
               </a:rPr>
-              <a:t>and Run </a:t>
-            </a:r>
-            <a:r>
-              <a:rPr lang="en-US" sz="1600" dirty="0" smtClean="0">
-                <a:solidFill>
-                  <a:srgbClr val="17375E"/>
-                </a:solidFill>
-              </a:rPr>
-              <a:t>sample code </a:t>
-            </a:r>
-            <a:r>
-              <a:rPr lang="en-US" sz="1600" b="1" i="1" dirty="0" smtClean="0">
+              <a:t>and Run sample code </a:t>
+            </a:r>
+            <a:r>
+              <a:rPr lang="en-US" sz="1600" b="1" i="1" dirty="0">
                 <a:solidFill>
                   <a:srgbClr val="17375E"/>
                 </a:solidFill>
@@ -16504,7 +16666,7 @@
               <a:t> </a:t>
             </a:r>
             <a:r>
-              <a:rPr lang="en-US" sz="1600" b="1" i="1" dirty="0" err="1" smtClean="0">
+              <a:rPr lang="en-US" sz="1600" b="1" i="1" dirty="0" err="1">
                 <a:solidFill>
                   <a:srgbClr val="17375E"/>
                 </a:solidFill>
@@ -16522,7 +16684,7 @@
               <a:buFont typeface="Arial" panose="020B0604020202020204" pitchFamily="34" charset="0"/>
               <a:buChar char="•"/>
             </a:pPr>
-            <a:endParaRPr lang="en-US" sz="1600" b="1" i="1" dirty="0" smtClean="0">
+            <a:endParaRPr lang="en-US" sz="1600" b="1" i="1" dirty="0">
               <a:solidFill>
                 <a:srgbClr val="17375E"/>
               </a:solidFill>
@@ -16534,7 +16696,7 @@
               <a:buChar char="•"/>
             </a:pPr>
             <a:r>
-              <a:rPr lang="en-US" sz="1600" dirty="0" smtClean="0">
+              <a:rPr lang="en-US" sz="1600" b="1" dirty="0">
                 <a:solidFill>
                   <a:srgbClr val="17375E"/>
                 </a:solidFill>
@@ -16548,25 +16710,898 @@
               <a:buChar char="•"/>
             </a:pPr>
             <a:r>
-              <a:rPr lang="en-US" sz="1600" dirty="0" smtClean="0">
+              <a:rPr lang="en-US" sz="1600" dirty="0">
                 <a:solidFill>
                   <a:srgbClr val="17375E"/>
                 </a:solidFill>
               </a:rPr>
               <a:t>Device physical parameters</a:t>
             </a:r>
+          </a:p>
+          <a:p>
+            <a:pPr marL="1200150" lvl="2" indent="-285750">
+              <a:buFont typeface="Arial" panose="020B0604020202020204" pitchFamily="34" charset="0"/>
+              <a:buChar char="•"/>
+            </a:pPr>
+            <a:r>
+              <a:rPr lang="en-US" sz="1600" dirty="0">
+                <a:solidFill>
+                  <a:srgbClr val="17375E"/>
+                </a:solidFill>
+              </a:rPr>
+              <a:t>Simulation parameters</a:t>
+            </a:r>
+          </a:p>
+          <a:p>
+            <a:pPr marL="1200150" lvl="2" indent="-285750">
+              <a:buFont typeface="Arial" panose="020B0604020202020204" pitchFamily="34" charset="0"/>
+              <a:buChar char="•"/>
+            </a:pPr>
             <a:endParaRPr lang="en-US" sz="1600" dirty="0">
               <a:solidFill>
                 <a:srgbClr val="17375E"/>
               </a:solidFill>
             </a:endParaRPr>
           </a:p>
-        </p:txBody>
-      </p:sp>
+          <a:p>
+            <a:pPr marL="742950" lvl="1" indent="-285750">
+              <a:buFont typeface="Arial" panose="020B0604020202020204" pitchFamily="34" charset="0"/>
+              <a:buChar char="•"/>
+            </a:pPr>
+            <a:r>
+              <a:rPr lang="en-US" sz="1600" dirty="0">
+                <a:solidFill>
+                  <a:srgbClr val="17375E"/>
+                </a:solidFill>
+              </a:rPr>
+              <a:t>You can create an S-parameters sweep as well.</a:t>
+            </a:r>
+          </a:p>
+          <a:p>
+            <a:pPr marL="1200150" lvl="2" indent="-285750">
+              <a:buFont typeface="Arial" panose="020B0604020202020204" pitchFamily="34" charset="0"/>
+              <a:buChar char="•"/>
+            </a:pPr>
+            <a:r>
+              <a:rPr lang="en-US" sz="1600" dirty="0">
+                <a:solidFill>
+                  <a:srgbClr val="17375E"/>
+                </a:solidFill>
+              </a:rPr>
+              <a:t>You can use ports symmetry.</a:t>
+            </a:r>
+          </a:p>
+        </p:txBody>
+      </p:sp>
+      <p:sp>
+        <p:nvSpPr>
+          <p:cNvPr id="7" name="TextBox 6">
+            <a:extLst>
+              <a:ext uri="{FF2B5EF4-FFF2-40B4-BE49-F238E27FC236}">
+                <a16:creationId xmlns:a16="http://schemas.microsoft.com/office/drawing/2014/main" id="{E4BBB164-1407-49FB-B38B-1892BB440EA4}"/>
+              </a:ext>
+            </a:extLst>
+          </p:cNvPr>
+          <p:cNvSpPr txBox="1"/>
+          <p:nvPr/>
+        </p:nvSpPr>
+        <p:spPr>
+          <a:xfrm>
+            <a:off x="7881" y="5445224"/>
+            <a:ext cx="5068175" cy="646331"/>
+          </a:xfrm>
+          <a:prstGeom prst="rect">
+            <a:avLst/>
+          </a:prstGeom>
+          <a:noFill/>
+        </p:spPr>
+        <p:txBody>
+          <a:bodyPr wrap="square" rtlCol="0">
+            <a:spAutoFit/>
+          </a:bodyPr>
+          <a:lstStyle/>
+          <a:p>
+            <a:r>
+              <a:rPr lang="en-US" sz="1200" dirty="0"/>
+              <a:t>* There are rarely times you need to actually use 3D FDTD to simulate an entire length of a Bragg grating device. The example is added here for illustrating the inefficiency of the method relative to other methods.</a:t>
+            </a:r>
+          </a:p>
+        </p:txBody>
+      </p:sp>
+      <p:pic>
+        <p:nvPicPr>
+          <p:cNvPr id="3" name="Picture 2">
+            <a:extLst>
+              <a:ext uri="{FF2B5EF4-FFF2-40B4-BE49-F238E27FC236}">
+                <a16:creationId xmlns:a16="http://schemas.microsoft.com/office/drawing/2014/main" id="{8BD1A70C-CD32-4961-B0B0-42103752BF74}"/>
+              </a:ext>
+            </a:extLst>
+          </p:cNvPr>
+          <p:cNvPicPr>
+            <a:picLocks noChangeAspect="1"/>
+          </p:cNvPicPr>
+          <p:nvPr/>
+        </p:nvPicPr>
+        <p:blipFill>
+          <a:blip r:embed="rId3"/>
+          <a:stretch>
+            <a:fillRect/>
+          </a:stretch>
+        </p:blipFill>
+        <p:spPr>
+          <a:xfrm>
+            <a:off x="6426295" y="1862846"/>
+            <a:ext cx="2586526" cy="4176462"/>
+          </a:xfrm>
+          <a:prstGeom prst="rect">
+            <a:avLst/>
+          </a:prstGeom>
+        </p:spPr>
+      </p:pic>
     </p:spTree>
     <p:extLst>
       <p:ext uri="{BB962C8B-B14F-4D97-AF65-F5344CB8AC3E}">
         <p14:creationId xmlns:p14="http://schemas.microsoft.com/office/powerpoint/2010/main" val="192959779"/>
+      </p:ext>
+    </p:extLst>
+  </p:cSld>
+  <p:clrMapOvr>
+    <a:masterClrMapping/>
+  </p:clrMapOvr>
+</p:sld>
+</file>
+
+<file path=ppt/slides/slide12.xml><?xml version="1.0" encoding="utf-8"?>
+<p:sld xmlns:a="http://schemas.openxmlformats.org/drawingml/2006/main" xmlns:r="http://schemas.openxmlformats.org/officeDocument/2006/relationships" xmlns:p="http://schemas.openxmlformats.org/presentationml/2006/main">
+  <p:cSld>
+    <p:spTree>
+      <p:nvGrpSpPr>
+        <p:cNvPr id="1" name=""/>
+        <p:cNvGrpSpPr/>
+        <p:nvPr/>
+      </p:nvGrpSpPr>
+      <p:grpSpPr>
+        <a:xfrm>
+          <a:off x="0" y="0"/>
+          <a:ext cx="0" cy="0"/>
+          <a:chOff x="0" y="0"/>
+          <a:chExt cx="0" cy="0"/>
+        </a:xfrm>
+      </p:grpSpPr>
+      <p:sp>
+        <p:nvSpPr>
+          <p:cNvPr id="2" name="Title 1">
+            <a:extLst>
+              <a:ext uri="{FF2B5EF4-FFF2-40B4-BE49-F238E27FC236}">
+                <a16:creationId xmlns:a16="http://schemas.microsoft.com/office/drawing/2014/main" id="{8EE2F135-273E-4834-B6F0-3D0858F133DF}"/>
+              </a:ext>
+            </a:extLst>
+          </p:cNvPr>
+          <p:cNvSpPr>
+            <a:spLocks noGrp="1"/>
+          </p:cNvSpPr>
+          <p:nvPr>
+            <p:ph type="title"/>
+          </p:nvPr>
+        </p:nvSpPr>
+        <p:spPr>
+          <a:xfrm>
+            <a:off x="457200" y="274638"/>
+            <a:ext cx="8291264" cy="1143000"/>
+          </a:xfrm>
+        </p:spPr>
+        <p:txBody>
+          <a:bodyPr/>
+          <a:lstStyle/>
+          <a:p>
+            <a:r>
+              <a:rPr lang="en-CA" dirty="0"/>
+              <a:t>Bragg Gratings: FDTD Bloch Boundary</a:t>
+            </a:r>
+          </a:p>
+        </p:txBody>
+      </p:sp>
+      <p:sp>
+        <p:nvSpPr>
+          <p:cNvPr id="4" name="Slide Number Placeholder 3">
+            <a:extLst>
+              <a:ext uri="{FF2B5EF4-FFF2-40B4-BE49-F238E27FC236}">
+                <a16:creationId xmlns:a16="http://schemas.microsoft.com/office/drawing/2014/main" id="{181E9F38-6DC0-4C01-A41D-AB533D6FEA17}"/>
+              </a:ext>
+            </a:extLst>
+          </p:cNvPr>
+          <p:cNvSpPr>
+            <a:spLocks noGrp="1"/>
+          </p:cNvSpPr>
+          <p:nvPr>
+            <p:ph type="sldNum" sz="quarter" idx="12"/>
+          </p:nvPr>
+        </p:nvSpPr>
+        <p:spPr/>
+        <p:txBody>
+          <a:bodyPr/>
+          <a:lstStyle/>
+          <a:p>
+            <a:fld id="{17BB8376-F12B-CB44-BE0C-DBE0A170CA7C}" type="slidenum">
+              <a:rPr lang="en-US" altLang="zh-CN" smtClean="0"/>
+              <a:pPr/>
+              <a:t>12</a:t>
+            </a:fld>
+            <a:endParaRPr lang="en-US" altLang="zh-CN"/>
+          </a:p>
+        </p:txBody>
+      </p:sp>
+      <p:sp>
+        <p:nvSpPr>
+          <p:cNvPr id="6" name="Footer Placeholder 2">
+            <a:extLst>
+              <a:ext uri="{FF2B5EF4-FFF2-40B4-BE49-F238E27FC236}">
+                <a16:creationId xmlns:a16="http://schemas.microsoft.com/office/drawing/2014/main" id="{81E21CDC-8116-449C-AF50-F12DB1CAE886}"/>
+              </a:ext>
+            </a:extLst>
+          </p:cNvPr>
+          <p:cNvSpPr>
+            <a:spLocks noGrp="1"/>
+          </p:cNvSpPr>
+          <p:nvPr>
+            <p:ph type="ftr" sz="quarter" idx="11"/>
+          </p:nvPr>
+        </p:nvSpPr>
+        <p:spPr>
+          <a:xfrm>
+            <a:off x="7452320" y="0"/>
+            <a:ext cx="1691680" cy="365125"/>
+          </a:xfrm>
+        </p:spPr>
+        <p:txBody>
+          <a:bodyPr/>
+          <a:lstStyle/>
+          <a:p>
+            <a:r>
+              <a:rPr lang="en-US" altLang="zh-CN" dirty="0"/>
+              <a:t> M. Hammood ©2020</a:t>
+            </a:r>
+          </a:p>
+        </p:txBody>
+      </p:sp>
+      <p:sp>
+        <p:nvSpPr>
+          <p:cNvPr id="7" name="TextBox 6">
+            <a:extLst>
+              <a:ext uri="{FF2B5EF4-FFF2-40B4-BE49-F238E27FC236}">
+                <a16:creationId xmlns:a16="http://schemas.microsoft.com/office/drawing/2014/main" id="{9AC1B49E-B2DD-4EBF-8C05-7CEEC47B1267}"/>
+              </a:ext>
+            </a:extLst>
+          </p:cNvPr>
+          <p:cNvSpPr txBox="1"/>
+          <p:nvPr/>
+        </p:nvSpPr>
+        <p:spPr>
+          <a:xfrm>
+            <a:off x="107504" y="1250160"/>
+            <a:ext cx="6120680" cy="4216539"/>
+          </a:xfrm>
+          <a:prstGeom prst="rect">
+            <a:avLst/>
+          </a:prstGeom>
+          <a:noFill/>
+        </p:spPr>
+        <p:txBody>
+          <a:bodyPr wrap="square" rtlCol="0">
+            <a:spAutoFit/>
+          </a:bodyPr>
+          <a:lstStyle/>
+          <a:p>
+            <a:pPr marL="742950" lvl="1" indent="-285750">
+              <a:buFont typeface="Arial" panose="020B0604020202020204" pitchFamily="34" charset="0"/>
+              <a:buChar char="•"/>
+            </a:pPr>
+            <a:r>
+              <a:rPr lang="en-US" sz="1600" b="1" dirty="0">
+                <a:solidFill>
+                  <a:srgbClr val="17375E"/>
+                </a:solidFill>
+              </a:rPr>
+              <a:t>Uses FDTD solver:</a:t>
+            </a:r>
+          </a:p>
+          <a:p>
+            <a:pPr marL="1200150" lvl="2" indent="-285750">
+              <a:buFont typeface="Arial" panose="020B0604020202020204" pitchFamily="34" charset="0"/>
+              <a:buChar char="•"/>
+            </a:pPr>
+            <a:r>
+              <a:rPr lang="en-US" sz="1600" dirty="0">
+                <a:solidFill>
+                  <a:srgbClr val="17375E"/>
+                </a:solidFill>
+              </a:rPr>
+              <a:t>Simulating one unit cell of a grating over an infinite length.</a:t>
+            </a:r>
+          </a:p>
+          <a:p>
+            <a:pPr marL="1200150" lvl="2" indent="-285750">
+              <a:buFont typeface="Arial" panose="020B0604020202020204" pitchFamily="34" charset="0"/>
+              <a:buChar char="•"/>
+            </a:pPr>
+            <a:endParaRPr lang="en-US" sz="1200" b="1" dirty="0"/>
+          </a:p>
+          <a:p>
+            <a:pPr marL="1200150" lvl="2" indent="-285750">
+              <a:buFont typeface="Arial" panose="020B0604020202020204" pitchFamily="34" charset="0"/>
+              <a:buChar char="•"/>
+            </a:pPr>
+            <a:endParaRPr lang="en-US" sz="1600" dirty="0">
+              <a:solidFill>
+                <a:srgbClr val="17375E"/>
+              </a:solidFill>
+            </a:endParaRPr>
+          </a:p>
+          <a:p>
+            <a:pPr marL="742950" lvl="1" indent="-285750">
+              <a:buFont typeface="Arial" panose="020B0604020202020204" pitchFamily="34" charset="0"/>
+              <a:buChar char="•"/>
+            </a:pPr>
+            <a:r>
+              <a:rPr lang="en-US" sz="1600" b="1" dirty="0">
+                <a:solidFill>
+                  <a:srgbClr val="17375E"/>
+                </a:solidFill>
+              </a:rPr>
+              <a:t>Advantages:</a:t>
+            </a:r>
+          </a:p>
+          <a:p>
+            <a:pPr marL="1200150" lvl="2" indent="-285750">
+              <a:buFont typeface="Arial" panose="020B0604020202020204" pitchFamily="34" charset="0"/>
+              <a:buChar char="•"/>
+            </a:pPr>
+            <a:r>
+              <a:rPr lang="en-US" sz="1600" dirty="0">
+                <a:solidFill>
+                  <a:srgbClr val="17375E"/>
+                </a:solidFill>
+              </a:rPr>
+              <a:t>Relatively fast simulation with the most accurate results.</a:t>
+            </a:r>
+          </a:p>
+          <a:p>
+            <a:pPr marL="1200150" lvl="2" indent="-285750">
+              <a:buFont typeface="Arial" panose="020B0604020202020204" pitchFamily="34" charset="0"/>
+              <a:buChar char="•"/>
+            </a:pPr>
+            <a:endParaRPr lang="en-US" sz="1600" dirty="0">
+              <a:solidFill>
+                <a:srgbClr val="17375E"/>
+              </a:solidFill>
+            </a:endParaRPr>
+          </a:p>
+          <a:p>
+            <a:pPr marL="1200150" lvl="2" indent="-285750">
+              <a:buFont typeface="Arial" panose="020B0604020202020204" pitchFamily="34" charset="0"/>
+              <a:buChar char="•"/>
+            </a:pPr>
+            <a:r>
+              <a:rPr lang="en-US" sz="1600" dirty="0">
+                <a:solidFill>
+                  <a:srgbClr val="17375E"/>
+                </a:solidFill>
+              </a:rPr>
+              <a:t>Can be used to perform various parametric sweeps.</a:t>
+            </a:r>
+          </a:p>
+          <a:p>
+            <a:pPr marL="1200150" lvl="2" indent="-285750">
+              <a:buFont typeface="Arial" panose="020B0604020202020204" pitchFamily="34" charset="0"/>
+              <a:buChar char="•"/>
+            </a:pPr>
+            <a:endParaRPr lang="en-US" sz="1600" dirty="0">
+              <a:solidFill>
+                <a:srgbClr val="17375E"/>
+              </a:solidFill>
+            </a:endParaRPr>
+          </a:p>
+          <a:p>
+            <a:pPr marL="1200150" lvl="2" indent="-285750">
+              <a:buFont typeface="Arial" panose="020B0604020202020204" pitchFamily="34" charset="0"/>
+              <a:buChar char="•"/>
+            </a:pPr>
+            <a:endParaRPr lang="en-US" sz="1600" dirty="0">
+              <a:solidFill>
+                <a:srgbClr val="17375E"/>
+              </a:solidFill>
+            </a:endParaRPr>
+          </a:p>
+          <a:p>
+            <a:pPr marL="742950" lvl="1" indent="-285750">
+              <a:buFont typeface="Arial" panose="020B0604020202020204" pitchFamily="34" charset="0"/>
+              <a:buChar char="•"/>
+            </a:pPr>
+            <a:r>
+              <a:rPr lang="en-US" sz="1600" b="1" dirty="0">
+                <a:solidFill>
+                  <a:srgbClr val="17375E"/>
+                </a:solidFill>
+              </a:rPr>
+              <a:t>Disadvantages:</a:t>
+            </a:r>
+          </a:p>
+          <a:p>
+            <a:pPr marL="1200150" lvl="2" indent="-285750">
+              <a:buFont typeface="Arial" panose="020B0604020202020204" pitchFamily="34" charset="0"/>
+              <a:buChar char="•"/>
+            </a:pPr>
+            <a:r>
+              <a:rPr lang="en-US" sz="1600" dirty="0">
+                <a:solidFill>
+                  <a:srgbClr val="17375E"/>
+                </a:solidFill>
+              </a:rPr>
+              <a:t>Cannot simulate the output spectra of advanced </a:t>
+            </a:r>
+            <a:r>
+              <a:rPr lang="en-US" sz="1600" dirty="0" err="1">
+                <a:solidFill>
+                  <a:srgbClr val="17375E"/>
+                </a:solidFill>
+              </a:rPr>
+              <a:t>apodized</a:t>
+            </a:r>
+            <a:r>
+              <a:rPr lang="en-US" sz="1600" dirty="0">
+                <a:solidFill>
+                  <a:srgbClr val="17375E"/>
+                </a:solidFill>
+              </a:rPr>
+              <a:t> devices (directly).</a:t>
+            </a:r>
+          </a:p>
+          <a:p>
+            <a:pPr marL="1200150" lvl="2" indent="-285750">
+              <a:buFont typeface="Arial" panose="020B0604020202020204" pitchFamily="34" charset="0"/>
+              <a:buChar char="•"/>
+            </a:pPr>
+            <a:endParaRPr lang="en-US" sz="1600" dirty="0">
+              <a:solidFill>
+                <a:srgbClr val="17375E"/>
+              </a:solidFill>
+            </a:endParaRPr>
+          </a:p>
+          <a:p>
+            <a:pPr marL="1200150" lvl="2" indent="-285750">
+              <a:buFont typeface="Arial" panose="020B0604020202020204" pitchFamily="34" charset="0"/>
+              <a:buChar char="•"/>
+            </a:pPr>
+            <a:r>
+              <a:rPr lang="en-US" sz="1600" dirty="0">
+                <a:solidFill>
+                  <a:srgbClr val="17375E"/>
+                </a:solidFill>
+              </a:rPr>
+              <a:t>Does not show the output spectra of the device</a:t>
+            </a:r>
+          </a:p>
+        </p:txBody>
+      </p:sp>
+      <p:pic>
+        <p:nvPicPr>
+          <p:cNvPr id="3" name="Picture 2">
+            <a:extLst>
+              <a:ext uri="{FF2B5EF4-FFF2-40B4-BE49-F238E27FC236}">
+                <a16:creationId xmlns:a16="http://schemas.microsoft.com/office/drawing/2014/main" id="{AAD09C47-DDC9-4E62-B885-AA5047ADC8F7}"/>
+              </a:ext>
+            </a:extLst>
+          </p:cNvPr>
+          <p:cNvPicPr>
+            <a:picLocks noChangeAspect="1"/>
+          </p:cNvPicPr>
+          <p:nvPr/>
+        </p:nvPicPr>
+        <p:blipFill>
+          <a:blip r:embed="rId3"/>
+          <a:stretch>
+            <a:fillRect/>
+          </a:stretch>
+        </p:blipFill>
+        <p:spPr>
+          <a:xfrm>
+            <a:off x="6156176" y="1623079"/>
+            <a:ext cx="2961183" cy="4026171"/>
+          </a:xfrm>
+          <a:prstGeom prst="rect">
+            <a:avLst/>
+          </a:prstGeom>
+        </p:spPr>
+      </p:pic>
+    </p:spTree>
+    <p:extLst>
+      <p:ext uri="{BB962C8B-B14F-4D97-AF65-F5344CB8AC3E}">
+        <p14:creationId xmlns:p14="http://schemas.microsoft.com/office/powerpoint/2010/main" val="251088980"/>
+      </p:ext>
+    </p:extLst>
+  </p:cSld>
+  <p:clrMapOvr>
+    <a:masterClrMapping/>
+  </p:clrMapOvr>
+</p:sld>
+</file>
+
+<file path=ppt/slides/slide13.xml><?xml version="1.0" encoding="utf-8"?>
+<p:sld xmlns:a="http://schemas.openxmlformats.org/drawingml/2006/main" xmlns:r="http://schemas.openxmlformats.org/officeDocument/2006/relationships" xmlns:p="http://schemas.openxmlformats.org/presentationml/2006/main">
+  <p:cSld>
+    <p:spTree>
+      <p:nvGrpSpPr>
+        <p:cNvPr id="1" name=""/>
+        <p:cNvGrpSpPr/>
+        <p:nvPr/>
+      </p:nvGrpSpPr>
+      <p:grpSpPr>
+        <a:xfrm>
+          <a:off x="0" y="0"/>
+          <a:ext cx="0" cy="0"/>
+          <a:chOff x="0" y="0"/>
+          <a:chExt cx="0" cy="0"/>
+        </a:xfrm>
+      </p:grpSpPr>
+      <p:sp>
+        <p:nvSpPr>
+          <p:cNvPr id="2" name="Title 1">
+            <a:extLst>
+              <a:ext uri="{FF2B5EF4-FFF2-40B4-BE49-F238E27FC236}">
+                <a16:creationId xmlns:a16="http://schemas.microsoft.com/office/drawing/2014/main" id="{8EE2F135-273E-4834-B6F0-3D0858F133DF}"/>
+              </a:ext>
+            </a:extLst>
+          </p:cNvPr>
+          <p:cNvSpPr>
+            <a:spLocks noGrp="1"/>
+          </p:cNvSpPr>
+          <p:nvPr>
+            <p:ph type="title"/>
+          </p:nvPr>
+        </p:nvSpPr>
+        <p:spPr>
+          <a:xfrm>
+            <a:off x="457200" y="274638"/>
+            <a:ext cx="8291264" cy="1143000"/>
+          </a:xfrm>
+        </p:spPr>
+        <p:txBody>
+          <a:bodyPr/>
+          <a:lstStyle/>
+          <a:p>
+            <a:r>
+              <a:rPr lang="en-CA" dirty="0"/>
+              <a:t>Bragg Gratings: FDTD Bloch Boundary</a:t>
+            </a:r>
+          </a:p>
+        </p:txBody>
+      </p:sp>
+      <p:sp>
+        <p:nvSpPr>
+          <p:cNvPr id="4" name="Slide Number Placeholder 3">
+            <a:extLst>
+              <a:ext uri="{FF2B5EF4-FFF2-40B4-BE49-F238E27FC236}">
+                <a16:creationId xmlns:a16="http://schemas.microsoft.com/office/drawing/2014/main" id="{181E9F38-6DC0-4C01-A41D-AB533D6FEA17}"/>
+              </a:ext>
+            </a:extLst>
+          </p:cNvPr>
+          <p:cNvSpPr>
+            <a:spLocks noGrp="1"/>
+          </p:cNvSpPr>
+          <p:nvPr>
+            <p:ph type="sldNum" sz="quarter" idx="12"/>
+          </p:nvPr>
+        </p:nvSpPr>
+        <p:spPr/>
+        <p:txBody>
+          <a:bodyPr/>
+          <a:lstStyle/>
+          <a:p>
+            <a:fld id="{17BB8376-F12B-CB44-BE0C-DBE0A170CA7C}" type="slidenum">
+              <a:rPr lang="en-US" altLang="zh-CN" smtClean="0"/>
+              <a:pPr/>
+              <a:t>13</a:t>
+            </a:fld>
+            <a:endParaRPr lang="en-US" altLang="zh-CN"/>
+          </a:p>
+        </p:txBody>
+      </p:sp>
+      <p:sp>
+        <p:nvSpPr>
+          <p:cNvPr id="6" name="Footer Placeholder 2">
+            <a:extLst>
+              <a:ext uri="{FF2B5EF4-FFF2-40B4-BE49-F238E27FC236}">
+                <a16:creationId xmlns:a16="http://schemas.microsoft.com/office/drawing/2014/main" id="{81E21CDC-8116-449C-AF50-F12DB1CAE886}"/>
+              </a:ext>
+            </a:extLst>
+          </p:cNvPr>
+          <p:cNvSpPr>
+            <a:spLocks noGrp="1"/>
+          </p:cNvSpPr>
+          <p:nvPr>
+            <p:ph type="ftr" sz="quarter" idx="11"/>
+          </p:nvPr>
+        </p:nvSpPr>
+        <p:spPr>
+          <a:xfrm>
+            <a:off x="7452320" y="0"/>
+            <a:ext cx="1691680" cy="365125"/>
+          </a:xfrm>
+        </p:spPr>
+        <p:txBody>
+          <a:bodyPr/>
+          <a:lstStyle/>
+          <a:p>
+            <a:r>
+              <a:rPr lang="en-US" altLang="zh-CN" dirty="0"/>
+              <a:t> M. Hammood ©2020</a:t>
+            </a:r>
+          </a:p>
+        </p:txBody>
+      </p:sp>
+      <p:sp>
+        <p:nvSpPr>
+          <p:cNvPr id="7" name="TextBox 6">
+            <a:extLst>
+              <a:ext uri="{FF2B5EF4-FFF2-40B4-BE49-F238E27FC236}">
+                <a16:creationId xmlns:a16="http://schemas.microsoft.com/office/drawing/2014/main" id="{9AC1B49E-B2DD-4EBF-8C05-7CEEC47B1267}"/>
+              </a:ext>
+            </a:extLst>
+          </p:cNvPr>
+          <p:cNvSpPr txBox="1"/>
+          <p:nvPr/>
+        </p:nvSpPr>
+        <p:spPr>
+          <a:xfrm>
+            <a:off x="107504" y="1250160"/>
+            <a:ext cx="8640960" cy="2062103"/>
+          </a:xfrm>
+          <a:prstGeom prst="rect">
+            <a:avLst/>
+          </a:prstGeom>
+          <a:noFill/>
+        </p:spPr>
+        <p:txBody>
+          <a:bodyPr wrap="square" rtlCol="0">
+            <a:spAutoFit/>
+          </a:bodyPr>
+          <a:lstStyle/>
+          <a:p>
+            <a:pPr marL="742950" lvl="1" indent="-285750">
+              <a:buFont typeface="Arial" panose="020B0604020202020204" pitchFamily="34" charset="0"/>
+              <a:buChar char="•"/>
+            </a:pPr>
+            <a:r>
+              <a:rPr lang="en-US" sz="1600" dirty="0">
+                <a:solidFill>
+                  <a:srgbClr val="17375E"/>
+                </a:solidFill>
+              </a:rPr>
+              <a:t>Two examples provided under ‘</a:t>
+            </a:r>
+            <a:r>
+              <a:rPr lang="en-US" sz="1600" b="1" dirty="0" err="1">
+                <a:solidFill>
+                  <a:srgbClr val="17375E"/>
+                </a:solidFill>
+              </a:rPr>
+              <a:t>Bandstructure</a:t>
+            </a:r>
+            <a:r>
+              <a:rPr lang="en-US" sz="1600" dirty="0">
+                <a:solidFill>
+                  <a:srgbClr val="17375E"/>
+                </a:solidFill>
+              </a:rPr>
+              <a:t>’</a:t>
+            </a:r>
+          </a:p>
+          <a:p>
+            <a:pPr marL="1200150" lvl="2" indent="-285750">
+              <a:buFont typeface="Arial" panose="020B0604020202020204" pitchFamily="34" charset="0"/>
+              <a:buChar char="•"/>
+            </a:pPr>
+            <a:r>
+              <a:rPr lang="en-US" sz="1600" b="1" dirty="0">
+                <a:solidFill>
+                  <a:srgbClr val="17375E"/>
+                </a:solidFill>
+              </a:rPr>
+              <a:t>Script-based: </a:t>
+            </a:r>
+            <a:r>
+              <a:rPr lang="en-US" sz="1600" dirty="0">
+                <a:solidFill>
+                  <a:srgbClr val="17375E"/>
+                </a:solidFill>
+              </a:rPr>
+              <a:t>run ‘</a:t>
+            </a:r>
+            <a:r>
+              <a:rPr lang="en-US" sz="1600" dirty="0" err="1">
+                <a:solidFill>
+                  <a:srgbClr val="17375E"/>
+                </a:solidFill>
+              </a:rPr>
+              <a:t>MAIN_Bandstructure.lsf</a:t>
+            </a:r>
+            <a:r>
+              <a:rPr lang="en-US" sz="1600" dirty="0">
+                <a:solidFill>
+                  <a:srgbClr val="17375E"/>
+                </a:solidFill>
+              </a:rPr>
+              <a:t>’ using FDTD script window with simulation and physical parameters. This is a “GUI”-less approach that will setup the simulation for you.</a:t>
+            </a:r>
+          </a:p>
+          <a:p>
+            <a:pPr marL="1200150" lvl="2" indent="-285750">
+              <a:buFont typeface="Arial" panose="020B0604020202020204" pitchFamily="34" charset="0"/>
+              <a:buChar char="•"/>
+            </a:pPr>
+            <a:endParaRPr lang="en-US" sz="1600" b="1" dirty="0">
+              <a:solidFill>
+                <a:srgbClr val="17375E"/>
+              </a:solidFill>
+            </a:endParaRPr>
+          </a:p>
+          <a:p>
+            <a:pPr marL="1200150" lvl="2" indent="-285750">
+              <a:buFont typeface="Arial" panose="020B0604020202020204" pitchFamily="34" charset="0"/>
+              <a:buChar char="•"/>
+            </a:pPr>
+            <a:r>
+              <a:rPr lang="en-US" sz="1600" b="1" dirty="0">
+                <a:solidFill>
+                  <a:srgbClr val="17375E"/>
+                </a:solidFill>
+              </a:rPr>
+              <a:t>Project-based: </a:t>
+            </a:r>
+            <a:r>
+              <a:rPr lang="en-US" sz="1600" dirty="0">
+                <a:solidFill>
+                  <a:srgbClr val="17375E"/>
+                </a:solidFill>
+              </a:rPr>
+              <a:t>open “</a:t>
+            </a:r>
+            <a:r>
+              <a:rPr lang="en-US" sz="1600" dirty="0" err="1">
+                <a:solidFill>
+                  <a:srgbClr val="17375E"/>
+                </a:solidFill>
+              </a:rPr>
+              <a:t>Bragg_bandstructure.fsp</a:t>
+            </a:r>
+            <a:r>
+              <a:rPr lang="en-US" sz="1600" dirty="0">
+                <a:solidFill>
+                  <a:srgbClr val="17375E"/>
+                </a:solidFill>
+              </a:rPr>
+              <a:t>’ using FDTD and configure the simulation settings under “model” and physical settings under “Bragg” objects.</a:t>
+            </a:r>
+          </a:p>
+          <a:p>
+            <a:pPr marL="1657350" lvl="3" indent="-285750">
+              <a:buFont typeface="Arial" panose="020B0604020202020204" pitchFamily="34" charset="0"/>
+              <a:buChar char="•"/>
+            </a:pPr>
+            <a:r>
+              <a:rPr lang="en-US" sz="1600" dirty="0">
+                <a:solidFill>
+                  <a:srgbClr val="17375E"/>
+                </a:solidFill>
+              </a:rPr>
+              <a:t>Sample parametric sweeps were setup in this project as an example.</a:t>
+            </a:r>
+          </a:p>
+        </p:txBody>
+      </p:sp>
+      <p:pic>
+        <p:nvPicPr>
+          <p:cNvPr id="3" name="Picture 2">
+            <a:extLst>
+              <a:ext uri="{FF2B5EF4-FFF2-40B4-BE49-F238E27FC236}">
+                <a16:creationId xmlns:a16="http://schemas.microsoft.com/office/drawing/2014/main" id="{CDF80598-8983-4D6F-8D1C-A256618AB41C}"/>
+              </a:ext>
+            </a:extLst>
+          </p:cNvPr>
+          <p:cNvPicPr>
+            <a:picLocks noChangeAspect="1"/>
+          </p:cNvPicPr>
+          <p:nvPr/>
+        </p:nvPicPr>
+        <p:blipFill>
+          <a:blip r:embed="rId3"/>
+          <a:stretch>
+            <a:fillRect/>
+          </a:stretch>
+        </p:blipFill>
+        <p:spPr>
+          <a:xfrm>
+            <a:off x="4609501" y="3429000"/>
+            <a:ext cx="4535488" cy="2596536"/>
+          </a:xfrm>
+          <a:prstGeom prst="rect">
+            <a:avLst/>
+          </a:prstGeom>
+        </p:spPr>
+      </p:pic>
+      <p:pic>
+        <p:nvPicPr>
+          <p:cNvPr id="8" name="Picture 7">
+            <a:extLst>
+              <a:ext uri="{FF2B5EF4-FFF2-40B4-BE49-F238E27FC236}">
+                <a16:creationId xmlns:a16="http://schemas.microsoft.com/office/drawing/2014/main" id="{52E962C7-C9D5-4E1B-A2DE-B2EE148AF758}"/>
+              </a:ext>
+            </a:extLst>
+          </p:cNvPr>
+          <p:cNvPicPr>
+            <a:picLocks noChangeAspect="1"/>
+          </p:cNvPicPr>
+          <p:nvPr/>
+        </p:nvPicPr>
+        <p:blipFill>
+          <a:blip r:embed="rId4"/>
+          <a:stretch>
+            <a:fillRect/>
+          </a:stretch>
+        </p:blipFill>
+        <p:spPr>
+          <a:xfrm>
+            <a:off x="0" y="3449282"/>
+            <a:ext cx="3137658" cy="2592286"/>
+          </a:xfrm>
+          <a:prstGeom prst="rect">
+            <a:avLst/>
+          </a:prstGeom>
+        </p:spPr>
+      </p:pic>
+      <p:cxnSp>
+        <p:nvCxnSpPr>
+          <p:cNvPr id="10" name="Straight Arrow Connector 9">
+            <a:extLst>
+              <a:ext uri="{FF2B5EF4-FFF2-40B4-BE49-F238E27FC236}">
+                <a16:creationId xmlns:a16="http://schemas.microsoft.com/office/drawing/2014/main" id="{C0662DD6-40BA-4A67-A7FF-480775F4D5A0}"/>
+              </a:ext>
+            </a:extLst>
+          </p:cNvPr>
+          <p:cNvCxnSpPr/>
+          <p:nvPr/>
+        </p:nvCxnSpPr>
+        <p:spPr>
+          <a:xfrm flipH="1">
+            <a:off x="3275856" y="4509120"/>
+            <a:ext cx="1512168" cy="0"/>
+          </a:xfrm>
+          <a:prstGeom prst="straightConnector1">
+            <a:avLst/>
+          </a:prstGeom>
+          <a:ln>
+            <a:tailEnd type="triangle"/>
+          </a:ln>
+        </p:spPr>
+        <p:style>
+          <a:lnRef idx="1">
+            <a:schemeClr val="accent1"/>
+          </a:lnRef>
+          <a:fillRef idx="0">
+            <a:schemeClr val="accent1"/>
+          </a:fillRef>
+          <a:effectRef idx="0">
+            <a:schemeClr val="accent1"/>
+          </a:effectRef>
+          <a:fontRef idx="minor">
+            <a:schemeClr val="tx1"/>
+          </a:fontRef>
+        </p:style>
+      </p:cxnSp>
+    </p:spTree>
+    <p:extLst>
+      <p:ext uri="{BB962C8B-B14F-4D97-AF65-F5344CB8AC3E}">
+        <p14:creationId xmlns:p14="http://schemas.microsoft.com/office/powerpoint/2010/main" val="999912109"/>
       </p:ext>
     </p:extLst>
   </p:cSld>
@@ -16699,7 +17734,7 @@
         <p:spPr>
           <a:xfrm>
             <a:off x="107504" y="1250160"/>
-            <a:ext cx="9036496" cy="4524315"/>
+            <a:ext cx="9036496" cy="4278094"/>
           </a:xfrm>
           <a:prstGeom prst="rect">
             <a:avLst/>
@@ -16736,21 +17771,8 @@
                   <a:srgbClr val="17375E"/>
                 </a:solidFill>
               </a:rPr>
-              <a:t>Theoretical approach: Transfer-Matrix </a:t>
-            </a:r>
-            <a:r>
-              <a:rPr lang="en-US" sz="1600" dirty="0" smtClean="0">
-                <a:solidFill>
-                  <a:srgbClr val="17375E"/>
-                </a:solidFill>
-              </a:rPr>
-              <a:t>Method (TMM)</a:t>
-            </a:r>
-            <a:endParaRPr lang="en-US" sz="1600" dirty="0">
-              <a:solidFill>
-                <a:srgbClr val="17375E"/>
-              </a:solidFill>
-            </a:endParaRPr>
+              <a:t>Theoretical approach: Transfer-Matrix Method (TMM)</a:t>
+            </a:r>
           </a:p>
           <a:p>
             <a:pPr marL="1200150" lvl="2" indent="-285750">
@@ -16763,21 +17785,8 @@
                   <a:srgbClr val="17375E"/>
                 </a:solidFill>
               </a:rPr>
-              <a:t>Theoretical approach: Coupled-mode </a:t>
-            </a:r>
-            <a:r>
-              <a:rPr lang="en-US" sz="1600" dirty="0" smtClean="0">
-                <a:solidFill>
-                  <a:srgbClr val="17375E"/>
-                </a:solidFill>
-              </a:rPr>
-              <a:t>theory (CMT)</a:t>
-            </a:r>
-            <a:endParaRPr lang="en-US" sz="1600" dirty="0">
-              <a:solidFill>
-                <a:srgbClr val="17375E"/>
-              </a:solidFill>
-            </a:endParaRPr>
+              <a:t>Theoretical approach: Coupled-mode theory (CMT)</a:t>
+            </a:r>
           </a:p>
           <a:p>
             <a:pPr marL="1657350" lvl="3" indent="-285750">
@@ -16804,21 +17813,8 @@
                   <a:srgbClr val="17375E"/>
                 </a:solidFill>
               </a:rPr>
-              <a:t>Simulation: Lumerical </a:t>
-            </a:r>
-            <a:r>
-              <a:rPr lang="en-US" sz="1600" dirty="0" smtClean="0">
-                <a:solidFill>
-                  <a:srgbClr val="17375E"/>
-                </a:solidFill>
-              </a:rPr>
-              <a:t>EME</a:t>
-            </a:r>
-            <a:endParaRPr lang="en-US" sz="1600" dirty="0">
-              <a:solidFill>
-                <a:srgbClr val="17375E"/>
-              </a:solidFill>
-            </a:endParaRPr>
+              <a:t>Simulation: Lumerical EME</a:t>
+            </a:r>
           </a:p>
           <a:p>
             <a:pPr marL="1200150" lvl="2" indent="-285750">
@@ -16831,21 +17827,24 @@
                   <a:srgbClr val="17375E"/>
                 </a:solidFill>
               </a:rPr>
-              <a:t>Simulation: Lumerical 3D </a:t>
-            </a:r>
-            <a:r>
-              <a:rPr lang="en-US" sz="1600" dirty="0" smtClean="0">
+              <a:t>Simulation: </a:t>
+            </a:r>
+            <a:r>
+              <a:rPr lang="en-US" sz="1600" dirty="0" err="1">
                 <a:solidFill>
                   <a:srgbClr val="17375E"/>
                 </a:solidFill>
               </a:rPr>
-              <a:t>FDTD</a:t>
-            </a:r>
-            <a:endParaRPr lang="en-US" sz="1600" dirty="0">
-              <a:solidFill>
-                <a:srgbClr val="17375E"/>
-              </a:solidFill>
-            </a:endParaRPr>
+              <a:t>Lumerical</a:t>
+            </a:r>
+            <a:r>
+              <a:rPr lang="en-US" sz="1600" dirty="0">
+                <a:solidFill>
+                  <a:srgbClr val="17375E"/>
+                </a:solidFill>
+              </a:rPr>
+              <a:t> 3D/2D FDTD</a:t>
+            </a:r>
           </a:p>
           <a:p>
             <a:pPr marL="1200150" lvl="2" indent="-285750">
@@ -16858,51 +17857,8 @@
                   <a:srgbClr val="17375E"/>
                 </a:solidFill>
               </a:rPr>
-              <a:t>Simulation: Lumerical 2D </a:t>
-            </a:r>
-            <a:r>
-              <a:rPr lang="en-US" sz="1600" dirty="0" smtClean="0">
-                <a:solidFill>
-                  <a:srgbClr val="17375E"/>
-                </a:solidFill>
-              </a:rPr>
-              <a:t>FDTD</a:t>
-            </a:r>
-          </a:p>
-          <a:p>
-            <a:pPr marL="1200150" lvl="2" indent="-285750">
-              <a:buFont typeface="Arial" panose="020B0604020202020204" pitchFamily="34" charset="0"/>
-              <a:buChar char="•"/>
-            </a:pPr>
-            <a:r>
-              <a:rPr lang="en-US" sz="1600" dirty="0" smtClean="0">
-                <a:solidFill>
-                  <a:srgbClr val="17375E"/>
-                </a:solidFill>
-              </a:rPr>
-              <a:t>Simulation </a:t>
-            </a:r>
-            <a:r>
-              <a:rPr lang="en-US" sz="1600" dirty="0">
-                <a:solidFill>
-                  <a:srgbClr val="17375E"/>
-                </a:solidFill>
-              </a:rPr>
-              <a:t>+ Theory: Lumerical </a:t>
-            </a:r>
-            <a:r>
-              <a:rPr lang="en-US" sz="1600" dirty="0" smtClean="0">
-                <a:solidFill>
-                  <a:srgbClr val="17375E"/>
-                </a:solidFill>
-              </a:rPr>
-              <a:t>FDTD Band-structure</a:t>
-            </a:r>
-            <a:endParaRPr lang="en-US" sz="1600" dirty="0">
-              <a:solidFill>
-                <a:srgbClr val="17375E"/>
-              </a:solidFill>
-            </a:endParaRPr>
+              <a:t>Simulation + Theory: Lumerical FDTD Band-structure</a:t>
+            </a:r>
           </a:p>
           <a:p>
             <a:pPr marL="1200150" lvl="2" indent="-285750">
@@ -16982,15 +17938,7 @@
                   <a:srgbClr val="17375E"/>
                 </a:solidFill>
               </a:rPr>
-              <a:t>Compact model generation and full-simulation </a:t>
-            </a:r>
-            <a:r>
-              <a:rPr lang="en-US" sz="1600" dirty="0" smtClean="0">
-                <a:solidFill>
-                  <a:srgbClr val="17375E"/>
-                </a:solidFill>
-              </a:rPr>
-              <a:t>flow</a:t>
+              <a:t>Compact model generation and full-simulation flow</a:t>
             </a:r>
           </a:p>
           <a:p>
@@ -17010,7 +17958,7 @@
               <a:buChar char="•"/>
             </a:pPr>
             <a:r>
-              <a:rPr lang="en-US" sz="1600" b="1" dirty="0" smtClean="0">
+              <a:rPr lang="en-US" sz="1600" b="1" dirty="0">
                 <a:solidFill>
                   <a:srgbClr val="17375E"/>
                 </a:solidFill>
@@ -17024,7 +17972,7 @@
               <a:buChar char="•"/>
             </a:pPr>
             <a:r>
-              <a:rPr lang="en-US" sz="1600" dirty="0" smtClean="0">
+              <a:rPr lang="en-US" sz="1600" dirty="0">
                 <a:solidFill>
                   <a:srgbClr val="17375E"/>
                 </a:solidFill>
@@ -17171,54 +18119,108 @@
           </a:p>
         </p:txBody>
       </p:sp>
-      <p:sp>
-        <p:nvSpPr>
-          <p:cNvPr id="10" name="TextBox 9">
+      <p:pic>
+        <p:nvPicPr>
+          <p:cNvPr id="3" name="Picture 2">
             <a:extLst>
               <a:ext uri="{FF2B5EF4-FFF2-40B4-BE49-F238E27FC236}">
-                <a16:creationId xmlns:a16="http://schemas.microsoft.com/office/drawing/2014/main" id="{9AC1B49E-B2DD-4EBF-8C05-7CEEC47B1267}"/>
+                <a16:creationId xmlns:a16="http://schemas.microsoft.com/office/drawing/2014/main" id="{3DC6D0B9-08A5-4647-BC95-9972E05925CA}"/>
               </a:ext>
             </a:extLst>
           </p:cNvPr>
-          <p:cNvSpPr txBox="1"/>
+          <p:cNvPicPr>
+            <a:picLocks noChangeAspect="1"/>
+          </p:cNvPicPr>
           <p:nvPr/>
-        </p:nvSpPr>
+        </p:nvPicPr>
+        <p:blipFill>
+          <a:blip r:embed="rId3"/>
+          <a:stretch>
+            <a:fillRect/>
+          </a:stretch>
+        </p:blipFill>
         <p:spPr>
           <a:xfrm>
-            <a:off x="107504" y="1250160"/>
-            <a:ext cx="9036496" cy="338554"/>
+            <a:off x="340855" y="1188684"/>
+            <a:ext cx="3278672" cy="2829310"/>
           </a:xfrm>
           <a:prstGeom prst="rect">
             <a:avLst/>
           </a:prstGeom>
-          <a:noFill/>
         </p:spPr>
-        <p:txBody>
-          <a:bodyPr wrap="square" rtlCol="0">
-            <a:spAutoFit/>
-          </a:bodyPr>
-          <a:lstStyle/>
-          <a:p>
-            <a:pPr marL="742950" lvl="1" indent="-285750">
-              <a:buFont typeface="Arial" panose="020B0604020202020204" pitchFamily="34" charset="0"/>
-              <a:buChar char="•"/>
-            </a:pPr>
-            <a:r>
-              <a:rPr lang="en-US" sz="1600" dirty="0" smtClean="0">
-                <a:solidFill>
-                  <a:srgbClr val="17375E"/>
-                </a:solidFill>
-              </a:rPr>
-              <a:t>Explain transfer matrix method</a:t>
-            </a:r>
-            <a:endParaRPr lang="en-US" sz="1600" dirty="0">
-              <a:solidFill>
-                <a:srgbClr val="17375E"/>
-              </a:solidFill>
-            </a:endParaRPr>
-          </a:p>
-        </p:txBody>
-      </p:sp>
+      </p:pic>
+      <p:pic>
+        <p:nvPicPr>
+          <p:cNvPr id="5" name="Picture 4">
+            <a:extLst>
+              <a:ext uri="{FF2B5EF4-FFF2-40B4-BE49-F238E27FC236}">
+                <a16:creationId xmlns:a16="http://schemas.microsoft.com/office/drawing/2014/main" id="{A5C1CDD8-F795-423A-87A4-532226C0074D}"/>
+              </a:ext>
+            </a:extLst>
+          </p:cNvPr>
+          <p:cNvPicPr>
+            <a:picLocks noChangeAspect="1"/>
+          </p:cNvPicPr>
+          <p:nvPr/>
+        </p:nvPicPr>
+        <p:blipFill>
+          <a:blip r:embed="rId4"/>
+          <a:stretch>
+            <a:fillRect/>
+          </a:stretch>
+        </p:blipFill>
+        <p:spPr>
+          <a:xfrm>
+            <a:off x="0" y="4437112"/>
+            <a:ext cx="4015638" cy="1595774"/>
+          </a:xfrm>
+          <a:prstGeom prst="rect">
+            <a:avLst/>
+          </a:prstGeom>
+        </p:spPr>
+      </p:pic>
+      <p:cxnSp>
+        <p:nvCxnSpPr>
+          <p:cNvPr id="8" name="Straight Arrow Connector 7">
+            <a:extLst>
+              <a:ext uri="{FF2B5EF4-FFF2-40B4-BE49-F238E27FC236}">
+                <a16:creationId xmlns:a16="http://schemas.microsoft.com/office/drawing/2014/main" id="{842AAE42-C7F9-461B-A2F2-F5B92E33533D}"/>
+              </a:ext>
+            </a:extLst>
+          </p:cNvPr>
+          <p:cNvCxnSpPr/>
+          <p:nvPr/>
+        </p:nvCxnSpPr>
+        <p:spPr>
+          <a:xfrm>
+            <a:off x="1980191" y="3789040"/>
+            <a:ext cx="0" cy="735084"/>
+          </a:xfrm>
+          <a:prstGeom prst="straightConnector1">
+            <a:avLst/>
+          </a:prstGeom>
+          <a:ln w="28575">
+            <a:solidFill>
+              <a:schemeClr val="tx2"/>
+            </a:solidFill>
+            <a:tailEnd type="triangle"/>
+          </a:ln>
+        </p:spPr>
+        <p:style>
+          <a:lnRef idx="1">
+            <a:schemeClr val="accent1"/>
+          </a:lnRef>
+          <a:fillRef idx="0">
+            <a:schemeClr val="accent1"/>
+          </a:fillRef>
+          <a:effectRef idx="0">
+            <a:schemeClr val="accent1"/>
+          </a:effectRef>
+          <a:fontRef idx="minor">
+            <a:schemeClr val="tx1"/>
+          </a:fontRef>
+        </p:style>
+      </p:cxnSp>
     </p:spTree>
     <p:extLst>
       <p:ext uri="{BB962C8B-B14F-4D97-AF65-F5344CB8AC3E}">
@@ -17360,7 +18362,7 @@
         <p:spPr>
           <a:xfrm>
             <a:off x="107504" y="1250160"/>
-            <a:ext cx="9036496" cy="4170372"/>
+            <a:ext cx="9036496" cy="4770537"/>
           </a:xfrm>
           <a:prstGeom prst="rect">
             <a:avLst/>
@@ -17378,51 +18380,28 @@
               <a:buChar char="•"/>
             </a:pPr>
             <a:r>
-              <a:rPr lang="en-US" sz="900" dirty="0" smtClean="0">
+              <a:rPr lang="en-US" sz="1600" b="1" dirty="0">
                 <a:solidFill>
                   <a:srgbClr val="17375E"/>
                 </a:solidFill>
               </a:rPr>
-              <a:t>Available: </a:t>
-            </a:r>
-            <a:r>
-              <a:rPr lang="en-US" sz="900" dirty="0">
+              <a:t>Available:</a:t>
+            </a:r>
+            <a:r>
+              <a:rPr lang="en-US" sz="1600" dirty="0">
+                <a:solidFill>
+                  <a:srgbClr val="17375E"/>
+                </a:solidFill>
+              </a:rPr>
+              <a:t> </a:t>
+            </a:r>
+            <a:r>
+              <a:rPr lang="en-US" sz="1600" dirty="0">
                 <a:hlinkClick r:id="rId3"/>
               </a:rPr>
-              <a:t>https://</a:t>
-            </a:r>
-            <a:r>
-              <a:rPr lang="en-US" sz="900" dirty="0" smtClean="0">
-                <a:hlinkClick r:id="rId3"/>
-              </a:rPr>
-              <a:t>github.com/mustafacc/SiEPIC_Photonics_Package/blob/master/SiEPIC_Photonics_Package/solvers_simulators/bragg_tmm/bragg_tmm.py</a:t>
-            </a:r>
-            <a:endParaRPr lang="en-US" sz="900" dirty="0" smtClean="0"/>
-          </a:p>
-          <a:p>
-            <a:pPr marL="742950" lvl="1" indent="-285750">
-              <a:buFont typeface="Arial" panose="020B0604020202020204" pitchFamily="34" charset="0"/>
-              <a:buChar char="•"/>
-            </a:pPr>
-            <a:endParaRPr lang="en-US" sz="1600" dirty="0" smtClean="0">
-              <a:solidFill>
-                <a:srgbClr val="17375E"/>
-              </a:solidFill>
-            </a:endParaRPr>
-          </a:p>
-          <a:p>
-            <a:pPr marL="742950" lvl="1" indent="-285750">
-              <a:buFont typeface="Arial" panose="020B0604020202020204" pitchFamily="34" charset="0"/>
-              <a:buChar char="•"/>
-            </a:pPr>
-            <a:r>
-              <a:rPr lang="en-US" sz="1600" dirty="0" smtClean="0">
-                <a:solidFill>
-                  <a:srgbClr val="17375E"/>
-                </a:solidFill>
-              </a:rPr>
-              <a:t>Handy tool to quickly model phase-shifted Bragg gratings</a:t>
-            </a:r>
+              <a:t>https://github.com/mustafacc/SiEPIC_Photonics_Package/blob/master/SiEPIC_Photonics_Package/solvers_simulators/bragg_tmm/bragg_tmm.py</a:t>
+            </a:r>
+            <a:endParaRPr lang="en-US" sz="1600" dirty="0"/>
           </a:p>
           <a:p>
             <a:pPr marL="742950" lvl="1" indent="-285750">
@@ -17441,7 +18420,32 @@
               <a:buChar char="•"/>
             </a:pPr>
             <a:r>
-              <a:rPr lang="en-US" sz="1600" dirty="0" smtClean="0">
+              <a:rPr lang="en-US" sz="1600" dirty="0">
+                <a:solidFill>
+                  <a:srgbClr val="17375E"/>
+                </a:solidFill>
+              </a:rPr>
+              <a:t>Handy tool to quickly model phase-shifted Bragg gratings</a:t>
+            </a:r>
+          </a:p>
+          <a:p>
+            <a:pPr marL="742950" lvl="1" indent="-285750">
+              <a:buFont typeface="Arial" panose="020B0604020202020204" pitchFamily="34" charset="0"/>
+              <a:buChar char="•"/>
+            </a:pPr>
+            <a:endParaRPr lang="en-US" sz="1600" dirty="0">
+              <a:solidFill>
+                <a:srgbClr val="17375E"/>
+              </a:solidFill>
+            </a:endParaRPr>
+          </a:p>
+          <a:p>
+            <a:pPr marL="742950" lvl="1" indent="-285750">
+              <a:buFont typeface="Arial" panose="020B0604020202020204" pitchFamily="34" charset="0"/>
+              <a:buChar char="•"/>
+            </a:pPr>
+            <a:r>
+              <a:rPr lang="en-US" sz="1600" b="1" dirty="0">
                 <a:solidFill>
                   <a:srgbClr val="17375E"/>
                 </a:solidFill>
@@ -17455,12 +18459,12 @@
               <a:buChar char="•"/>
             </a:pPr>
             <a:r>
-              <a:rPr lang="en-US" sz="1600" dirty="0" smtClean="0">
+              <a:rPr lang="en-US" sz="1600" dirty="0">
                 <a:solidFill>
                   <a:srgbClr val="17375E"/>
                 </a:solidFill>
               </a:rPr>
-              <a:t>Waveguides compact models (effective indices fits n(</a:t>
+              <a:t>Waveguides compact models (effective indices fits, n(</a:t>
             </a:r>
             <a:r>
               <a:rPr lang="el-GR" sz="1600" dirty="0">
@@ -17471,7 +18475,7 @@
               <a:t>λ</a:t>
             </a:r>
             <a:r>
-              <a:rPr lang="en-US" sz="1600" dirty="0" smtClean="0">
+              <a:rPr lang="en-US" sz="1600" dirty="0">
                 <a:solidFill>
                   <a:srgbClr val="17375E"/>
                 </a:solidFill>
@@ -17485,7 +18489,7 @@
               <a:buChar char="•"/>
             </a:pPr>
             <a:r>
-              <a:rPr lang="en-US" sz="1600" dirty="0" smtClean="0">
+              <a:rPr lang="en-US" sz="1600" dirty="0">
                 <a:solidFill>
                   <a:srgbClr val="17375E"/>
                 </a:solidFill>
@@ -17499,7 +18503,7 @@
               <a:buChar char="•"/>
             </a:pPr>
             <a:r>
-              <a:rPr lang="en-US" sz="1600" dirty="0" smtClean="0">
+              <a:rPr lang="en-US" sz="1600" dirty="0">
                 <a:solidFill>
                   <a:srgbClr val="17375E"/>
                 </a:solidFill>
@@ -17513,7 +18517,7 @@
               <a:buChar char="•"/>
             </a:pPr>
             <a:r>
-              <a:rPr lang="en-US" sz="1600" dirty="0" smtClean="0">
+              <a:rPr lang="en-US" sz="1600" dirty="0">
                 <a:solidFill>
                   <a:srgbClr val="17375E"/>
                 </a:solidFill>
@@ -17538,7 +18542,7 @@
               <a:buChar char="•"/>
             </a:pPr>
             <a:r>
-              <a:rPr lang="en-US" sz="1600" dirty="0" smtClean="0">
+              <a:rPr lang="en-US" sz="1600" b="1" dirty="0">
                 <a:solidFill>
                   <a:srgbClr val="17375E"/>
                 </a:solidFill>
@@ -17552,7 +18556,7 @@
               <a:buChar char="•"/>
             </a:pPr>
             <a:r>
-              <a:rPr lang="en-US" sz="1600" dirty="0" smtClean="0">
+              <a:rPr lang="en-US" sz="1600" dirty="0">
                 <a:solidFill>
                   <a:srgbClr val="17375E"/>
                 </a:solidFill>
@@ -17566,7 +18570,7 @@
               <a:buChar char="•"/>
             </a:pPr>
             <a:r>
-              <a:rPr lang="en-US" sz="1600" dirty="0" smtClean="0">
+              <a:rPr lang="en-US" sz="1600" dirty="0">
                 <a:solidFill>
                   <a:srgbClr val="17375E"/>
                 </a:solidFill>
@@ -17580,7 +18584,7 @@
               <a:buChar char="•"/>
             </a:pPr>
             <a:r>
-              <a:rPr lang="en-US" sz="1600" dirty="0" smtClean="0">
+              <a:rPr lang="en-US" sz="1600" dirty="0">
                 <a:solidFill>
                   <a:srgbClr val="17375E"/>
                 </a:solidFill>
@@ -17588,7 +18592,7 @@
               <a:t>Can simulate complex device profiles (</a:t>
             </a:r>
             <a:r>
-              <a:rPr lang="en-US" sz="1600" dirty="0" err="1" smtClean="0">
+              <a:rPr lang="en-US" sz="1600" dirty="0" err="1">
                 <a:solidFill>
                   <a:srgbClr val="17375E"/>
                 </a:solidFill>
@@ -17596,7 +18600,7 @@
               <a:t>apodized</a:t>
             </a:r>
             <a:r>
-              <a:rPr lang="en-US" sz="1600" dirty="0" smtClean="0">
+              <a:rPr lang="en-US" sz="1600" dirty="0">
                 <a:solidFill>
                   <a:srgbClr val="17375E"/>
                 </a:solidFill>
@@ -17609,7 +18613,7 @@
               <a:buFont typeface="Arial" panose="020B0604020202020204" pitchFamily="34" charset="0"/>
               <a:buChar char="•"/>
             </a:pPr>
-            <a:endParaRPr lang="en-US" sz="1600" dirty="0" smtClean="0">
+            <a:endParaRPr lang="en-US" sz="1600" dirty="0">
               <a:solidFill>
                 <a:srgbClr val="17375E"/>
               </a:solidFill>
@@ -17621,7 +18625,7 @@
               <a:buChar char="•"/>
             </a:pPr>
             <a:r>
-              <a:rPr lang="en-US" sz="1600" dirty="0" smtClean="0">
+              <a:rPr lang="en-US" sz="1600" b="1" dirty="0">
                 <a:solidFill>
                   <a:srgbClr val="17375E"/>
                 </a:solidFill>
@@ -17640,19 +18644,41 @@
                   <a:srgbClr val="17375E"/>
                 </a:solidFill>
               </a:rPr>
-              <a:t>Must have data to fit the coupling coefficient profile vs perturbation size</a:t>
-            </a:r>
-            <a:r>
-              <a:rPr lang="en-US" sz="1600" dirty="0" smtClean="0">
-                <a:solidFill>
-                  <a:srgbClr val="17375E"/>
-                </a:solidFill>
-              </a:rPr>
-              <a:t>!</a:t>
-            </a:r>
-          </a:p>
-        </p:txBody>
-      </p:sp>
+              <a:t>Must have data to fit the coupling coefficient profile vs perturbation size!</a:t>
+            </a:r>
+          </a:p>
+        </p:txBody>
+      </p:sp>
+      <p:pic>
+        <p:nvPicPr>
+          <p:cNvPr id="7" name="Picture 6">
+            <a:extLst>
+              <a:ext uri="{FF2B5EF4-FFF2-40B4-BE49-F238E27FC236}">
+                <a16:creationId xmlns:a16="http://schemas.microsoft.com/office/drawing/2014/main" id="{E17B6E71-E603-46D0-BCFA-6AB715875801}"/>
+              </a:ext>
+            </a:extLst>
+          </p:cNvPr>
+          <p:cNvPicPr>
+            <a:picLocks noChangeAspect="1"/>
+          </p:cNvPicPr>
+          <p:nvPr/>
+        </p:nvPicPr>
+        <p:blipFill>
+          <a:blip r:embed="rId4"/>
+          <a:stretch>
+            <a:fillRect/>
+          </a:stretch>
+        </p:blipFill>
+        <p:spPr>
+          <a:xfrm>
+            <a:off x="5396977" y="3212976"/>
+            <a:ext cx="3754623" cy="1441545"/>
+          </a:xfrm>
+          <a:prstGeom prst="rect">
+            <a:avLst/>
+          </a:prstGeom>
+        </p:spPr>
+      </p:pic>
     </p:spTree>
     <p:extLst>
       <p:ext uri="{BB962C8B-B14F-4D97-AF65-F5344CB8AC3E}">
@@ -17812,18 +18838,13 @@
               <a:buChar char="•"/>
             </a:pPr>
             <a:r>
-              <a:rPr lang="en-US" sz="1600" dirty="0" smtClean="0">
+              <a:rPr lang="en-US" sz="1600" b="1" dirty="0">
                 <a:solidFill>
                   <a:srgbClr val="17375E"/>
                 </a:solidFill>
               </a:rPr>
               <a:t>Sample spectra:</a:t>
             </a:r>
-            <a:endParaRPr lang="en-US" sz="1600" dirty="0">
-              <a:solidFill>
-                <a:srgbClr val="17375E"/>
-              </a:solidFill>
-            </a:endParaRPr>
           </a:p>
         </p:txBody>
       </p:sp>
@@ -17909,13 +18930,8 @@
           <a:p>
             <a:r>
               <a:rPr lang="en-CA" dirty="0"/>
-              <a:t>Bragg Gratings: </a:t>
-            </a:r>
-            <a:r>
-              <a:rPr lang="en-CA" dirty="0" smtClean="0"/>
-              <a:t>EME</a:t>
-            </a:r>
-            <a:endParaRPr lang="en-CA" dirty="0"/>
+              <a:t>Bragg Gratings: EME</a:t>
+            </a:r>
           </a:p>
         </p:txBody>
       </p:sp>
@@ -17997,7 +19013,7 @@
         <p:spPr>
           <a:xfrm>
             <a:off x="107504" y="1250160"/>
-            <a:ext cx="7344816" cy="4031873"/>
+            <a:ext cx="7704856" cy="4770537"/>
           </a:xfrm>
           <a:prstGeom prst="rect">
             <a:avLst/>
@@ -18015,7 +19031,7 @@
               <a:buChar char="•"/>
             </a:pPr>
             <a:r>
-              <a:rPr lang="en-US" sz="1600" dirty="0" smtClean="0">
+              <a:rPr lang="en-US" sz="1600" b="1" dirty="0">
                 <a:solidFill>
                   <a:srgbClr val="17375E"/>
                 </a:solidFill>
@@ -18029,7 +19045,7 @@
               <a:buChar char="•"/>
             </a:pPr>
             <a:r>
-              <a:rPr lang="en-US" sz="1200" dirty="0" smtClean="0">
+              <a:rPr lang="en-US" sz="1600" dirty="0">
                 <a:solidFill>
                   <a:srgbClr val="17375E"/>
                 </a:solidFill>
@@ -18037,18 +19053,12 @@
               <a:t>Explained: </a:t>
             </a:r>
             <a:r>
-              <a:rPr lang="en-US" sz="1200" dirty="0">
+              <a:rPr lang="en-US" sz="1600" dirty="0">
                 <a:hlinkClick r:id="rId3"/>
               </a:rPr>
-              <a:t>https://</a:t>
-            </a:r>
-            <a:r>
-              <a:rPr lang="en-US" sz="1200" dirty="0" smtClean="0">
-                <a:hlinkClick r:id="rId3"/>
-              </a:rPr>
-              <a:t>apps.lumerical.com/pic_passive_bragg_full_device_simulation_with_eme.html</a:t>
-            </a:r>
-            <a:endParaRPr lang="en-US" sz="1200" dirty="0" smtClean="0"/>
+              <a:t>https://apps.lumerical.com/pic_passive_bragg_full_device_simulation_with_eme.html</a:t>
+            </a:r>
+            <a:endParaRPr lang="en-US" sz="1600" dirty="0"/>
           </a:p>
           <a:p>
             <a:pPr marL="1200150" lvl="2" indent="-285750">
@@ -18067,7 +19077,7 @@
               <a:buChar char="•"/>
             </a:pPr>
             <a:r>
-              <a:rPr lang="en-US" sz="1200" dirty="0" smtClean="0">
+              <a:rPr lang="en-US" sz="1600" dirty="0">
                 <a:solidFill>
                   <a:srgbClr val="17375E"/>
                 </a:solidFill>
@@ -18075,18 +19085,12 @@
               <a:t>Video tutorial: </a:t>
             </a:r>
             <a:r>
-              <a:rPr lang="en-US" sz="1200" dirty="0">
+              <a:rPr lang="en-US" sz="1600" dirty="0">
                 <a:hlinkClick r:id="rId4"/>
               </a:rPr>
-              <a:t>https://</a:t>
-            </a:r>
-            <a:r>
-              <a:rPr lang="en-US" sz="1200" dirty="0" smtClean="0">
-                <a:hlinkClick r:id="rId4"/>
-              </a:rPr>
-              <a:t>www.lumerical.com/support/video/waveguide-bragg-gratings-res.html</a:t>
-            </a:r>
-            <a:endParaRPr lang="en-US" sz="1200" dirty="0" smtClean="0"/>
+              <a:t>https://www.lumerical.com/support/video/waveguide-bragg-gratings-res.html</a:t>
+            </a:r>
+            <a:endParaRPr lang="en-US" sz="1600" dirty="0"/>
           </a:p>
           <a:p>
             <a:pPr marL="1200150" lvl="2" indent="-285750">
@@ -18105,7 +19109,7 @@
               <a:buChar char="•"/>
             </a:pPr>
             <a:r>
-              <a:rPr lang="en-US" sz="1600" dirty="0" smtClean="0">
+              <a:rPr lang="en-US" sz="1600" b="1" dirty="0">
                 <a:solidFill>
                   <a:srgbClr val="17375E"/>
                 </a:solidFill>
@@ -18119,7 +19123,7 @@
               <a:buChar char="•"/>
             </a:pPr>
             <a:r>
-              <a:rPr lang="en-US" sz="1600" dirty="0" smtClean="0">
+              <a:rPr lang="en-US" sz="1600" dirty="0">
                 <a:solidFill>
                   <a:srgbClr val="17375E"/>
                 </a:solidFill>
@@ -18133,7 +19137,7 @@
               <a:buChar char="•"/>
             </a:pPr>
             <a:r>
-              <a:rPr lang="en-US" sz="1600" dirty="0" smtClean="0">
+              <a:rPr lang="en-US" sz="1600" dirty="0">
                 <a:solidFill>
                   <a:srgbClr val="17375E"/>
                 </a:solidFill>
@@ -18146,19 +19150,30 @@
               <a:buFont typeface="Arial" panose="020B0604020202020204" pitchFamily="34" charset="0"/>
               <a:buChar char="•"/>
             </a:pPr>
-            <a:endParaRPr lang="en-US" sz="1600" dirty="0" smtClean="0">
+            <a:endParaRPr lang="en-US" sz="1600" dirty="0">
               <a:solidFill>
                 <a:srgbClr val="17375E"/>
               </a:solidFill>
             </a:endParaRPr>
           </a:p>
           <a:p>
+            <a:pPr marL="1200150" lvl="2" indent="-285750">
+              <a:buFont typeface="Arial" panose="020B0604020202020204" pitchFamily="34" charset="0"/>
+              <a:buChar char="•"/>
+            </a:pPr>
+            <a:endParaRPr lang="en-US" sz="1600" b="1" dirty="0">
+              <a:solidFill>
+                <a:srgbClr val="17375E"/>
+              </a:solidFill>
+            </a:endParaRPr>
+          </a:p>
+          <a:p>
             <a:pPr marL="742950" lvl="1" indent="-285750">
               <a:buFont typeface="Arial" panose="020B0604020202020204" pitchFamily="34" charset="0"/>
               <a:buChar char="•"/>
             </a:pPr>
             <a:r>
-              <a:rPr lang="en-US" sz="1600" dirty="0" smtClean="0">
+              <a:rPr lang="en-US" sz="1600" b="1" dirty="0">
                 <a:solidFill>
                   <a:srgbClr val="17375E"/>
                 </a:solidFill>
@@ -18172,7 +19187,7 @@
               <a:buChar char="•"/>
             </a:pPr>
             <a:r>
-              <a:rPr lang="en-US" sz="1600" dirty="0" smtClean="0">
+              <a:rPr lang="en-US" sz="1600" dirty="0">
                 <a:solidFill>
                   <a:srgbClr val="17375E"/>
                 </a:solidFill>
@@ -18186,7 +19201,7 @@
               <a:buChar char="•"/>
             </a:pPr>
             <a:r>
-              <a:rPr lang="en-US" sz="1600" dirty="0" smtClean="0">
+              <a:rPr lang="en-US" sz="1600" dirty="0">
                 <a:solidFill>
                   <a:srgbClr val="17375E"/>
                 </a:solidFill>
@@ -18200,32 +19215,25 @@
               <a:buChar char="•"/>
             </a:pPr>
             <a:r>
-              <a:rPr lang="en-US" sz="1600" dirty="0" smtClean="0">
+              <a:rPr lang="en-US" sz="1600" dirty="0">
                 <a:solidFill>
                   <a:srgbClr val="17375E"/>
                 </a:solidFill>
               </a:rPr>
-              <a:t>Less accurate than FDTD </a:t>
-            </a:r>
-            <a:r>
-              <a:rPr lang="en-US" sz="1600" dirty="0" err="1" smtClean="0">
-                <a:solidFill>
-                  <a:srgbClr val="17375E"/>
-                </a:solidFill>
-              </a:rPr>
-              <a:t>simulationse</a:t>
-            </a:r>
-            <a:endParaRPr lang="en-US" sz="1600" dirty="0" smtClean="0">
-              <a:solidFill>
-                <a:srgbClr val="17375E"/>
-              </a:solidFill>
-            </a:endParaRPr>
+              <a:t>Less accurate than FDTD simulations</a:t>
+            </a:r>
           </a:p>
         </p:txBody>
       </p:sp>
       <p:pic>
         <p:nvPicPr>
-          <p:cNvPr id="5" name="Picture 4"/>
+          <p:cNvPr id="3" name="Picture 2">
+            <a:extLst>
+              <a:ext uri="{FF2B5EF4-FFF2-40B4-BE49-F238E27FC236}">
+                <a16:creationId xmlns:a16="http://schemas.microsoft.com/office/drawing/2014/main" id="{1AE2846B-54CB-4891-A31F-D9210B67913F}"/>
+              </a:ext>
+            </a:extLst>
+          </p:cNvPr>
           <p:cNvPicPr>
             <a:picLocks noChangeAspect="1"/>
           </p:cNvPicPr>
@@ -18239,8 +19247,8 @@
         </p:blipFill>
         <p:spPr>
           <a:xfrm>
-            <a:off x="7564632" y="1862426"/>
-            <a:ext cx="1467055" cy="2314898"/>
+            <a:off x="7291944" y="3833875"/>
+            <a:ext cx="1852056" cy="2087641"/>
           </a:xfrm>
           <a:prstGeom prst="rect">
             <a:avLst/>
@@ -18305,13 +19313,8 @@
           <a:p>
             <a:r>
               <a:rPr lang="en-CA" dirty="0"/>
-              <a:t>Bragg Gratings: </a:t>
-            </a:r>
-            <a:r>
-              <a:rPr lang="en-CA" dirty="0" smtClean="0"/>
-              <a:t>EME</a:t>
-            </a:r>
-            <a:endParaRPr lang="en-CA" dirty="0"/>
+              <a:t>Bragg Gratings: EME</a:t>
+            </a:r>
           </a:p>
         </p:txBody>
       </p:sp>
@@ -18411,7 +19414,7 @@
               <a:buChar char="•"/>
             </a:pPr>
             <a:r>
-              <a:rPr lang="en-US" sz="1600" dirty="0" smtClean="0">
+              <a:rPr lang="en-US" sz="1600" dirty="0">
                 <a:solidFill>
                   <a:srgbClr val="17375E"/>
                 </a:solidFill>
@@ -18419,14 +19422,14 @@
               <a:t>Run sample code </a:t>
             </a:r>
             <a:r>
-              <a:rPr lang="en-US" sz="1600" b="1" i="1" dirty="0" err="1" smtClean="0">
+              <a:rPr lang="en-US" sz="1600" b="1" i="1" dirty="0" err="1">
                 <a:solidFill>
                   <a:srgbClr val="17375E"/>
                 </a:solidFill>
               </a:rPr>
               <a:t>MAIN_EME.lsf</a:t>
             </a:r>
-            <a:endParaRPr lang="en-US" sz="1600" b="1" i="1" dirty="0" smtClean="0">
+            <a:endParaRPr lang="en-US" sz="1600" b="1" i="1" dirty="0">
               <a:solidFill>
                 <a:srgbClr val="17375E"/>
               </a:solidFill>
@@ -18448,7 +19451,7 @@
               <a:buFont typeface="Arial" panose="020B0604020202020204" pitchFamily="34" charset="0"/>
               <a:buChar char="•"/>
             </a:pPr>
-            <a:endParaRPr lang="en-US" sz="1600" b="1" i="1" dirty="0" smtClean="0">
+            <a:endParaRPr lang="en-US" sz="1600" b="1" i="1" dirty="0">
               <a:solidFill>
                 <a:srgbClr val="17375E"/>
               </a:solidFill>
@@ -18460,7 +19463,7 @@
               <a:buChar char="•"/>
             </a:pPr>
             <a:r>
-              <a:rPr lang="en-US" sz="1600" dirty="0" smtClean="0">
+              <a:rPr lang="en-US" sz="1600" b="1" dirty="0">
                 <a:solidFill>
                   <a:srgbClr val="17375E"/>
                 </a:solidFill>
@@ -18474,24 +19477,19 @@
               <a:buChar char="•"/>
             </a:pPr>
             <a:r>
-              <a:rPr lang="en-US" sz="1600" dirty="0" smtClean="0">
+              <a:rPr lang="en-US" sz="1600" dirty="0">
                 <a:solidFill>
                   <a:srgbClr val="17375E"/>
                 </a:solidFill>
               </a:rPr>
               <a:t>Device physical parameters</a:t>
             </a:r>
-            <a:endParaRPr lang="en-US" sz="1600" dirty="0">
-              <a:solidFill>
-                <a:srgbClr val="17375E"/>
-              </a:solidFill>
-            </a:endParaRPr>
           </a:p>
         </p:txBody>
       </p:sp>
       <p:pic>
         <p:nvPicPr>
-          <p:cNvPr id="3" name="Picture 2"/>
+          <p:cNvPr id="7" name="Picture 6"/>
           <p:cNvPicPr>
             <a:picLocks noChangeAspect="1"/>
           </p:cNvPicPr>
@@ -18505,8 +19503,8 @@
         </p:blipFill>
         <p:spPr>
           <a:xfrm>
-            <a:off x="6804248" y="1340647"/>
-            <a:ext cx="2104396" cy="4599299"/>
+            <a:off x="468876" y="2826206"/>
+            <a:ext cx="6135522" cy="3096054"/>
           </a:xfrm>
           <a:prstGeom prst="rect">
             <a:avLst/>
@@ -18515,7 +19513,13 @@
       </p:pic>
       <p:pic>
         <p:nvPicPr>
-          <p:cNvPr id="7" name="Picture 6"/>
+          <p:cNvPr id="5" name="Picture 4">
+            <a:extLst>
+              <a:ext uri="{FF2B5EF4-FFF2-40B4-BE49-F238E27FC236}">
+                <a16:creationId xmlns:a16="http://schemas.microsoft.com/office/drawing/2014/main" id="{06CC0B58-01E1-4E01-AAB9-75B14492287F}"/>
+              </a:ext>
+            </a:extLst>
+          </p:cNvPr>
           <p:cNvPicPr>
             <a:picLocks noChangeAspect="1"/>
           </p:cNvPicPr>
@@ -18529,8 +19533,8 @@
         </p:blipFill>
         <p:spPr>
           <a:xfrm>
-            <a:off x="468876" y="2826206"/>
-            <a:ext cx="6135522" cy="3096054"/>
+            <a:off x="5303556" y="1207991"/>
+            <a:ext cx="3642676" cy="2438611"/>
           </a:xfrm>
           <a:prstGeom prst="rect">
             <a:avLst/>
@@ -18595,13 +19599,8 @@
           <a:p>
             <a:r>
               <a:rPr lang="en-CA" dirty="0"/>
-              <a:t>Bragg Gratings: </a:t>
-            </a:r>
-            <a:r>
-              <a:rPr lang="en-CA" dirty="0" smtClean="0"/>
-              <a:t>EME</a:t>
-            </a:r>
-            <a:endParaRPr lang="en-CA" dirty="0"/>
+              <a:t>Bragg Gratings: EME</a:t>
+            </a:r>
           </a:p>
         </p:txBody>
       </p:sp>
@@ -18750,13 +19749,8 @@
           <a:p>
             <a:r>
               <a:rPr lang="en-CA" dirty="0"/>
-              <a:t>Bragg Gratings: </a:t>
-            </a:r>
-            <a:r>
-              <a:rPr lang="en-CA" dirty="0" smtClean="0"/>
-              <a:t>EME</a:t>
-            </a:r>
-            <a:endParaRPr lang="en-CA" dirty="0"/>
+              <a:t>Bragg Gratings: EME</a:t>
+            </a:r>
           </a:p>
         </p:txBody>
       </p:sp>
@@ -18856,7 +19850,7 @@
               <a:buChar char="•"/>
             </a:pPr>
             <a:r>
-              <a:rPr lang="en-US" sz="1600" dirty="0" smtClean="0">
+              <a:rPr lang="en-US" sz="1600" dirty="0">
                 <a:solidFill>
                   <a:srgbClr val="17375E"/>
                 </a:solidFill>
@@ -18864,7 +19858,7 @@
               <a:t>EME simulations can be used to quickly perform parametric studies to understand the effects of specific parameters, i.e. </a:t>
             </a:r>
             <a:r>
-              <a:rPr lang="en-US" sz="1600" b="1" dirty="0" smtClean="0">
+              <a:rPr lang="en-US" sz="1600" b="1" dirty="0">
                 <a:solidFill>
                   <a:srgbClr val="17375E"/>
                 </a:solidFill>
@@ -18872,7 +19866,7 @@
               <a:t>the effects of changing the waveguide’s sidewall angle</a:t>
             </a:r>
             <a:r>
-              <a:rPr lang="en-US" sz="1600" dirty="0" smtClean="0">
+              <a:rPr lang="en-US" sz="1600" dirty="0">
                 <a:solidFill>
                   <a:srgbClr val="17375E"/>
                 </a:solidFill>
@@ -18897,7 +19891,7 @@
               <a:buChar char="•"/>
             </a:pPr>
             <a:r>
-              <a:rPr lang="en-US" sz="1600" dirty="0" smtClean="0">
+              <a:rPr lang="en-US" sz="1600" dirty="0">
                 <a:solidFill>
                   <a:srgbClr val="17375E"/>
                 </a:solidFill>
@@ -18905,7 +19899,7 @@
               <a:t>Run applications -&gt; </a:t>
             </a:r>
             <a:r>
-              <a:rPr lang="en-US" sz="1600" dirty="0" err="1" smtClean="0">
+              <a:rPr lang="en-US" sz="1600" dirty="0" err="1">
                 <a:solidFill>
                   <a:srgbClr val="17375E"/>
                 </a:solidFill>
@@ -18913,7 +19907,7 @@
               <a:t>dw_sweep</a:t>
             </a:r>
             <a:r>
-              <a:rPr lang="en-US" sz="1600" dirty="0" smtClean="0">
+              <a:rPr lang="en-US" sz="1600" dirty="0">
                 <a:solidFill>
                   <a:srgbClr val="17375E"/>
                 </a:solidFill>
@@ -18921,7 +19915,7 @@
               <a:t> -&gt; </a:t>
             </a:r>
             <a:r>
-              <a:rPr lang="en-US" sz="1600" b="1" dirty="0" err="1" smtClean="0">
+              <a:rPr lang="en-US" sz="1600" b="1" dirty="0" err="1">
                 <a:solidFill>
                   <a:srgbClr val="17375E"/>
                 </a:solidFill>

--- a/SiEPIC_Photonics_Package/solvers_simulators/tutorials/Bragg_tutorial/Workshop.pptx
+++ b/SiEPIC_Photonics_Package/solvers_simulators/tutorials/Bragg_tutorial/Workshop.pptx
@@ -7,25 +7,35 @@
     <p:sldMasterId id="2147484533" r:id="rId3"/>
   </p:sldMasterIdLst>
   <p:notesMasterIdLst>
-    <p:notesMasterId r:id="rId17"/>
+    <p:notesMasterId r:id="rId27"/>
   </p:notesMasterIdLst>
   <p:handoutMasterIdLst>
-    <p:handoutMasterId r:id="rId18"/>
+    <p:handoutMasterId r:id="rId28"/>
   </p:handoutMasterIdLst>
   <p:sldIdLst>
     <p:sldId id="426" r:id="rId4"/>
     <p:sldId id="467" r:id="rId5"/>
     <p:sldId id="468" r:id="rId6"/>
-    <p:sldId id="469" r:id="rId7"/>
-    <p:sldId id="470" r:id="rId8"/>
-    <p:sldId id="473" r:id="rId9"/>
-    <p:sldId id="471" r:id="rId10"/>
-    <p:sldId id="474" r:id="rId11"/>
-    <p:sldId id="472" r:id="rId12"/>
-    <p:sldId id="475" r:id="rId13"/>
-    <p:sldId id="476" r:id="rId14"/>
-    <p:sldId id="477" r:id="rId15"/>
-    <p:sldId id="478" r:id="rId16"/>
+    <p:sldId id="490" r:id="rId7"/>
+    <p:sldId id="469" r:id="rId8"/>
+    <p:sldId id="491" r:id="rId9"/>
+    <p:sldId id="473" r:id="rId10"/>
+    <p:sldId id="471" r:id="rId11"/>
+    <p:sldId id="480" r:id="rId12"/>
+    <p:sldId id="481" r:id="rId13"/>
+    <p:sldId id="472" r:id="rId14"/>
+    <p:sldId id="483" r:id="rId15"/>
+    <p:sldId id="475" r:id="rId16"/>
+    <p:sldId id="476" r:id="rId17"/>
+    <p:sldId id="477" r:id="rId18"/>
+    <p:sldId id="478" r:id="rId19"/>
+    <p:sldId id="482" r:id="rId20"/>
+    <p:sldId id="484" r:id="rId21"/>
+    <p:sldId id="485" r:id="rId22"/>
+    <p:sldId id="486" r:id="rId23"/>
+    <p:sldId id="487" r:id="rId24"/>
+    <p:sldId id="488" r:id="rId25"/>
+    <p:sldId id="489" r:id="rId26"/>
   </p:sldIdLst>
   <p:sldSz cx="9144000" cy="6858000" type="screen4x3"/>
   <p:notesSz cx="6858000" cy="9144000"/>
@@ -290,7 +300,7 @@
             <a:fld id="{16215AEE-C922-4944-98A7-22910184AC8A}" type="datetimeFigureOut">
               <a:rPr lang="en-US" altLang="zh-CN"/>
               <a:pPr/>
-              <a:t>5/1/2020</a:t>
+              <a:t>5/25/2020</a:t>
             </a:fld>
             <a:endParaRPr lang="en-US" altLang="zh-CN"/>
           </a:p>
@@ -494,7 +504,7 @@
             <a:fld id="{CA038EEF-2DAF-6B44-A6B5-C268C3465D47}" type="datetimeFigureOut">
               <a:rPr lang="en-CA" altLang="zh-CN"/>
               <a:pPr/>
-              <a:t>2020-05-01</a:t>
+              <a:t>2020-05-25</a:t>
             </a:fld>
             <a:endParaRPr lang="en-CA" altLang="zh-CN"/>
           </a:p>
@@ -859,10 +869,10 @@
           </a:ln>
           <a:extLst>
             <a:ext uri="{FAA26D3D-D897-4be2-8F04-BA451C77F1D7}">
-              <ma14:placeholderFlag xmlns="" xmlns:ma14="http://schemas.microsoft.com/office/mac/drawingml/2011/main" val="1"/>
+              <ma14:placeholderFlag xmlns:ma14="http://schemas.microsoft.com/office/mac/drawingml/2011/main" xmlns="" val="1"/>
             </a:ext>
             <a:ext uri="{909E8E84-426E-40dd-AFC4-6F175D3DCCD1}">
-              <a14:hiddenFill xmlns:a14="http://schemas.microsoft.com/office/drawing/2010/main" xmlns="">
+              <a14:hiddenFill xmlns="" xmlns:a14="http://schemas.microsoft.com/office/drawing/2010/main">
                 <a:solidFill>
                   <a:srgbClr val="FFFFFF"/>
                 </a:solidFill>
@@ -885,17 +895,17 @@
           <a:noFill/>
           <a:extLst>
             <a:ext uri="{FAA26D3D-D897-4be2-8F04-BA451C77F1D7}">
-              <ma14:placeholderFlag xmlns="" xmlns:ma14="http://schemas.microsoft.com/office/mac/drawingml/2011/main" val="1"/>
+              <ma14:placeholderFlag xmlns:ma14="http://schemas.microsoft.com/office/mac/drawingml/2011/main" xmlns="" val="1"/>
             </a:ext>
             <a:ext uri="{909E8E84-426E-40dd-AFC4-6F175D3DCCD1}">
-              <a14:hiddenFill xmlns:a14="http://schemas.microsoft.com/office/drawing/2010/main" xmlns="">
+              <a14:hiddenFill xmlns="" xmlns:a14="http://schemas.microsoft.com/office/drawing/2010/main">
                 <a:solidFill>
                   <a:srgbClr val="FFFFFF"/>
                 </a:solidFill>
               </a14:hiddenFill>
             </a:ext>
             <a:ext uri="{91240B29-F687-4f45-9708-019B960494DF}">
-              <a14:hiddenLine xmlns:a14="http://schemas.microsoft.com/office/drawing/2010/main" xmlns="" w="9525">
+              <a14:hiddenLine xmlns="" xmlns:a14="http://schemas.microsoft.com/office/drawing/2010/main" w="9525">
                 <a:solidFill>
                   <a:srgbClr val="000000"/>
                 </a:solidFill>
@@ -935,14 +945,14 @@
           <a:noFill/>
           <a:extLst>
             <a:ext uri="{909E8E84-426E-40dd-AFC4-6F175D3DCCD1}">
-              <a14:hiddenFill xmlns:a14="http://schemas.microsoft.com/office/drawing/2010/main" xmlns="">
+              <a14:hiddenFill xmlns="" xmlns:a14="http://schemas.microsoft.com/office/drawing/2010/main">
                 <a:solidFill>
                   <a:srgbClr val="FFFFFF"/>
                 </a:solidFill>
               </a14:hiddenFill>
             </a:ext>
             <a:ext uri="{91240B29-F687-4f45-9708-019B960494DF}">
-              <a14:hiddenLine xmlns:a14="http://schemas.microsoft.com/office/drawing/2010/main" xmlns="" w="9525">
+              <a14:hiddenLine xmlns="" xmlns:a14="http://schemas.microsoft.com/office/drawing/2010/main" w="9525">
                 <a:solidFill>
                   <a:srgbClr val="000000"/>
                 </a:solidFill>
@@ -1164,7 +1174,7 @@
     </p:spTree>
     <p:extLst>
       <p:ext uri="{BB962C8B-B14F-4D97-AF65-F5344CB8AC3E}">
-        <p14:creationId xmlns:p14="http://schemas.microsoft.com/office/powerpoint/2010/main" val="1752495489"/>
+        <p14:creationId xmlns:p14="http://schemas.microsoft.com/office/powerpoint/2010/main" val="1048411820"/>
       </p:ext>
     </p:extLst>
   </p:cSld>
@@ -1249,7 +1259,7 @@
     </p:spTree>
     <p:extLst>
       <p:ext uri="{BB962C8B-B14F-4D97-AF65-F5344CB8AC3E}">
-        <p14:creationId xmlns:p14="http://schemas.microsoft.com/office/powerpoint/2010/main" val="1128333261"/>
+        <p14:creationId xmlns:p14="http://schemas.microsoft.com/office/powerpoint/2010/main" val="3380295042"/>
       </p:ext>
     </p:extLst>
   </p:cSld>
@@ -1334,7 +1344,7 @@
     </p:spTree>
     <p:extLst>
       <p:ext uri="{BB962C8B-B14F-4D97-AF65-F5344CB8AC3E}">
-        <p14:creationId xmlns:p14="http://schemas.microsoft.com/office/powerpoint/2010/main" val="1793843599"/>
+        <p14:creationId xmlns:p14="http://schemas.microsoft.com/office/powerpoint/2010/main" val="698696355"/>
       </p:ext>
     </p:extLst>
   </p:cSld>
@@ -1419,7 +1429,517 @@
     </p:spTree>
     <p:extLst>
       <p:ext uri="{BB962C8B-B14F-4D97-AF65-F5344CB8AC3E}">
+        <p14:creationId xmlns:p14="http://schemas.microsoft.com/office/powerpoint/2010/main" val="1752495489"/>
+      </p:ext>
+    </p:extLst>
+  </p:cSld>
+  <p:clrMapOvr>
+    <a:masterClrMapping/>
+  </p:clrMapOvr>
+</p:notes>
+</file>
+
+<file path=ppt/notesSlides/notesSlide14.xml><?xml version="1.0" encoding="utf-8"?>
+<p:notes xmlns:a="http://schemas.openxmlformats.org/drawingml/2006/main" xmlns:r="http://schemas.openxmlformats.org/officeDocument/2006/relationships" xmlns:p="http://schemas.openxmlformats.org/presentationml/2006/main">
+  <p:cSld>
+    <p:spTree>
+      <p:nvGrpSpPr>
+        <p:cNvPr id="1" name=""/>
+        <p:cNvGrpSpPr/>
+        <p:nvPr/>
+      </p:nvGrpSpPr>
+      <p:grpSpPr>
+        <a:xfrm>
+          <a:off x="0" y="0"/>
+          <a:ext cx="0" cy="0"/>
+          <a:chOff x="0" y="0"/>
+          <a:chExt cx="0" cy="0"/>
+        </a:xfrm>
+      </p:grpSpPr>
+      <p:sp>
+        <p:nvSpPr>
+          <p:cNvPr id="2" name="Slide Image Placeholder 1"/>
+          <p:cNvSpPr>
+            <a:spLocks noGrp="1" noRot="1" noChangeAspect="1"/>
+          </p:cNvSpPr>
+          <p:nvPr>
+            <p:ph type="sldImg"/>
+          </p:nvPr>
+        </p:nvSpPr>
+        <p:spPr/>
+      </p:sp>
+      <p:sp>
+        <p:nvSpPr>
+          <p:cNvPr id="3" name="Notes Placeholder 2"/>
+          <p:cNvSpPr>
+            <a:spLocks noGrp="1"/>
+          </p:cNvSpPr>
+          <p:nvPr>
+            <p:ph type="body" idx="1"/>
+          </p:nvPr>
+        </p:nvSpPr>
+        <p:spPr/>
+        <p:txBody>
+          <a:bodyPr/>
+          <a:lstStyle/>
+          <a:p>
+            <a:endParaRPr lang="en-CA" dirty="0"/>
+          </a:p>
+        </p:txBody>
+      </p:sp>
+      <p:sp>
+        <p:nvSpPr>
+          <p:cNvPr id="4" name="Slide Number Placeholder 3"/>
+          <p:cNvSpPr>
+            <a:spLocks noGrp="1"/>
+          </p:cNvSpPr>
+          <p:nvPr>
+            <p:ph type="sldNum" sz="quarter" idx="10"/>
+          </p:nvPr>
+        </p:nvSpPr>
+        <p:spPr/>
+        <p:txBody>
+          <a:bodyPr/>
+          <a:lstStyle/>
+          <a:p>
+            <a:fld id="{C013E244-2E7F-424D-868B-6272F407A4EB}" type="slidenum">
+              <a:rPr lang="en-CA" altLang="zh-CN" smtClean="0"/>
+              <a:pPr/>
+              <a:t>14</a:t>
+            </a:fld>
+            <a:endParaRPr lang="en-CA" altLang="zh-CN"/>
+          </a:p>
+        </p:txBody>
+      </p:sp>
+    </p:spTree>
+    <p:extLst>
+      <p:ext uri="{BB962C8B-B14F-4D97-AF65-F5344CB8AC3E}">
+        <p14:creationId xmlns:p14="http://schemas.microsoft.com/office/powerpoint/2010/main" val="1128333261"/>
+      </p:ext>
+    </p:extLst>
+  </p:cSld>
+  <p:clrMapOvr>
+    <a:masterClrMapping/>
+  </p:clrMapOvr>
+</p:notes>
+</file>
+
+<file path=ppt/notesSlides/notesSlide15.xml><?xml version="1.0" encoding="utf-8"?>
+<p:notes xmlns:a="http://schemas.openxmlformats.org/drawingml/2006/main" xmlns:r="http://schemas.openxmlformats.org/officeDocument/2006/relationships" xmlns:p="http://schemas.openxmlformats.org/presentationml/2006/main">
+  <p:cSld>
+    <p:spTree>
+      <p:nvGrpSpPr>
+        <p:cNvPr id="1" name=""/>
+        <p:cNvGrpSpPr/>
+        <p:nvPr/>
+      </p:nvGrpSpPr>
+      <p:grpSpPr>
+        <a:xfrm>
+          <a:off x="0" y="0"/>
+          <a:ext cx="0" cy="0"/>
+          <a:chOff x="0" y="0"/>
+          <a:chExt cx="0" cy="0"/>
+        </a:xfrm>
+      </p:grpSpPr>
+      <p:sp>
+        <p:nvSpPr>
+          <p:cNvPr id="2" name="Slide Image Placeholder 1"/>
+          <p:cNvSpPr>
+            <a:spLocks noGrp="1" noRot="1" noChangeAspect="1"/>
+          </p:cNvSpPr>
+          <p:nvPr>
+            <p:ph type="sldImg"/>
+          </p:nvPr>
+        </p:nvSpPr>
+        <p:spPr/>
+      </p:sp>
+      <p:sp>
+        <p:nvSpPr>
+          <p:cNvPr id="3" name="Notes Placeholder 2"/>
+          <p:cNvSpPr>
+            <a:spLocks noGrp="1"/>
+          </p:cNvSpPr>
+          <p:nvPr>
+            <p:ph type="body" idx="1"/>
+          </p:nvPr>
+        </p:nvSpPr>
+        <p:spPr/>
+        <p:txBody>
+          <a:bodyPr/>
+          <a:lstStyle/>
+          <a:p>
+            <a:endParaRPr lang="en-CA" dirty="0"/>
+          </a:p>
+        </p:txBody>
+      </p:sp>
+      <p:sp>
+        <p:nvSpPr>
+          <p:cNvPr id="4" name="Slide Number Placeholder 3"/>
+          <p:cNvSpPr>
+            <a:spLocks noGrp="1"/>
+          </p:cNvSpPr>
+          <p:nvPr>
+            <p:ph type="sldNum" sz="quarter" idx="10"/>
+          </p:nvPr>
+        </p:nvSpPr>
+        <p:spPr/>
+        <p:txBody>
+          <a:bodyPr/>
+          <a:lstStyle/>
+          <a:p>
+            <a:fld id="{C013E244-2E7F-424D-868B-6272F407A4EB}" type="slidenum">
+              <a:rPr lang="en-CA" altLang="zh-CN" smtClean="0"/>
+              <a:pPr/>
+              <a:t>15</a:t>
+            </a:fld>
+            <a:endParaRPr lang="en-CA" altLang="zh-CN"/>
+          </a:p>
+        </p:txBody>
+      </p:sp>
+    </p:spTree>
+    <p:extLst>
+      <p:ext uri="{BB962C8B-B14F-4D97-AF65-F5344CB8AC3E}">
+        <p14:creationId xmlns:p14="http://schemas.microsoft.com/office/powerpoint/2010/main" val="1793843599"/>
+      </p:ext>
+    </p:extLst>
+  </p:cSld>
+  <p:clrMapOvr>
+    <a:masterClrMapping/>
+  </p:clrMapOvr>
+</p:notes>
+</file>
+
+<file path=ppt/notesSlides/notesSlide16.xml><?xml version="1.0" encoding="utf-8"?>
+<p:notes xmlns:a="http://schemas.openxmlformats.org/drawingml/2006/main" xmlns:r="http://schemas.openxmlformats.org/officeDocument/2006/relationships" xmlns:p="http://schemas.openxmlformats.org/presentationml/2006/main">
+  <p:cSld>
+    <p:spTree>
+      <p:nvGrpSpPr>
+        <p:cNvPr id="1" name=""/>
+        <p:cNvGrpSpPr/>
+        <p:nvPr/>
+      </p:nvGrpSpPr>
+      <p:grpSpPr>
+        <a:xfrm>
+          <a:off x="0" y="0"/>
+          <a:ext cx="0" cy="0"/>
+          <a:chOff x="0" y="0"/>
+          <a:chExt cx="0" cy="0"/>
+        </a:xfrm>
+      </p:grpSpPr>
+      <p:sp>
+        <p:nvSpPr>
+          <p:cNvPr id="2" name="Slide Image Placeholder 1"/>
+          <p:cNvSpPr>
+            <a:spLocks noGrp="1" noRot="1" noChangeAspect="1"/>
+          </p:cNvSpPr>
+          <p:nvPr>
+            <p:ph type="sldImg"/>
+          </p:nvPr>
+        </p:nvSpPr>
+        <p:spPr/>
+      </p:sp>
+      <p:sp>
+        <p:nvSpPr>
+          <p:cNvPr id="3" name="Notes Placeholder 2"/>
+          <p:cNvSpPr>
+            <a:spLocks noGrp="1"/>
+          </p:cNvSpPr>
+          <p:nvPr>
+            <p:ph type="body" idx="1"/>
+          </p:nvPr>
+        </p:nvSpPr>
+        <p:spPr/>
+        <p:txBody>
+          <a:bodyPr/>
+          <a:lstStyle/>
+          <a:p>
+            <a:endParaRPr lang="en-CA" dirty="0"/>
+          </a:p>
+        </p:txBody>
+      </p:sp>
+      <p:sp>
+        <p:nvSpPr>
+          <p:cNvPr id="4" name="Slide Number Placeholder 3"/>
+          <p:cNvSpPr>
+            <a:spLocks noGrp="1"/>
+          </p:cNvSpPr>
+          <p:nvPr>
+            <p:ph type="sldNum" sz="quarter" idx="10"/>
+          </p:nvPr>
+        </p:nvSpPr>
+        <p:spPr/>
+        <p:txBody>
+          <a:bodyPr/>
+          <a:lstStyle/>
+          <a:p>
+            <a:fld id="{C013E244-2E7F-424D-868B-6272F407A4EB}" type="slidenum">
+              <a:rPr lang="en-CA" altLang="zh-CN" smtClean="0"/>
+              <a:pPr/>
+              <a:t>16</a:t>
+            </a:fld>
+            <a:endParaRPr lang="en-CA" altLang="zh-CN"/>
+          </a:p>
+        </p:txBody>
+      </p:sp>
+    </p:spTree>
+    <p:extLst>
+      <p:ext uri="{BB962C8B-B14F-4D97-AF65-F5344CB8AC3E}">
         <p14:creationId xmlns:p14="http://schemas.microsoft.com/office/powerpoint/2010/main" val="1586806537"/>
+      </p:ext>
+    </p:extLst>
+  </p:cSld>
+  <p:clrMapOvr>
+    <a:masterClrMapping/>
+  </p:clrMapOvr>
+</p:notes>
+</file>
+
+<file path=ppt/notesSlides/notesSlide17.xml><?xml version="1.0" encoding="utf-8"?>
+<p:notes xmlns:a="http://schemas.openxmlformats.org/drawingml/2006/main" xmlns:r="http://schemas.openxmlformats.org/officeDocument/2006/relationships" xmlns:p="http://schemas.openxmlformats.org/presentationml/2006/main">
+  <p:cSld>
+    <p:spTree>
+      <p:nvGrpSpPr>
+        <p:cNvPr id="1" name=""/>
+        <p:cNvGrpSpPr/>
+        <p:nvPr/>
+      </p:nvGrpSpPr>
+      <p:grpSpPr>
+        <a:xfrm>
+          <a:off x="0" y="0"/>
+          <a:ext cx="0" cy="0"/>
+          <a:chOff x="0" y="0"/>
+          <a:chExt cx="0" cy="0"/>
+        </a:xfrm>
+      </p:grpSpPr>
+      <p:sp>
+        <p:nvSpPr>
+          <p:cNvPr id="2" name="Slide Image Placeholder 1"/>
+          <p:cNvSpPr>
+            <a:spLocks noGrp="1" noRot="1" noChangeAspect="1"/>
+          </p:cNvSpPr>
+          <p:nvPr>
+            <p:ph type="sldImg"/>
+          </p:nvPr>
+        </p:nvSpPr>
+        <p:spPr/>
+      </p:sp>
+      <p:sp>
+        <p:nvSpPr>
+          <p:cNvPr id="3" name="Notes Placeholder 2"/>
+          <p:cNvSpPr>
+            <a:spLocks noGrp="1"/>
+          </p:cNvSpPr>
+          <p:nvPr>
+            <p:ph type="body" idx="1"/>
+          </p:nvPr>
+        </p:nvSpPr>
+        <p:spPr/>
+        <p:txBody>
+          <a:bodyPr/>
+          <a:lstStyle/>
+          <a:p>
+            <a:endParaRPr lang="en-CA" dirty="0"/>
+          </a:p>
+        </p:txBody>
+      </p:sp>
+      <p:sp>
+        <p:nvSpPr>
+          <p:cNvPr id="4" name="Slide Number Placeholder 3"/>
+          <p:cNvSpPr>
+            <a:spLocks noGrp="1"/>
+          </p:cNvSpPr>
+          <p:nvPr>
+            <p:ph type="sldNum" sz="quarter" idx="10"/>
+          </p:nvPr>
+        </p:nvSpPr>
+        <p:spPr/>
+        <p:txBody>
+          <a:bodyPr/>
+          <a:lstStyle/>
+          <a:p>
+            <a:fld id="{C013E244-2E7F-424D-868B-6272F407A4EB}" type="slidenum">
+              <a:rPr lang="en-CA" altLang="zh-CN" smtClean="0"/>
+              <a:pPr/>
+              <a:t>17</a:t>
+            </a:fld>
+            <a:endParaRPr lang="en-CA" altLang="zh-CN"/>
+          </a:p>
+        </p:txBody>
+      </p:sp>
+    </p:spTree>
+    <p:extLst>
+      <p:ext uri="{BB962C8B-B14F-4D97-AF65-F5344CB8AC3E}">
+        <p14:creationId xmlns:p14="http://schemas.microsoft.com/office/powerpoint/2010/main" val="1734100331"/>
+      </p:ext>
+    </p:extLst>
+  </p:cSld>
+  <p:clrMapOvr>
+    <a:masterClrMapping/>
+  </p:clrMapOvr>
+</p:notes>
+</file>
+
+<file path=ppt/notesSlides/notesSlide18.xml><?xml version="1.0" encoding="utf-8"?>
+<p:notes xmlns:a="http://schemas.openxmlformats.org/drawingml/2006/main" xmlns:r="http://schemas.openxmlformats.org/officeDocument/2006/relationships" xmlns:p="http://schemas.openxmlformats.org/presentationml/2006/main">
+  <p:cSld>
+    <p:spTree>
+      <p:nvGrpSpPr>
+        <p:cNvPr id="1" name=""/>
+        <p:cNvGrpSpPr/>
+        <p:nvPr/>
+      </p:nvGrpSpPr>
+      <p:grpSpPr>
+        <a:xfrm>
+          <a:off x="0" y="0"/>
+          <a:ext cx="0" cy="0"/>
+          <a:chOff x="0" y="0"/>
+          <a:chExt cx="0" cy="0"/>
+        </a:xfrm>
+      </p:grpSpPr>
+      <p:sp>
+        <p:nvSpPr>
+          <p:cNvPr id="2" name="Slide Image Placeholder 1"/>
+          <p:cNvSpPr>
+            <a:spLocks noGrp="1" noRot="1" noChangeAspect="1"/>
+          </p:cNvSpPr>
+          <p:nvPr>
+            <p:ph type="sldImg"/>
+          </p:nvPr>
+        </p:nvSpPr>
+        <p:spPr/>
+      </p:sp>
+      <p:sp>
+        <p:nvSpPr>
+          <p:cNvPr id="3" name="Notes Placeholder 2"/>
+          <p:cNvSpPr>
+            <a:spLocks noGrp="1"/>
+          </p:cNvSpPr>
+          <p:nvPr>
+            <p:ph type="body" idx="1"/>
+          </p:nvPr>
+        </p:nvSpPr>
+        <p:spPr/>
+        <p:txBody>
+          <a:bodyPr/>
+          <a:lstStyle/>
+          <a:p>
+            <a:endParaRPr lang="en-CA" dirty="0"/>
+          </a:p>
+        </p:txBody>
+      </p:sp>
+      <p:sp>
+        <p:nvSpPr>
+          <p:cNvPr id="4" name="Slide Number Placeholder 3"/>
+          <p:cNvSpPr>
+            <a:spLocks noGrp="1"/>
+          </p:cNvSpPr>
+          <p:nvPr>
+            <p:ph type="sldNum" sz="quarter" idx="10"/>
+          </p:nvPr>
+        </p:nvSpPr>
+        <p:spPr/>
+        <p:txBody>
+          <a:bodyPr/>
+          <a:lstStyle/>
+          <a:p>
+            <a:fld id="{C013E244-2E7F-424D-868B-6272F407A4EB}" type="slidenum">
+              <a:rPr lang="en-CA" altLang="zh-CN" smtClean="0"/>
+              <a:pPr/>
+              <a:t>18</a:t>
+            </a:fld>
+            <a:endParaRPr lang="en-CA" altLang="zh-CN"/>
+          </a:p>
+        </p:txBody>
+      </p:sp>
+    </p:spTree>
+    <p:extLst>
+      <p:ext uri="{BB962C8B-B14F-4D97-AF65-F5344CB8AC3E}">
+        <p14:creationId xmlns:p14="http://schemas.microsoft.com/office/powerpoint/2010/main" val="934193552"/>
+      </p:ext>
+    </p:extLst>
+  </p:cSld>
+  <p:clrMapOvr>
+    <a:masterClrMapping/>
+  </p:clrMapOvr>
+</p:notes>
+</file>
+
+<file path=ppt/notesSlides/notesSlide19.xml><?xml version="1.0" encoding="utf-8"?>
+<p:notes xmlns:a="http://schemas.openxmlformats.org/drawingml/2006/main" xmlns:r="http://schemas.openxmlformats.org/officeDocument/2006/relationships" xmlns:p="http://schemas.openxmlformats.org/presentationml/2006/main">
+  <p:cSld>
+    <p:spTree>
+      <p:nvGrpSpPr>
+        <p:cNvPr id="1" name=""/>
+        <p:cNvGrpSpPr/>
+        <p:nvPr/>
+      </p:nvGrpSpPr>
+      <p:grpSpPr>
+        <a:xfrm>
+          <a:off x="0" y="0"/>
+          <a:ext cx="0" cy="0"/>
+          <a:chOff x="0" y="0"/>
+          <a:chExt cx="0" cy="0"/>
+        </a:xfrm>
+      </p:grpSpPr>
+      <p:sp>
+        <p:nvSpPr>
+          <p:cNvPr id="2" name="Slide Image Placeholder 1"/>
+          <p:cNvSpPr>
+            <a:spLocks noGrp="1" noRot="1" noChangeAspect="1"/>
+          </p:cNvSpPr>
+          <p:nvPr>
+            <p:ph type="sldImg"/>
+          </p:nvPr>
+        </p:nvSpPr>
+        <p:spPr/>
+      </p:sp>
+      <p:sp>
+        <p:nvSpPr>
+          <p:cNvPr id="3" name="Notes Placeholder 2"/>
+          <p:cNvSpPr>
+            <a:spLocks noGrp="1"/>
+          </p:cNvSpPr>
+          <p:nvPr>
+            <p:ph type="body" idx="1"/>
+          </p:nvPr>
+        </p:nvSpPr>
+        <p:spPr/>
+        <p:txBody>
+          <a:bodyPr/>
+          <a:lstStyle/>
+          <a:p>
+            <a:endParaRPr lang="en-CA" dirty="0"/>
+          </a:p>
+        </p:txBody>
+      </p:sp>
+      <p:sp>
+        <p:nvSpPr>
+          <p:cNvPr id="4" name="Slide Number Placeholder 3"/>
+          <p:cNvSpPr>
+            <a:spLocks noGrp="1"/>
+          </p:cNvSpPr>
+          <p:nvPr>
+            <p:ph type="sldNum" sz="quarter" idx="10"/>
+          </p:nvPr>
+        </p:nvSpPr>
+        <p:spPr/>
+        <p:txBody>
+          <a:bodyPr/>
+          <a:lstStyle/>
+          <a:p>
+            <a:fld id="{C013E244-2E7F-424D-868B-6272F407A4EB}" type="slidenum">
+              <a:rPr lang="en-CA" altLang="zh-CN" smtClean="0"/>
+              <a:pPr/>
+              <a:t>19</a:t>
+            </a:fld>
+            <a:endParaRPr lang="en-CA" altLang="zh-CN"/>
+          </a:p>
+        </p:txBody>
+      </p:sp>
+    </p:spTree>
+    <p:extLst>
+      <p:ext uri="{BB962C8B-B14F-4D97-AF65-F5344CB8AC3E}">
+        <p14:creationId xmlns:p14="http://schemas.microsoft.com/office/powerpoint/2010/main" val="1543399896"/>
       </p:ext>
     </p:extLst>
   </p:cSld>
@@ -1505,6 +2025,346 @@
     <p:extLst>
       <p:ext uri="{BB962C8B-B14F-4D97-AF65-F5344CB8AC3E}">
         <p14:creationId xmlns:p14="http://schemas.microsoft.com/office/powerpoint/2010/main" val="1504769790"/>
+      </p:ext>
+    </p:extLst>
+  </p:cSld>
+  <p:clrMapOvr>
+    <a:masterClrMapping/>
+  </p:clrMapOvr>
+</p:notes>
+</file>
+
+<file path=ppt/notesSlides/notesSlide20.xml><?xml version="1.0" encoding="utf-8"?>
+<p:notes xmlns:a="http://schemas.openxmlformats.org/drawingml/2006/main" xmlns:r="http://schemas.openxmlformats.org/officeDocument/2006/relationships" xmlns:p="http://schemas.openxmlformats.org/presentationml/2006/main">
+  <p:cSld>
+    <p:spTree>
+      <p:nvGrpSpPr>
+        <p:cNvPr id="1" name=""/>
+        <p:cNvGrpSpPr/>
+        <p:nvPr/>
+      </p:nvGrpSpPr>
+      <p:grpSpPr>
+        <a:xfrm>
+          <a:off x="0" y="0"/>
+          <a:ext cx="0" cy="0"/>
+          <a:chOff x="0" y="0"/>
+          <a:chExt cx="0" cy="0"/>
+        </a:xfrm>
+      </p:grpSpPr>
+      <p:sp>
+        <p:nvSpPr>
+          <p:cNvPr id="2" name="Slide Image Placeholder 1"/>
+          <p:cNvSpPr>
+            <a:spLocks noGrp="1" noRot="1" noChangeAspect="1"/>
+          </p:cNvSpPr>
+          <p:nvPr>
+            <p:ph type="sldImg"/>
+          </p:nvPr>
+        </p:nvSpPr>
+        <p:spPr/>
+      </p:sp>
+      <p:sp>
+        <p:nvSpPr>
+          <p:cNvPr id="3" name="Notes Placeholder 2"/>
+          <p:cNvSpPr>
+            <a:spLocks noGrp="1"/>
+          </p:cNvSpPr>
+          <p:nvPr>
+            <p:ph type="body" idx="1"/>
+          </p:nvPr>
+        </p:nvSpPr>
+        <p:spPr/>
+        <p:txBody>
+          <a:bodyPr/>
+          <a:lstStyle/>
+          <a:p>
+            <a:endParaRPr lang="en-CA" dirty="0"/>
+          </a:p>
+        </p:txBody>
+      </p:sp>
+      <p:sp>
+        <p:nvSpPr>
+          <p:cNvPr id="4" name="Slide Number Placeholder 3"/>
+          <p:cNvSpPr>
+            <a:spLocks noGrp="1"/>
+          </p:cNvSpPr>
+          <p:nvPr>
+            <p:ph type="sldNum" sz="quarter" idx="10"/>
+          </p:nvPr>
+        </p:nvSpPr>
+        <p:spPr/>
+        <p:txBody>
+          <a:bodyPr/>
+          <a:lstStyle/>
+          <a:p>
+            <a:fld id="{C013E244-2E7F-424D-868B-6272F407A4EB}" type="slidenum">
+              <a:rPr lang="en-CA" altLang="zh-CN" smtClean="0"/>
+              <a:pPr/>
+              <a:t>20</a:t>
+            </a:fld>
+            <a:endParaRPr lang="en-CA" altLang="zh-CN"/>
+          </a:p>
+        </p:txBody>
+      </p:sp>
+    </p:spTree>
+    <p:extLst>
+      <p:ext uri="{BB962C8B-B14F-4D97-AF65-F5344CB8AC3E}">
+        <p14:creationId xmlns:p14="http://schemas.microsoft.com/office/powerpoint/2010/main" val="3397152141"/>
+      </p:ext>
+    </p:extLst>
+  </p:cSld>
+  <p:clrMapOvr>
+    <a:masterClrMapping/>
+  </p:clrMapOvr>
+</p:notes>
+</file>
+
+<file path=ppt/notesSlides/notesSlide21.xml><?xml version="1.0" encoding="utf-8"?>
+<p:notes xmlns:a="http://schemas.openxmlformats.org/drawingml/2006/main" xmlns:r="http://schemas.openxmlformats.org/officeDocument/2006/relationships" xmlns:p="http://schemas.openxmlformats.org/presentationml/2006/main">
+  <p:cSld>
+    <p:spTree>
+      <p:nvGrpSpPr>
+        <p:cNvPr id="1" name=""/>
+        <p:cNvGrpSpPr/>
+        <p:nvPr/>
+      </p:nvGrpSpPr>
+      <p:grpSpPr>
+        <a:xfrm>
+          <a:off x="0" y="0"/>
+          <a:ext cx="0" cy="0"/>
+          <a:chOff x="0" y="0"/>
+          <a:chExt cx="0" cy="0"/>
+        </a:xfrm>
+      </p:grpSpPr>
+      <p:sp>
+        <p:nvSpPr>
+          <p:cNvPr id="2" name="Slide Image Placeholder 1"/>
+          <p:cNvSpPr>
+            <a:spLocks noGrp="1" noRot="1" noChangeAspect="1"/>
+          </p:cNvSpPr>
+          <p:nvPr>
+            <p:ph type="sldImg"/>
+          </p:nvPr>
+        </p:nvSpPr>
+        <p:spPr/>
+      </p:sp>
+      <p:sp>
+        <p:nvSpPr>
+          <p:cNvPr id="3" name="Notes Placeholder 2"/>
+          <p:cNvSpPr>
+            <a:spLocks noGrp="1"/>
+          </p:cNvSpPr>
+          <p:nvPr>
+            <p:ph type="body" idx="1"/>
+          </p:nvPr>
+        </p:nvSpPr>
+        <p:spPr/>
+        <p:txBody>
+          <a:bodyPr/>
+          <a:lstStyle/>
+          <a:p>
+            <a:endParaRPr lang="en-CA" dirty="0"/>
+          </a:p>
+        </p:txBody>
+      </p:sp>
+      <p:sp>
+        <p:nvSpPr>
+          <p:cNvPr id="4" name="Slide Number Placeholder 3"/>
+          <p:cNvSpPr>
+            <a:spLocks noGrp="1"/>
+          </p:cNvSpPr>
+          <p:nvPr>
+            <p:ph type="sldNum" sz="quarter" idx="10"/>
+          </p:nvPr>
+        </p:nvSpPr>
+        <p:spPr/>
+        <p:txBody>
+          <a:bodyPr/>
+          <a:lstStyle/>
+          <a:p>
+            <a:fld id="{C013E244-2E7F-424D-868B-6272F407A4EB}" type="slidenum">
+              <a:rPr lang="en-CA" altLang="zh-CN" smtClean="0"/>
+              <a:pPr/>
+              <a:t>21</a:t>
+            </a:fld>
+            <a:endParaRPr lang="en-CA" altLang="zh-CN"/>
+          </a:p>
+        </p:txBody>
+      </p:sp>
+    </p:spTree>
+    <p:extLst>
+      <p:ext uri="{BB962C8B-B14F-4D97-AF65-F5344CB8AC3E}">
+        <p14:creationId xmlns:p14="http://schemas.microsoft.com/office/powerpoint/2010/main" val="4186222232"/>
+      </p:ext>
+    </p:extLst>
+  </p:cSld>
+  <p:clrMapOvr>
+    <a:masterClrMapping/>
+  </p:clrMapOvr>
+</p:notes>
+</file>
+
+<file path=ppt/notesSlides/notesSlide22.xml><?xml version="1.0" encoding="utf-8"?>
+<p:notes xmlns:a="http://schemas.openxmlformats.org/drawingml/2006/main" xmlns:r="http://schemas.openxmlformats.org/officeDocument/2006/relationships" xmlns:p="http://schemas.openxmlformats.org/presentationml/2006/main">
+  <p:cSld>
+    <p:spTree>
+      <p:nvGrpSpPr>
+        <p:cNvPr id="1" name=""/>
+        <p:cNvGrpSpPr/>
+        <p:nvPr/>
+      </p:nvGrpSpPr>
+      <p:grpSpPr>
+        <a:xfrm>
+          <a:off x="0" y="0"/>
+          <a:ext cx="0" cy="0"/>
+          <a:chOff x="0" y="0"/>
+          <a:chExt cx="0" cy="0"/>
+        </a:xfrm>
+      </p:grpSpPr>
+      <p:sp>
+        <p:nvSpPr>
+          <p:cNvPr id="2" name="Slide Image Placeholder 1"/>
+          <p:cNvSpPr>
+            <a:spLocks noGrp="1" noRot="1" noChangeAspect="1"/>
+          </p:cNvSpPr>
+          <p:nvPr>
+            <p:ph type="sldImg"/>
+          </p:nvPr>
+        </p:nvSpPr>
+        <p:spPr/>
+      </p:sp>
+      <p:sp>
+        <p:nvSpPr>
+          <p:cNvPr id="3" name="Notes Placeholder 2"/>
+          <p:cNvSpPr>
+            <a:spLocks noGrp="1"/>
+          </p:cNvSpPr>
+          <p:nvPr>
+            <p:ph type="body" idx="1"/>
+          </p:nvPr>
+        </p:nvSpPr>
+        <p:spPr/>
+        <p:txBody>
+          <a:bodyPr/>
+          <a:lstStyle/>
+          <a:p>
+            <a:endParaRPr lang="en-CA" dirty="0"/>
+          </a:p>
+        </p:txBody>
+      </p:sp>
+      <p:sp>
+        <p:nvSpPr>
+          <p:cNvPr id="4" name="Slide Number Placeholder 3"/>
+          <p:cNvSpPr>
+            <a:spLocks noGrp="1"/>
+          </p:cNvSpPr>
+          <p:nvPr>
+            <p:ph type="sldNum" sz="quarter" idx="10"/>
+          </p:nvPr>
+        </p:nvSpPr>
+        <p:spPr/>
+        <p:txBody>
+          <a:bodyPr/>
+          <a:lstStyle/>
+          <a:p>
+            <a:fld id="{C013E244-2E7F-424D-868B-6272F407A4EB}" type="slidenum">
+              <a:rPr lang="en-CA" altLang="zh-CN" smtClean="0"/>
+              <a:pPr/>
+              <a:t>22</a:t>
+            </a:fld>
+            <a:endParaRPr lang="en-CA" altLang="zh-CN"/>
+          </a:p>
+        </p:txBody>
+      </p:sp>
+    </p:spTree>
+    <p:extLst>
+      <p:ext uri="{BB962C8B-B14F-4D97-AF65-F5344CB8AC3E}">
+        <p14:creationId xmlns:p14="http://schemas.microsoft.com/office/powerpoint/2010/main" val="1012956750"/>
+      </p:ext>
+    </p:extLst>
+  </p:cSld>
+  <p:clrMapOvr>
+    <a:masterClrMapping/>
+  </p:clrMapOvr>
+</p:notes>
+</file>
+
+<file path=ppt/notesSlides/notesSlide23.xml><?xml version="1.0" encoding="utf-8"?>
+<p:notes xmlns:a="http://schemas.openxmlformats.org/drawingml/2006/main" xmlns:r="http://schemas.openxmlformats.org/officeDocument/2006/relationships" xmlns:p="http://schemas.openxmlformats.org/presentationml/2006/main">
+  <p:cSld>
+    <p:spTree>
+      <p:nvGrpSpPr>
+        <p:cNvPr id="1" name=""/>
+        <p:cNvGrpSpPr/>
+        <p:nvPr/>
+      </p:nvGrpSpPr>
+      <p:grpSpPr>
+        <a:xfrm>
+          <a:off x="0" y="0"/>
+          <a:ext cx="0" cy="0"/>
+          <a:chOff x="0" y="0"/>
+          <a:chExt cx="0" cy="0"/>
+        </a:xfrm>
+      </p:grpSpPr>
+      <p:sp>
+        <p:nvSpPr>
+          <p:cNvPr id="2" name="Slide Image Placeholder 1"/>
+          <p:cNvSpPr>
+            <a:spLocks noGrp="1" noRot="1" noChangeAspect="1"/>
+          </p:cNvSpPr>
+          <p:nvPr>
+            <p:ph type="sldImg"/>
+          </p:nvPr>
+        </p:nvSpPr>
+        <p:spPr/>
+      </p:sp>
+      <p:sp>
+        <p:nvSpPr>
+          <p:cNvPr id="3" name="Notes Placeholder 2"/>
+          <p:cNvSpPr>
+            <a:spLocks noGrp="1"/>
+          </p:cNvSpPr>
+          <p:nvPr>
+            <p:ph type="body" idx="1"/>
+          </p:nvPr>
+        </p:nvSpPr>
+        <p:spPr/>
+        <p:txBody>
+          <a:bodyPr/>
+          <a:lstStyle/>
+          <a:p>
+            <a:endParaRPr lang="en-CA" dirty="0"/>
+          </a:p>
+        </p:txBody>
+      </p:sp>
+      <p:sp>
+        <p:nvSpPr>
+          <p:cNvPr id="4" name="Slide Number Placeholder 3"/>
+          <p:cNvSpPr>
+            <a:spLocks noGrp="1"/>
+          </p:cNvSpPr>
+          <p:nvPr>
+            <p:ph type="sldNum" sz="quarter" idx="10"/>
+          </p:nvPr>
+        </p:nvSpPr>
+        <p:spPr/>
+        <p:txBody>
+          <a:bodyPr/>
+          <a:lstStyle/>
+          <a:p>
+            <a:fld id="{C013E244-2E7F-424D-868B-6272F407A4EB}" type="slidenum">
+              <a:rPr lang="en-CA" altLang="zh-CN" smtClean="0"/>
+              <a:pPr/>
+              <a:t>23</a:t>
+            </a:fld>
+            <a:endParaRPr lang="en-CA" altLang="zh-CN"/>
+          </a:p>
+        </p:txBody>
+      </p:sp>
+    </p:spTree>
+    <p:extLst>
+      <p:ext uri="{BB962C8B-B14F-4D97-AF65-F5344CB8AC3E}">
+        <p14:creationId xmlns:p14="http://schemas.microsoft.com/office/powerpoint/2010/main" val="649258959"/>
       </p:ext>
     </p:extLst>
   </p:cSld>
@@ -1674,7 +2534,7 @@
     </p:spTree>
     <p:extLst>
       <p:ext uri="{BB962C8B-B14F-4D97-AF65-F5344CB8AC3E}">
-        <p14:creationId xmlns:p14="http://schemas.microsoft.com/office/powerpoint/2010/main" val="1673129103"/>
+        <p14:creationId xmlns:p14="http://schemas.microsoft.com/office/powerpoint/2010/main" val="28218506"/>
       </p:ext>
     </p:extLst>
   </p:cSld>
@@ -1759,7 +2619,7 @@
     </p:spTree>
     <p:extLst>
       <p:ext uri="{BB962C8B-B14F-4D97-AF65-F5344CB8AC3E}">
-        <p14:creationId xmlns:p14="http://schemas.microsoft.com/office/powerpoint/2010/main" val="1386714315"/>
+        <p14:creationId xmlns:p14="http://schemas.microsoft.com/office/powerpoint/2010/main" val="1673129103"/>
       </p:ext>
     </p:extLst>
   </p:cSld>
@@ -1844,7 +2704,7 @@
     </p:spTree>
     <p:extLst>
       <p:ext uri="{BB962C8B-B14F-4D97-AF65-F5344CB8AC3E}">
-        <p14:creationId xmlns:p14="http://schemas.microsoft.com/office/powerpoint/2010/main" val="2478069557"/>
+        <p14:creationId xmlns:p14="http://schemas.microsoft.com/office/powerpoint/2010/main" val="2711915447"/>
       </p:ext>
     </p:extLst>
   </p:cSld>
@@ -1929,7 +2789,7 @@
     </p:spTree>
     <p:extLst>
       <p:ext uri="{BB962C8B-B14F-4D97-AF65-F5344CB8AC3E}">
-        <p14:creationId xmlns:p14="http://schemas.microsoft.com/office/powerpoint/2010/main" val="121837234"/>
+        <p14:creationId xmlns:p14="http://schemas.microsoft.com/office/powerpoint/2010/main" val="2478069557"/>
       </p:ext>
     </p:extLst>
   </p:cSld>
@@ -2014,7 +2874,7 @@
     </p:spTree>
     <p:extLst>
       <p:ext uri="{BB962C8B-B14F-4D97-AF65-F5344CB8AC3E}">
-        <p14:creationId xmlns:p14="http://schemas.microsoft.com/office/powerpoint/2010/main" val="1540527087"/>
+        <p14:creationId xmlns:p14="http://schemas.microsoft.com/office/powerpoint/2010/main" val="121837234"/>
       </p:ext>
     </p:extLst>
   </p:cSld>
@@ -2099,7 +2959,7 @@
     </p:spTree>
     <p:extLst>
       <p:ext uri="{BB962C8B-B14F-4D97-AF65-F5344CB8AC3E}">
-        <p14:creationId xmlns:p14="http://schemas.microsoft.com/office/powerpoint/2010/main" val="3380295042"/>
+        <p14:creationId xmlns:p14="http://schemas.microsoft.com/office/powerpoint/2010/main" val="2907865738"/>
       </p:ext>
     </p:extLst>
   </p:cSld>
@@ -2293,7 +3153,7 @@
             <a:fld id="{2C31E0B7-D99D-9840-9AA4-AFE996601F1A}" type="datetime1">
               <a:rPr lang="en-US" altLang="zh-CN"/>
               <a:pPr/>
-              <a:t>5/1/2020</a:t>
+              <a:t>5/25/2020</a:t>
             </a:fld>
             <a:endParaRPr lang="en-US" altLang="zh-CN"/>
           </a:p>
@@ -2478,7 +3338,7 @@
             <a:fld id="{8CD81206-CB00-054A-A73E-85C388CF01BA}" type="datetime1">
               <a:rPr lang="en-US" altLang="zh-CN"/>
               <a:pPr/>
-              <a:t>5/1/2020</a:t>
+              <a:t>5/25/2020</a:t>
             </a:fld>
             <a:endParaRPr lang="en-US" altLang="zh-CN"/>
           </a:p>
@@ -2673,7 +3533,7 @@
             <a:fld id="{763C9DB7-BA8E-3248-A482-551635BAD7C2}" type="datetime1">
               <a:rPr lang="en-US" altLang="zh-CN"/>
               <a:pPr/>
-              <a:t>5/1/2020</a:t>
+              <a:t>5/25/2020</a:t>
             </a:fld>
             <a:endParaRPr lang="en-US" altLang="zh-CN"/>
           </a:p>
@@ -2807,7 +3667,7 @@
             <a:fld id="{E076C303-4390-464C-B7E9-6F5306EF3170}" type="datetime1">
               <a:rPr lang="en-US" altLang="zh-CN"/>
               <a:pPr/>
-              <a:t>5/1/2020</a:t>
+              <a:t>5/25/2020</a:t>
             </a:fld>
             <a:endParaRPr lang="en-US" altLang="zh-CN"/>
           </a:p>
@@ -2946,7 +3806,7 @@
             <a:fld id="{5CA8F940-8C0D-5F40-9547-CE421C3644DF}" type="datetime1">
               <a:rPr lang="en-US" altLang="zh-CN" smtClean="0"/>
               <a:pPr/>
-              <a:t>5/1/2020</a:t>
+              <a:t>5/25/2020</a:t>
             </a:fld>
             <a:endParaRPr lang="en-US" altLang="zh-CN"/>
           </a:p>
@@ -3045,14 +3905,14 @@
           </a:ln>
           <a:extLst>
             <a:ext uri="{909E8E84-426E-40dd-AFC4-6F175D3DCCD1}">
-              <a14:hiddenFill xmlns="" xmlns:a14="http://schemas.microsoft.com/office/drawing/2010/main">
+              <a14:hiddenFill xmlns:a14="http://schemas.microsoft.com/office/drawing/2010/main" xmlns="">
                 <a:solidFill>
                   <a:srgbClr val="FFFFFF"/>
                 </a:solidFill>
               </a14:hiddenFill>
             </a:ext>
             <a:ext uri="{91240B29-F687-4f45-9708-019B960494DF}">
-              <a14:hiddenLine xmlns="" xmlns:a14="http://schemas.microsoft.com/office/drawing/2010/main" w="9525">
+              <a14:hiddenLine xmlns:a14="http://schemas.microsoft.com/office/drawing/2010/main" xmlns="" w="9525">
                 <a:solidFill>
                   <a:srgbClr val="000000"/>
                 </a:solidFill>
@@ -3306,14 +4166,14 @@
             </a:ln>
             <a:extLst>
               <a:ext uri="{909E8E84-426E-40dd-AFC4-6F175D3DCCD1}">
-                <a14:hiddenFill xmlns="" xmlns:a14="http://schemas.microsoft.com/office/drawing/2010/main">
+                <a14:hiddenFill xmlns:a14="http://schemas.microsoft.com/office/drawing/2010/main" xmlns="">
                   <a:solidFill>
                     <a:srgbClr val="FFFFFF"/>
                   </a:solidFill>
                 </a14:hiddenFill>
               </a:ext>
               <a:ext uri="{91240B29-F687-4f45-9708-019B960494DF}">
-                <a14:hiddenLine xmlns="" xmlns:a14="http://schemas.microsoft.com/office/drawing/2010/main" w="9525">
+                <a14:hiddenLine xmlns:a14="http://schemas.microsoft.com/office/drawing/2010/main" xmlns="" w="9525">
                   <a:solidFill>
                     <a:srgbClr val="000000"/>
                   </a:solidFill>
@@ -3712,14 +4572,14 @@
           </a:ln>
           <a:extLst>
             <a:ext uri="{909E8E84-426E-40dd-AFC4-6F175D3DCCD1}">
-              <a14:hiddenFill xmlns:a14="http://schemas.microsoft.com/office/drawing/2010/main" xmlns="">
+              <a14:hiddenFill xmlns="" xmlns:a14="http://schemas.microsoft.com/office/drawing/2010/main">
                 <a:solidFill>
                   <a:srgbClr val="FFFFFF"/>
                 </a:solidFill>
               </a14:hiddenFill>
             </a:ext>
             <a:ext uri="{91240B29-F687-4f45-9708-019B960494DF}">
-              <a14:hiddenLine xmlns:a14="http://schemas.microsoft.com/office/drawing/2010/main" xmlns="" w="9525">
+              <a14:hiddenLine xmlns="" xmlns:a14="http://schemas.microsoft.com/office/drawing/2010/main" w="9525">
                 <a:solidFill>
                   <a:srgbClr val="000000"/>
                 </a:solidFill>
@@ -3938,14 +4798,14 @@
             </a:ln>
             <a:extLst>
               <a:ext uri="{909E8E84-426E-40dd-AFC4-6F175D3DCCD1}">
-                <a14:hiddenFill xmlns:a14="http://schemas.microsoft.com/office/drawing/2010/main" xmlns="">
+                <a14:hiddenFill xmlns="" xmlns:a14="http://schemas.microsoft.com/office/drawing/2010/main">
                   <a:solidFill>
                     <a:srgbClr val="FFFFFF"/>
                   </a:solidFill>
                 </a14:hiddenFill>
               </a:ext>
               <a:ext uri="{91240B29-F687-4f45-9708-019B960494DF}">
-                <a14:hiddenLine xmlns:a14="http://schemas.microsoft.com/office/drawing/2010/main" xmlns="" w="9525">
+                <a14:hiddenLine xmlns="" xmlns:a14="http://schemas.microsoft.com/office/drawing/2010/main" w="9525">
                   <a:solidFill>
                     <a:srgbClr val="000000"/>
                   </a:solidFill>
@@ -4302,7 +5162,7 @@
             <a:fld id="{93BCDC2B-E37E-7845-AABF-FC5B18D3CD04}" type="datetime1">
               <a:rPr lang="en-US" altLang="zh-CN" smtClean="0"/>
               <a:pPr/>
-              <a:t>5/1/2020</a:t>
+              <a:t>5/25/2020</a:t>
             </a:fld>
             <a:endParaRPr lang="en-US" altLang="zh-CN"/>
           </a:p>
@@ -4402,14 +5262,14 @@
           </a:ln>
           <a:extLst>
             <a:ext uri="{909E8E84-426E-40dd-AFC4-6F175D3DCCD1}">
-              <a14:hiddenFill xmlns="" xmlns:a14="http://schemas.microsoft.com/office/drawing/2010/main">
+              <a14:hiddenFill xmlns:a14="http://schemas.microsoft.com/office/drawing/2010/main" xmlns="">
                 <a:solidFill>
                   <a:srgbClr val="FFFFFF"/>
                 </a:solidFill>
               </a14:hiddenFill>
             </a:ext>
             <a:ext uri="{91240B29-F687-4f45-9708-019B960494DF}">
-              <a14:hiddenLine xmlns="" xmlns:a14="http://schemas.microsoft.com/office/drawing/2010/main" w="9525">
+              <a14:hiddenLine xmlns:a14="http://schemas.microsoft.com/office/drawing/2010/main" xmlns="" w="9525">
                 <a:solidFill>
                   <a:srgbClr val="000000"/>
                 </a:solidFill>
@@ -4628,14 +5488,14 @@
             </a:ln>
             <a:extLst>
               <a:ext uri="{909E8E84-426E-40dd-AFC4-6F175D3DCCD1}">
-                <a14:hiddenFill xmlns="" xmlns:a14="http://schemas.microsoft.com/office/drawing/2010/main">
+                <a14:hiddenFill xmlns:a14="http://schemas.microsoft.com/office/drawing/2010/main" xmlns="">
                   <a:solidFill>
                     <a:srgbClr val="FFFFFF"/>
                   </a:solidFill>
                 </a14:hiddenFill>
               </a:ext>
               <a:ext uri="{91240B29-F687-4f45-9708-019B960494DF}">
-                <a14:hiddenLine xmlns="" xmlns:a14="http://schemas.microsoft.com/office/drawing/2010/main" w="9525">
+                <a14:hiddenLine xmlns:a14="http://schemas.microsoft.com/office/drawing/2010/main" xmlns="" w="9525">
                   <a:solidFill>
                     <a:srgbClr val="000000"/>
                   </a:solidFill>
@@ -4877,14 +5737,14 @@
           </a:ln>
           <a:extLst>
             <a:ext uri="{909E8E84-426E-40dd-AFC4-6F175D3DCCD1}">
-              <a14:hiddenFill xmlns:a14="http://schemas.microsoft.com/office/drawing/2010/main" xmlns="">
+              <a14:hiddenFill xmlns="" xmlns:a14="http://schemas.microsoft.com/office/drawing/2010/main">
                 <a:solidFill>
                   <a:srgbClr val="FFFFFF"/>
                 </a:solidFill>
               </a14:hiddenFill>
             </a:ext>
             <a:ext uri="{91240B29-F687-4f45-9708-019B960494DF}">
-              <a14:hiddenLine xmlns:a14="http://schemas.microsoft.com/office/drawing/2010/main" xmlns="" w="9525">
+              <a14:hiddenLine xmlns="" xmlns:a14="http://schemas.microsoft.com/office/drawing/2010/main" w="9525">
                 <a:solidFill>
                   <a:srgbClr val="000000"/>
                 </a:solidFill>
@@ -5138,14 +5998,14 @@
             </a:ln>
             <a:extLst>
               <a:ext uri="{909E8E84-426E-40dd-AFC4-6F175D3DCCD1}">
-                <a14:hiddenFill xmlns:a14="http://schemas.microsoft.com/office/drawing/2010/main" xmlns="">
+                <a14:hiddenFill xmlns="" xmlns:a14="http://schemas.microsoft.com/office/drawing/2010/main">
                   <a:solidFill>
                     <a:srgbClr val="FFFFFF"/>
                   </a:solidFill>
                 </a14:hiddenFill>
               </a:ext>
               <a:ext uri="{91240B29-F687-4f45-9708-019B960494DF}">
-                <a14:hiddenLine xmlns:a14="http://schemas.microsoft.com/office/drawing/2010/main" xmlns="" w="9525">
+                <a14:hiddenLine xmlns="" xmlns:a14="http://schemas.microsoft.com/office/drawing/2010/main" w="9525">
                   <a:solidFill>
                     <a:srgbClr val="000000"/>
                   </a:solidFill>
@@ -5372,7 +6232,7 @@
             <a:fld id="{5CA8F940-8C0D-5F40-9547-CE421C3644DF}" type="datetime1">
               <a:rPr lang="en-US" altLang="zh-CN" smtClean="0"/>
               <a:pPr/>
-              <a:t>5/1/2020</a:t>
+              <a:t>5/25/2020</a:t>
             </a:fld>
             <a:endParaRPr lang="en-US" altLang="zh-CN"/>
           </a:p>
@@ -5472,14 +6332,14 @@
           </a:ln>
           <a:extLst>
             <a:ext uri="{909E8E84-426E-40dd-AFC4-6F175D3DCCD1}">
-              <a14:hiddenFill xmlns="" xmlns:a14="http://schemas.microsoft.com/office/drawing/2010/main">
+              <a14:hiddenFill xmlns:a14="http://schemas.microsoft.com/office/drawing/2010/main" xmlns="">
                 <a:solidFill>
                   <a:srgbClr val="FFFFFF"/>
                 </a:solidFill>
               </a14:hiddenFill>
             </a:ext>
             <a:ext uri="{91240B29-F687-4f45-9708-019B960494DF}">
-              <a14:hiddenLine xmlns="" xmlns:a14="http://schemas.microsoft.com/office/drawing/2010/main" w="9525">
+              <a14:hiddenLine xmlns:a14="http://schemas.microsoft.com/office/drawing/2010/main" xmlns="" w="9525">
                 <a:solidFill>
                   <a:srgbClr val="000000"/>
                 </a:solidFill>
@@ -5733,14 +6593,14 @@
             </a:ln>
             <a:extLst>
               <a:ext uri="{909E8E84-426E-40dd-AFC4-6F175D3DCCD1}">
-                <a14:hiddenFill xmlns="" xmlns:a14="http://schemas.microsoft.com/office/drawing/2010/main">
+                <a14:hiddenFill xmlns:a14="http://schemas.microsoft.com/office/drawing/2010/main" xmlns="">
                   <a:solidFill>
                     <a:srgbClr val="FFFFFF"/>
                   </a:solidFill>
                 </a14:hiddenFill>
               </a:ext>
               <a:ext uri="{91240B29-F687-4f45-9708-019B960494DF}">
-                <a14:hiddenLine xmlns="" xmlns:a14="http://schemas.microsoft.com/office/drawing/2010/main" w="9525">
+                <a14:hiddenLine xmlns:a14="http://schemas.microsoft.com/office/drawing/2010/main" xmlns="" w="9525">
                   <a:solidFill>
                     <a:srgbClr val="000000"/>
                   </a:solidFill>
@@ -5982,14 +6842,14 @@
           </a:ln>
           <a:extLst>
             <a:ext uri="{909E8E84-426E-40dd-AFC4-6F175D3DCCD1}">
-              <a14:hiddenFill xmlns:a14="http://schemas.microsoft.com/office/drawing/2010/main" xmlns="">
+              <a14:hiddenFill xmlns="" xmlns:a14="http://schemas.microsoft.com/office/drawing/2010/main">
                 <a:solidFill>
                   <a:srgbClr val="FFFFFF"/>
                 </a:solidFill>
               </a14:hiddenFill>
             </a:ext>
             <a:ext uri="{91240B29-F687-4f45-9708-019B960494DF}">
-              <a14:hiddenLine xmlns:a14="http://schemas.microsoft.com/office/drawing/2010/main" xmlns="" w="9525">
+              <a14:hiddenLine xmlns="" xmlns:a14="http://schemas.microsoft.com/office/drawing/2010/main" w="9525">
                 <a:solidFill>
                   <a:srgbClr val="000000"/>
                 </a:solidFill>
@@ -6373,14 +7233,14 @@
             </a:ln>
             <a:extLst>
               <a:ext uri="{909E8E84-426E-40dd-AFC4-6F175D3DCCD1}">
-                <a14:hiddenFill xmlns:a14="http://schemas.microsoft.com/office/drawing/2010/main" xmlns="">
+                <a14:hiddenFill xmlns="" xmlns:a14="http://schemas.microsoft.com/office/drawing/2010/main">
                   <a:solidFill>
                     <a:srgbClr val="FFFFFF"/>
                   </a:solidFill>
                 </a14:hiddenFill>
               </a:ext>
               <a:ext uri="{91240B29-F687-4f45-9708-019B960494DF}">
-                <a14:hiddenLine xmlns:a14="http://schemas.microsoft.com/office/drawing/2010/main" xmlns="" w="9525">
+                <a14:hiddenLine xmlns="" xmlns:a14="http://schemas.microsoft.com/office/drawing/2010/main" w="9525">
                   <a:solidFill>
                     <a:srgbClr val="000000"/>
                   </a:solidFill>
@@ -6419,7 +7279,7 @@
             <a:fld id="{DD399CBA-90F1-8740-8ACB-6A73FE316139}" type="datetime1">
               <a:rPr lang="en-US" altLang="zh-CN" smtClean="0"/>
               <a:pPr/>
-              <a:t>5/1/2020</a:t>
+              <a:t>5/25/2020</a:t>
             </a:fld>
             <a:endParaRPr lang="en-US" altLang="zh-CN"/>
           </a:p>
@@ -6519,14 +7379,14 @@
           </a:ln>
           <a:extLst>
             <a:ext uri="{909E8E84-426E-40dd-AFC4-6F175D3DCCD1}">
-              <a14:hiddenFill xmlns="" xmlns:a14="http://schemas.microsoft.com/office/drawing/2010/main">
+              <a14:hiddenFill xmlns:a14="http://schemas.microsoft.com/office/drawing/2010/main" xmlns="">
                 <a:solidFill>
                   <a:srgbClr val="FFFFFF"/>
                 </a:solidFill>
               </a14:hiddenFill>
             </a:ext>
             <a:ext uri="{91240B29-F687-4f45-9708-019B960494DF}">
-              <a14:hiddenLine xmlns="" xmlns:a14="http://schemas.microsoft.com/office/drawing/2010/main" w="9525">
+              <a14:hiddenLine xmlns:a14="http://schemas.microsoft.com/office/drawing/2010/main" xmlns="" w="9525">
                 <a:solidFill>
                   <a:srgbClr val="000000"/>
                 </a:solidFill>
@@ -6745,14 +7605,14 @@
             </a:ln>
             <a:extLst>
               <a:ext uri="{909E8E84-426E-40dd-AFC4-6F175D3DCCD1}">
-                <a14:hiddenFill xmlns="" xmlns:a14="http://schemas.microsoft.com/office/drawing/2010/main">
+                <a14:hiddenFill xmlns:a14="http://schemas.microsoft.com/office/drawing/2010/main" xmlns="">
                   <a:solidFill>
                     <a:srgbClr val="FFFFFF"/>
                   </a:solidFill>
                 </a14:hiddenFill>
               </a:ext>
               <a:ext uri="{91240B29-F687-4f45-9708-019B960494DF}">
-                <a14:hiddenLine xmlns="" xmlns:a14="http://schemas.microsoft.com/office/drawing/2010/main" w="9525">
+                <a14:hiddenLine xmlns:a14="http://schemas.microsoft.com/office/drawing/2010/main" xmlns="" w="9525">
                   <a:solidFill>
                     <a:srgbClr val="000000"/>
                   </a:solidFill>
@@ -6994,14 +7854,14 @@
           </a:ln>
           <a:extLst>
             <a:ext uri="{909E8E84-426E-40dd-AFC4-6F175D3DCCD1}">
-              <a14:hiddenFill xmlns="" xmlns:a14="http://schemas.microsoft.com/office/drawing/2010/main">
+              <a14:hiddenFill xmlns:a14="http://schemas.microsoft.com/office/drawing/2010/main" xmlns="">
                 <a:solidFill>
                   <a:srgbClr val="FFFFFF"/>
                 </a:solidFill>
               </a14:hiddenFill>
             </a:ext>
             <a:ext uri="{91240B29-F687-4f45-9708-019B960494DF}">
-              <a14:hiddenLine xmlns="" xmlns:a14="http://schemas.microsoft.com/office/drawing/2010/main" w="9525">
+              <a14:hiddenLine xmlns:a14="http://schemas.microsoft.com/office/drawing/2010/main" xmlns="" w="9525">
                 <a:solidFill>
                   <a:srgbClr val="000000"/>
                 </a:solidFill>
@@ -7220,14 +8080,14 @@
             </a:ln>
             <a:extLst>
               <a:ext uri="{909E8E84-426E-40dd-AFC4-6F175D3DCCD1}">
-                <a14:hiddenFill xmlns="" xmlns:a14="http://schemas.microsoft.com/office/drawing/2010/main">
+                <a14:hiddenFill xmlns:a14="http://schemas.microsoft.com/office/drawing/2010/main" xmlns="">
                   <a:solidFill>
                     <a:srgbClr val="FFFFFF"/>
                   </a:solidFill>
                 </a14:hiddenFill>
               </a:ext>
               <a:ext uri="{91240B29-F687-4f45-9708-019B960494DF}">
-                <a14:hiddenLine xmlns="" xmlns:a14="http://schemas.microsoft.com/office/drawing/2010/main" w="9525">
+                <a14:hiddenLine xmlns:a14="http://schemas.microsoft.com/office/drawing/2010/main" xmlns="" w="9525">
                   <a:solidFill>
                     <a:srgbClr val="000000"/>
                   </a:solidFill>
@@ -7417,7 +8277,7 @@
             <a:fld id="{93BCDC2B-E37E-7845-AABF-FC5B18D3CD04}" type="datetime1">
               <a:rPr lang="en-US" altLang="zh-CN"/>
               <a:pPr/>
-              <a:t>5/1/2020</a:t>
+              <a:t>5/25/2020</a:t>
             </a:fld>
             <a:endParaRPr lang="en-US" altLang="zh-CN"/>
           </a:p>
@@ -7711,14 +8571,14 @@
           </a:ln>
           <a:extLst>
             <a:ext uri="{909E8E84-426E-40dd-AFC4-6F175D3DCCD1}">
-              <a14:hiddenFill xmlns="" xmlns:a14="http://schemas.microsoft.com/office/drawing/2010/main">
+              <a14:hiddenFill xmlns:a14="http://schemas.microsoft.com/office/drawing/2010/main" xmlns="">
                 <a:solidFill>
                   <a:srgbClr val="FFFFFF"/>
                 </a:solidFill>
               </a14:hiddenFill>
             </a:ext>
             <a:ext uri="{91240B29-F687-4f45-9708-019B960494DF}">
-              <a14:hiddenLine xmlns="" xmlns:a14="http://schemas.microsoft.com/office/drawing/2010/main" w="9525">
+              <a14:hiddenLine xmlns:a14="http://schemas.microsoft.com/office/drawing/2010/main" xmlns="" w="9525">
                 <a:solidFill>
                   <a:srgbClr val="000000"/>
                 </a:solidFill>
@@ -7972,14 +8832,14 @@
             </a:ln>
             <a:extLst>
               <a:ext uri="{909E8E84-426E-40dd-AFC4-6F175D3DCCD1}">
-                <a14:hiddenFill xmlns="" xmlns:a14="http://schemas.microsoft.com/office/drawing/2010/main">
+                <a14:hiddenFill xmlns:a14="http://schemas.microsoft.com/office/drawing/2010/main" xmlns="">
                   <a:solidFill>
                     <a:srgbClr val="FFFFFF"/>
                   </a:solidFill>
                 </a14:hiddenFill>
               </a:ext>
               <a:ext uri="{91240B29-F687-4f45-9708-019B960494DF}">
-                <a14:hiddenLine xmlns="" xmlns:a14="http://schemas.microsoft.com/office/drawing/2010/main" w="9525">
+                <a14:hiddenLine xmlns:a14="http://schemas.microsoft.com/office/drawing/2010/main" xmlns="" w="9525">
                   <a:solidFill>
                     <a:srgbClr val="000000"/>
                   </a:solidFill>
@@ -8041,7 +8901,7 @@
             <a:fld id="{5CA8F940-8C0D-5F40-9547-CE421C3644DF}" type="datetime1">
               <a:rPr lang="en-US" altLang="zh-CN"/>
               <a:pPr/>
-              <a:t>5/1/2020</a:t>
+              <a:t>5/25/2020</a:t>
             </a:fld>
             <a:endParaRPr lang="en-US" altLang="zh-CN"/>
           </a:p>
@@ -8335,14 +9195,14 @@
           </a:ln>
           <a:extLst>
             <a:ext uri="{909E8E84-426E-40dd-AFC4-6F175D3DCCD1}">
-              <a14:hiddenFill xmlns="" xmlns:a14="http://schemas.microsoft.com/office/drawing/2010/main">
+              <a14:hiddenFill xmlns:a14="http://schemas.microsoft.com/office/drawing/2010/main" xmlns="">
                 <a:solidFill>
                   <a:srgbClr val="FFFFFF"/>
                 </a:solidFill>
               </a14:hiddenFill>
             </a:ext>
             <a:ext uri="{91240B29-F687-4f45-9708-019B960494DF}">
-              <a14:hiddenLine xmlns="" xmlns:a14="http://schemas.microsoft.com/office/drawing/2010/main" w="9525">
+              <a14:hiddenLine xmlns:a14="http://schemas.microsoft.com/office/drawing/2010/main" xmlns="" w="9525">
                 <a:solidFill>
                   <a:srgbClr val="000000"/>
                 </a:solidFill>
@@ -8561,14 +9421,14 @@
             </a:ln>
             <a:extLst>
               <a:ext uri="{909E8E84-426E-40dd-AFC4-6F175D3DCCD1}">
-                <a14:hiddenFill xmlns="" xmlns:a14="http://schemas.microsoft.com/office/drawing/2010/main">
+                <a14:hiddenFill xmlns:a14="http://schemas.microsoft.com/office/drawing/2010/main" xmlns="">
                   <a:solidFill>
                     <a:srgbClr val="FFFFFF"/>
                   </a:solidFill>
                 </a14:hiddenFill>
               </a:ext>
               <a:ext uri="{91240B29-F687-4f45-9708-019B960494DF}">
-                <a14:hiddenLine xmlns="" xmlns:a14="http://schemas.microsoft.com/office/drawing/2010/main" w="9525">
+                <a14:hiddenLine xmlns:a14="http://schemas.microsoft.com/office/drawing/2010/main" xmlns="" w="9525">
                   <a:solidFill>
                     <a:srgbClr val="000000"/>
                   </a:solidFill>
@@ -8607,7 +9467,7 @@
             <a:fld id="{DD399CBA-90F1-8740-8ACB-6A73FE316139}" type="datetime1">
               <a:rPr lang="en-US" altLang="zh-CN"/>
               <a:pPr/>
-              <a:t>5/1/2020</a:t>
+              <a:t>5/25/2020</a:t>
             </a:fld>
             <a:endParaRPr lang="en-US" altLang="zh-CN"/>
           </a:p>
@@ -8961,7 +9821,7 @@
             <a:fld id="{E65CEB06-13C5-8042-B7D9-86F62FC68B21}" type="datetime1">
               <a:rPr lang="en-US" altLang="zh-CN"/>
               <a:pPr/>
-              <a:t>5/1/2020</a:t>
+              <a:t>5/25/2020</a:t>
             </a:fld>
             <a:endParaRPr lang="en-US" altLang="zh-CN"/>
           </a:p>
@@ -9218,7 +10078,7 @@
             <a:fld id="{2C31E0B7-D99D-9840-9AA4-AFE996601F1A}" type="datetime1">
               <a:rPr lang="en-US" altLang="zh-CN"/>
               <a:pPr/>
-              <a:t>5/1/2020</a:t>
+              <a:t>5/25/2020</a:t>
             </a:fld>
             <a:endParaRPr lang="en-US" altLang="zh-CN"/>
           </a:p>
@@ -9403,7 +10263,7 @@
             <a:fld id="{E65CEB06-13C5-8042-B7D9-86F62FC68B21}" type="datetime1">
               <a:rPr lang="en-US" altLang="zh-CN"/>
               <a:pPr/>
-              <a:t>5/1/2020</a:t>
+              <a:t>5/25/2020</a:t>
             </a:fld>
             <a:endParaRPr lang="en-US" altLang="zh-CN"/>
           </a:p>
@@ -9665,7 +10525,7 @@
             <a:fld id="{385F2447-58C6-0F4D-AFAC-D240FBEAC3D4}" type="datetime1">
               <a:rPr lang="en-US" altLang="zh-CN"/>
               <a:pPr/>
-              <a:t>5/1/2020</a:t>
+              <a:t>5/25/2020</a:t>
             </a:fld>
             <a:endParaRPr lang="en-US" altLang="zh-CN"/>
           </a:p>
@@ -9967,7 +10827,7 @@
             <a:fld id="{E90B6505-6397-EF47-ACB9-9C7F9DC228F7}" type="datetime1">
               <a:rPr lang="en-US" altLang="zh-CN"/>
               <a:pPr/>
-              <a:t>5/1/2020</a:t>
+              <a:t>5/25/2020</a:t>
             </a:fld>
             <a:endParaRPr lang="en-US" altLang="zh-CN"/>
           </a:p>
@@ -10403,7 +11263,7 @@
             <a:fld id="{7DA9DDF0-8E9D-F747-A826-0A16262FD38B}" type="datetime1">
               <a:rPr lang="en-US" altLang="zh-CN"/>
               <a:pPr/>
-              <a:t>5/1/2020</a:t>
+              <a:t>5/25/2020</a:t>
             </a:fld>
             <a:endParaRPr lang="en-US" altLang="zh-CN"/>
           </a:p>
@@ -10537,7 +11397,7 @@
             <a:fld id="{3C451A12-666D-2B4A-9912-EC4A679D5D15}" type="datetime1">
               <a:rPr lang="en-US" altLang="zh-CN"/>
               <a:pPr/>
-              <a:t>5/1/2020</a:t>
+              <a:t>5/25/2020</a:t>
             </a:fld>
             <a:endParaRPr lang="en-US" altLang="zh-CN"/>
           </a:p>
@@ -10649,7 +11509,7 @@
             <a:fld id="{E38B5506-74D3-1544-BC99-3AF1A8C1C66D}" type="datetime1">
               <a:rPr lang="en-US" altLang="zh-CN"/>
               <a:pPr/>
-              <a:t>5/1/2020</a:t>
+              <a:t>5/25/2020</a:t>
             </a:fld>
             <a:endParaRPr lang="en-US" altLang="zh-CN"/>
           </a:p>
@@ -10941,7 +11801,7 @@
             <a:fld id="{E54C1426-CCF5-AF49-BEFF-95069A0371A2}" type="datetime1">
               <a:rPr lang="en-US" altLang="zh-CN"/>
               <a:pPr/>
-              <a:t>5/1/2020</a:t>
+              <a:t>5/25/2020</a:t>
             </a:fld>
             <a:endParaRPr lang="en-US" altLang="zh-CN"/>
           </a:p>
@@ -11216,7 +12076,7 @@
             <a:fld id="{F5DD3FC9-CD0F-8D4D-89C4-5B675B0D57BB}" type="datetime1">
               <a:rPr lang="en-US" altLang="zh-CN"/>
               <a:pPr/>
-              <a:t>5/1/2020</a:t>
+              <a:t>5/25/2020</a:t>
             </a:fld>
             <a:endParaRPr lang="en-US" altLang="zh-CN"/>
           </a:p>
@@ -11401,7 +12261,7 @@
             <a:fld id="{8CD81206-CB00-054A-A73E-85C388CF01BA}" type="datetime1">
               <a:rPr lang="en-US" altLang="zh-CN"/>
               <a:pPr/>
-              <a:t>5/1/2020</a:t>
+              <a:t>5/25/2020</a:t>
             </a:fld>
             <a:endParaRPr lang="en-US" altLang="zh-CN"/>
           </a:p>
@@ -11663,7 +12523,7 @@
             <a:fld id="{385F2447-58C6-0F4D-AFAC-D240FBEAC3D4}" type="datetime1">
               <a:rPr lang="en-US" altLang="zh-CN"/>
               <a:pPr/>
-              <a:t>5/1/2020</a:t>
+              <a:t>5/25/2020</a:t>
             </a:fld>
             <a:endParaRPr lang="en-US" altLang="zh-CN"/>
           </a:p>
@@ -11858,7 +12718,7 @@
             <a:fld id="{763C9DB7-BA8E-3248-A482-551635BAD7C2}" type="datetime1">
               <a:rPr lang="en-US" altLang="zh-CN"/>
               <a:pPr/>
-              <a:t>5/1/2020</a:t>
+              <a:t>5/25/2020</a:t>
             </a:fld>
             <a:endParaRPr lang="en-US" altLang="zh-CN"/>
           </a:p>
@@ -11992,7 +12852,7 @@
             <a:fld id="{E076C303-4390-464C-B7E9-6F5306EF3170}" type="datetime1">
               <a:rPr lang="en-US" altLang="zh-CN"/>
               <a:pPr/>
-              <a:t>5/1/2020</a:t>
+              <a:t>5/25/2020</a:t>
             </a:fld>
             <a:endParaRPr lang="en-US" altLang="zh-CN"/>
           </a:p>
@@ -12294,7 +13154,7 @@
             <a:fld id="{E90B6505-6397-EF47-ACB9-9C7F9DC228F7}" type="datetime1">
               <a:rPr lang="en-US" altLang="zh-CN"/>
               <a:pPr/>
-              <a:t>5/1/2020</a:t>
+              <a:t>5/25/2020</a:t>
             </a:fld>
             <a:endParaRPr lang="en-US" altLang="zh-CN"/>
           </a:p>
@@ -12730,7 +13590,7 @@
             <a:fld id="{7DA9DDF0-8E9D-F747-A826-0A16262FD38B}" type="datetime1">
               <a:rPr lang="en-US" altLang="zh-CN"/>
               <a:pPr/>
-              <a:t>5/1/2020</a:t>
+              <a:t>5/25/2020</a:t>
             </a:fld>
             <a:endParaRPr lang="en-US" altLang="zh-CN"/>
           </a:p>
@@ -12864,7 +13724,7 @@
             <a:fld id="{3C451A12-666D-2B4A-9912-EC4A679D5D15}" type="datetime1">
               <a:rPr lang="en-US" altLang="zh-CN"/>
               <a:pPr/>
-              <a:t>5/1/2020</a:t>
+              <a:t>5/25/2020</a:t>
             </a:fld>
             <a:endParaRPr lang="en-US" altLang="zh-CN"/>
           </a:p>
@@ -12976,7 +13836,7 @@
             <a:fld id="{E38B5506-74D3-1544-BC99-3AF1A8C1C66D}" type="datetime1">
               <a:rPr lang="en-US" altLang="zh-CN"/>
               <a:pPr/>
-              <a:t>5/1/2020</a:t>
+              <a:t>5/25/2020</a:t>
             </a:fld>
             <a:endParaRPr lang="en-US" altLang="zh-CN"/>
           </a:p>
@@ -13268,7 +14128,7 @@
             <a:fld id="{E54C1426-CCF5-AF49-BEFF-95069A0371A2}" type="datetime1">
               <a:rPr lang="en-US" altLang="zh-CN"/>
               <a:pPr/>
-              <a:t>5/1/2020</a:t>
+              <a:t>5/25/2020</a:t>
             </a:fld>
             <a:endParaRPr lang="en-US" altLang="zh-CN"/>
           </a:p>
@@ -13540,7 +14400,7 @@
             <a:fld id="{F5DD3FC9-CD0F-8D4D-89C4-5B675B0D57BB}" type="datetime1">
               <a:rPr lang="en-US" altLang="zh-CN"/>
               <a:pPr/>
-              <a:t>5/1/2020</a:t>
+              <a:t>5/25/2020</a:t>
             </a:fld>
             <a:endParaRPr lang="en-US" altLang="zh-CN"/>
           </a:p>
@@ -13662,17 +14522,17 @@
           </a:ln>
           <a:extLst>
             <a:ext uri="{FAA26D3D-D897-4be2-8F04-BA451C77F1D7}">
-              <ma14:placeholderFlag xmlns="" xmlns:ma14="http://schemas.microsoft.com/office/mac/drawingml/2011/main" val="1"/>
+              <ma14:placeholderFlag xmlns:ma14="http://schemas.microsoft.com/office/mac/drawingml/2011/main" xmlns="" val="1"/>
             </a:ext>
             <a:ext uri="{909E8E84-426E-40dd-AFC4-6F175D3DCCD1}">
-              <a14:hiddenFill xmlns="" xmlns:a14="http://schemas.microsoft.com/office/drawing/2010/main">
+              <a14:hiddenFill xmlns:a14="http://schemas.microsoft.com/office/drawing/2010/main" xmlns="">
                 <a:solidFill>
                   <a:srgbClr val="FFFFFF"/>
                 </a:solidFill>
               </a14:hiddenFill>
             </a:ext>
             <a:ext uri="{91240B29-F687-4f45-9708-019B960494DF}">
-              <a14:hiddenLine xmlns="" xmlns:a14="http://schemas.microsoft.com/office/drawing/2010/main" w="9525">
+              <a14:hiddenLine xmlns:a14="http://schemas.microsoft.com/office/drawing/2010/main" xmlns="" w="9525">
                 <a:solidFill>
                   <a:srgbClr val="000000"/>
                 </a:solidFill>
@@ -13723,17 +14583,17 @@
           </a:ln>
           <a:extLst>
             <a:ext uri="{FAA26D3D-D897-4be2-8F04-BA451C77F1D7}">
-              <ma14:placeholderFlag xmlns="" xmlns:ma14="http://schemas.microsoft.com/office/mac/drawingml/2011/main" val="1"/>
+              <ma14:placeholderFlag xmlns:ma14="http://schemas.microsoft.com/office/mac/drawingml/2011/main" xmlns="" val="1"/>
             </a:ext>
             <a:ext uri="{909E8E84-426E-40dd-AFC4-6F175D3DCCD1}">
-              <a14:hiddenFill xmlns="" xmlns:a14="http://schemas.microsoft.com/office/drawing/2010/main">
+              <a14:hiddenFill xmlns:a14="http://schemas.microsoft.com/office/drawing/2010/main" xmlns="">
                 <a:solidFill>
                   <a:srgbClr val="FFFFFF"/>
                 </a:solidFill>
               </a14:hiddenFill>
             </a:ext>
             <a:ext uri="{91240B29-F687-4f45-9708-019B960494DF}">
-              <a14:hiddenLine xmlns="" xmlns:a14="http://schemas.microsoft.com/office/drawing/2010/main" w="9525">
+              <a14:hiddenLine xmlns:a14="http://schemas.microsoft.com/office/drawing/2010/main" xmlns="" w="9525">
                 <a:solidFill>
                   <a:srgbClr val="000000"/>
                 </a:solidFill>
@@ -13827,7 +14687,7 @@
             <a:fld id="{DF89C5E0-80CB-C842-991E-0650A17D1E84}" type="datetime1">
               <a:rPr lang="en-US" altLang="zh-CN"/>
               <a:pPr/>
-              <a:t>5/1/2020</a:t>
+              <a:t>5/25/2020</a:t>
             </a:fld>
             <a:endParaRPr lang="en-US" altLang="zh-CN"/>
           </a:p>
@@ -14380,17 +15240,17 @@
           </a:ln>
           <a:extLst>
             <a:ext uri="{FAA26D3D-D897-4be2-8F04-BA451C77F1D7}">
-              <ma14:placeholderFlag xmlns:ma14="http://schemas.microsoft.com/office/mac/drawingml/2011/main" xmlns="" val="1"/>
+              <ma14:placeholderFlag xmlns="" xmlns:ma14="http://schemas.microsoft.com/office/mac/drawingml/2011/main" val="1"/>
             </a:ext>
             <a:ext uri="{909E8E84-426E-40dd-AFC4-6F175D3DCCD1}">
-              <a14:hiddenFill xmlns:a14="http://schemas.microsoft.com/office/drawing/2010/main" xmlns="">
+              <a14:hiddenFill xmlns="" xmlns:a14="http://schemas.microsoft.com/office/drawing/2010/main">
                 <a:solidFill>
                   <a:srgbClr val="FFFFFF"/>
                 </a:solidFill>
               </a14:hiddenFill>
             </a:ext>
             <a:ext uri="{91240B29-F687-4f45-9708-019B960494DF}">
-              <a14:hiddenLine xmlns:a14="http://schemas.microsoft.com/office/drawing/2010/main" xmlns="" w="9525">
+              <a14:hiddenLine xmlns="" xmlns:a14="http://schemas.microsoft.com/office/drawing/2010/main" w="9525">
                 <a:solidFill>
                   <a:srgbClr val="000000"/>
                 </a:solidFill>
@@ -14441,17 +15301,17 @@
           </a:ln>
           <a:extLst>
             <a:ext uri="{FAA26D3D-D897-4be2-8F04-BA451C77F1D7}">
-              <ma14:placeholderFlag xmlns:ma14="http://schemas.microsoft.com/office/mac/drawingml/2011/main" xmlns="" val="1"/>
+              <ma14:placeholderFlag xmlns="" xmlns:ma14="http://schemas.microsoft.com/office/mac/drawingml/2011/main" val="1"/>
             </a:ext>
             <a:ext uri="{909E8E84-426E-40dd-AFC4-6F175D3DCCD1}">
-              <a14:hiddenFill xmlns:a14="http://schemas.microsoft.com/office/drawing/2010/main" xmlns="">
+              <a14:hiddenFill xmlns="" xmlns:a14="http://schemas.microsoft.com/office/drawing/2010/main">
                 <a:solidFill>
                   <a:srgbClr val="FFFFFF"/>
                 </a:solidFill>
               </a14:hiddenFill>
             </a:ext>
             <a:ext uri="{91240B29-F687-4f45-9708-019B960494DF}">
-              <a14:hiddenLine xmlns:a14="http://schemas.microsoft.com/office/drawing/2010/main" xmlns="" w="9525">
+              <a14:hiddenLine xmlns="" xmlns:a14="http://schemas.microsoft.com/office/drawing/2010/main" w="9525">
                 <a:solidFill>
                   <a:srgbClr val="000000"/>
                 </a:solidFill>
@@ -14544,7 +15404,7 @@
             <a:fld id="{A47398D4-8B5A-BE43-B588-3D17D5B3482C}" type="datetime1">
               <a:rPr lang="en-US" altLang="zh-CN" smtClean="0"/>
               <a:pPr/>
-              <a:t>5/1/2020</a:t>
+              <a:t>5/25/2020</a:t>
             </a:fld>
             <a:endParaRPr lang="en-US" altLang="zh-CN"/>
           </a:p>
@@ -15093,17 +15953,17 @@
           </a:ln>
           <a:extLst>
             <a:ext uri="{FAA26D3D-D897-4be2-8F04-BA451C77F1D7}">
-              <ma14:placeholderFlag xmlns:ma14="http://schemas.microsoft.com/office/mac/drawingml/2011/main" xmlns="" val="1"/>
+              <ma14:placeholderFlag xmlns="" xmlns:ma14="http://schemas.microsoft.com/office/mac/drawingml/2011/main" val="1"/>
             </a:ext>
             <a:ext uri="{909E8E84-426E-40dd-AFC4-6F175D3DCCD1}">
-              <a14:hiddenFill xmlns:a14="http://schemas.microsoft.com/office/drawing/2010/main" xmlns="">
+              <a14:hiddenFill xmlns="" xmlns:a14="http://schemas.microsoft.com/office/drawing/2010/main">
                 <a:solidFill>
                   <a:srgbClr val="FFFFFF"/>
                 </a:solidFill>
               </a14:hiddenFill>
             </a:ext>
             <a:ext uri="{91240B29-F687-4f45-9708-019B960494DF}">
-              <a14:hiddenLine xmlns:a14="http://schemas.microsoft.com/office/drawing/2010/main" xmlns="" w="9525">
+              <a14:hiddenLine xmlns="" xmlns:a14="http://schemas.microsoft.com/office/drawing/2010/main" w="9525">
                 <a:solidFill>
                   <a:srgbClr val="000000"/>
                 </a:solidFill>
@@ -15154,17 +16014,17 @@
           </a:ln>
           <a:extLst>
             <a:ext uri="{FAA26D3D-D897-4be2-8F04-BA451C77F1D7}">
-              <ma14:placeholderFlag xmlns:ma14="http://schemas.microsoft.com/office/mac/drawingml/2011/main" xmlns="" val="1"/>
+              <ma14:placeholderFlag xmlns="" xmlns:ma14="http://schemas.microsoft.com/office/mac/drawingml/2011/main" val="1"/>
             </a:ext>
             <a:ext uri="{909E8E84-426E-40dd-AFC4-6F175D3DCCD1}">
-              <a14:hiddenFill xmlns:a14="http://schemas.microsoft.com/office/drawing/2010/main" xmlns="">
+              <a14:hiddenFill xmlns="" xmlns:a14="http://schemas.microsoft.com/office/drawing/2010/main">
                 <a:solidFill>
                   <a:srgbClr val="FFFFFF"/>
                 </a:solidFill>
               </a14:hiddenFill>
             </a:ext>
             <a:ext uri="{91240B29-F687-4f45-9708-019B960494DF}">
-              <a14:hiddenLine xmlns:a14="http://schemas.microsoft.com/office/drawing/2010/main" xmlns="" w="9525">
+              <a14:hiddenLine xmlns="" xmlns:a14="http://schemas.microsoft.com/office/drawing/2010/main" w="9525">
                 <a:solidFill>
                   <a:srgbClr val="000000"/>
                 </a:solidFill>
@@ -15258,7 +16118,7 @@
             <a:fld id="{DF89C5E0-80CB-C842-991E-0650A17D1E84}" type="datetime1">
               <a:rPr lang="en-US" altLang="zh-CN"/>
               <a:pPr/>
-              <a:t>5/1/2020</a:t>
+              <a:t>5/25/2020</a:t>
             </a:fld>
             <a:endParaRPr lang="en-US" altLang="zh-CN"/>
           </a:p>
@@ -15827,14 +16687,14 @@
           </a:ln>
           <a:extLst>
             <a:ext uri="{909E8E84-426E-40dd-AFC4-6F175D3DCCD1}">
-              <a14:hiddenFill xmlns:a14="http://schemas.microsoft.com/office/drawing/2010/main" xmlns="">
+              <a14:hiddenFill xmlns="" xmlns:a14="http://schemas.microsoft.com/office/drawing/2010/main">
                 <a:solidFill>
                   <a:srgbClr val="FFFFFF"/>
                 </a:solidFill>
               </a14:hiddenFill>
             </a:ext>
             <a:ext uri="{91240B29-F687-4f45-9708-019B960494DF}">
-              <a14:hiddenLine xmlns:a14="http://schemas.microsoft.com/office/drawing/2010/main" xmlns="" w="9525">
+              <a14:hiddenLine xmlns="" xmlns:a14="http://schemas.microsoft.com/office/drawing/2010/main" w="9525">
                 <a:solidFill>
                   <a:srgbClr val="000000"/>
                 </a:solidFill>
@@ -15872,14 +16732,21 @@
                 <a:ea typeface="ＭＳ Ｐゴシック" charset="-128"/>
                 <a:cs typeface="Times New Roman" panose="02020603050405020304" pitchFamily="18" charset="0"/>
               </a:rPr>
-              <a:t>Design of Silicon Photonic Bragg Grating Devices with </a:t>
-            </a:r>
-            <a:r>
-              <a:rPr kumimoji="0" lang="en-US" altLang="zh-CN" sz="3200" b="1" dirty="0" err="1">
+              <a:t>Design of Silicon Photonic Bragg Grating </a:t>
+            </a:r>
+            <a:r>
+              <a:rPr kumimoji="0" lang="en-US" altLang="zh-CN" sz="3200" b="1" dirty="0" smtClean="0">
                 <a:ea typeface="ＭＳ Ｐゴシック" charset="-128"/>
                 <a:cs typeface="Times New Roman" panose="02020603050405020304" pitchFamily="18" charset="0"/>
               </a:rPr>
-              <a:t>Lumerical</a:t>
+              <a:t>Devices</a:t>
+            </a:r>
+            <a:r>
+              <a:rPr kumimoji="0" lang="en-US" altLang="zh-CN" sz="2400" b="1" dirty="0">
+                <a:ea typeface="ＭＳ Ｐゴシック" charset="-128"/>
+                <a:cs typeface="Times New Roman" panose="02020603050405020304" pitchFamily="18" charset="0"/>
+              </a:rPr>
+              <a:t/>
             </a:r>
             <a:br>
               <a:rPr kumimoji="0" lang="en-US" altLang="zh-CN" sz="2400" b="1" dirty="0">
@@ -15887,6 +16754,13 @@
                 <a:cs typeface="Times New Roman" panose="02020603050405020304" pitchFamily="18" charset="0"/>
               </a:rPr>
             </a:br>
+            <a:r>
+              <a:rPr kumimoji="0" lang="en-US" altLang="zh-CN" sz="2000" b="1" dirty="0">
+                <a:ea typeface="ＭＳ Ｐゴシック" charset="-128"/>
+                <a:cs typeface="Times New Roman" panose="02020603050405020304" pitchFamily="18" charset="0"/>
+              </a:rPr>
+              <a:t/>
+            </a:r>
             <a:br>
               <a:rPr kumimoji="0" lang="en-US" altLang="zh-CN" sz="2000" b="1" dirty="0">
                 <a:ea typeface="ＭＳ Ｐゴシック" charset="-128"/>
@@ -15900,6 +16774,13 @@
               </a:rPr>
               <a:t>Vancouver, BC, Canada</a:t>
             </a:r>
+            <a:r>
+              <a:rPr kumimoji="0" lang="en-US" altLang="zh-CN" sz="2000" b="1" dirty="0">
+                <a:ea typeface="ＭＳ Ｐゴシック" charset="-128"/>
+                <a:cs typeface="Times New Roman" panose="02020603050405020304" pitchFamily="18" charset="0"/>
+              </a:rPr>
+              <a:t/>
+            </a:r>
             <a:br>
               <a:rPr kumimoji="0" lang="en-US" altLang="zh-CN" sz="2000" b="1" dirty="0">
                 <a:ea typeface="ＭＳ Ｐゴシック" charset="-128"/>
@@ -15907,18 +16788,18 @@
               </a:rPr>
             </a:br>
             <a:r>
-              <a:rPr kumimoji="0" lang="en-US" altLang="zh-CN" sz="1600" b="1" dirty="0">
+              <a:rPr kumimoji="0" lang="en-US" altLang="zh-CN" sz="1600" b="1" dirty="0" smtClean="0">
                 <a:ea typeface="ＭＳ Ｐゴシック" charset="-128"/>
                 <a:cs typeface="Times New Roman" panose="02020603050405020304" pitchFamily="18" charset="0"/>
               </a:rPr>
-              <a:t>10</a:t>
-            </a:r>
-            <a:r>
-              <a:rPr kumimoji="0" lang="en-US" altLang="zh-CN" sz="1600" dirty="0">
+              <a:t>25</a:t>
+            </a:r>
+            <a:r>
+              <a:rPr kumimoji="0" lang="en-US" altLang="zh-CN" sz="1600" dirty="0" smtClean="0">
                 <a:ea typeface="ＭＳ Ｐゴシック" charset="-128"/>
                 <a:cs typeface="Times New Roman" panose="02020603050405020304" pitchFamily="18" charset="0"/>
               </a:rPr>
-              <a:t> January 2020</a:t>
+              <a:t> May 2020</a:t>
             </a:r>
             <a:endParaRPr kumimoji="0" lang="en-US" altLang="zh-CN" sz="2000" dirty="0">
               <a:ea typeface="ＭＳ Ｐゴシック" charset="-128"/>
@@ -15975,14 +16856,14 @@
           </a:ln>
           <a:extLst>
             <a:ext uri="{909E8E84-426E-40dd-AFC4-6F175D3DCCD1}">
-              <a14:hiddenFill xmlns:a14="http://schemas.microsoft.com/office/drawing/2010/main" xmlns="">
+              <a14:hiddenFill xmlns="" xmlns:a14="http://schemas.microsoft.com/office/drawing/2010/main">
                 <a:solidFill>
                   <a:srgbClr val="FFFFFF"/>
                 </a:solidFill>
               </a14:hiddenFill>
             </a:ext>
             <a:ext uri="{91240B29-F687-4f45-9708-019B960494DF}">
-              <a14:hiddenLine xmlns:a14="http://schemas.microsoft.com/office/drawing/2010/main" xmlns="" w="9525">
+              <a14:hiddenLine xmlns="" xmlns:a14="http://schemas.microsoft.com/office/drawing/2010/main" w="9525">
                 <a:solidFill>
                   <a:srgbClr val="000000"/>
                 </a:solidFill>
@@ -16211,7 +17092,7 @@
           <a:p>
             <a:r>
               <a:rPr lang="en-CA" dirty="0"/>
-              <a:t>Bragg Gratings: 3D/2D FDTD</a:t>
+              <a:t>Bragg Gratings: EME</a:t>
             </a:r>
           </a:p>
         </p:txBody>
@@ -16241,6 +17122,1053 @@
               <a:rPr lang="en-US" altLang="zh-CN" smtClean="0"/>
               <a:pPr/>
               <a:t>10</a:t>
+            </a:fld>
+            <a:endParaRPr lang="en-US" altLang="zh-CN"/>
+          </a:p>
+        </p:txBody>
+      </p:sp>
+      <p:sp>
+        <p:nvSpPr>
+          <p:cNvPr id="6" name="Footer Placeholder 2">
+            <a:extLst>
+              <a:ext uri="{FF2B5EF4-FFF2-40B4-BE49-F238E27FC236}">
+                <a16:creationId xmlns:a16="http://schemas.microsoft.com/office/drawing/2014/main" id="{81E21CDC-8116-449C-AF50-F12DB1CAE886}"/>
+              </a:ext>
+            </a:extLst>
+          </p:cNvPr>
+          <p:cNvSpPr>
+            <a:spLocks noGrp="1"/>
+          </p:cNvSpPr>
+          <p:nvPr>
+            <p:ph type="ftr" sz="quarter" idx="11"/>
+          </p:nvPr>
+        </p:nvSpPr>
+        <p:spPr>
+          <a:xfrm>
+            <a:off x="7452320" y="0"/>
+            <a:ext cx="1691680" cy="365125"/>
+          </a:xfrm>
+        </p:spPr>
+        <p:txBody>
+          <a:bodyPr/>
+          <a:lstStyle/>
+          <a:p>
+            <a:r>
+              <a:rPr lang="en-US" altLang="zh-CN" dirty="0"/>
+              <a:t> M. Hammood ©2020</a:t>
+            </a:r>
+          </a:p>
+        </p:txBody>
+      </p:sp>
+      <p:sp>
+        <p:nvSpPr>
+          <p:cNvPr id="10" name="TextBox 9">
+            <a:extLst>
+              <a:ext uri="{FF2B5EF4-FFF2-40B4-BE49-F238E27FC236}">
+                <a16:creationId xmlns:a16="http://schemas.microsoft.com/office/drawing/2014/main" id="{9AC1B49E-B2DD-4EBF-8C05-7CEEC47B1267}"/>
+              </a:ext>
+            </a:extLst>
+          </p:cNvPr>
+          <p:cNvSpPr txBox="1"/>
+          <p:nvPr/>
+        </p:nvSpPr>
+        <p:spPr>
+          <a:xfrm>
+            <a:off x="107504" y="1250160"/>
+            <a:ext cx="9036496" cy="830997"/>
+          </a:xfrm>
+          <a:prstGeom prst="rect">
+            <a:avLst/>
+          </a:prstGeom>
+          <a:noFill/>
+        </p:spPr>
+        <p:txBody>
+          <a:bodyPr wrap="square" rtlCol="0">
+            <a:spAutoFit/>
+          </a:bodyPr>
+          <a:lstStyle/>
+          <a:p>
+            <a:pPr marL="742950" lvl="1" indent="-285750">
+              <a:buFont typeface="Arial" panose="020B0604020202020204" pitchFamily="34" charset="0"/>
+              <a:buChar char="•"/>
+            </a:pPr>
+            <a:r>
+              <a:rPr lang="en-US" sz="1600" b="1" dirty="0">
+                <a:solidFill>
+                  <a:srgbClr val="17375E"/>
+                </a:solidFill>
+              </a:rPr>
+              <a:t>How to</a:t>
+            </a:r>
+            <a:r>
+              <a:rPr lang="en-US" sz="1600" b="1" dirty="0" smtClean="0">
+                <a:solidFill>
+                  <a:srgbClr val="17375E"/>
+                </a:solidFill>
+              </a:rPr>
+              <a:t>:</a:t>
+            </a:r>
+          </a:p>
+          <a:p>
+            <a:pPr marL="1200150" lvl="2" indent="-285750">
+              <a:buFont typeface="Arial" panose="020B0604020202020204" pitchFamily="34" charset="0"/>
+              <a:buChar char="•"/>
+            </a:pPr>
+            <a:r>
+              <a:rPr lang="en-US" sz="1600" dirty="0">
+                <a:solidFill>
+                  <a:srgbClr val="17375E"/>
+                </a:solidFill>
+              </a:rPr>
+              <a:t>The script will plot the transmission and reflection spectra, and then extract the 3-dB bandwidth and central wavelength (for your </a:t>
+            </a:r>
+            <a:r>
+              <a:rPr lang="en-US" sz="1600" dirty="0" smtClean="0">
+                <a:solidFill>
+                  <a:srgbClr val="17375E"/>
+                </a:solidFill>
+              </a:rPr>
+              <a:t>future Kappa </a:t>
+            </a:r>
+            <a:r>
+              <a:rPr lang="en-US" sz="1600" dirty="0">
+                <a:solidFill>
+                  <a:srgbClr val="17375E"/>
+                </a:solidFill>
+              </a:rPr>
+              <a:t>analysis).</a:t>
+            </a:r>
+            <a:endParaRPr lang="en-US" sz="1600" dirty="0">
+              <a:solidFill>
+                <a:srgbClr val="17375E"/>
+              </a:solidFill>
+            </a:endParaRPr>
+          </a:p>
+        </p:txBody>
+      </p:sp>
+      <p:grpSp>
+        <p:nvGrpSpPr>
+          <p:cNvPr id="23" name="Group 22"/>
+          <p:cNvGrpSpPr/>
+          <p:nvPr/>
+        </p:nvGrpSpPr>
+        <p:grpSpPr>
+          <a:xfrm>
+            <a:off x="2250753" y="2081157"/>
+            <a:ext cx="4854122" cy="3774872"/>
+            <a:chOff x="2047324" y="1922958"/>
+            <a:chExt cx="5260980" cy="4091270"/>
+          </a:xfrm>
+        </p:grpSpPr>
+        <p:pic>
+          <p:nvPicPr>
+            <p:cNvPr id="7" name="Picture 6"/>
+            <p:cNvPicPr>
+              <a:picLocks noChangeAspect="1"/>
+            </p:cNvPicPr>
+            <p:nvPr/>
+          </p:nvPicPr>
+          <p:blipFill>
+            <a:blip r:embed="rId3"/>
+            <a:stretch>
+              <a:fillRect/>
+            </a:stretch>
+          </p:blipFill>
+          <p:spPr>
+            <a:xfrm>
+              <a:off x="2068672" y="2100381"/>
+              <a:ext cx="5114160" cy="3728975"/>
+            </a:xfrm>
+            <a:prstGeom prst="rect">
+              <a:avLst/>
+            </a:prstGeom>
+          </p:spPr>
+        </p:pic>
+        <p:pic>
+          <p:nvPicPr>
+            <p:cNvPr id="11" name="Picture 10"/>
+            <p:cNvPicPr>
+              <a:picLocks noChangeAspect="1"/>
+            </p:cNvPicPr>
+            <p:nvPr/>
+          </p:nvPicPr>
+          <p:blipFill>
+            <a:blip r:embed="rId4"/>
+            <a:stretch>
+              <a:fillRect/>
+            </a:stretch>
+          </p:blipFill>
+          <p:spPr>
+            <a:xfrm>
+              <a:off x="2047324" y="2077340"/>
+              <a:ext cx="5260980" cy="3936888"/>
+            </a:xfrm>
+            <a:prstGeom prst="rect">
+              <a:avLst/>
+            </a:prstGeom>
+          </p:spPr>
+        </p:pic>
+        <p:cxnSp>
+          <p:nvCxnSpPr>
+            <p:cNvPr id="12" name="Straight Arrow Connector 11"/>
+            <p:cNvCxnSpPr/>
+            <p:nvPr/>
+          </p:nvCxnSpPr>
+          <p:spPr>
+            <a:xfrm flipV="1">
+              <a:off x="4748213" y="5242560"/>
+              <a:ext cx="265747" cy="5715"/>
+            </a:xfrm>
+            <a:prstGeom prst="straightConnector1">
+              <a:avLst/>
+            </a:prstGeom>
+            <a:ln>
+              <a:solidFill>
+                <a:schemeClr val="tx1"/>
+              </a:solidFill>
+              <a:headEnd type="triangle" w="med" len="med"/>
+              <a:tailEnd type="triangle" w="med" len="med"/>
+            </a:ln>
+          </p:spPr>
+          <p:style>
+            <a:lnRef idx="1">
+              <a:schemeClr val="accent1"/>
+            </a:lnRef>
+            <a:fillRef idx="0">
+              <a:schemeClr val="accent1"/>
+            </a:fillRef>
+            <a:effectRef idx="0">
+              <a:schemeClr val="accent1"/>
+            </a:effectRef>
+            <a:fontRef idx="minor">
+              <a:schemeClr val="tx1"/>
+            </a:fontRef>
+          </p:style>
+        </p:cxnSp>
+        <p:sp>
+          <p:nvSpPr>
+            <p:cNvPr id="13" name="Rectangle 12"/>
+            <p:cNvSpPr/>
+            <p:nvPr/>
+          </p:nvSpPr>
+          <p:spPr>
+            <a:xfrm>
+              <a:off x="4622476" y="4866599"/>
+              <a:ext cx="453970" cy="369332"/>
+            </a:xfrm>
+            <a:prstGeom prst="rect">
+              <a:avLst/>
+            </a:prstGeom>
+          </p:spPr>
+          <p:txBody>
+            <a:bodyPr wrap="none">
+              <a:spAutoFit/>
+            </a:bodyPr>
+            <a:lstStyle/>
+            <a:p>
+              <a:r>
+                <a:rPr lang="el-GR" dirty="0"/>
+                <a:t>Δ</a:t>
+              </a:r>
+              <a:r>
+                <a:rPr lang="el-GR" dirty="0" smtClean="0">
+                  <a:solidFill>
+                    <a:srgbClr val="222222"/>
+                  </a:solidFill>
+                  <a:latin typeface="arial" panose="020B0604020202020204" pitchFamily="34" charset="0"/>
+                </a:rPr>
+                <a:t>λ</a:t>
+              </a:r>
+              <a:endParaRPr lang="en-US" dirty="0"/>
+            </a:p>
+          </p:txBody>
+        </p:sp>
+        <p:sp>
+          <p:nvSpPr>
+            <p:cNvPr id="15" name="Rectangle 14"/>
+            <p:cNvSpPr/>
+            <p:nvPr/>
+          </p:nvSpPr>
+          <p:spPr>
+            <a:xfrm>
+              <a:off x="4719348" y="1922958"/>
+              <a:ext cx="378630" cy="369332"/>
+            </a:xfrm>
+            <a:prstGeom prst="rect">
+              <a:avLst/>
+            </a:prstGeom>
+          </p:spPr>
+          <p:txBody>
+            <a:bodyPr wrap="none">
+              <a:spAutoFit/>
+            </a:bodyPr>
+            <a:lstStyle/>
+            <a:p>
+              <a:r>
+                <a:rPr lang="el-GR" dirty="0" smtClean="0">
+                  <a:solidFill>
+                    <a:srgbClr val="222222"/>
+                  </a:solidFill>
+                  <a:latin typeface="arial" panose="020B0604020202020204" pitchFamily="34" charset="0"/>
+                </a:rPr>
+                <a:t>λ</a:t>
+              </a:r>
+              <a:r>
+                <a:rPr lang="en-US" sz="1000" dirty="0" smtClean="0">
+                  <a:solidFill>
+                    <a:srgbClr val="222222"/>
+                  </a:solidFill>
+                  <a:latin typeface="arial" panose="020B0604020202020204" pitchFamily="34" charset="0"/>
+                </a:rPr>
+                <a:t>o</a:t>
+              </a:r>
+              <a:endParaRPr lang="en-US" dirty="0"/>
+            </a:p>
+          </p:txBody>
+        </p:sp>
+        <p:cxnSp>
+          <p:nvCxnSpPr>
+            <p:cNvPr id="17" name="Straight Connector 16"/>
+            <p:cNvCxnSpPr/>
+            <p:nvPr/>
+          </p:nvCxnSpPr>
+          <p:spPr>
+            <a:xfrm>
+              <a:off x="4746496" y="4277856"/>
+              <a:ext cx="0" cy="1152128"/>
+            </a:xfrm>
+            <a:prstGeom prst="line">
+              <a:avLst/>
+            </a:prstGeom>
+            <a:ln w="19050">
+              <a:solidFill>
+                <a:schemeClr val="tx1"/>
+              </a:solidFill>
+              <a:prstDash val="sysDot"/>
+            </a:ln>
+          </p:spPr>
+          <p:style>
+            <a:lnRef idx="1">
+              <a:schemeClr val="accent1"/>
+            </a:lnRef>
+            <a:fillRef idx="0">
+              <a:schemeClr val="accent1"/>
+            </a:fillRef>
+            <a:effectRef idx="0">
+              <a:schemeClr val="accent1"/>
+            </a:effectRef>
+            <a:fontRef idx="minor">
+              <a:schemeClr val="tx1"/>
+            </a:fontRef>
+          </p:style>
+        </p:cxnSp>
+        <p:cxnSp>
+          <p:nvCxnSpPr>
+            <p:cNvPr id="18" name="Straight Connector 17"/>
+            <p:cNvCxnSpPr/>
+            <p:nvPr/>
+          </p:nvCxnSpPr>
+          <p:spPr>
+            <a:xfrm>
+              <a:off x="5004048" y="3796660"/>
+              <a:ext cx="0" cy="1633324"/>
+            </a:xfrm>
+            <a:prstGeom prst="line">
+              <a:avLst/>
+            </a:prstGeom>
+            <a:ln w="19050">
+              <a:solidFill>
+                <a:schemeClr val="tx1"/>
+              </a:solidFill>
+              <a:prstDash val="sysDot"/>
+            </a:ln>
+          </p:spPr>
+          <p:style>
+            <a:lnRef idx="1">
+              <a:schemeClr val="accent1"/>
+            </a:lnRef>
+            <a:fillRef idx="0">
+              <a:schemeClr val="accent1"/>
+            </a:fillRef>
+            <a:effectRef idx="0">
+              <a:schemeClr val="accent1"/>
+            </a:effectRef>
+            <a:fontRef idx="minor">
+              <a:schemeClr val="tx1"/>
+            </a:fontRef>
+          </p:style>
+        </p:cxnSp>
+      </p:grpSp>
+    </p:spTree>
+    <p:extLst>
+      <p:ext uri="{BB962C8B-B14F-4D97-AF65-F5344CB8AC3E}">
+        <p14:creationId xmlns:p14="http://schemas.microsoft.com/office/powerpoint/2010/main" val="632445827"/>
+      </p:ext>
+    </p:extLst>
+  </p:cSld>
+  <p:clrMapOvr>
+    <a:masterClrMapping/>
+  </p:clrMapOvr>
+  <p:timing>
+    <p:tnLst>
+      <p:par>
+        <p:cTn id="1" dur="indefinite" restart="never" nodeType="tmRoot"/>
+      </p:par>
+    </p:tnLst>
+  </p:timing>
+</p:sld>
+</file>
+
+<file path=ppt/slides/slide11.xml><?xml version="1.0" encoding="utf-8"?>
+<p:sld xmlns:a="http://schemas.openxmlformats.org/drawingml/2006/main" xmlns:r="http://schemas.openxmlformats.org/officeDocument/2006/relationships" xmlns:p="http://schemas.openxmlformats.org/presentationml/2006/main">
+  <p:cSld>
+    <p:spTree>
+      <p:nvGrpSpPr>
+        <p:cNvPr id="1" name=""/>
+        <p:cNvGrpSpPr/>
+        <p:nvPr/>
+      </p:nvGrpSpPr>
+      <p:grpSpPr>
+        <a:xfrm>
+          <a:off x="0" y="0"/>
+          <a:ext cx="0" cy="0"/>
+          <a:chOff x="0" y="0"/>
+          <a:chExt cx="0" cy="0"/>
+        </a:xfrm>
+      </p:grpSpPr>
+      <p:sp>
+        <p:nvSpPr>
+          <p:cNvPr id="2" name="Title 1">
+            <a:extLst>
+              <a:ext uri="{FF2B5EF4-FFF2-40B4-BE49-F238E27FC236}">
+                <a16:creationId xmlns:a16="http://schemas.microsoft.com/office/drawing/2014/main" id="{8EE2F135-273E-4834-B6F0-3D0858F133DF}"/>
+              </a:ext>
+            </a:extLst>
+          </p:cNvPr>
+          <p:cNvSpPr>
+            <a:spLocks noGrp="1"/>
+          </p:cNvSpPr>
+          <p:nvPr>
+            <p:ph type="title"/>
+          </p:nvPr>
+        </p:nvSpPr>
+        <p:spPr>
+          <a:xfrm>
+            <a:off x="457200" y="274638"/>
+            <a:ext cx="8291264" cy="1143000"/>
+          </a:xfrm>
+        </p:spPr>
+        <p:txBody>
+          <a:bodyPr/>
+          <a:lstStyle/>
+          <a:p>
+            <a:r>
+              <a:rPr lang="en-CA" dirty="0"/>
+              <a:t>Bragg Gratings: EME</a:t>
+            </a:r>
+          </a:p>
+        </p:txBody>
+      </p:sp>
+      <p:sp>
+        <p:nvSpPr>
+          <p:cNvPr id="4" name="Slide Number Placeholder 3">
+            <a:extLst>
+              <a:ext uri="{FF2B5EF4-FFF2-40B4-BE49-F238E27FC236}">
+                <a16:creationId xmlns:a16="http://schemas.microsoft.com/office/drawing/2014/main" id="{181E9F38-6DC0-4C01-A41D-AB533D6FEA17}"/>
+              </a:ext>
+            </a:extLst>
+          </p:cNvPr>
+          <p:cNvSpPr>
+            <a:spLocks noGrp="1"/>
+          </p:cNvSpPr>
+          <p:nvPr>
+            <p:ph type="sldNum" sz="quarter" idx="12"/>
+          </p:nvPr>
+        </p:nvSpPr>
+        <p:spPr/>
+        <p:txBody>
+          <a:bodyPr/>
+          <a:lstStyle/>
+          <a:p>
+            <a:fld id="{17BB8376-F12B-CB44-BE0C-DBE0A170CA7C}" type="slidenum">
+              <a:rPr lang="en-US" altLang="zh-CN" smtClean="0"/>
+              <a:pPr/>
+              <a:t>11</a:t>
+            </a:fld>
+            <a:endParaRPr lang="en-US" altLang="zh-CN"/>
+          </a:p>
+        </p:txBody>
+      </p:sp>
+      <p:sp>
+        <p:nvSpPr>
+          <p:cNvPr id="6" name="Footer Placeholder 2">
+            <a:extLst>
+              <a:ext uri="{FF2B5EF4-FFF2-40B4-BE49-F238E27FC236}">
+                <a16:creationId xmlns:a16="http://schemas.microsoft.com/office/drawing/2014/main" id="{81E21CDC-8116-449C-AF50-F12DB1CAE886}"/>
+              </a:ext>
+            </a:extLst>
+          </p:cNvPr>
+          <p:cNvSpPr>
+            <a:spLocks noGrp="1"/>
+          </p:cNvSpPr>
+          <p:nvPr>
+            <p:ph type="ftr" sz="quarter" idx="11"/>
+          </p:nvPr>
+        </p:nvSpPr>
+        <p:spPr>
+          <a:xfrm>
+            <a:off x="7452320" y="0"/>
+            <a:ext cx="1691680" cy="365125"/>
+          </a:xfrm>
+        </p:spPr>
+        <p:txBody>
+          <a:bodyPr/>
+          <a:lstStyle/>
+          <a:p>
+            <a:r>
+              <a:rPr lang="en-US" altLang="zh-CN" dirty="0"/>
+              <a:t> M. Hammood ©2020</a:t>
+            </a:r>
+          </a:p>
+        </p:txBody>
+      </p:sp>
+      <p:sp>
+        <p:nvSpPr>
+          <p:cNvPr id="10" name="TextBox 9">
+            <a:extLst>
+              <a:ext uri="{FF2B5EF4-FFF2-40B4-BE49-F238E27FC236}">
+                <a16:creationId xmlns:a16="http://schemas.microsoft.com/office/drawing/2014/main" id="{9AC1B49E-B2DD-4EBF-8C05-7CEEC47B1267}"/>
+              </a:ext>
+            </a:extLst>
+          </p:cNvPr>
+          <p:cNvSpPr txBox="1"/>
+          <p:nvPr/>
+        </p:nvSpPr>
+        <p:spPr>
+          <a:xfrm>
+            <a:off x="107504" y="1250160"/>
+            <a:ext cx="8496944" cy="1323439"/>
+          </a:xfrm>
+          <a:prstGeom prst="rect">
+            <a:avLst/>
+          </a:prstGeom>
+          <a:noFill/>
+        </p:spPr>
+        <p:txBody>
+          <a:bodyPr wrap="square" rtlCol="0">
+            <a:spAutoFit/>
+          </a:bodyPr>
+          <a:lstStyle/>
+          <a:p>
+            <a:pPr marL="742950" lvl="1" indent="-285750">
+              <a:buFont typeface="Arial" panose="020B0604020202020204" pitchFamily="34" charset="0"/>
+              <a:buChar char="•"/>
+            </a:pPr>
+            <a:r>
+              <a:rPr lang="en-US" sz="1600" dirty="0">
+                <a:solidFill>
+                  <a:srgbClr val="17375E"/>
+                </a:solidFill>
+              </a:rPr>
+              <a:t>EME simulations can be used to quickly perform parametric studies to understand the effects of specific parameters, i.e. </a:t>
+            </a:r>
+            <a:r>
+              <a:rPr lang="en-US" sz="1600" b="1" dirty="0">
+                <a:solidFill>
+                  <a:srgbClr val="17375E"/>
+                </a:solidFill>
+              </a:rPr>
+              <a:t>the effects of changing the waveguide’s sidewall angle</a:t>
+            </a:r>
+            <a:r>
+              <a:rPr lang="en-US" sz="1600" dirty="0">
+                <a:solidFill>
+                  <a:srgbClr val="17375E"/>
+                </a:solidFill>
+              </a:rPr>
+              <a:t>:</a:t>
+            </a:r>
+          </a:p>
+          <a:p>
+            <a:pPr marL="742950" lvl="1" indent="-285750">
+              <a:buFont typeface="Arial" panose="020B0604020202020204" pitchFamily="34" charset="0"/>
+              <a:buChar char="•"/>
+            </a:pPr>
+            <a:endParaRPr lang="en-US" sz="1600" dirty="0">
+              <a:solidFill>
+                <a:srgbClr val="17375E"/>
+              </a:solidFill>
+            </a:endParaRPr>
+          </a:p>
+          <a:p>
+            <a:pPr marL="742950" lvl="1" indent="-285750">
+              <a:buFont typeface="Arial" panose="020B0604020202020204" pitchFamily="34" charset="0"/>
+              <a:buChar char="•"/>
+            </a:pPr>
+            <a:r>
+              <a:rPr lang="en-US" sz="1600" dirty="0">
+                <a:solidFill>
+                  <a:srgbClr val="17375E"/>
+                </a:solidFill>
+              </a:rPr>
+              <a:t>Run applications -&gt; </a:t>
+            </a:r>
+            <a:r>
+              <a:rPr lang="en-US" sz="1600" dirty="0" err="1">
+                <a:solidFill>
+                  <a:srgbClr val="17375E"/>
+                </a:solidFill>
+              </a:rPr>
+              <a:t>dw_sweep</a:t>
+            </a:r>
+            <a:r>
+              <a:rPr lang="en-US" sz="1600" dirty="0">
+                <a:solidFill>
+                  <a:srgbClr val="17375E"/>
+                </a:solidFill>
+              </a:rPr>
+              <a:t> -&gt; </a:t>
+            </a:r>
+            <a:r>
+              <a:rPr lang="en-US" sz="1600" b="1" dirty="0" err="1">
+                <a:solidFill>
+                  <a:srgbClr val="17375E"/>
+                </a:solidFill>
+              </a:rPr>
+              <a:t>MAIN_dw_sweep.lsf</a:t>
+            </a:r>
+            <a:endParaRPr lang="en-US" sz="1600" b="1" dirty="0">
+              <a:solidFill>
+                <a:srgbClr val="17375E"/>
+              </a:solidFill>
+            </a:endParaRPr>
+          </a:p>
+        </p:txBody>
+      </p:sp>
+      <p:pic>
+        <p:nvPicPr>
+          <p:cNvPr id="3" name="Picture 2"/>
+          <p:cNvPicPr>
+            <a:picLocks noChangeAspect="1"/>
+          </p:cNvPicPr>
+          <p:nvPr/>
+        </p:nvPicPr>
+        <p:blipFill>
+          <a:blip r:embed="rId3"/>
+          <a:stretch>
+            <a:fillRect/>
+          </a:stretch>
+        </p:blipFill>
+        <p:spPr>
+          <a:xfrm>
+            <a:off x="107504" y="2564904"/>
+            <a:ext cx="4318018" cy="3456384"/>
+          </a:xfrm>
+          <a:prstGeom prst="rect">
+            <a:avLst/>
+          </a:prstGeom>
+        </p:spPr>
+      </p:pic>
+      <p:pic>
+        <p:nvPicPr>
+          <p:cNvPr id="5" name="Picture 4"/>
+          <p:cNvPicPr>
+            <a:picLocks noChangeAspect="1"/>
+          </p:cNvPicPr>
+          <p:nvPr/>
+        </p:nvPicPr>
+        <p:blipFill>
+          <a:blip r:embed="rId4"/>
+          <a:stretch>
+            <a:fillRect/>
+          </a:stretch>
+        </p:blipFill>
+        <p:spPr>
+          <a:xfrm>
+            <a:off x="4602832" y="2604830"/>
+            <a:ext cx="4349996" cy="3416458"/>
+          </a:xfrm>
+          <a:prstGeom prst="rect">
+            <a:avLst/>
+          </a:prstGeom>
+        </p:spPr>
+      </p:pic>
+      <p:pic>
+        <p:nvPicPr>
+          <p:cNvPr id="7" name="Picture 6"/>
+          <p:cNvPicPr>
+            <a:picLocks noChangeAspect="1"/>
+          </p:cNvPicPr>
+          <p:nvPr/>
+        </p:nvPicPr>
+        <p:blipFill>
+          <a:blip r:embed="rId5"/>
+          <a:stretch>
+            <a:fillRect/>
+          </a:stretch>
+        </p:blipFill>
+        <p:spPr>
+          <a:xfrm>
+            <a:off x="7460424" y="2780928"/>
+            <a:ext cx="1305959" cy="890700"/>
+          </a:xfrm>
+          <a:prstGeom prst="rect">
+            <a:avLst/>
+          </a:prstGeom>
+        </p:spPr>
+      </p:pic>
+    </p:spTree>
+    <p:extLst>
+      <p:ext uri="{BB962C8B-B14F-4D97-AF65-F5344CB8AC3E}">
+        <p14:creationId xmlns:p14="http://schemas.microsoft.com/office/powerpoint/2010/main" val="3210211336"/>
+      </p:ext>
+    </p:extLst>
+  </p:cSld>
+  <p:clrMapOvr>
+    <a:masterClrMapping/>
+  </p:clrMapOvr>
+  <p:timing>
+    <p:tnLst>
+      <p:par>
+        <p:cTn id="1" dur="indefinite" restart="never" nodeType="tmRoot"/>
+      </p:par>
+    </p:tnLst>
+  </p:timing>
+</p:sld>
+</file>
+
+<file path=ppt/slides/slide12.xml><?xml version="1.0" encoding="utf-8"?>
+<p:sld xmlns:a="http://schemas.openxmlformats.org/drawingml/2006/main" xmlns:r="http://schemas.openxmlformats.org/officeDocument/2006/relationships" xmlns:p="http://schemas.openxmlformats.org/presentationml/2006/main">
+  <p:cSld>
+    <p:spTree>
+      <p:nvGrpSpPr>
+        <p:cNvPr id="1" name=""/>
+        <p:cNvGrpSpPr/>
+        <p:nvPr/>
+      </p:nvGrpSpPr>
+      <p:grpSpPr>
+        <a:xfrm>
+          <a:off x="0" y="0"/>
+          <a:ext cx="0" cy="0"/>
+          <a:chOff x="0" y="0"/>
+          <a:chExt cx="0" cy="0"/>
+        </a:xfrm>
+      </p:grpSpPr>
+      <p:sp>
+        <p:nvSpPr>
+          <p:cNvPr id="2" name="Title 1">
+            <a:extLst>
+              <a:ext uri="{FF2B5EF4-FFF2-40B4-BE49-F238E27FC236}">
+                <a16:creationId xmlns:a16="http://schemas.microsoft.com/office/drawing/2014/main" id="{8EE2F135-273E-4834-B6F0-3D0858F133DF}"/>
+              </a:ext>
+            </a:extLst>
+          </p:cNvPr>
+          <p:cNvSpPr>
+            <a:spLocks noGrp="1"/>
+          </p:cNvSpPr>
+          <p:nvPr>
+            <p:ph type="title"/>
+          </p:nvPr>
+        </p:nvSpPr>
+        <p:spPr>
+          <a:xfrm>
+            <a:off x="457200" y="274638"/>
+            <a:ext cx="8291264" cy="1143000"/>
+          </a:xfrm>
+        </p:spPr>
+        <p:txBody>
+          <a:bodyPr/>
+          <a:lstStyle/>
+          <a:p>
+            <a:r>
+              <a:rPr lang="en-CA" dirty="0"/>
+              <a:t>Bragg Gratings: EME</a:t>
+            </a:r>
+          </a:p>
+        </p:txBody>
+      </p:sp>
+      <p:sp>
+        <p:nvSpPr>
+          <p:cNvPr id="4" name="Slide Number Placeholder 3">
+            <a:extLst>
+              <a:ext uri="{FF2B5EF4-FFF2-40B4-BE49-F238E27FC236}">
+                <a16:creationId xmlns:a16="http://schemas.microsoft.com/office/drawing/2014/main" id="{181E9F38-6DC0-4C01-A41D-AB533D6FEA17}"/>
+              </a:ext>
+            </a:extLst>
+          </p:cNvPr>
+          <p:cNvSpPr>
+            <a:spLocks noGrp="1"/>
+          </p:cNvSpPr>
+          <p:nvPr>
+            <p:ph type="sldNum" sz="quarter" idx="12"/>
+          </p:nvPr>
+        </p:nvSpPr>
+        <p:spPr/>
+        <p:txBody>
+          <a:bodyPr/>
+          <a:lstStyle/>
+          <a:p>
+            <a:fld id="{17BB8376-F12B-CB44-BE0C-DBE0A170CA7C}" type="slidenum">
+              <a:rPr lang="en-US" altLang="zh-CN" smtClean="0"/>
+              <a:pPr/>
+              <a:t>12</a:t>
+            </a:fld>
+            <a:endParaRPr lang="en-US" altLang="zh-CN"/>
+          </a:p>
+        </p:txBody>
+      </p:sp>
+      <p:sp>
+        <p:nvSpPr>
+          <p:cNvPr id="6" name="Footer Placeholder 2">
+            <a:extLst>
+              <a:ext uri="{FF2B5EF4-FFF2-40B4-BE49-F238E27FC236}">
+                <a16:creationId xmlns:a16="http://schemas.microsoft.com/office/drawing/2014/main" id="{81E21CDC-8116-449C-AF50-F12DB1CAE886}"/>
+              </a:ext>
+            </a:extLst>
+          </p:cNvPr>
+          <p:cNvSpPr>
+            <a:spLocks noGrp="1"/>
+          </p:cNvSpPr>
+          <p:nvPr>
+            <p:ph type="ftr" sz="quarter" idx="11"/>
+          </p:nvPr>
+        </p:nvSpPr>
+        <p:spPr>
+          <a:xfrm>
+            <a:off x="7452320" y="0"/>
+            <a:ext cx="1691680" cy="365125"/>
+          </a:xfrm>
+        </p:spPr>
+        <p:txBody>
+          <a:bodyPr/>
+          <a:lstStyle/>
+          <a:p>
+            <a:r>
+              <a:rPr lang="en-US" altLang="zh-CN" dirty="0"/>
+              <a:t> M. Hammood ©2020</a:t>
+            </a:r>
+          </a:p>
+        </p:txBody>
+      </p:sp>
+      <p:sp>
+        <p:nvSpPr>
+          <p:cNvPr id="10" name="TextBox 9">
+            <a:extLst>
+              <a:ext uri="{FF2B5EF4-FFF2-40B4-BE49-F238E27FC236}">
+                <a16:creationId xmlns:a16="http://schemas.microsoft.com/office/drawing/2014/main" id="{9AC1B49E-B2DD-4EBF-8C05-7CEEC47B1267}"/>
+              </a:ext>
+            </a:extLst>
+          </p:cNvPr>
+          <p:cNvSpPr txBox="1"/>
+          <p:nvPr/>
+        </p:nvSpPr>
+        <p:spPr>
+          <a:xfrm>
+            <a:off x="107504" y="1250160"/>
+            <a:ext cx="8496944" cy="1077218"/>
+          </a:xfrm>
+          <a:prstGeom prst="rect">
+            <a:avLst/>
+          </a:prstGeom>
+          <a:noFill/>
+        </p:spPr>
+        <p:txBody>
+          <a:bodyPr wrap="square" rtlCol="0">
+            <a:spAutoFit/>
+          </a:bodyPr>
+          <a:lstStyle/>
+          <a:p>
+            <a:pPr marL="742950" lvl="1" indent="-285750">
+              <a:buFont typeface="Arial" panose="020B0604020202020204" pitchFamily="34" charset="0"/>
+              <a:buChar char="•"/>
+            </a:pPr>
+            <a:r>
+              <a:rPr lang="en-US" sz="1600" dirty="0"/>
+              <a:t>The scripts will force specific settings to improve the simulation speed (e.g., force anti-symmetric boundary conditions when the user specifies the TE polarization) - therefore, if you care more about accuracy rather than speed, you might want to remove these settings from </a:t>
+            </a:r>
+            <a:r>
+              <a:rPr lang="en-US" sz="1600" i="1" dirty="0" err="1"/>
+              <a:t>Bragg_simulate.lsf</a:t>
+            </a:r>
+            <a:r>
+              <a:rPr lang="en-US" sz="1600" i="1" dirty="0"/>
+              <a:t>.</a:t>
+            </a:r>
+            <a:endParaRPr lang="en-US" sz="1600" b="1" i="1" dirty="0">
+              <a:solidFill>
+                <a:srgbClr val="17375E"/>
+              </a:solidFill>
+            </a:endParaRPr>
+          </a:p>
+        </p:txBody>
+      </p:sp>
+      <p:pic>
+        <p:nvPicPr>
+          <p:cNvPr id="3" name="Picture 2"/>
+          <p:cNvPicPr>
+            <a:picLocks noChangeAspect="1"/>
+          </p:cNvPicPr>
+          <p:nvPr/>
+        </p:nvPicPr>
+        <p:blipFill>
+          <a:blip r:embed="rId3"/>
+          <a:stretch>
+            <a:fillRect/>
+          </a:stretch>
+        </p:blipFill>
+        <p:spPr>
+          <a:xfrm>
+            <a:off x="107504" y="2564904"/>
+            <a:ext cx="4318018" cy="3456384"/>
+          </a:xfrm>
+          <a:prstGeom prst="rect">
+            <a:avLst/>
+          </a:prstGeom>
+        </p:spPr>
+      </p:pic>
+      <p:pic>
+        <p:nvPicPr>
+          <p:cNvPr id="5" name="Picture 4"/>
+          <p:cNvPicPr>
+            <a:picLocks noChangeAspect="1"/>
+          </p:cNvPicPr>
+          <p:nvPr/>
+        </p:nvPicPr>
+        <p:blipFill>
+          <a:blip r:embed="rId4"/>
+          <a:stretch>
+            <a:fillRect/>
+          </a:stretch>
+        </p:blipFill>
+        <p:spPr>
+          <a:xfrm>
+            <a:off x="4602832" y="2604830"/>
+            <a:ext cx="4349996" cy="3416458"/>
+          </a:xfrm>
+          <a:prstGeom prst="rect">
+            <a:avLst/>
+          </a:prstGeom>
+        </p:spPr>
+      </p:pic>
+      <p:pic>
+        <p:nvPicPr>
+          <p:cNvPr id="7" name="Picture 6"/>
+          <p:cNvPicPr>
+            <a:picLocks noChangeAspect="1"/>
+          </p:cNvPicPr>
+          <p:nvPr/>
+        </p:nvPicPr>
+        <p:blipFill>
+          <a:blip r:embed="rId5"/>
+          <a:stretch>
+            <a:fillRect/>
+          </a:stretch>
+        </p:blipFill>
+        <p:spPr>
+          <a:xfrm>
+            <a:off x="7460424" y="2780928"/>
+            <a:ext cx="1305959" cy="890700"/>
+          </a:xfrm>
+          <a:prstGeom prst="rect">
+            <a:avLst/>
+          </a:prstGeom>
+        </p:spPr>
+      </p:pic>
+    </p:spTree>
+    <p:extLst>
+      <p:ext uri="{BB962C8B-B14F-4D97-AF65-F5344CB8AC3E}">
+        <p14:creationId xmlns:p14="http://schemas.microsoft.com/office/powerpoint/2010/main" val="93789991"/>
+      </p:ext>
+    </p:extLst>
+  </p:cSld>
+  <p:clrMapOvr>
+    <a:masterClrMapping/>
+  </p:clrMapOvr>
+  <p:timing>
+    <p:tnLst>
+      <p:par>
+        <p:cTn id="1" dur="indefinite" restart="never" nodeType="tmRoot"/>
+      </p:par>
+    </p:tnLst>
+  </p:timing>
+</p:sld>
+</file>
+
+<file path=ppt/slides/slide13.xml><?xml version="1.0" encoding="utf-8"?>
+<p:sld xmlns:a="http://schemas.openxmlformats.org/drawingml/2006/main" xmlns:r="http://schemas.openxmlformats.org/officeDocument/2006/relationships" xmlns:p="http://schemas.openxmlformats.org/presentationml/2006/main">
+  <p:cSld>
+    <p:spTree>
+      <p:nvGrpSpPr>
+        <p:cNvPr id="1" name=""/>
+        <p:cNvGrpSpPr/>
+        <p:nvPr/>
+      </p:nvGrpSpPr>
+      <p:grpSpPr>
+        <a:xfrm>
+          <a:off x="0" y="0"/>
+          <a:ext cx="0" cy="0"/>
+          <a:chOff x="0" y="0"/>
+          <a:chExt cx="0" cy="0"/>
+        </a:xfrm>
+      </p:grpSpPr>
+      <p:sp>
+        <p:nvSpPr>
+          <p:cNvPr id="2" name="Title 1">
+            <a:extLst>
+              <a:ext uri="{FF2B5EF4-FFF2-40B4-BE49-F238E27FC236}">
+                <a16:creationId xmlns:a16="http://schemas.microsoft.com/office/drawing/2014/main" id="{8EE2F135-273E-4834-B6F0-3D0858F133DF}"/>
+              </a:ext>
+            </a:extLst>
+          </p:cNvPr>
+          <p:cNvSpPr>
+            <a:spLocks noGrp="1"/>
+          </p:cNvSpPr>
+          <p:nvPr>
+            <p:ph type="title"/>
+          </p:nvPr>
+        </p:nvSpPr>
+        <p:spPr>
+          <a:xfrm>
+            <a:off x="457200" y="274638"/>
+            <a:ext cx="8291264" cy="1143000"/>
+          </a:xfrm>
+        </p:spPr>
+        <p:txBody>
+          <a:bodyPr/>
+          <a:lstStyle/>
+          <a:p>
+            <a:r>
+              <a:rPr lang="en-CA" dirty="0"/>
+              <a:t>Bragg Gratings: 3D/2D FDTD</a:t>
+            </a:r>
+          </a:p>
+        </p:txBody>
+      </p:sp>
+      <p:sp>
+        <p:nvSpPr>
+          <p:cNvPr id="4" name="Slide Number Placeholder 3">
+            <a:extLst>
+              <a:ext uri="{FF2B5EF4-FFF2-40B4-BE49-F238E27FC236}">
+                <a16:creationId xmlns:a16="http://schemas.microsoft.com/office/drawing/2014/main" id="{181E9F38-6DC0-4C01-A41D-AB533D6FEA17}"/>
+              </a:ext>
+            </a:extLst>
+          </p:cNvPr>
+          <p:cNvSpPr>
+            <a:spLocks noGrp="1"/>
+          </p:cNvSpPr>
+          <p:nvPr>
+            <p:ph type="sldNum" sz="quarter" idx="12"/>
+          </p:nvPr>
+        </p:nvSpPr>
+        <p:spPr/>
+        <p:txBody>
+          <a:bodyPr/>
+          <a:lstStyle/>
+          <a:p>
+            <a:fld id="{17BB8376-F12B-CB44-BE0C-DBE0A170CA7C}" type="slidenum">
+              <a:rPr lang="en-US" altLang="zh-CN" smtClean="0"/>
+              <a:pPr/>
+              <a:t>13</a:t>
             </a:fld>
             <a:endParaRPr lang="en-US" altLang="zh-CN"/>
           </a:p>
@@ -16480,7 +18408,7 @@
 </p:sld>
 </file>
 
-<file path=ppt/slides/slide11.xml><?xml version="1.0" encoding="utf-8"?>
+<file path=ppt/slides/slide14.xml><?xml version="1.0" encoding="utf-8"?>
 <p:sld xmlns:a="http://schemas.openxmlformats.org/drawingml/2006/main" xmlns:r="http://schemas.openxmlformats.org/officeDocument/2006/relationships" xmlns:p="http://schemas.openxmlformats.org/presentationml/2006/main">
   <p:cSld>
     <p:spTree>
@@ -16554,7 +18482,7 @@
             <a:fld id="{17BB8376-F12B-CB44-BE0C-DBE0A170CA7C}" type="slidenum">
               <a:rPr lang="en-US" altLang="zh-CN" smtClean="0"/>
               <a:pPr/>
-              <a:t>11</a:t>
+              <a:t>14</a:t>
             </a:fld>
             <a:endParaRPr lang="en-US" altLang="zh-CN"/>
           </a:p>
@@ -16631,23 +18559,31 @@
                   <a:srgbClr val="17375E"/>
                 </a:solidFill>
               </a:rPr>
-              <a:t>Open FDTD project </a:t>
-            </a:r>
-            <a:r>
-              <a:rPr lang="en-US" sz="1600" b="1" dirty="0" err="1">
+              <a:t>Open </a:t>
+            </a:r>
+            <a:r>
+              <a:rPr lang="en-US" sz="1600" dirty="0" smtClean="0">
                 <a:solidFill>
                   <a:srgbClr val="17375E"/>
                 </a:solidFill>
               </a:rPr>
-              <a:t>MAIN_FDTD.fsp</a:t>
-            </a:r>
-            <a:r>
-              <a:rPr lang="en-US" sz="1600" b="1" dirty="0">
+              <a:t>new FDTD </a:t>
+            </a:r>
+            <a:r>
+              <a:rPr lang="en-US" sz="1600" dirty="0">
                 <a:solidFill>
                   <a:srgbClr val="17375E"/>
                 </a:solidFill>
               </a:rPr>
-              <a:t> </a:t>
+              <a:t>project </a:t>
+            </a:r>
+            <a:r>
+              <a:rPr lang="en-US" sz="1600" dirty="0" smtClean="0">
+                <a:solidFill>
+                  <a:srgbClr val="17375E"/>
+                </a:solidFill>
+              </a:rPr>
+              <a:t>and load sample </a:t>
             </a:r>
             <a:r>
               <a:rPr lang="en-US" sz="1600" dirty="0">
@@ -16655,7 +18591,7 @@
                   <a:srgbClr val="17375E"/>
                 </a:solidFill>
               </a:rPr>
-              <a:t>and Run sample code </a:t>
+              <a:t>code </a:t>
             </a:r>
             <a:r>
               <a:rPr lang="en-US" sz="1600" b="1" i="1" dirty="0">
@@ -16851,7 +18787,7 @@
 </p:sld>
 </file>
 
-<file path=ppt/slides/slide12.xml><?xml version="1.0" encoding="utf-8"?>
+<file path=ppt/slides/slide15.xml><?xml version="1.0" encoding="utf-8"?>
 <p:sld xmlns:a="http://schemas.openxmlformats.org/drawingml/2006/main" xmlns:r="http://schemas.openxmlformats.org/officeDocument/2006/relationships" xmlns:p="http://schemas.openxmlformats.org/presentationml/2006/main">
   <p:cSld>
     <p:spTree>
@@ -16925,7 +18861,7 @@
             <a:fld id="{17BB8376-F12B-CB44-BE0C-DBE0A170CA7C}" type="slidenum">
               <a:rPr lang="en-US" altLang="zh-CN" smtClean="0"/>
               <a:pPr/>
-              <a:t>12</a:t>
+              <a:t>15</a:t>
             </a:fld>
             <a:endParaRPr lang="en-US" altLang="zh-CN"/>
           </a:p>
@@ -16979,7 +18915,7 @@
         <p:spPr>
           <a:xfrm>
             <a:off x="107504" y="1250160"/>
-            <a:ext cx="6120680" cy="4216539"/>
+            <a:ext cx="6264696" cy="5155257"/>
           </a:xfrm>
           <a:prstGeom prst="rect">
             <a:avLst/>
@@ -17016,7 +18952,53 @@
                   <a:srgbClr val="17375E"/>
                 </a:solidFill>
               </a:rPr>
-              <a:t>Simulating one unit cell of a grating over an infinite length.</a:t>
+              <a:t>Simulating one unit cell of a grating over an infinite length</a:t>
+            </a:r>
+            <a:r>
+              <a:rPr lang="en-US" sz="1600" dirty="0" smtClean="0">
+                <a:solidFill>
+                  <a:srgbClr val="17375E"/>
+                </a:solidFill>
+              </a:rPr>
+              <a:t>.</a:t>
+            </a:r>
+          </a:p>
+          <a:p>
+            <a:pPr lvl="2"/>
+            <a:endParaRPr lang="en-US" sz="1600" dirty="0" smtClean="0">
+              <a:solidFill>
+                <a:srgbClr val="17375E"/>
+              </a:solidFill>
+            </a:endParaRPr>
+          </a:p>
+          <a:p>
+            <a:pPr lvl="2"/>
+            <a:endParaRPr lang="en-US" sz="1600" dirty="0" smtClean="0">
+              <a:solidFill>
+                <a:srgbClr val="17375E"/>
+              </a:solidFill>
+            </a:endParaRPr>
+          </a:p>
+          <a:p>
+            <a:pPr marL="742950" lvl="1" indent="-285750">
+              <a:buFont typeface="Arial" panose="020B0604020202020204" pitchFamily="34" charset="0"/>
+              <a:buChar char="•"/>
+            </a:pPr>
+            <a:r>
+              <a:rPr lang="en-US" sz="1600" b="1" dirty="0" smtClean="0">
+                <a:solidFill>
+                  <a:srgbClr val="17375E"/>
+                </a:solidFill>
+              </a:rPr>
+              <a:t>Advantages</a:t>
+            </a:r>
+            <a:r>
+              <a:rPr lang="en-US" sz="1600" b="1" dirty="0">
+                <a:solidFill>
+                  <a:srgbClr val="17375E"/>
+                </a:solidFill>
+              </a:rPr>
+              <a:t>:</a:t>
             </a:r>
           </a:p>
           <a:p>
@@ -17024,7 +19006,14 @@
               <a:buFont typeface="Arial" panose="020B0604020202020204" pitchFamily="34" charset="0"/>
               <a:buChar char="•"/>
             </a:pPr>
-            <a:endParaRPr lang="en-US" sz="1200" b="1" dirty="0"/>
+            <a:r>
+              <a:rPr lang="en-US" sz="1600" dirty="0">
+                <a:solidFill>
+                  <a:srgbClr val="17375E"/>
+                </a:solidFill>
+              </a:rPr>
+              <a:t>Relatively fast simulation with the most accurate results.</a:t>
+            </a:r>
           </a:p>
           <a:p>
             <a:pPr marL="1200150" lvl="2" indent="-285750">
@@ -17038,6 +19027,36 @@
             </a:endParaRPr>
           </a:p>
           <a:p>
+            <a:pPr marL="1200150" lvl="2" indent="-285750">
+              <a:buFont typeface="Arial" panose="020B0604020202020204" pitchFamily="34" charset="0"/>
+              <a:buChar char="•"/>
+            </a:pPr>
+            <a:r>
+              <a:rPr lang="en-US" sz="1600" dirty="0">
+                <a:solidFill>
+                  <a:srgbClr val="17375E"/>
+                </a:solidFill>
+              </a:rPr>
+              <a:t>Can be used to perform various parametric sweeps</a:t>
+            </a:r>
+            <a:r>
+              <a:rPr lang="en-US" sz="1600" dirty="0" smtClean="0">
+                <a:solidFill>
+                  <a:srgbClr val="17375E"/>
+                </a:solidFill>
+              </a:rPr>
+              <a:t>.</a:t>
+            </a:r>
+          </a:p>
+          <a:p>
+            <a:pPr lvl="2"/>
+            <a:endParaRPr lang="en-US" sz="1600" dirty="0">
+              <a:solidFill>
+                <a:srgbClr val="17375E"/>
+              </a:solidFill>
+            </a:endParaRPr>
+          </a:p>
+          <a:p>
             <a:pPr marL="742950" lvl="1" indent="-285750">
               <a:buFont typeface="Arial" panose="020B0604020202020204" pitchFamily="34" charset="0"/>
               <a:buChar char="•"/>
@@ -17048,7 +19067,7 @@
                   <a:srgbClr val="17375E"/>
                 </a:solidFill>
               </a:rPr>
-              <a:t>Advantages:</a:t>
+              <a:t>Disadvantages:</a:t>
             </a:r>
           </a:p>
           <a:p>
@@ -17062,11 +19081,122 @@
                   <a:srgbClr val="17375E"/>
                 </a:solidFill>
               </a:rPr>
-              <a:t>Relatively fast simulation with the most accurate results.</a:t>
-            </a:r>
+              <a:t>Cannot simulate the output spectra of advanced </a:t>
+            </a:r>
+            <a:r>
+              <a:rPr lang="en-US" sz="1600" dirty="0" err="1">
+                <a:solidFill>
+                  <a:srgbClr val="17375E"/>
+                </a:solidFill>
+              </a:rPr>
+              <a:t>apodized</a:t>
+            </a:r>
+            <a:r>
+              <a:rPr lang="en-US" sz="1600" dirty="0">
+                <a:solidFill>
+                  <a:srgbClr val="17375E"/>
+                </a:solidFill>
+              </a:rPr>
+              <a:t> devices (directly</a:t>
+            </a:r>
+            <a:r>
+              <a:rPr lang="en-US" sz="1600" dirty="0" smtClean="0">
+                <a:solidFill>
+                  <a:srgbClr val="17375E"/>
+                </a:solidFill>
+              </a:rPr>
+              <a:t>).</a:t>
+            </a:r>
+          </a:p>
+          <a:p>
+            <a:pPr lvl="2"/>
+            <a:endParaRPr lang="en-US" sz="1600" dirty="0" smtClean="0">
+              <a:solidFill>
+                <a:srgbClr val="17375E"/>
+              </a:solidFill>
+            </a:endParaRPr>
           </a:p>
           <a:p>
             <a:pPr marL="1200150" lvl="2" indent="-285750">
+              <a:buFont typeface="Arial" panose="020B0604020202020204" pitchFamily="34" charset="0"/>
+              <a:buChar char="•"/>
+            </a:pPr>
+            <a:r>
+              <a:rPr lang="en-US" sz="1600" dirty="0" smtClean="0">
+                <a:solidFill>
+                  <a:srgbClr val="17375E"/>
+                </a:solidFill>
+              </a:rPr>
+              <a:t>Does </a:t>
+            </a:r>
+            <a:r>
+              <a:rPr lang="en-US" sz="1600" dirty="0">
+                <a:solidFill>
+                  <a:srgbClr val="17375E"/>
+                </a:solidFill>
+              </a:rPr>
+              <a:t>not show the output spectra of the </a:t>
+            </a:r>
+            <a:r>
+              <a:rPr lang="en-US" sz="1600" dirty="0" smtClean="0">
+                <a:solidFill>
+                  <a:srgbClr val="17375E"/>
+                </a:solidFill>
+              </a:rPr>
+              <a:t>device</a:t>
+            </a:r>
+          </a:p>
+          <a:p>
+            <a:pPr lvl="2"/>
+            <a:endParaRPr lang="en-US" sz="1600" dirty="0">
+              <a:solidFill>
+                <a:srgbClr val="17375E"/>
+              </a:solidFill>
+            </a:endParaRPr>
+          </a:p>
+          <a:p>
+            <a:pPr marL="742950" lvl="1" indent="-285750">
+              <a:buFont typeface="Arial" panose="020B0604020202020204" pitchFamily="34" charset="0"/>
+              <a:buChar char="•"/>
+            </a:pPr>
+            <a:r>
+              <a:rPr lang="en-US" sz="1600" dirty="0" smtClean="0">
+                <a:solidFill>
+                  <a:srgbClr val="17375E"/>
+                </a:solidFill>
+              </a:rPr>
+              <a:t>More at:</a:t>
+            </a:r>
+          </a:p>
+          <a:p>
+            <a:pPr marL="1200150" lvl="2" indent="-285750">
+              <a:buFont typeface="Arial" panose="020B0604020202020204" pitchFamily="34" charset="0"/>
+              <a:buChar char="•"/>
+            </a:pPr>
+            <a:r>
+              <a:rPr lang="en-US" sz="900" dirty="0">
+                <a:hlinkClick r:id="rId3"/>
+              </a:rPr>
+              <a:t>https://</a:t>
+            </a:r>
+            <a:r>
+              <a:rPr lang="en-US" sz="900" dirty="0" smtClean="0">
+                <a:hlinkClick r:id="rId3"/>
+              </a:rPr>
+              <a:t>support.lumerical.com/hc/en-us/articles/360042304394-Bragg-Grating-Initial-Design-with-FDTD</a:t>
+            </a:r>
+            <a:endParaRPr lang="en-US" sz="900" dirty="0" smtClean="0"/>
+          </a:p>
+          <a:p>
+            <a:pPr lvl="2"/>
+            <a:endParaRPr lang="en-US" sz="700" dirty="0" smtClean="0">
+              <a:solidFill>
+                <a:srgbClr val="17375E"/>
+              </a:solidFill>
+            </a:endParaRPr>
+          </a:p>
+          <a:p>
+            <a:pPr marL="742950" lvl="1" indent="-285750">
               <a:buFont typeface="Arial" panose="020B0604020202020204" pitchFamily="34" charset="0"/>
               <a:buChar char="•"/>
             </a:pPr>
@@ -17075,111 +19205,6 @@
                 <a:srgbClr val="17375E"/>
               </a:solidFill>
             </a:endParaRPr>
-          </a:p>
-          <a:p>
-            <a:pPr marL="1200150" lvl="2" indent="-285750">
-              <a:buFont typeface="Arial" panose="020B0604020202020204" pitchFamily="34" charset="0"/>
-              <a:buChar char="•"/>
-            </a:pPr>
-            <a:r>
-              <a:rPr lang="en-US" sz="1600" dirty="0">
-                <a:solidFill>
-                  <a:srgbClr val="17375E"/>
-                </a:solidFill>
-              </a:rPr>
-              <a:t>Can be used to perform various parametric sweeps.</a:t>
-            </a:r>
-          </a:p>
-          <a:p>
-            <a:pPr marL="1200150" lvl="2" indent="-285750">
-              <a:buFont typeface="Arial" panose="020B0604020202020204" pitchFamily="34" charset="0"/>
-              <a:buChar char="•"/>
-            </a:pPr>
-            <a:endParaRPr lang="en-US" sz="1600" dirty="0">
-              <a:solidFill>
-                <a:srgbClr val="17375E"/>
-              </a:solidFill>
-            </a:endParaRPr>
-          </a:p>
-          <a:p>
-            <a:pPr marL="1200150" lvl="2" indent="-285750">
-              <a:buFont typeface="Arial" panose="020B0604020202020204" pitchFamily="34" charset="0"/>
-              <a:buChar char="•"/>
-            </a:pPr>
-            <a:endParaRPr lang="en-US" sz="1600" dirty="0">
-              <a:solidFill>
-                <a:srgbClr val="17375E"/>
-              </a:solidFill>
-            </a:endParaRPr>
-          </a:p>
-          <a:p>
-            <a:pPr marL="742950" lvl="1" indent="-285750">
-              <a:buFont typeface="Arial" panose="020B0604020202020204" pitchFamily="34" charset="0"/>
-              <a:buChar char="•"/>
-            </a:pPr>
-            <a:r>
-              <a:rPr lang="en-US" sz="1600" b="1" dirty="0">
-                <a:solidFill>
-                  <a:srgbClr val="17375E"/>
-                </a:solidFill>
-              </a:rPr>
-              <a:t>Disadvantages:</a:t>
-            </a:r>
-          </a:p>
-          <a:p>
-            <a:pPr marL="1200150" lvl="2" indent="-285750">
-              <a:buFont typeface="Arial" panose="020B0604020202020204" pitchFamily="34" charset="0"/>
-              <a:buChar char="•"/>
-            </a:pPr>
-            <a:r>
-              <a:rPr lang="en-US" sz="1600" dirty="0">
-                <a:solidFill>
-                  <a:srgbClr val="17375E"/>
-                </a:solidFill>
-              </a:rPr>
-              <a:t>Cannot simulate the output spectra of advanced </a:t>
-            </a:r>
-            <a:r>
-              <a:rPr lang="en-US" sz="1600" dirty="0" err="1">
-                <a:solidFill>
-                  <a:srgbClr val="17375E"/>
-                </a:solidFill>
-              </a:rPr>
-              <a:t>apodized</a:t>
-            </a:r>
-            <a:r>
-              <a:rPr lang="en-US" sz="1600" dirty="0">
-                <a:solidFill>
-                  <a:srgbClr val="17375E"/>
-                </a:solidFill>
-              </a:rPr>
-              <a:t> devices (directly).</a:t>
-            </a:r>
-          </a:p>
-          <a:p>
-            <a:pPr marL="1200150" lvl="2" indent="-285750">
-              <a:buFont typeface="Arial" panose="020B0604020202020204" pitchFamily="34" charset="0"/>
-              <a:buChar char="•"/>
-            </a:pPr>
-            <a:endParaRPr lang="en-US" sz="1600" dirty="0">
-              <a:solidFill>
-                <a:srgbClr val="17375E"/>
-              </a:solidFill>
-            </a:endParaRPr>
-          </a:p>
-          <a:p>
-            <a:pPr marL="1200150" lvl="2" indent="-285750">
-              <a:buFont typeface="Arial" panose="020B0604020202020204" pitchFamily="34" charset="0"/>
-              <a:buChar char="•"/>
-            </a:pPr>
-            <a:r>
-              <a:rPr lang="en-US" sz="1600" dirty="0">
-                <a:solidFill>
-                  <a:srgbClr val="17375E"/>
-                </a:solidFill>
-              </a:rPr>
-              <a:t>Does not show the output spectra of the device</a:t>
-            </a:r>
           </a:p>
         </p:txBody>
       </p:sp>
@@ -17198,7 +19223,7 @@
           <p:nvPr/>
         </p:nvPicPr>
         <p:blipFill>
-          <a:blip r:embed="rId3"/>
+          <a:blip r:embed="rId4"/>
           <a:stretch>
             <a:fillRect/>
           </a:stretch>
@@ -17226,7 +19251,7 @@
 </p:sld>
 </file>
 
-<file path=ppt/slides/slide13.xml><?xml version="1.0" encoding="utf-8"?>
+<file path=ppt/slides/slide16.xml><?xml version="1.0" encoding="utf-8"?>
 <p:sld xmlns:a="http://schemas.openxmlformats.org/drawingml/2006/main" xmlns:r="http://schemas.openxmlformats.org/officeDocument/2006/relationships" xmlns:p="http://schemas.openxmlformats.org/presentationml/2006/main">
   <p:cSld>
     <p:spTree>
@@ -17300,7 +19325,7 @@
             <a:fld id="{17BB8376-F12B-CB44-BE0C-DBE0A170CA7C}" type="slidenum">
               <a:rPr lang="en-US" altLang="zh-CN" smtClean="0"/>
               <a:pPr/>
-              <a:t>13</a:t>
+              <a:t>16</a:t>
             </a:fld>
             <a:endParaRPr lang="en-US" altLang="zh-CN"/>
           </a:p>
@@ -17611,6 +19636,1350 @@
 </p:sld>
 </file>
 
+<file path=ppt/slides/slide17.xml><?xml version="1.0" encoding="utf-8"?>
+<p:sld xmlns:a="http://schemas.openxmlformats.org/drawingml/2006/main" xmlns:r="http://schemas.openxmlformats.org/officeDocument/2006/relationships" xmlns:p="http://schemas.openxmlformats.org/presentationml/2006/main">
+  <p:cSld>
+    <p:spTree>
+      <p:nvGrpSpPr>
+        <p:cNvPr id="1" name=""/>
+        <p:cNvGrpSpPr/>
+        <p:nvPr/>
+      </p:nvGrpSpPr>
+      <p:grpSpPr>
+        <a:xfrm>
+          <a:off x="0" y="0"/>
+          <a:ext cx="0" cy="0"/>
+          <a:chOff x="0" y="0"/>
+          <a:chExt cx="0" cy="0"/>
+        </a:xfrm>
+      </p:grpSpPr>
+      <p:sp>
+        <p:nvSpPr>
+          <p:cNvPr id="2" name="Title 1">
+            <a:extLst>
+              <a:ext uri="{FF2B5EF4-FFF2-40B4-BE49-F238E27FC236}">
+                <a16:creationId xmlns:a16="http://schemas.microsoft.com/office/drawing/2014/main" id="{8EE2F135-273E-4834-B6F0-3D0858F133DF}"/>
+              </a:ext>
+            </a:extLst>
+          </p:cNvPr>
+          <p:cNvSpPr>
+            <a:spLocks noGrp="1"/>
+          </p:cNvSpPr>
+          <p:nvPr>
+            <p:ph type="title"/>
+          </p:nvPr>
+        </p:nvSpPr>
+        <p:spPr>
+          <a:xfrm>
+            <a:off x="457200" y="274638"/>
+            <a:ext cx="8291264" cy="1143000"/>
+          </a:xfrm>
+        </p:spPr>
+        <p:txBody>
+          <a:bodyPr/>
+          <a:lstStyle/>
+          <a:p>
+            <a:r>
+              <a:rPr lang="en-CA" dirty="0"/>
+              <a:t>Bragg Gratings: FDTD Bloch Boundary</a:t>
+            </a:r>
+          </a:p>
+        </p:txBody>
+      </p:sp>
+      <p:sp>
+        <p:nvSpPr>
+          <p:cNvPr id="4" name="Slide Number Placeholder 3">
+            <a:extLst>
+              <a:ext uri="{FF2B5EF4-FFF2-40B4-BE49-F238E27FC236}">
+                <a16:creationId xmlns:a16="http://schemas.microsoft.com/office/drawing/2014/main" id="{181E9F38-6DC0-4C01-A41D-AB533D6FEA17}"/>
+              </a:ext>
+            </a:extLst>
+          </p:cNvPr>
+          <p:cNvSpPr>
+            <a:spLocks noGrp="1"/>
+          </p:cNvSpPr>
+          <p:nvPr>
+            <p:ph type="sldNum" sz="quarter" idx="12"/>
+          </p:nvPr>
+        </p:nvSpPr>
+        <p:spPr/>
+        <p:txBody>
+          <a:bodyPr/>
+          <a:lstStyle/>
+          <a:p>
+            <a:fld id="{17BB8376-F12B-CB44-BE0C-DBE0A170CA7C}" type="slidenum">
+              <a:rPr lang="en-US" altLang="zh-CN" smtClean="0"/>
+              <a:pPr/>
+              <a:t>17</a:t>
+            </a:fld>
+            <a:endParaRPr lang="en-US" altLang="zh-CN"/>
+          </a:p>
+        </p:txBody>
+      </p:sp>
+      <p:sp>
+        <p:nvSpPr>
+          <p:cNvPr id="6" name="Footer Placeholder 2">
+            <a:extLst>
+              <a:ext uri="{FF2B5EF4-FFF2-40B4-BE49-F238E27FC236}">
+                <a16:creationId xmlns:a16="http://schemas.microsoft.com/office/drawing/2014/main" id="{81E21CDC-8116-449C-AF50-F12DB1CAE886}"/>
+              </a:ext>
+            </a:extLst>
+          </p:cNvPr>
+          <p:cNvSpPr>
+            <a:spLocks noGrp="1"/>
+          </p:cNvSpPr>
+          <p:nvPr>
+            <p:ph type="ftr" sz="quarter" idx="11"/>
+          </p:nvPr>
+        </p:nvSpPr>
+        <p:spPr>
+          <a:xfrm>
+            <a:off x="7452320" y="0"/>
+            <a:ext cx="1691680" cy="365125"/>
+          </a:xfrm>
+        </p:spPr>
+        <p:txBody>
+          <a:bodyPr/>
+          <a:lstStyle/>
+          <a:p>
+            <a:r>
+              <a:rPr lang="en-US" altLang="zh-CN" dirty="0"/>
+              <a:t> M. Hammood ©2020</a:t>
+            </a:r>
+          </a:p>
+        </p:txBody>
+      </p:sp>
+      <p:sp>
+        <p:nvSpPr>
+          <p:cNvPr id="7" name="TextBox 6">
+            <a:extLst>
+              <a:ext uri="{FF2B5EF4-FFF2-40B4-BE49-F238E27FC236}">
+                <a16:creationId xmlns:a16="http://schemas.microsoft.com/office/drawing/2014/main" id="{9AC1B49E-B2DD-4EBF-8C05-7CEEC47B1267}"/>
+              </a:ext>
+            </a:extLst>
+          </p:cNvPr>
+          <p:cNvSpPr txBox="1"/>
+          <p:nvPr/>
+        </p:nvSpPr>
+        <p:spPr>
+          <a:xfrm>
+            <a:off x="107504" y="1250160"/>
+            <a:ext cx="8640960" cy="2062103"/>
+          </a:xfrm>
+          <a:prstGeom prst="rect">
+            <a:avLst/>
+          </a:prstGeom>
+          <a:noFill/>
+        </p:spPr>
+        <p:txBody>
+          <a:bodyPr wrap="square" rtlCol="0">
+            <a:spAutoFit/>
+          </a:bodyPr>
+          <a:lstStyle/>
+          <a:p>
+            <a:pPr marL="742950" lvl="1" indent="-285750">
+              <a:buFont typeface="Arial" panose="020B0604020202020204" pitchFamily="34" charset="0"/>
+              <a:buChar char="•"/>
+            </a:pPr>
+            <a:r>
+              <a:rPr lang="en-US" sz="1600" b="1" dirty="0" smtClean="0">
+                <a:solidFill>
+                  <a:srgbClr val="17375E"/>
+                </a:solidFill>
+              </a:rPr>
+              <a:t>How to (method 1, script base):</a:t>
+            </a:r>
+          </a:p>
+          <a:p>
+            <a:pPr marL="1200150" lvl="2" indent="-285750">
+              <a:buFont typeface="Arial" panose="020B0604020202020204" pitchFamily="34" charset="0"/>
+              <a:buChar char="•"/>
+            </a:pPr>
+            <a:r>
+              <a:rPr lang="en-US" sz="1600" dirty="0">
+                <a:solidFill>
+                  <a:srgbClr val="17375E"/>
+                </a:solidFill>
+              </a:rPr>
+              <a:t>Download the scripts </a:t>
+            </a:r>
+            <a:r>
+              <a:rPr lang="en-US" sz="1600" dirty="0" smtClean="0">
+                <a:solidFill>
+                  <a:srgbClr val="17375E"/>
+                </a:solidFill>
+              </a:rPr>
+              <a:t>script_base.zip and </a:t>
+            </a:r>
+            <a:r>
+              <a:rPr lang="en-US" sz="1600" dirty="0">
+                <a:solidFill>
+                  <a:srgbClr val="17375E"/>
+                </a:solidFill>
+              </a:rPr>
+              <a:t>open a blank FDTD project</a:t>
+            </a:r>
+          </a:p>
+          <a:p>
+            <a:pPr marL="1200150" lvl="2" indent="-285750">
+              <a:buFont typeface="Arial" panose="020B0604020202020204" pitchFamily="34" charset="0"/>
+              <a:buChar char="•"/>
+            </a:pPr>
+            <a:endParaRPr lang="en-US" sz="1600" dirty="0">
+              <a:solidFill>
+                <a:srgbClr val="17375E"/>
+              </a:solidFill>
+            </a:endParaRPr>
+          </a:p>
+          <a:p>
+            <a:pPr marL="1200150" lvl="2" indent="-285750">
+              <a:buFont typeface="Arial" panose="020B0604020202020204" pitchFamily="34" charset="0"/>
+              <a:buChar char="•"/>
+            </a:pPr>
+            <a:r>
+              <a:rPr lang="en-US" sz="1600" dirty="0">
+                <a:solidFill>
+                  <a:srgbClr val="17375E"/>
+                </a:solidFill>
+              </a:rPr>
+              <a:t>From FDTD, </a:t>
+            </a:r>
+            <a:r>
+              <a:rPr lang="en-US" sz="1600" dirty="0" smtClean="0">
+                <a:solidFill>
+                  <a:srgbClr val="17375E"/>
+                </a:solidFill>
+              </a:rPr>
+              <a:t>load the </a:t>
+            </a:r>
+            <a:r>
+              <a:rPr lang="en-US" sz="1600" dirty="0">
+                <a:solidFill>
+                  <a:srgbClr val="17375E"/>
+                </a:solidFill>
+              </a:rPr>
+              <a:t>script </a:t>
+            </a:r>
+            <a:r>
+              <a:rPr lang="en-US" sz="1600" i="1" dirty="0" err="1" smtClean="0">
+                <a:solidFill>
+                  <a:srgbClr val="17375E"/>
+                </a:solidFill>
+              </a:rPr>
+              <a:t>MAIN_Bandstructure.lsf</a:t>
+            </a:r>
+            <a:endParaRPr lang="en-US" sz="1600" i="1" dirty="0" smtClean="0">
+              <a:solidFill>
+                <a:srgbClr val="17375E"/>
+              </a:solidFill>
+            </a:endParaRPr>
+          </a:p>
+          <a:p>
+            <a:pPr marL="1200150" lvl="2" indent="-285750">
+              <a:buFont typeface="Arial" panose="020B0604020202020204" pitchFamily="34" charset="0"/>
+              <a:buChar char="•"/>
+            </a:pPr>
+            <a:endParaRPr lang="en-US" sz="1600" dirty="0">
+              <a:solidFill>
+                <a:srgbClr val="17375E"/>
+              </a:solidFill>
+            </a:endParaRPr>
+          </a:p>
+          <a:p>
+            <a:pPr marL="1200150" lvl="2" indent="-285750">
+              <a:buFont typeface="Arial" panose="020B0604020202020204" pitchFamily="34" charset="0"/>
+              <a:buChar char="•"/>
+            </a:pPr>
+            <a:r>
+              <a:rPr lang="en-US" sz="1600" dirty="0" smtClean="0">
+                <a:solidFill>
+                  <a:srgbClr val="17375E"/>
+                </a:solidFill>
+              </a:rPr>
+              <a:t>Adjust </a:t>
+            </a:r>
+            <a:r>
+              <a:rPr lang="en-US" sz="1600" dirty="0">
+                <a:solidFill>
+                  <a:srgbClr val="17375E"/>
+                </a:solidFill>
+              </a:rPr>
+              <a:t>the simulation parameters to your needs (wavelength range, polarization, mesh accuracy</a:t>
+            </a:r>
+          </a:p>
+          <a:p>
+            <a:pPr marL="1200150" lvl="2" indent="-285750">
+              <a:buFont typeface="Arial" panose="020B0604020202020204" pitchFamily="34" charset="0"/>
+              <a:buChar char="•"/>
+            </a:pPr>
+            <a:endParaRPr lang="en-US" sz="1600" b="1" dirty="0">
+              <a:solidFill>
+                <a:srgbClr val="17375E"/>
+              </a:solidFill>
+            </a:endParaRPr>
+          </a:p>
+        </p:txBody>
+      </p:sp>
+      <p:pic>
+        <p:nvPicPr>
+          <p:cNvPr id="5" name="Picture 4"/>
+          <p:cNvPicPr>
+            <a:picLocks noChangeAspect="1"/>
+          </p:cNvPicPr>
+          <p:nvPr/>
+        </p:nvPicPr>
+        <p:blipFill>
+          <a:blip r:embed="rId3"/>
+          <a:stretch>
+            <a:fillRect/>
+          </a:stretch>
+        </p:blipFill>
+        <p:spPr>
+          <a:xfrm>
+            <a:off x="1889921" y="3180509"/>
+            <a:ext cx="5425821" cy="2835481"/>
+          </a:xfrm>
+          <a:prstGeom prst="rect">
+            <a:avLst/>
+          </a:prstGeom>
+        </p:spPr>
+      </p:pic>
+    </p:spTree>
+    <p:extLst>
+      <p:ext uri="{BB962C8B-B14F-4D97-AF65-F5344CB8AC3E}">
+        <p14:creationId xmlns:p14="http://schemas.microsoft.com/office/powerpoint/2010/main" val="1858542221"/>
+      </p:ext>
+    </p:extLst>
+  </p:cSld>
+  <p:clrMapOvr>
+    <a:masterClrMapping/>
+  </p:clrMapOvr>
+</p:sld>
+</file>
+
+<file path=ppt/slides/slide18.xml><?xml version="1.0" encoding="utf-8"?>
+<p:sld xmlns:a="http://schemas.openxmlformats.org/drawingml/2006/main" xmlns:r="http://schemas.openxmlformats.org/officeDocument/2006/relationships" xmlns:p="http://schemas.openxmlformats.org/presentationml/2006/main">
+  <p:cSld>
+    <p:spTree>
+      <p:nvGrpSpPr>
+        <p:cNvPr id="1" name=""/>
+        <p:cNvGrpSpPr/>
+        <p:nvPr/>
+      </p:nvGrpSpPr>
+      <p:grpSpPr>
+        <a:xfrm>
+          <a:off x="0" y="0"/>
+          <a:ext cx="0" cy="0"/>
+          <a:chOff x="0" y="0"/>
+          <a:chExt cx="0" cy="0"/>
+        </a:xfrm>
+      </p:grpSpPr>
+      <p:sp>
+        <p:nvSpPr>
+          <p:cNvPr id="2" name="Title 1">
+            <a:extLst>
+              <a:ext uri="{FF2B5EF4-FFF2-40B4-BE49-F238E27FC236}">
+                <a16:creationId xmlns:a16="http://schemas.microsoft.com/office/drawing/2014/main" id="{8EE2F135-273E-4834-B6F0-3D0858F133DF}"/>
+              </a:ext>
+            </a:extLst>
+          </p:cNvPr>
+          <p:cNvSpPr>
+            <a:spLocks noGrp="1"/>
+          </p:cNvSpPr>
+          <p:nvPr>
+            <p:ph type="title"/>
+          </p:nvPr>
+        </p:nvSpPr>
+        <p:spPr>
+          <a:xfrm>
+            <a:off x="457200" y="274638"/>
+            <a:ext cx="8291264" cy="1143000"/>
+          </a:xfrm>
+        </p:spPr>
+        <p:txBody>
+          <a:bodyPr/>
+          <a:lstStyle/>
+          <a:p>
+            <a:r>
+              <a:rPr lang="en-CA" dirty="0"/>
+              <a:t>Bragg Gratings: FDTD Bloch Boundary</a:t>
+            </a:r>
+          </a:p>
+        </p:txBody>
+      </p:sp>
+      <p:sp>
+        <p:nvSpPr>
+          <p:cNvPr id="4" name="Slide Number Placeholder 3">
+            <a:extLst>
+              <a:ext uri="{FF2B5EF4-FFF2-40B4-BE49-F238E27FC236}">
+                <a16:creationId xmlns:a16="http://schemas.microsoft.com/office/drawing/2014/main" id="{181E9F38-6DC0-4C01-A41D-AB533D6FEA17}"/>
+              </a:ext>
+            </a:extLst>
+          </p:cNvPr>
+          <p:cNvSpPr>
+            <a:spLocks noGrp="1"/>
+          </p:cNvSpPr>
+          <p:nvPr>
+            <p:ph type="sldNum" sz="quarter" idx="12"/>
+          </p:nvPr>
+        </p:nvSpPr>
+        <p:spPr/>
+        <p:txBody>
+          <a:bodyPr/>
+          <a:lstStyle/>
+          <a:p>
+            <a:fld id="{17BB8376-F12B-CB44-BE0C-DBE0A170CA7C}" type="slidenum">
+              <a:rPr lang="en-US" altLang="zh-CN" smtClean="0"/>
+              <a:pPr/>
+              <a:t>18</a:t>
+            </a:fld>
+            <a:endParaRPr lang="en-US" altLang="zh-CN"/>
+          </a:p>
+        </p:txBody>
+      </p:sp>
+      <p:sp>
+        <p:nvSpPr>
+          <p:cNvPr id="6" name="Footer Placeholder 2">
+            <a:extLst>
+              <a:ext uri="{FF2B5EF4-FFF2-40B4-BE49-F238E27FC236}">
+                <a16:creationId xmlns:a16="http://schemas.microsoft.com/office/drawing/2014/main" id="{81E21CDC-8116-449C-AF50-F12DB1CAE886}"/>
+              </a:ext>
+            </a:extLst>
+          </p:cNvPr>
+          <p:cNvSpPr>
+            <a:spLocks noGrp="1"/>
+          </p:cNvSpPr>
+          <p:nvPr>
+            <p:ph type="ftr" sz="quarter" idx="11"/>
+          </p:nvPr>
+        </p:nvSpPr>
+        <p:spPr>
+          <a:xfrm>
+            <a:off x="7452320" y="0"/>
+            <a:ext cx="1691680" cy="365125"/>
+          </a:xfrm>
+        </p:spPr>
+        <p:txBody>
+          <a:bodyPr/>
+          <a:lstStyle/>
+          <a:p>
+            <a:r>
+              <a:rPr lang="en-US" altLang="zh-CN" dirty="0"/>
+              <a:t> M. Hammood ©2020</a:t>
+            </a:r>
+          </a:p>
+        </p:txBody>
+      </p:sp>
+      <p:sp>
+        <p:nvSpPr>
+          <p:cNvPr id="7" name="TextBox 6">
+            <a:extLst>
+              <a:ext uri="{FF2B5EF4-FFF2-40B4-BE49-F238E27FC236}">
+                <a16:creationId xmlns:a16="http://schemas.microsoft.com/office/drawing/2014/main" id="{9AC1B49E-B2DD-4EBF-8C05-7CEEC47B1267}"/>
+              </a:ext>
+            </a:extLst>
+          </p:cNvPr>
+          <p:cNvSpPr txBox="1"/>
+          <p:nvPr/>
+        </p:nvSpPr>
+        <p:spPr>
+          <a:xfrm>
+            <a:off x="107504" y="1250160"/>
+            <a:ext cx="8640960" cy="1077218"/>
+          </a:xfrm>
+          <a:prstGeom prst="rect">
+            <a:avLst/>
+          </a:prstGeom>
+          <a:noFill/>
+        </p:spPr>
+        <p:txBody>
+          <a:bodyPr wrap="square" rtlCol="0">
+            <a:spAutoFit/>
+          </a:bodyPr>
+          <a:lstStyle/>
+          <a:p>
+            <a:pPr marL="742950" lvl="1" indent="-285750">
+              <a:buFont typeface="Arial" panose="020B0604020202020204" pitchFamily="34" charset="0"/>
+              <a:buChar char="•"/>
+            </a:pPr>
+            <a:r>
+              <a:rPr lang="en-US" sz="1600" b="1" dirty="0" smtClean="0">
+                <a:solidFill>
+                  <a:srgbClr val="17375E"/>
+                </a:solidFill>
+              </a:rPr>
+              <a:t>How to (method 1, script base):</a:t>
+            </a:r>
+          </a:p>
+          <a:p>
+            <a:pPr marL="1200150" lvl="2" indent="-285750">
+              <a:buFont typeface="Arial" panose="020B0604020202020204" pitchFamily="34" charset="0"/>
+              <a:buChar char="•"/>
+            </a:pPr>
+            <a:r>
+              <a:rPr lang="en-US" sz="1600" dirty="0" smtClean="0">
+                <a:solidFill>
+                  <a:srgbClr val="17375E"/>
+                </a:solidFill>
+              </a:rPr>
+              <a:t>Adjust </a:t>
+            </a:r>
+            <a:r>
+              <a:rPr lang="en-US" sz="1600" dirty="0">
+                <a:solidFill>
+                  <a:srgbClr val="17375E"/>
+                </a:solidFill>
+              </a:rPr>
+              <a:t>the device geometry, material, and process stack settings to your needs. Currently the default settings are set for SOI in mind, but it can be changed to any platform.</a:t>
+            </a:r>
+            <a:endParaRPr lang="en-US" sz="1600" b="1" dirty="0">
+              <a:solidFill>
+                <a:srgbClr val="17375E"/>
+              </a:solidFill>
+            </a:endParaRPr>
+          </a:p>
+        </p:txBody>
+      </p:sp>
+      <p:pic>
+        <p:nvPicPr>
+          <p:cNvPr id="3" name="Picture 2"/>
+          <p:cNvPicPr>
+            <a:picLocks noChangeAspect="1"/>
+          </p:cNvPicPr>
+          <p:nvPr/>
+        </p:nvPicPr>
+        <p:blipFill>
+          <a:blip r:embed="rId3"/>
+          <a:stretch>
+            <a:fillRect/>
+          </a:stretch>
+        </p:blipFill>
+        <p:spPr>
+          <a:xfrm>
+            <a:off x="1230511" y="2492896"/>
+            <a:ext cx="6744641" cy="2514951"/>
+          </a:xfrm>
+          <a:prstGeom prst="rect">
+            <a:avLst/>
+          </a:prstGeom>
+        </p:spPr>
+      </p:pic>
+    </p:spTree>
+    <p:extLst>
+      <p:ext uri="{BB962C8B-B14F-4D97-AF65-F5344CB8AC3E}">
+        <p14:creationId xmlns:p14="http://schemas.microsoft.com/office/powerpoint/2010/main" val="2808081599"/>
+      </p:ext>
+    </p:extLst>
+  </p:cSld>
+  <p:clrMapOvr>
+    <a:masterClrMapping/>
+  </p:clrMapOvr>
+</p:sld>
+</file>
+
+<file path=ppt/slides/slide19.xml><?xml version="1.0" encoding="utf-8"?>
+<p:sld xmlns:a="http://schemas.openxmlformats.org/drawingml/2006/main" xmlns:r="http://schemas.openxmlformats.org/officeDocument/2006/relationships" xmlns:p="http://schemas.openxmlformats.org/presentationml/2006/main">
+  <p:cSld>
+    <p:spTree>
+      <p:nvGrpSpPr>
+        <p:cNvPr id="1" name=""/>
+        <p:cNvGrpSpPr/>
+        <p:nvPr/>
+      </p:nvGrpSpPr>
+      <p:grpSpPr>
+        <a:xfrm>
+          <a:off x="0" y="0"/>
+          <a:ext cx="0" cy="0"/>
+          <a:chOff x="0" y="0"/>
+          <a:chExt cx="0" cy="0"/>
+        </a:xfrm>
+      </p:grpSpPr>
+      <p:sp>
+        <p:nvSpPr>
+          <p:cNvPr id="2" name="Title 1">
+            <a:extLst>
+              <a:ext uri="{FF2B5EF4-FFF2-40B4-BE49-F238E27FC236}">
+                <a16:creationId xmlns:a16="http://schemas.microsoft.com/office/drawing/2014/main" id="{8EE2F135-273E-4834-B6F0-3D0858F133DF}"/>
+              </a:ext>
+            </a:extLst>
+          </p:cNvPr>
+          <p:cNvSpPr>
+            <a:spLocks noGrp="1"/>
+          </p:cNvSpPr>
+          <p:nvPr>
+            <p:ph type="title"/>
+          </p:nvPr>
+        </p:nvSpPr>
+        <p:spPr>
+          <a:xfrm>
+            <a:off x="457200" y="274638"/>
+            <a:ext cx="8291264" cy="1143000"/>
+          </a:xfrm>
+        </p:spPr>
+        <p:txBody>
+          <a:bodyPr/>
+          <a:lstStyle/>
+          <a:p>
+            <a:r>
+              <a:rPr lang="en-CA" dirty="0"/>
+              <a:t>Bragg Gratings: FDTD Bloch Boundary</a:t>
+            </a:r>
+          </a:p>
+        </p:txBody>
+      </p:sp>
+      <p:sp>
+        <p:nvSpPr>
+          <p:cNvPr id="4" name="Slide Number Placeholder 3">
+            <a:extLst>
+              <a:ext uri="{FF2B5EF4-FFF2-40B4-BE49-F238E27FC236}">
+                <a16:creationId xmlns:a16="http://schemas.microsoft.com/office/drawing/2014/main" id="{181E9F38-6DC0-4C01-A41D-AB533D6FEA17}"/>
+              </a:ext>
+            </a:extLst>
+          </p:cNvPr>
+          <p:cNvSpPr>
+            <a:spLocks noGrp="1"/>
+          </p:cNvSpPr>
+          <p:nvPr>
+            <p:ph type="sldNum" sz="quarter" idx="12"/>
+          </p:nvPr>
+        </p:nvSpPr>
+        <p:spPr/>
+        <p:txBody>
+          <a:bodyPr/>
+          <a:lstStyle/>
+          <a:p>
+            <a:fld id="{17BB8376-F12B-CB44-BE0C-DBE0A170CA7C}" type="slidenum">
+              <a:rPr lang="en-US" altLang="zh-CN" smtClean="0"/>
+              <a:pPr/>
+              <a:t>19</a:t>
+            </a:fld>
+            <a:endParaRPr lang="en-US" altLang="zh-CN"/>
+          </a:p>
+        </p:txBody>
+      </p:sp>
+      <p:sp>
+        <p:nvSpPr>
+          <p:cNvPr id="6" name="Footer Placeholder 2">
+            <a:extLst>
+              <a:ext uri="{FF2B5EF4-FFF2-40B4-BE49-F238E27FC236}">
+                <a16:creationId xmlns:a16="http://schemas.microsoft.com/office/drawing/2014/main" id="{81E21CDC-8116-449C-AF50-F12DB1CAE886}"/>
+              </a:ext>
+            </a:extLst>
+          </p:cNvPr>
+          <p:cNvSpPr>
+            <a:spLocks noGrp="1"/>
+          </p:cNvSpPr>
+          <p:nvPr>
+            <p:ph type="ftr" sz="quarter" idx="11"/>
+          </p:nvPr>
+        </p:nvSpPr>
+        <p:spPr>
+          <a:xfrm>
+            <a:off x="7452320" y="0"/>
+            <a:ext cx="1691680" cy="365125"/>
+          </a:xfrm>
+        </p:spPr>
+        <p:txBody>
+          <a:bodyPr/>
+          <a:lstStyle/>
+          <a:p>
+            <a:r>
+              <a:rPr lang="en-US" altLang="zh-CN" dirty="0"/>
+              <a:t> M. Hammood ©2020</a:t>
+            </a:r>
+          </a:p>
+        </p:txBody>
+      </p:sp>
+      <p:sp>
+        <p:nvSpPr>
+          <p:cNvPr id="7" name="TextBox 6">
+            <a:extLst>
+              <a:ext uri="{FF2B5EF4-FFF2-40B4-BE49-F238E27FC236}">
+                <a16:creationId xmlns:a16="http://schemas.microsoft.com/office/drawing/2014/main" id="{9AC1B49E-B2DD-4EBF-8C05-7CEEC47B1267}"/>
+              </a:ext>
+            </a:extLst>
+          </p:cNvPr>
+          <p:cNvSpPr txBox="1"/>
+          <p:nvPr/>
+        </p:nvSpPr>
+        <p:spPr>
+          <a:xfrm>
+            <a:off x="107504" y="1250160"/>
+            <a:ext cx="8640960" cy="2062103"/>
+          </a:xfrm>
+          <a:prstGeom prst="rect">
+            <a:avLst/>
+          </a:prstGeom>
+          <a:noFill/>
+        </p:spPr>
+        <p:txBody>
+          <a:bodyPr wrap="square" rtlCol="0">
+            <a:spAutoFit/>
+          </a:bodyPr>
+          <a:lstStyle/>
+          <a:p>
+            <a:pPr marL="742950" lvl="1" indent="-285750">
+              <a:buFont typeface="Arial" panose="020B0604020202020204" pitchFamily="34" charset="0"/>
+              <a:buChar char="•"/>
+            </a:pPr>
+            <a:r>
+              <a:rPr lang="en-US" sz="1600" b="1" dirty="0" smtClean="0">
+                <a:solidFill>
+                  <a:srgbClr val="17375E"/>
+                </a:solidFill>
+              </a:rPr>
+              <a:t>How to (method 1, script base):</a:t>
+            </a:r>
+          </a:p>
+          <a:p>
+            <a:pPr marL="1200150" lvl="2" indent="-285750">
+              <a:buFont typeface="Arial" panose="020B0604020202020204" pitchFamily="34" charset="0"/>
+              <a:buChar char="•"/>
+            </a:pPr>
+            <a:r>
+              <a:rPr lang="en-US" sz="1600" dirty="0">
+                <a:solidFill>
+                  <a:srgbClr val="17375E"/>
+                </a:solidFill>
+              </a:rPr>
+              <a:t>Run the script - given the current settings, it should run in under ~3 minutes.</a:t>
+            </a:r>
+          </a:p>
+          <a:p>
+            <a:pPr marL="1200150" lvl="2" indent="-285750">
+              <a:buFont typeface="Arial" panose="020B0604020202020204" pitchFamily="34" charset="0"/>
+              <a:buChar char="•"/>
+            </a:pPr>
+            <a:endParaRPr lang="en-US" sz="1600" dirty="0">
+              <a:solidFill>
+                <a:srgbClr val="17375E"/>
+              </a:solidFill>
+            </a:endParaRPr>
+          </a:p>
+          <a:p>
+            <a:pPr marL="1200150" lvl="2" indent="-285750">
+              <a:buFont typeface="Arial" panose="020B0604020202020204" pitchFamily="34" charset="0"/>
+              <a:buChar char="•"/>
+            </a:pPr>
+            <a:r>
+              <a:rPr lang="en-US" sz="1600" dirty="0">
+                <a:solidFill>
+                  <a:srgbClr val="17375E"/>
+                </a:solidFill>
+              </a:rPr>
+              <a:t>The script will extract the nulls bandwidth and central wavelength of the Bragg grating, which you can use to extract the Kappa (coupling coefficient) to be used in a coupled-mode theory model</a:t>
+            </a:r>
+            <a:r>
+              <a:rPr lang="en-US" sz="1600" dirty="0" smtClean="0">
+                <a:solidFill>
+                  <a:srgbClr val="17375E"/>
+                </a:solidFill>
+              </a:rPr>
+              <a:t>.</a:t>
+            </a:r>
+          </a:p>
+          <a:p>
+            <a:pPr marL="1200150" lvl="2" indent="-285750">
+              <a:buFont typeface="Arial" panose="020B0604020202020204" pitchFamily="34" charset="0"/>
+              <a:buChar char="•"/>
+            </a:pPr>
+            <a:endParaRPr lang="en-US" sz="1600" dirty="0">
+              <a:solidFill>
+                <a:srgbClr val="17375E"/>
+              </a:solidFill>
+            </a:endParaRPr>
+          </a:p>
+          <a:p>
+            <a:pPr marL="1200150" lvl="2" indent="-285750">
+              <a:buFont typeface="Arial" panose="020B0604020202020204" pitchFamily="34" charset="0"/>
+              <a:buChar char="•"/>
+            </a:pPr>
+            <a:r>
+              <a:rPr lang="en-US" sz="1600" dirty="0" smtClean="0">
+                <a:solidFill>
+                  <a:srgbClr val="17375E"/>
+                </a:solidFill>
+              </a:rPr>
+              <a:t>You can visualize the results </a:t>
+            </a:r>
+            <a:endParaRPr lang="en-US" sz="1600" dirty="0">
+              <a:solidFill>
+                <a:srgbClr val="17375E"/>
+              </a:solidFill>
+            </a:endParaRPr>
+          </a:p>
+        </p:txBody>
+      </p:sp>
+      <p:pic>
+        <p:nvPicPr>
+          <p:cNvPr id="5" name="Picture 4"/>
+          <p:cNvPicPr>
+            <a:picLocks noChangeAspect="1"/>
+          </p:cNvPicPr>
+          <p:nvPr/>
+        </p:nvPicPr>
+        <p:blipFill>
+          <a:blip r:embed="rId3"/>
+          <a:stretch>
+            <a:fillRect/>
+          </a:stretch>
+        </p:blipFill>
+        <p:spPr>
+          <a:xfrm>
+            <a:off x="92607" y="3541658"/>
+            <a:ext cx="2569866" cy="2517572"/>
+          </a:xfrm>
+          <a:prstGeom prst="rect">
+            <a:avLst/>
+          </a:prstGeom>
+        </p:spPr>
+      </p:pic>
+      <p:grpSp>
+        <p:nvGrpSpPr>
+          <p:cNvPr id="24" name="Group 23"/>
+          <p:cNvGrpSpPr/>
+          <p:nvPr/>
+        </p:nvGrpSpPr>
+        <p:grpSpPr>
+          <a:xfrm>
+            <a:off x="3419872" y="3284984"/>
+            <a:ext cx="3024336" cy="2759771"/>
+            <a:chOff x="1979712" y="3312263"/>
+            <a:chExt cx="3024336" cy="2759771"/>
+          </a:xfrm>
+        </p:grpSpPr>
+        <p:pic>
+          <p:nvPicPr>
+            <p:cNvPr id="8" name="Picture 7"/>
+            <p:cNvPicPr>
+              <a:picLocks noChangeAspect="1"/>
+            </p:cNvPicPr>
+            <p:nvPr/>
+          </p:nvPicPr>
+          <p:blipFill>
+            <a:blip r:embed="rId4"/>
+            <a:stretch>
+              <a:fillRect/>
+            </a:stretch>
+          </p:blipFill>
+          <p:spPr>
+            <a:xfrm>
+              <a:off x="1979712" y="3312263"/>
+              <a:ext cx="3024336" cy="2759771"/>
+            </a:xfrm>
+            <a:prstGeom prst="rect">
+              <a:avLst/>
+            </a:prstGeom>
+          </p:spPr>
+        </p:pic>
+        <p:cxnSp>
+          <p:nvCxnSpPr>
+            <p:cNvPr id="10" name="Straight Connector 9"/>
+            <p:cNvCxnSpPr/>
+            <p:nvPr/>
+          </p:nvCxnSpPr>
+          <p:spPr>
+            <a:xfrm>
+              <a:off x="3203848" y="3312263"/>
+              <a:ext cx="0" cy="2565009"/>
+            </a:xfrm>
+            <a:prstGeom prst="line">
+              <a:avLst/>
+            </a:prstGeom>
+            <a:ln w="38100">
+              <a:solidFill>
+                <a:schemeClr val="tx1"/>
+              </a:solidFill>
+              <a:prstDash val="dashDot"/>
+            </a:ln>
+          </p:spPr>
+          <p:style>
+            <a:lnRef idx="1">
+              <a:schemeClr val="accent1"/>
+            </a:lnRef>
+            <a:fillRef idx="0">
+              <a:schemeClr val="accent1"/>
+            </a:fillRef>
+            <a:effectRef idx="0">
+              <a:schemeClr val="accent1"/>
+            </a:effectRef>
+            <a:fontRef idx="minor">
+              <a:schemeClr val="tx1"/>
+            </a:fontRef>
+          </p:style>
+        </p:cxnSp>
+        <p:cxnSp>
+          <p:nvCxnSpPr>
+            <p:cNvPr id="11" name="Straight Connector 10"/>
+            <p:cNvCxnSpPr/>
+            <p:nvPr/>
+          </p:nvCxnSpPr>
+          <p:spPr>
+            <a:xfrm>
+              <a:off x="3923928" y="3312263"/>
+              <a:ext cx="0" cy="2604021"/>
+            </a:xfrm>
+            <a:prstGeom prst="line">
+              <a:avLst/>
+            </a:prstGeom>
+            <a:ln w="38100">
+              <a:solidFill>
+                <a:schemeClr val="tx1"/>
+              </a:solidFill>
+              <a:prstDash val="dashDot"/>
+            </a:ln>
+          </p:spPr>
+          <p:style>
+            <a:lnRef idx="1">
+              <a:schemeClr val="accent1"/>
+            </a:lnRef>
+            <a:fillRef idx="0">
+              <a:schemeClr val="accent1"/>
+            </a:fillRef>
+            <a:effectRef idx="0">
+              <a:schemeClr val="accent1"/>
+            </a:effectRef>
+            <a:fontRef idx="minor">
+              <a:schemeClr val="tx1"/>
+            </a:fontRef>
+          </p:style>
+        </p:cxnSp>
+        <p:cxnSp>
+          <p:nvCxnSpPr>
+            <p:cNvPr id="17" name="Straight Arrow Connector 16"/>
+            <p:cNvCxnSpPr/>
+            <p:nvPr/>
+          </p:nvCxnSpPr>
+          <p:spPr>
+            <a:xfrm>
+              <a:off x="3275856" y="3429000"/>
+              <a:ext cx="576064" cy="0"/>
+            </a:xfrm>
+            <a:prstGeom prst="straightConnector1">
+              <a:avLst/>
+            </a:prstGeom>
+            <a:ln>
+              <a:solidFill>
+                <a:schemeClr val="tx1"/>
+              </a:solidFill>
+              <a:headEnd type="triangle" w="med" len="med"/>
+              <a:tailEnd type="triangle" w="med" len="med"/>
+            </a:ln>
+          </p:spPr>
+          <p:style>
+            <a:lnRef idx="1">
+              <a:schemeClr val="accent1"/>
+            </a:lnRef>
+            <a:fillRef idx="0">
+              <a:schemeClr val="accent1"/>
+            </a:fillRef>
+            <a:effectRef idx="0">
+              <a:schemeClr val="accent1"/>
+            </a:effectRef>
+            <a:fontRef idx="minor">
+              <a:schemeClr val="tx1"/>
+            </a:fontRef>
+          </p:style>
+        </p:cxnSp>
+        <p:sp>
+          <p:nvSpPr>
+            <p:cNvPr id="19" name="Rectangle 18"/>
+            <p:cNvSpPr/>
+            <p:nvPr/>
+          </p:nvSpPr>
+          <p:spPr>
+            <a:xfrm>
+              <a:off x="3340242" y="3356992"/>
+              <a:ext cx="453970" cy="369332"/>
+            </a:xfrm>
+            <a:prstGeom prst="rect">
+              <a:avLst/>
+            </a:prstGeom>
+          </p:spPr>
+          <p:txBody>
+            <a:bodyPr wrap="none">
+              <a:spAutoFit/>
+            </a:bodyPr>
+            <a:lstStyle/>
+            <a:p>
+              <a:r>
+                <a:rPr lang="el-GR" dirty="0"/>
+                <a:t>Δ</a:t>
+              </a:r>
+              <a:r>
+                <a:rPr lang="el-GR" dirty="0" smtClean="0">
+                  <a:solidFill>
+                    <a:srgbClr val="222222"/>
+                  </a:solidFill>
+                  <a:latin typeface="arial" panose="020B0604020202020204" pitchFamily="34" charset="0"/>
+                </a:rPr>
+                <a:t>λ</a:t>
+              </a:r>
+              <a:endParaRPr lang="en-US" dirty="0"/>
+            </a:p>
+          </p:txBody>
+        </p:sp>
+        <p:cxnSp>
+          <p:nvCxnSpPr>
+            <p:cNvPr id="20" name="Straight Connector 19"/>
+            <p:cNvCxnSpPr/>
+            <p:nvPr/>
+          </p:nvCxnSpPr>
+          <p:spPr>
+            <a:xfrm>
+              <a:off x="3563888" y="4149080"/>
+              <a:ext cx="0" cy="1728192"/>
+            </a:xfrm>
+            <a:prstGeom prst="line">
+              <a:avLst/>
+            </a:prstGeom>
+            <a:ln w="38100">
+              <a:solidFill>
+                <a:schemeClr val="tx1"/>
+              </a:solidFill>
+              <a:prstDash val="dashDot"/>
+            </a:ln>
+          </p:spPr>
+          <p:style>
+            <a:lnRef idx="1">
+              <a:schemeClr val="accent1"/>
+            </a:lnRef>
+            <a:fillRef idx="0">
+              <a:schemeClr val="accent1"/>
+            </a:fillRef>
+            <a:effectRef idx="0">
+              <a:schemeClr val="accent1"/>
+            </a:effectRef>
+            <a:fontRef idx="minor">
+              <a:schemeClr val="tx1"/>
+            </a:fontRef>
+          </p:style>
+        </p:cxnSp>
+        <p:sp>
+          <p:nvSpPr>
+            <p:cNvPr id="22" name="Rectangle 21"/>
+            <p:cNvSpPr/>
+            <p:nvPr/>
+          </p:nvSpPr>
+          <p:spPr>
+            <a:xfrm>
+              <a:off x="3528668" y="5546952"/>
+              <a:ext cx="378630" cy="369332"/>
+            </a:xfrm>
+            <a:prstGeom prst="rect">
+              <a:avLst/>
+            </a:prstGeom>
+          </p:spPr>
+          <p:txBody>
+            <a:bodyPr wrap="none">
+              <a:spAutoFit/>
+            </a:bodyPr>
+            <a:lstStyle/>
+            <a:p>
+              <a:r>
+                <a:rPr lang="el-GR" dirty="0" smtClean="0">
+                  <a:solidFill>
+                    <a:srgbClr val="222222"/>
+                  </a:solidFill>
+                  <a:latin typeface="arial" panose="020B0604020202020204" pitchFamily="34" charset="0"/>
+                </a:rPr>
+                <a:t>λ</a:t>
+              </a:r>
+              <a:r>
+                <a:rPr lang="en-US" sz="1000" dirty="0" smtClean="0">
+                  <a:solidFill>
+                    <a:srgbClr val="222222"/>
+                  </a:solidFill>
+                  <a:latin typeface="arial" panose="020B0604020202020204" pitchFamily="34" charset="0"/>
+                </a:rPr>
+                <a:t>o</a:t>
+              </a:r>
+              <a:endParaRPr lang="en-US" dirty="0"/>
+            </a:p>
+          </p:txBody>
+        </p:sp>
+      </p:grpSp>
+      <p:pic>
+        <p:nvPicPr>
+          <p:cNvPr id="23" name="Picture 22"/>
+          <p:cNvPicPr>
+            <a:picLocks noChangeAspect="1"/>
+          </p:cNvPicPr>
+          <p:nvPr/>
+        </p:nvPicPr>
+        <p:blipFill>
+          <a:blip r:embed="rId5"/>
+          <a:stretch>
+            <a:fillRect/>
+          </a:stretch>
+        </p:blipFill>
+        <p:spPr>
+          <a:xfrm>
+            <a:off x="6460183" y="2629131"/>
+            <a:ext cx="2648320" cy="1800476"/>
+          </a:xfrm>
+          <a:prstGeom prst="rect">
+            <a:avLst/>
+          </a:prstGeom>
+        </p:spPr>
+      </p:pic>
+      <p:cxnSp>
+        <p:nvCxnSpPr>
+          <p:cNvPr id="26" name="Straight Arrow Connector 25"/>
+          <p:cNvCxnSpPr/>
+          <p:nvPr/>
+        </p:nvCxnSpPr>
+        <p:spPr>
+          <a:xfrm>
+            <a:off x="2771800" y="4800444"/>
+            <a:ext cx="504056" cy="0"/>
+          </a:xfrm>
+          <a:prstGeom prst="straightConnector1">
+            <a:avLst/>
+          </a:prstGeom>
+          <a:ln w="38100">
+            <a:tailEnd type="triangle"/>
+          </a:ln>
+        </p:spPr>
+        <p:style>
+          <a:lnRef idx="1">
+            <a:schemeClr val="accent1"/>
+          </a:lnRef>
+          <a:fillRef idx="0">
+            <a:schemeClr val="accent1"/>
+          </a:fillRef>
+          <a:effectRef idx="0">
+            <a:schemeClr val="accent1"/>
+          </a:effectRef>
+          <a:fontRef idx="minor">
+            <a:schemeClr val="tx1"/>
+          </a:fontRef>
+        </p:style>
+      </p:cxnSp>
+      <p:pic>
+        <p:nvPicPr>
+          <p:cNvPr id="27" name="Picture 26"/>
+          <p:cNvPicPr>
+            <a:picLocks noChangeAspect="1"/>
+          </p:cNvPicPr>
+          <p:nvPr/>
+        </p:nvPicPr>
+        <p:blipFill>
+          <a:blip r:embed="rId6"/>
+          <a:stretch>
+            <a:fillRect/>
+          </a:stretch>
+        </p:blipFill>
+        <p:spPr>
+          <a:xfrm>
+            <a:off x="7017121" y="4691234"/>
+            <a:ext cx="1841935" cy="1120465"/>
+          </a:xfrm>
+          <a:prstGeom prst="rect">
+            <a:avLst/>
+          </a:prstGeom>
+        </p:spPr>
+      </p:pic>
+      <p:cxnSp>
+        <p:nvCxnSpPr>
+          <p:cNvPr id="29" name="Straight Arrow Connector 28"/>
+          <p:cNvCxnSpPr/>
+          <p:nvPr/>
+        </p:nvCxnSpPr>
+        <p:spPr>
+          <a:xfrm flipH="1">
+            <a:off x="7380312" y="3949905"/>
+            <a:ext cx="880070" cy="1207287"/>
+          </a:xfrm>
+          <a:prstGeom prst="straightConnector1">
+            <a:avLst/>
+          </a:prstGeom>
+          <a:ln w="38100">
+            <a:tailEnd type="triangle"/>
+          </a:ln>
+        </p:spPr>
+        <p:style>
+          <a:lnRef idx="1">
+            <a:schemeClr val="accent1"/>
+          </a:lnRef>
+          <a:fillRef idx="0">
+            <a:schemeClr val="accent1"/>
+          </a:fillRef>
+          <a:effectRef idx="0">
+            <a:schemeClr val="accent1"/>
+          </a:effectRef>
+          <a:fontRef idx="minor">
+            <a:schemeClr val="tx1"/>
+          </a:fontRef>
+        </p:style>
+      </p:cxnSp>
+      <p:sp>
+        <p:nvSpPr>
+          <p:cNvPr id="31" name="Oval 30"/>
+          <p:cNvSpPr/>
+          <p:nvPr/>
+        </p:nvSpPr>
+        <p:spPr>
+          <a:xfrm>
+            <a:off x="8172400" y="4746938"/>
+            <a:ext cx="576064" cy="576064"/>
+          </a:xfrm>
+          <a:prstGeom prst="ellipse">
+            <a:avLst/>
+          </a:prstGeom>
+          <a:noFill/>
+          <a:ln>
+            <a:prstDash val="sysDot"/>
+          </a:ln>
+        </p:spPr>
+        <p:style>
+          <a:lnRef idx="2">
+            <a:schemeClr val="accent1">
+              <a:shade val="50000"/>
+            </a:schemeClr>
+          </a:lnRef>
+          <a:fillRef idx="1">
+            <a:schemeClr val="accent1"/>
+          </a:fillRef>
+          <a:effectRef idx="0">
+            <a:schemeClr val="accent1"/>
+          </a:effectRef>
+          <a:fontRef idx="minor">
+            <a:schemeClr val="lt1"/>
+          </a:fontRef>
+        </p:style>
+        <p:txBody>
+          <a:bodyPr rtlCol="0" anchor="ctr"/>
+          <a:lstStyle/>
+          <a:p>
+            <a:pPr algn="ctr"/>
+            <a:endParaRPr lang="en-US"/>
+          </a:p>
+        </p:txBody>
+      </p:sp>
+      <p:cxnSp>
+        <p:nvCxnSpPr>
+          <p:cNvPr id="32" name="Straight Arrow Connector 31"/>
+          <p:cNvCxnSpPr/>
+          <p:nvPr/>
+        </p:nvCxnSpPr>
+        <p:spPr>
+          <a:xfrm>
+            <a:off x="5168095" y="3573890"/>
+            <a:ext cx="3004305" cy="1264607"/>
+          </a:xfrm>
+          <a:prstGeom prst="straightConnector1">
+            <a:avLst/>
+          </a:prstGeom>
+          <a:ln w="38100">
+            <a:tailEnd type="triangle"/>
+          </a:ln>
+        </p:spPr>
+        <p:style>
+          <a:lnRef idx="1">
+            <a:schemeClr val="accent1"/>
+          </a:lnRef>
+          <a:fillRef idx="0">
+            <a:schemeClr val="accent1"/>
+          </a:fillRef>
+          <a:effectRef idx="0">
+            <a:schemeClr val="accent1"/>
+          </a:effectRef>
+          <a:fontRef idx="minor">
+            <a:schemeClr val="tx1"/>
+          </a:fontRef>
+        </p:style>
+      </p:cxnSp>
+      <p:sp>
+        <p:nvSpPr>
+          <p:cNvPr id="35" name="Oval 34"/>
+          <p:cNvSpPr/>
+          <p:nvPr/>
+        </p:nvSpPr>
+        <p:spPr>
+          <a:xfrm>
+            <a:off x="7939664" y="5245175"/>
+            <a:ext cx="576064" cy="576064"/>
+          </a:xfrm>
+          <a:prstGeom prst="ellipse">
+            <a:avLst/>
+          </a:prstGeom>
+          <a:noFill/>
+          <a:ln>
+            <a:prstDash val="sysDot"/>
+          </a:ln>
+        </p:spPr>
+        <p:style>
+          <a:lnRef idx="2">
+            <a:schemeClr val="accent1">
+              <a:shade val="50000"/>
+            </a:schemeClr>
+          </a:lnRef>
+          <a:fillRef idx="1">
+            <a:schemeClr val="accent1"/>
+          </a:fillRef>
+          <a:effectRef idx="0">
+            <a:schemeClr val="accent1"/>
+          </a:effectRef>
+          <a:fontRef idx="minor">
+            <a:schemeClr val="lt1"/>
+          </a:fontRef>
+        </p:style>
+        <p:txBody>
+          <a:bodyPr rtlCol="0" anchor="ctr"/>
+          <a:lstStyle/>
+          <a:p>
+            <a:pPr algn="ctr"/>
+            <a:endParaRPr lang="en-US"/>
+          </a:p>
+        </p:txBody>
+      </p:sp>
+      <p:cxnSp>
+        <p:nvCxnSpPr>
+          <p:cNvPr id="36" name="Straight Arrow Connector 35"/>
+          <p:cNvCxnSpPr/>
+          <p:nvPr/>
+        </p:nvCxnSpPr>
+        <p:spPr>
+          <a:xfrm flipV="1">
+            <a:off x="5168095" y="5571799"/>
+            <a:ext cx="2769993" cy="92850"/>
+          </a:xfrm>
+          <a:prstGeom prst="straightConnector1">
+            <a:avLst/>
+          </a:prstGeom>
+          <a:ln w="38100">
+            <a:tailEnd type="triangle"/>
+          </a:ln>
+        </p:spPr>
+        <p:style>
+          <a:lnRef idx="1">
+            <a:schemeClr val="accent1"/>
+          </a:lnRef>
+          <a:fillRef idx="0">
+            <a:schemeClr val="accent1"/>
+          </a:fillRef>
+          <a:effectRef idx="0">
+            <a:schemeClr val="accent1"/>
+          </a:effectRef>
+          <a:fontRef idx="minor">
+            <a:schemeClr val="tx1"/>
+          </a:fontRef>
+        </p:style>
+      </p:cxnSp>
+    </p:spTree>
+    <p:extLst>
+      <p:ext uri="{BB962C8B-B14F-4D97-AF65-F5344CB8AC3E}">
+        <p14:creationId xmlns:p14="http://schemas.microsoft.com/office/powerpoint/2010/main" val="1391008999"/>
+      </p:ext>
+    </p:extLst>
+  </p:cSld>
+  <p:clrMapOvr>
+    <a:masterClrMapping/>
+  </p:clrMapOvr>
+</p:sld>
+</file>
+
 <file path=ppt/slides/slide2.xml><?xml version="1.0" encoding="utf-8"?>
 <p:sld xmlns:a="http://schemas.openxmlformats.org/drawingml/2006/main" xmlns:r="http://schemas.openxmlformats.org/officeDocument/2006/relationships" xmlns:p="http://schemas.openxmlformats.org/presentationml/2006/main">
   <p:cSld>
@@ -17734,7 +21103,7 @@
         <p:spPr>
           <a:xfrm>
             <a:off x="107504" y="1250160"/>
-            <a:ext cx="9036496" cy="4278094"/>
+            <a:ext cx="9036496" cy="3785652"/>
           </a:xfrm>
           <a:prstGeom prst="rect">
             <a:avLst/>
@@ -17757,7 +21126,15 @@
                   <a:srgbClr val="17375E"/>
                 </a:solidFill>
               </a:rPr>
-              <a:t>Bragg gratings:</a:t>
+              <a:t>Bragg gratings</a:t>
+            </a:r>
+            <a:r>
+              <a:rPr lang="en-US" sz="1600" b="1" dirty="0" smtClean="0">
+                <a:solidFill>
+                  <a:srgbClr val="17375E"/>
+                </a:solidFill>
+              </a:rPr>
+              <a:t>:</a:t>
             </a:r>
           </a:p>
           <a:p>
@@ -17766,13 +21143,18 @@
               <a:buChar char="•"/>
             </a:pPr>
             <a:r>
-              <a:rPr lang="en-US" sz="1600" dirty="0">
+              <a:rPr lang="en-US" sz="1600" dirty="0" smtClean="0">
                 <a:solidFill>
                   <a:srgbClr val="17375E"/>
                 </a:solidFill>
               </a:rPr>
-              <a:t>Theoretical approach: Transfer-Matrix Method (TMM)</a:t>
-            </a:r>
+              <a:t>Motivation and application</a:t>
+            </a:r>
+            <a:endParaRPr lang="en-US" sz="1600" dirty="0">
+              <a:solidFill>
+                <a:srgbClr val="17375E"/>
+              </a:solidFill>
+            </a:endParaRPr>
           </a:p>
           <a:p>
             <a:pPr marL="1200150" lvl="2" indent="-285750">
@@ -17785,6 +21167,94 @@
                   <a:srgbClr val="17375E"/>
                 </a:solidFill>
               </a:rPr>
+              <a:t>Theoretical approach: Transfer-Matrix Method (TMM)</a:t>
+            </a:r>
+          </a:p>
+          <a:p>
+            <a:pPr marL="1200150" lvl="2" indent="-285750">
+              <a:buFont typeface="Arial" panose="020B0604020202020204" pitchFamily="34" charset="0"/>
+              <a:buChar char="•"/>
+            </a:pPr>
+            <a:r>
+              <a:rPr lang="en-US" sz="1600" dirty="0" smtClean="0">
+                <a:solidFill>
+                  <a:srgbClr val="17375E"/>
+                </a:solidFill>
+              </a:rPr>
+              <a:t>Simulation</a:t>
+            </a:r>
+            <a:r>
+              <a:rPr lang="en-US" sz="1600" dirty="0">
+                <a:solidFill>
+                  <a:srgbClr val="17375E"/>
+                </a:solidFill>
+              </a:rPr>
+              <a:t>: Lumerical EME</a:t>
+            </a:r>
+          </a:p>
+          <a:p>
+            <a:pPr marL="1200150" lvl="2" indent="-285750">
+              <a:buFont typeface="Arial" panose="020B0604020202020204" pitchFamily="34" charset="0"/>
+              <a:buChar char="•"/>
+            </a:pPr>
+            <a:r>
+              <a:rPr lang="en-US" sz="1600" dirty="0">
+                <a:solidFill>
+                  <a:srgbClr val="17375E"/>
+                </a:solidFill>
+              </a:rPr>
+              <a:t>Simulation: </a:t>
+            </a:r>
+            <a:r>
+              <a:rPr lang="en-US" sz="1600" dirty="0" err="1">
+                <a:solidFill>
+                  <a:srgbClr val="17375E"/>
+                </a:solidFill>
+              </a:rPr>
+              <a:t>Lumerical</a:t>
+            </a:r>
+            <a:r>
+              <a:rPr lang="en-US" sz="1600" dirty="0">
+                <a:solidFill>
+                  <a:srgbClr val="17375E"/>
+                </a:solidFill>
+              </a:rPr>
+              <a:t> 3D/2D FDTD</a:t>
+            </a:r>
+          </a:p>
+          <a:p>
+            <a:pPr marL="1200150" lvl="2" indent="-285750">
+              <a:buFont typeface="Arial" panose="020B0604020202020204" pitchFamily="34" charset="0"/>
+              <a:buChar char="•"/>
+            </a:pPr>
+            <a:r>
+              <a:rPr lang="en-US" sz="1600" dirty="0" smtClean="0">
+                <a:solidFill>
+                  <a:srgbClr val="17375E"/>
+                </a:solidFill>
+              </a:rPr>
+              <a:t>Simulation: </a:t>
+            </a:r>
+            <a:r>
+              <a:rPr lang="en-US" sz="1600" dirty="0">
+                <a:solidFill>
+                  <a:srgbClr val="17375E"/>
+                </a:solidFill>
+              </a:rPr>
+              <a:t>Lumerical FDTD Band-structure</a:t>
+            </a:r>
+          </a:p>
+          <a:p>
+            <a:pPr marL="1200150" lvl="2" indent="-285750">
+              <a:buFont typeface="Arial" panose="020B0604020202020204" pitchFamily="34" charset="0"/>
+              <a:buChar char="•"/>
+            </a:pPr>
+            <a:r>
+              <a:rPr lang="en-US" sz="1600" dirty="0">
+                <a:solidFill>
+                  <a:srgbClr val="17375E"/>
+                </a:solidFill>
+              </a:rPr>
               <a:t>Theoretical approach: Coupled-mode theory (CMT)</a:t>
             </a:r>
           </a:p>
@@ -17800,64 +21270,6 @@
                 </a:solidFill>
               </a:rPr>
               <a:t>Coupling coefficient (Kappa)</a:t>
-            </a:r>
-          </a:p>
-          <a:p>
-            <a:pPr marL="1200150" lvl="2" indent="-285750">
-              <a:buFont typeface="Arial" panose="020B0604020202020204" pitchFamily="34" charset="0"/>
-              <a:buChar char="•"/>
-            </a:pPr>
-            <a:r>
-              <a:rPr lang="en-US" sz="1600" dirty="0">
-                <a:solidFill>
-                  <a:srgbClr val="17375E"/>
-                </a:solidFill>
-              </a:rPr>
-              <a:t>Simulation: Lumerical EME</a:t>
-            </a:r>
-          </a:p>
-          <a:p>
-            <a:pPr marL="1200150" lvl="2" indent="-285750">
-              <a:buFont typeface="Arial" panose="020B0604020202020204" pitchFamily="34" charset="0"/>
-              <a:buChar char="•"/>
-            </a:pPr>
-            <a:r>
-              <a:rPr lang="en-US" sz="1600" dirty="0">
-                <a:solidFill>
-                  <a:srgbClr val="17375E"/>
-                </a:solidFill>
-              </a:rPr>
-              <a:t>Simulation: </a:t>
-            </a:r>
-            <a:r>
-              <a:rPr lang="en-US" sz="1600" dirty="0" err="1">
-                <a:solidFill>
-                  <a:srgbClr val="17375E"/>
-                </a:solidFill>
-              </a:rPr>
-              <a:t>Lumerical</a:t>
-            </a:r>
-            <a:r>
-              <a:rPr lang="en-US" sz="1600" dirty="0">
-                <a:solidFill>
-                  <a:srgbClr val="17375E"/>
-                </a:solidFill>
-              </a:rPr>
-              <a:t> 3D/2D FDTD</a:t>
-            </a:r>
-          </a:p>
-          <a:p>
-            <a:pPr marL="1200150" lvl="2" indent="-285750">
-              <a:buFont typeface="Arial" panose="020B0604020202020204" pitchFamily="34" charset="0"/>
-              <a:buChar char="•"/>
-            </a:pPr>
-            <a:r>
-              <a:rPr lang="en-US" sz="1600" dirty="0">
-                <a:solidFill>
-                  <a:srgbClr val="17375E"/>
-                </a:solidFill>
-              </a:rPr>
-              <a:t>Simulation + Theory: Lumerical FDTD Band-structure</a:t>
             </a:r>
           </a:p>
           <a:p>
@@ -17952,18 +21364,173 @@
               </a:solidFill>
             </a:endParaRPr>
           </a:p>
+        </p:txBody>
+      </p:sp>
+    </p:spTree>
+    <p:extLst>
+      <p:ext uri="{BB962C8B-B14F-4D97-AF65-F5344CB8AC3E}">
+        <p14:creationId xmlns:p14="http://schemas.microsoft.com/office/powerpoint/2010/main" val="186205572"/>
+      </p:ext>
+    </p:extLst>
+  </p:cSld>
+  <p:clrMapOvr>
+    <a:masterClrMapping/>
+  </p:clrMapOvr>
+</p:sld>
+</file>
+
+<file path=ppt/slides/slide20.xml><?xml version="1.0" encoding="utf-8"?>
+<p:sld xmlns:a="http://schemas.openxmlformats.org/drawingml/2006/main" xmlns:r="http://schemas.openxmlformats.org/officeDocument/2006/relationships" xmlns:p="http://schemas.openxmlformats.org/presentationml/2006/main">
+  <p:cSld>
+    <p:spTree>
+      <p:nvGrpSpPr>
+        <p:cNvPr id="1" name=""/>
+        <p:cNvGrpSpPr/>
+        <p:nvPr/>
+      </p:nvGrpSpPr>
+      <p:grpSpPr>
+        <a:xfrm>
+          <a:off x="0" y="0"/>
+          <a:ext cx="0" cy="0"/>
+          <a:chOff x="0" y="0"/>
+          <a:chExt cx="0" cy="0"/>
+        </a:xfrm>
+      </p:grpSpPr>
+      <p:sp>
+        <p:nvSpPr>
+          <p:cNvPr id="2" name="Title 1">
+            <a:extLst>
+              <a:ext uri="{FF2B5EF4-FFF2-40B4-BE49-F238E27FC236}">
+                <a16:creationId xmlns:a16="http://schemas.microsoft.com/office/drawing/2014/main" id="{8EE2F135-273E-4834-B6F0-3D0858F133DF}"/>
+              </a:ext>
+            </a:extLst>
+          </p:cNvPr>
+          <p:cNvSpPr>
+            <a:spLocks noGrp="1"/>
+          </p:cNvSpPr>
+          <p:nvPr>
+            <p:ph type="title"/>
+          </p:nvPr>
+        </p:nvSpPr>
+        <p:spPr>
+          <a:xfrm>
+            <a:off x="457200" y="274638"/>
+            <a:ext cx="8291264" cy="1143000"/>
+          </a:xfrm>
+        </p:spPr>
+        <p:txBody>
+          <a:bodyPr/>
+          <a:lstStyle/>
+          <a:p>
+            <a:r>
+              <a:rPr lang="en-CA" dirty="0"/>
+              <a:t>Bragg Gratings: FDTD Bloch Boundary</a:t>
+            </a:r>
+          </a:p>
+        </p:txBody>
+      </p:sp>
+      <p:sp>
+        <p:nvSpPr>
+          <p:cNvPr id="4" name="Slide Number Placeholder 3">
+            <a:extLst>
+              <a:ext uri="{FF2B5EF4-FFF2-40B4-BE49-F238E27FC236}">
+                <a16:creationId xmlns:a16="http://schemas.microsoft.com/office/drawing/2014/main" id="{181E9F38-6DC0-4C01-A41D-AB533D6FEA17}"/>
+              </a:ext>
+            </a:extLst>
+          </p:cNvPr>
+          <p:cNvSpPr>
+            <a:spLocks noGrp="1"/>
+          </p:cNvSpPr>
+          <p:nvPr>
+            <p:ph type="sldNum" sz="quarter" idx="12"/>
+          </p:nvPr>
+        </p:nvSpPr>
+        <p:spPr/>
+        <p:txBody>
+          <a:bodyPr/>
+          <a:lstStyle/>
+          <a:p>
+            <a:fld id="{17BB8376-F12B-CB44-BE0C-DBE0A170CA7C}" type="slidenum">
+              <a:rPr lang="en-US" altLang="zh-CN" smtClean="0"/>
+              <a:pPr/>
+              <a:t>20</a:t>
+            </a:fld>
+            <a:endParaRPr lang="en-US" altLang="zh-CN"/>
+          </a:p>
+        </p:txBody>
+      </p:sp>
+      <p:sp>
+        <p:nvSpPr>
+          <p:cNvPr id="6" name="Footer Placeholder 2">
+            <a:extLst>
+              <a:ext uri="{FF2B5EF4-FFF2-40B4-BE49-F238E27FC236}">
+                <a16:creationId xmlns:a16="http://schemas.microsoft.com/office/drawing/2014/main" id="{81E21CDC-8116-449C-AF50-F12DB1CAE886}"/>
+              </a:ext>
+            </a:extLst>
+          </p:cNvPr>
+          <p:cNvSpPr>
+            <a:spLocks noGrp="1"/>
+          </p:cNvSpPr>
+          <p:nvPr>
+            <p:ph type="ftr" sz="quarter" idx="11"/>
+          </p:nvPr>
+        </p:nvSpPr>
+        <p:spPr>
+          <a:xfrm>
+            <a:off x="7452320" y="0"/>
+            <a:ext cx="1691680" cy="365125"/>
+          </a:xfrm>
+        </p:spPr>
+        <p:txBody>
+          <a:bodyPr/>
+          <a:lstStyle/>
+          <a:p>
+            <a:r>
+              <a:rPr lang="en-US" altLang="zh-CN" dirty="0"/>
+              <a:t> M. Hammood ©2020</a:t>
+            </a:r>
+          </a:p>
+        </p:txBody>
+      </p:sp>
+      <p:sp>
+        <p:nvSpPr>
+          <p:cNvPr id="7" name="TextBox 6">
+            <a:extLst>
+              <a:ext uri="{FF2B5EF4-FFF2-40B4-BE49-F238E27FC236}">
+                <a16:creationId xmlns:a16="http://schemas.microsoft.com/office/drawing/2014/main" id="{9AC1B49E-B2DD-4EBF-8C05-7CEEC47B1267}"/>
+              </a:ext>
+            </a:extLst>
+          </p:cNvPr>
+          <p:cNvSpPr txBox="1"/>
+          <p:nvPr/>
+        </p:nvSpPr>
+        <p:spPr>
+          <a:xfrm>
+            <a:off x="107504" y="1250160"/>
+            <a:ext cx="8640960" cy="1569660"/>
+          </a:xfrm>
+          <a:prstGeom prst="rect">
+            <a:avLst/>
+          </a:prstGeom>
+          <a:noFill/>
+        </p:spPr>
+        <p:txBody>
+          <a:bodyPr wrap="square" rtlCol="0">
+            <a:spAutoFit/>
+          </a:bodyPr>
+          <a:lstStyle/>
           <a:p>
             <a:pPr marL="742950" lvl="1" indent="-285750">
               <a:buFont typeface="Arial" panose="020B0604020202020204" pitchFamily="34" charset="0"/>
               <a:buChar char="•"/>
             </a:pPr>
             <a:r>
-              <a:rPr lang="en-US" sz="1600" b="1" dirty="0">
+              <a:rPr lang="en-US" sz="1600" b="1" dirty="0" smtClean="0">
                 <a:solidFill>
                   <a:srgbClr val="17375E"/>
                 </a:solidFill>
               </a:rPr>
-              <a:t>Examples:</a:t>
+              <a:t>How to (method 2, project base):</a:t>
             </a:r>
           </a:p>
           <a:p>
@@ -17977,7 +21544,47 @@
                   <a:srgbClr val="17375E"/>
                 </a:solidFill>
               </a:rPr>
-              <a:t>Bragg grating: corrugation strength sweep</a:t>
+              <a:t>Download the scripts </a:t>
+            </a:r>
+            <a:r>
+              <a:rPr lang="en-US" sz="1600" dirty="0" smtClean="0">
+                <a:solidFill>
+                  <a:srgbClr val="17375E"/>
+                </a:solidFill>
+              </a:rPr>
+              <a:t>project_base.zip and open </a:t>
+            </a:r>
+            <a:r>
+              <a:rPr lang="en-US" sz="1600" dirty="0" err="1" smtClean="0">
+                <a:solidFill>
+                  <a:srgbClr val="17375E"/>
+                </a:solidFill>
+              </a:rPr>
+              <a:t>Bragg_bandstructure.fsp</a:t>
+            </a:r>
+            <a:r>
+              <a:rPr lang="en-US" sz="1600" dirty="0" smtClean="0">
+                <a:solidFill>
+                  <a:srgbClr val="17375E"/>
+                </a:solidFill>
+              </a:rPr>
+              <a:t> this </a:t>
+            </a:r>
+            <a:r>
+              <a:rPr lang="en-US" sz="1600" dirty="0">
+                <a:solidFill>
+                  <a:srgbClr val="17375E"/>
+                </a:solidFill>
+              </a:rPr>
+              <a:t>is an already setup simulation project</a:t>
+            </a:r>
+            <a:r>
+              <a:rPr lang="en-US" sz="1600" dirty="0" smtClean="0">
+                <a:solidFill>
+                  <a:srgbClr val="17375E"/>
+                </a:solidFill>
+              </a:rPr>
+              <a:t>.</a:t>
             </a:r>
           </a:p>
           <a:p>
@@ -17991,12 +21598,1427 @@
               </a:solidFill>
             </a:endParaRPr>
           </a:p>
-        </p:txBody>
-      </p:sp>
+          <a:p>
+            <a:pPr marL="1200150" lvl="2" indent="-285750">
+              <a:buFont typeface="Arial" panose="020B0604020202020204" pitchFamily="34" charset="0"/>
+              <a:buChar char="•"/>
+            </a:pPr>
+            <a:r>
+              <a:rPr lang="en-US" sz="1600" dirty="0">
+                <a:solidFill>
+                  <a:srgbClr val="17375E"/>
+                </a:solidFill>
+              </a:rPr>
+              <a:t>Right click on Model and edit the simulation settings and parameters to your </a:t>
+            </a:r>
+            <a:r>
+              <a:rPr lang="en-US" sz="1600" dirty="0" smtClean="0">
+                <a:solidFill>
+                  <a:srgbClr val="17375E"/>
+                </a:solidFill>
+              </a:rPr>
+              <a:t>requirements:</a:t>
+            </a:r>
+            <a:endParaRPr lang="en-US" sz="1600" b="1" dirty="0">
+              <a:solidFill>
+                <a:srgbClr val="17375E"/>
+              </a:solidFill>
+            </a:endParaRPr>
+          </a:p>
+        </p:txBody>
+      </p:sp>
+      <p:pic>
+        <p:nvPicPr>
+          <p:cNvPr id="3" name="Picture 2"/>
+          <p:cNvPicPr>
+            <a:picLocks noChangeAspect="1"/>
+          </p:cNvPicPr>
+          <p:nvPr/>
+        </p:nvPicPr>
+        <p:blipFill>
+          <a:blip r:embed="rId3"/>
+          <a:stretch>
+            <a:fillRect/>
+          </a:stretch>
+        </p:blipFill>
+        <p:spPr>
+          <a:xfrm>
+            <a:off x="3987837" y="2819820"/>
+            <a:ext cx="5040540" cy="3167839"/>
+          </a:xfrm>
+          <a:prstGeom prst="rect">
+            <a:avLst/>
+          </a:prstGeom>
+        </p:spPr>
+      </p:pic>
+      <p:pic>
+        <p:nvPicPr>
+          <p:cNvPr id="8" name="Picture 7"/>
+          <p:cNvPicPr>
+            <a:picLocks noChangeAspect="1"/>
+          </p:cNvPicPr>
+          <p:nvPr/>
+        </p:nvPicPr>
+        <p:blipFill>
+          <a:blip r:embed="rId4"/>
+          <a:stretch>
+            <a:fillRect/>
+          </a:stretch>
+        </p:blipFill>
+        <p:spPr>
+          <a:xfrm>
+            <a:off x="251520" y="3051000"/>
+            <a:ext cx="2181529" cy="2705478"/>
+          </a:xfrm>
+          <a:prstGeom prst="rect">
+            <a:avLst/>
+          </a:prstGeom>
+        </p:spPr>
+      </p:pic>
+      <p:cxnSp>
+        <p:nvCxnSpPr>
+          <p:cNvPr id="10" name="Straight Arrow Connector 9"/>
+          <p:cNvCxnSpPr>
+            <a:endCxn id="3" idx="1"/>
+          </p:cNvCxnSpPr>
+          <p:nvPr/>
+        </p:nvCxnSpPr>
+        <p:spPr>
+          <a:xfrm>
+            <a:off x="2483768" y="4403739"/>
+            <a:ext cx="1504069" cy="1"/>
+          </a:xfrm>
+          <a:prstGeom prst="straightConnector1">
+            <a:avLst/>
+          </a:prstGeom>
+          <a:ln w="38100">
+            <a:tailEnd type="triangle"/>
+          </a:ln>
+        </p:spPr>
+        <p:style>
+          <a:lnRef idx="1">
+            <a:schemeClr val="accent1"/>
+          </a:lnRef>
+          <a:fillRef idx="0">
+            <a:schemeClr val="accent1"/>
+          </a:fillRef>
+          <a:effectRef idx="0">
+            <a:schemeClr val="accent1"/>
+          </a:effectRef>
+          <a:fontRef idx="minor">
+            <a:schemeClr val="tx1"/>
+          </a:fontRef>
+        </p:style>
+      </p:cxnSp>
     </p:spTree>
     <p:extLst>
       <p:ext uri="{BB962C8B-B14F-4D97-AF65-F5344CB8AC3E}">
-        <p14:creationId xmlns:p14="http://schemas.microsoft.com/office/powerpoint/2010/main" val="186205572"/>
+        <p14:creationId xmlns:p14="http://schemas.microsoft.com/office/powerpoint/2010/main" val="2233143779"/>
+      </p:ext>
+    </p:extLst>
+  </p:cSld>
+  <p:clrMapOvr>
+    <a:masterClrMapping/>
+  </p:clrMapOvr>
+</p:sld>
+</file>
+
+<file path=ppt/slides/slide21.xml><?xml version="1.0" encoding="utf-8"?>
+<p:sld xmlns:a="http://schemas.openxmlformats.org/drawingml/2006/main" xmlns:r="http://schemas.openxmlformats.org/officeDocument/2006/relationships" xmlns:p="http://schemas.openxmlformats.org/presentationml/2006/main">
+  <p:cSld>
+    <p:spTree>
+      <p:nvGrpSpPr>
+        <p:cNvPr id="1" name=""/>
+        <p:cNvGrpSpPr/>
+        <p:nvPr/>
+      </p:nvGrpSpPr>
+      <p:grpSpPr>
+        <a:xfrm>
+          <a:off x="0" y="0"/>
+          <a:ext cx="0" cy="0"/>
+          <a:chOff x="0" y="0"/>
+          <a:chExt cx="0" cy="0"/>
+        </a:xfrm>
+      </p:grpSpPr>
+      <p:sp>
+        <p:nvSpPr>
+          <p:cNvPr id="2" name="Title 1">
+            <a:extLst>
+              <a:ext uri="{FF2B5EF4-FFF2-40B4-BE49-F238E27FC236}">
+                <a16:creationId xmlns:a16="http://schemas.microsoft.com/office/drawing/2014/main" id="{8EE2F135-273E-4834-B6F0-3D0858F133DF}"/>
+              </a:ext>
+            </a:extLst>
+          </p:cNvPr>
+          <p:cNvSpPr>
+            <a:spLocks noGrp="1"/>
+          </p:cNvSpPr>
+          <p:nvPr>
+            <p:ph type="title"/>
+          </p:nvPr>
+        </p:nvSpPr>
+        <p:spPr>
+          <a:xfrm>
+            <a:off x="457200" y="274638"/>
+            <a:ext cx="8291264" cy="1143000"/>
+          </a:xfrm>
+        </p:spPr>
+        <p:txBody>
+          <a:bodyPr/>
+          <a:lstStyle/>
+          <a:p>
+            <a:r>
+              <a:rPr lang="en-CA" dirty="0"/>
+              <a:t>Bragg Gratings: FDTD Bloch Boundary</a:t>
+            </a:r>
+          </a:p>
+        </p:txBody>
+      </p:sp>
+      <p:sp>
+        <p:nvSpPr>
+          <p:cNvPr id="4" name="Slide Number Placeholder 3">
+            <a:extLst>
+              <a:ext uri="{FF2B5EF4-FFF2-40B4-BE49-F238E27FC236}">
+                <a16:creationId xmlns:a16="http://schemas.microsoft.com/office/drawing/2014/main" id="{181E9F38-6DC0-4C01-A41D-AB533D6FEA17}"/>
+              </a:ext>
+            </a:extLst>
+          </p:cNvPr>
+          <p:cNvSpPr>
+            <a:spLocks noGrp="1"/>
+          </p:cNvSpPr>
+          <p:nvPr>
+            <p:ph type="sldNum" sz="quarter" idx="12"/>
+          </p:nvPr>
+        </p:nvSpPr>
+        <p:spPr/>
+        <p:txBody>
+          <a:bodyPr/>
+          <a:lstStyle/>
+          <a:p>
+            <a:fld id="{17BB8376-F12B-CB44-BE0C-DBE0A170CA7C}" type="slidenum">
+              <a:rPr lang="en-US" altLang="zh-CN" smtClean="0"/>
+              <a:pPr/>
+              <a:t>21</a:t>
+            </a:fld>
+            <a:endParaRPr lang="en-US" altLang="zh-CN"/>
+          </a:p>
+        </p:txBody>
+      </p:sp>
+      <p:sp>
+        <p:nvSpPr>
+          <p:cNvPr id="6" name="Footer Placeholder 2">
+            <a:extLst>
+              <a:ext uri="{FF2B5EF4-FFF2-40B4-BE49-F238E27FC236}">
+                <a16:creationId xmlns:a16="http://schemas.microsoft.com/office/drawing/2014/main" id="{81E21CDC-8116-449C-AF50-F12DB1CAE886}"/>
+              </a:ext>
+            </a:extLst>
+          </p:cNvPr>
+          <p:cNvSpPr>
+            <a:spLocks noGrp="1"/>
+          </p:cNvSpPr>
+          <p:nvPr>
+            <p:ph type="ftr" sz="quarter" idx="11"/>
+          </p:nvPr>
+        </p:nvSpPr>
+        <p:spPr>
+          <a:xfrm>
+            <a:off x="7452320" y="0"/>
+            <a:ext cx="1691680" cy="365125"/>
+          </a:xfrm>
+        </p:spPr>
+        <p:txBody>
+          <a:bodyPr/>
+          <a:lstStyle/>
+          <a:p>
+            <a:r>
+              <a:rPr lang="en-US" altLang="zh-CN" dirty="0"/>
+              <a:t> M. Hammood ©2020</a:t>
+            </a:r>
+          </a:p>
+        </p:txBody>
+      </p:sp>
+      <p:sp>
+        <p:nvSpPr>
+          <p:cNvPr id="7" name="TextBox 6">
+            <a:extLst>
+              <a:ext uri="{FF2B5EF4-FFF2-40B4-BE49-F238E27FC236}">
+                <a16:creationId xmlns:a16="http://schemas.microsoft.com/office/drawing/2014/main" id="{9AC1B49E-B2DD-4EBF-8C05-7CEEC47B1267}"/>
+              </a:ext>
+            </a:extLst>
+          </p:cNvPr>
+          <p:cNvSpPr txBox="1"/>
+          <p:nvPr/>
+        </p:nvSpPr>
+        <p:spPr>
+          <a:xfrm>
+            <a:off x="107504" y="1250160"/>
+            <a:ext cx="8640960" cy="830997"/>
+          </a:xfrm>
+          <a:prstGeom prst="rect">
+            <a:avLst/>
+          </a:prstGeom>
+          <a:noFill/>
+        </p:spPr>
+        <p:txBody>
+          <a:bodyPr wrap="square" rtlCol="0">
+            <a:spAutoFit/>
+          </a:bodyPr>
+          <a:lstStyle/>
+          <a:p>
+            <a:pPr marL="742950" lvl="1" indent="-285750">
+              <a:buFont typeface="Arial" panose="020B0604020202020204" pitchFamily="34" charset="0"/>
+              <a:buChar char="•"/>
+            </a:pPr>
+            <a:r>
+              <a:rPr lang="en-US" sz="1600" b="1" dirty="0" smtClean="0">
+                <a:solidFill>
+                  <a:srgbClr val="17375E"/>
+                </a:solidFill>
+              </a:rPr>
+              <a:t>How to (method 2, project base):</a:t>
+            </a:r>
+          </a:p>
+          <a:p>
+            <a:pPr marL="1200150" lvl="2" indent="-285750">
+              <a:buFont typeface="Arial" panose="020B0604020202020204" pitchFamily="34" charset="0"/>
+              <a:buChar char="•"/>
+            </a:pPr>
+            <a:r>
+              <a:rPr lang="en-US" sz="1600" dirty="0">
+                <a:solidFill>
+                  <a:srgbClr val="17375E"/>
+                </a:solidFill>
+              </a:rPr>
+              <a:t>Right click on Bragg structure group and edit the device geometry, material, and process stack.</a:t>
+            </a:r>
+            <a:endParaRPr lang="en-US" sz="1600" b="1" dirty="0">
+              <a:solidFill>
+                <a:srgbClr val="17375E"/>
+              </a:solidFill>
+            </a:endParaRPr>
+          </a:p>
+        </p:txBody>
+      </p:sp>
+      <p:cxnSp>
+        <p:nvCxnSpPr>
+          <p:cNvPr id="10" name="Straight Arrow Connector 9"/>
+          <p:cNvCxnSpPr>
+            <a:endCxn id="3" idx="1"/>
+          </p:cNvCxnSpPr>
+          <p:nvPr/>
+        </p:nvCxnSpPr>
+        <p:spPr>
+          <a:xfrm>
+            <a:off x="2483768" y="4403739"/>
+            <a:ext cx="1504069" cy="1"/>
+          </a:xfrm>
+          <a:prstGeom prst="straightConnector1">
+            <a:avLst/>
+          </a:prstGeom>
+          <a:ln w="38100">
+            <a:tailEnd type="triangle"/>
+          </a:ln>
+        </p:spPr>
+        <p:style>
+          <a:lnRef idx="1">
+            <a:schemeClr val="accent1"/>
+          </a:lnRef>
+          <a:fillRef idx="0">
+            <a:schemeClr val="accent1"/>
+          </a:fillRef>
+          <a:effectRef idx="0">
+            <a:schemeClr val="accent1"/>
+          </a:effectRef>
+          <a:fontRef idx="minor">
+            <a:schemeClr val="tx1"/>
+          </a:fontRef>
+        </p:style>
+      </p:cxnSp>
+      <p:pic>
+        <p:nvPicPr>
+          <p:cNvPr id="5" name="Picture 4"/>
+          <p:cNvPicPr>
+            <a:picLocks noChangeAspect="1"/>
+          </p:cNvPicPr>
+          <p:nvPr/>
+        </p:nvPicPr>
+        <p:blipFill>
+          <a:blip r:embed="rId3"/>
+          <a:stretch>
+            <a:fillRect/>
+          </a:stretch>
+        </p:blipFill>
+        <p:spPr>
+          <a:xfrm>
+            <a:off x="103780" y="2737864"/>
+            <a:ext cx="2267266" cy="3248478"/>
+          </a:xfrm>
+          <a:prstGeom prst="rect">
+            <a:avLst/>
+          </a:prstGeom>
+        </p:spPr>
+      </p:pic>
+      <p:pic>
+        <p:nvPicPr>
+          <p:cNvPr id="9" name="Picture 8"/>
+          <p:cNvPicPr>
+            <a:picLocks noChangeAspect="1"/>
+          </p:cNvPicPr>
+          <p:nvPr/>
+        </p:nvPicPr>
+        <p:blipFill>
+          <a:blip r:embed="rId4"/>
+          <a:stretch>
+            <a:fillRect/>
+          </a:stretch>
+        </p:blipFill>
+        <p:spPr>
+          <a:xfrm>
+            <a:off x="3994194" y="2966192"/>
+            <a:ext cx="4951066" cy="3020150"/>
+          </a:xfrm>
+          <a:prstGeom prst="rect">
+            <a:avLst/>
+          </a:prstGeom>
+        </p:spPr>
+      </p:pic>
+    </p:spTree>
+    <p:extLst>
+      <p:ext uri="{BB962C8B-B14F-4D97-AF65-F5344CB8AC3E}">
+        <p14:creationId xmlns:p14="http://schemas.microsoft.com/office/powerpoint/2010/main" val="89688790"/>
+      </p:ext>
+    </p:extLst>
+  </p:cSld>
+  <p:clrMapOvr>
+    <a:masterClrMapping/>
+  </p:clrMapOvr>
+</p:sld>
+</file>
+
+<file path=ppt/slides/slide22.xml><?xml version="1.0" encoding="utf-8"?>
+<p:sld xmlns:a="http://schemas.openxmlformats.org/drawingml/2006/main" xmlns:r="http://schemas.openxmlformats.org/officeDocument/2006/relationships" xmlns:p="http://schemas.openxmlformats.org/presentationml/2006/main">
+  <p:cSld>
+    <p:spTree>
+      <p:nvGrpSpPr>
+        <p:cNvPr id="1" name=""/>
+        <p:cNvGrpSpPr/>
+        <p:nvPr/>
+      </p:nvGrpSpPr>
+      <p:grpSpPr>
+        <a:xfrm>
+          <a:off x="0" y="0"/>
+          <a:ext cx="0" cy="0"/>
+          <a:chOff x="0" y="0"/>
+          <a:chExt cx="0" cy="0"/>
+        </a:xfrm>
+      </p:grpSpPr>
+      <p:sp>
+        <p:nvSpPr>
+          <p:cNvPr id="2" name="Title 1">
+            <a:extLst>
+              <a:ext uri="{FF2B5EF4-FFF2-40B4-BE49-F238E27FC236}">
+                <a16:creationId xmlns:a16="http://schemas.microsoft.com/office/drawing/2014/main" id="{8EE2F135-273E-4834-B6F0-3D0858F133DF}"/>
+              </a:ext>
+            </a:extLst>
+          </p:cNvPr>
+          <p:cNvSpPr>
+            <a:spLocks noGrp="1"/>
+          </p:cNvSpPr>
+          <p:nvPr>
+            <p:ph type="title"/>
+          </p:nvPr>
+        </p:nvSpPr>
+        <p:spPr>
+          <a:xfrm>
+            <a:off x="457200" y="274638"/>
+            <a:ext cx="8291264" cy="1143000"/>
+          </a:xfrm>
+        </p:spPr>
+        <p:txBody>
+          <a:bodyPr/>
+          <a:lstStyle/>
+          <a:p>
+            <a:r>
+              <a:rPr lang="en-CA" dirty="0"/>
+              <a:t>Bragg Gratings: FDTD Bloch Boundary</a:t>
+            </a:r>
+          </a:p>
+        </p:txBody>
+      </p:sp>
+      <p:sp>
+        <p:nvSpPr>
+          <p:cNvPr id="4" name="Slide Number Placeholder 3">
+            <a:extLst>
+              <a:ext uri="{FF2B5EF4-FFF2-40B4-BE49-F238E27FC236}">
+                <a16:creationId xmlns:a16="http://schemas.microsoft.com/office/drawing/2014/main" id="{181E9F38-6DC0-4C01-A41D-AB533D6FEA17}"/>
+              </a:ext>
+            </a:extLst>
+          </p:cNvPr>
+          <p:cNvSpPr>
+            <a:spLocks noGrp="1"/>
+          </p:cNvSpPr>
+          <p:nvPr>
+            <p:ph type="sldNum" sz="quarter" idx="12"/>
+          </p:nvPr>
+        </p:nvSpPr>
+        <p:spPr/>
+        <p:txBody>
+          <a:bodyPr/>
+          <a:lstStyle/>
+          <a:p>
+            <a:fld id="{17BB8376-F12B-CB44-BE0C-DBE0A170CA7C}" type="slidenum">
+              <a:rPr lang="en-US" altLang="zh-CN" smtClean="0"/>
+              <a:pPr/>
+              <a:t>22</a:t>
+            </a:fld>
+            <a:endParaRPr lang="en-US" altLang="zh-CN"/>
+          </a:p>
+        </p:txBody>
+      </p:sp>
+      <p:sp>
+        <p:nvSpPr>
+          <p:cNvPr id="6" name="Footer Placeholder 2">
+            <a:extLst>
+              <a:ext uri="{FF2B5EF4-FFF2-40B4-BE49-F238E27FC236}">
+                <a16:creationId xmlns:a16="http://schemas.microsoft.com/office/drawing/2014/main" id="{81E21CDC-8116-449C-AF50-F12DB1CAE886}"/>
+              </a:ext>
+            </a:extLst>
+          </p:cNvPr>
+          <p:cNvSpPr>
+            <a:spLocks noGrp="1"/>
+          </p:cNvSpPr>
+          <p:nvPr>
+            <p:ph type="ftr" sz="quarter" idx="11"/>
+          </p:nvPr>
+        </p:nvSpPr>
+        <p:spPr>
+          <a:xfrm>
+            <a:off x="7452320" y="0"/>
+            <a:ext cx="1691680" cy="365125"/>
+          </a:xfrm>
+        </p:spPr>
+        <p:txBody>
+          <a:bodyPr/>
+          <a:lstStyle/>
+          <a:p>
+            <a:r>
+              <a:rPr lang="en-US" altLang="zh-CN" dirty="0"/>
+              <a:t> M. Hammood ©2020</a:t>
+            </a:r>
+          </a:p>
+        </p:txBody>
+      </p:sp>
+      <p:sp>
+        <p:nvSpPr>
+          <p:cNvPr id="7" name="TextBox 6">
+            <a:extLst>
+              <a:ext uri="{FF2B5EF4-FFF2-40B4-BE49-F238E27FC236}">
+                <a16:creationId xmlns:a16="http://schemas.microsoft.com/office/drawing/2014/main" id="{9AC1B49E-B2DD-4EBF-8C05-7CEEC47B1267}"/>
+              </a:ext>
+            </a:extLst>
+          </p:cNvPr>
+          <p:cNvSpPr txBox="1"/>
+          <p:nvPr/>
+        </p:nvSpPr>
+        <p:spPr>
+          <a:xfrm>
+            <a:off x="107504" y="1250160"/>
+            <a:ext cx="8640960" cy="1077218"/>
+          </a:xfrm>
+          <a:prstGeom prst="rect">
+            <a:avLst/>
+          </a:prstGeom>
+          <a:noFill/>
+        </p:spPr>
+        <p:txBody>
+          <a:bodyPr wrap="square" rtlCol="0">
+            <a:spAutoFit/>
+          </a:bodyPr>
+          <a:lstStyle/>
+          <a:p>
+            <a:pPr marL="742950" lvl="1" indent="-285750">
+              <a:buFont typeface="Arial" panose="020B0604020202020204" pitchFamily="34" charset="0"/>
+              <a:buChar char="•"/>
+            </a:pPr>
+            <a:r>
+              <a:rPr lang="en-US" sz="1600" b="1" dirty="0" smtClean="0">
+                <a:solidFill>
+                  <a:srgbClr val="17375E"/>
+                </a:solidFill>
+              </a:rPr>
+              <a:t>How to (method 2, project base):</a:t>
+            </a:r>
+          </a:p>
+          <a:p>
+            <a:pPr marL="1200150" lvl="2" indent="-285750">
+              <a:buFont typeface="Arial" panose="020B0604020202020204" pitchFamily="34" charset="0"/>
+              <a:buChar char="•"/>
+            </a:pPr>
+            <a:r>
+              <a:rPr lang="en-US" sz="1600" dirty="0">
+                <a:solidFill>
+                  <a:srgbClr val="17375E"/>
+                </a:solidFill>
+              </a:rPr>
+              <a:t>Run the simulation and let it run. Once the simulation is done you can right click on model and run the analysis to extract the coupling coefficient, bandwidth, and central wavelength of the Bragg grating.</a:t>
+            </a:r>
+            <a:endParaRPr lang="en-US" sz="1600" b="1" dirty="0">
+              <a:solidFill>
+                <a:srgbClr val="17375E"/>
+              </a:solidFill>
+            </a:endParaRPr>
+          </a:p>
+        </p:txBody>
+      </p:sp>
+      <p:pic>
+        <p:nvPicPr>
+          <p:cNvPr id="11" name="Picture 10"/>
+          <p:cNvPicPr>
+            <a:picLocks noChangeAspect="1"/>
+          </p:cNvPicPr>
+          <p:nvPr/>
+        </p:nvPicPr>
+        <p:blipFill>
+          <a:blip r:embed="rId3"/>
+          <a:stretch>
+            <a:fillRect/>
+          </a:stretch>
+        </p:blipFill>
+        <p:spPr>
+          <a:xfrm>
+            <a:off x="92607" y="3541658"/>
+            <a:ext cx="2569866" cy="2517572"/>
+          </a:xfrm>
+          <a:prstGeom prst="rect">
+            <a:avLst/>
+          </a:prstGeom>
+        </p:spPr>
+      </p:pic>
+      <p:grpSp>
+        <p:nvGrpSpPr>
+          <p:cNvPr id="12" name="Group 11"/>
+          <p:cNvGrpSpPr/>
+          <p:nvPr/>
+        </p:nvGrpSpPr>
+        <p:grpSpPr>
+          <a:xfrm>
+            <a:off x="3419872" y="3284984"/>
+            <a:ext cx="3024336" cy="2759771"/>
+            <a:chOff x="1979712" y="3312263"/>
+            <a:chExt cx="3024336" cy="2759771"/>
+          </a:xfrm>
+        </p:grpSpPr>
+        <p:pic>
+          <p:nvPicPr>
+            <p:cNvPr id="13" name="Picture 12"/>
+            <p:cNvPicPr>
+              <a:picLocks noChangeAspect="1"/>
+            </p:cNvPicPr>
+            <p:nvPr/>
+          </p:nvPicPr>
+          <p:blipFill>
+            <a:blip r:embed="rId4"/>
+            <a:stretch>
+              <a:fillRect/>
+            </a:stretch>
+          </p:blipFill>
+          <p:spPr>
+            <a:xfrm>
+              <a:off x="1979712" y="3312263"/>
+              <a:ext cx="3024336" cy="2759771"/>
+            </a:xfrm>
+            <a:prstGeom prst="rect">
+              <a:avLst/>
+            </a:prstGeom>
+          </p:spPr>
+        </p:pic>
+        <p:cxnSp>
+          <p:nvCxnSpPr>
+            <p:cNvPr id="14" name="Straight Connector 13"/>
+            <p:cNvCxnSpPr/>
+            <p:nvPr/>
+          </p:nvCxnSpPr>
+          <p:spPr>
+            <a:xfrm>
+              <a:off x="3203848" y="3312263"/>
+              <a:ext cx="0" cy="2565009"/>
+            </a:xfrm>
+            <a:prstGeom prst="line">
+              <a:avLst/>
+            </a:prstGeom>
+            <a:ln w="38100">
+              <a:solidFill>
+                <a:schemeClr val="tx1"/>
+              </a:solidFill>
+              <a:prstDash val="dashDot"/>
+            </a:ln>
+          </p:spPr>
+          <p:style>
+            <a:lnRef idx="1">
+              <a:schemeClr val="accent1"/>
+            </a:lnRef>
+            <a:fillRef idx="0">
+              <a:schemeClr val="accent1"/>
+            </a:fillRef>
+            <a:effectRef idx="0">
+              <a:schemeClr val="accent1"/>
+            </a:effectRef>
+            <a:fontRef idx="minor">
+              <a:schemeClr val="tx1"/>
+            </a:fontRef>
+          </p:style>
+        </p:cxnSp>
+        <p:cxnSp>
+          <p:nvCxnSpPr>
+            <p:cNvPr id="15" name="Straight Connector 14"/>
+            <p:cNvCxnSpPr/>
+            <p:nvPr/>
+          </p:nvCxnSpPr>
+          <p:spPr>
+            <a:xfrm>
+              <a:off x="3923928" y="3312263"/>
+              <a:ext cx="0" cy="2604021"/>
+            </a:xfrm>
+            <a:prstGeom prst="line">
+              <a:avLst/>
+            </a:prstGeom>
+            <a:ln w="38100">
+              <a:solidFill>
+                <a:schemeClr val="tx1"/>
+              </a:solidFill>
+              <a:prstDash val="dashDot"/>
+            </a:ln>
+          </p:spPr>
+          <p:style>
+            <a:lnRef idx="1">
+              <a:schemeClr val="accent1"/>
+            </a:lnRef>
+            <a:fillRef idx="0">
+              <a:schemeClr val="accent1"/>
+            </a:fillRef>
+            <a:effectRef idx="0">
+              <a:schemeClr val="accent1"/>
+            </a:effectRef>
+            <a:fontRef idx="minor">
+              <a:schemeClr val="tx1"/>
+            </a:fontRef>
+          </p:style>
+        </p:cxnSp>
+        <p:cxnSp>
+          <p:nvCxnSpPr>
+            <p:cNvPr id="16" name="Straight Arrow Connector 15"/>
+            <p:cNvCxnSpPr/>
+            <p:nvPr/>
+          </p:nvCxnSpPr>
+          <p:spPr>
+            <a:xfrm>
+              <a:off x="3275856" y="3429000"/>
+              <a:ext cx="576064" cy="0"/>
+            </a:xfrm>
+            <a:prstGeom prst="straightConnector1">
+              <a:avLst/>
+            </a:prstGeom>
+            <a:ln>
+              <a:solidFill>
+                <a:schemeClr val="tx1"/>
+              </a:solidFill>
+              <a:headEnd type="triangle" w="med" len="med"/>
+              <a:tailEnd type="triangle" w="med" len="med"/>
+            </a:ln>
+          </p:spPr>
+          <p:style>
+            <a:lnRef idx="1">
+              <a:schemeClr val="accent1"/>
+            </a:lnRef>
+            <a:fillRef idx="0">
+              <a:schemeClr val="accent1"/>
+            </a:fillRef>
+            <a:effectRef idx="0">
+              <a:schemeClr val="accent1"/>
+            </a:effectRef>
+            <a:fontRef idx="minor">
+              <a:schemeClr val="tx1"/>
+            </a:fontRef>
+          </p:style>
+        </p:cxnSp>
+        <p:sp>
+          <p:nvSpPr>
+            <p:cNvPr id="17" name="Rectangle 16"/>
+            <p:cNvSpPr/>
+            <p:nvPr/>
+          </p:nvSpPr>
+          <p:spPr>
+            <a:xfrm>
+              <a:off x="3340242" y="3356992"/>
+              <a:ext cx="453970" cy="369332"/>
+            </a:xfrm>
+            <a:prstGeom prst="rect">
+              <a:avLst/>
+            </a:prstGeom>
+          </p:spPr>
+          <p:txBody>
+            <a:bodyPr wrap="none">
+              <a:spAutoFit/>
+            </a:bodyPr>
+            <a:lstStyle/>
+            <a:p>
+              <a:r>
+                <a:rPr lang="el-GR" dirty="0"/>
+                <a:t>Δ</a:t>
+              </a:r>
+              <a:r>
+                <a:rPr lang="el-GR" dirty="0" smtClean="0">
+                  <a:solidFill>
+                    <a:srgbClr val="222222"/>
+                  </a:solidFill>
+                  <a:latin typeface="arial" panose="020B0604020202020204" pitchFamily="34" charset="0"/>
+                </a:rPr>
+                <a:t>λ</a:t>
+              </a:r>
+              <a:endParaRPr lang="en-US" dirty="0"/>
+            </a:p>
+          </p:txBody>
+        </p:sp>
+        <p:cxnSp>
+          <p:nvCxnSpPr>
+            <p:cNvPr id="18" name="Straight Connector 17"/>
+            <p:cNvCxnSpPr/>
+            <p:nvPr/>
+          </p:nvCxnSpPr>
+          <p:spPr>
+            <a:xfrm>
+              <a:off x="3563888" y="4149080"/>
+              <a:ext cx="0" cy="1728192"/>
+            </a:xfrm>
+            <a:prstGeom prst="line">
+              <a:avLst/>
+            </a:prstGeom>
+            <a:ln w="38100">
+              <a:solidFill>
+                <a:schemeClr val="tx1"/>
+              </a:solidFill>
+              <a:prstDash val="dashDot"/>
+            </a:ln>
+          </p:spPr>
+          <p:style>
+            <a:lnRef idx="1">
+              <a:schemeClr val="accent1"/>
+            </a:lnRef>
+            <a:fillRef idx="0">
+              <a:schemeClr val="accent1"/>
+            </a:fillRef>
+            <a:effectRef idx="0">
+              <a:schemeClr val="accent1"/>
+            </a:effectRef>
+            <a:fontRef idx="minor">
+              <a:schemeClr val="tx1"/>
+            </a:fontRef>
+          </p:style>
+        </p:cxnSp>
+        <p:sp>
+          <p:nvSpPr>
+            <p:cNvPr id="19" name="Rectangle 18"/>
+            <p:cNvSpPr/>
+            <p:nvPr/>
+          </p:nvSpPr>
+          <p:spPr>
+            <a:xfrm>
+              <a:off x="3528668" y="5546952"/>
+              <a:ext cx="378630" cy="369332"/>
+            </a:xfrm>
+            <a:prstGeom prst="rect">
+              <a:avLst/>
+            </a:prstGeom>
+          </p:spPr>
+          <p:txBody>
+            <a:bodyPr wrap="none">
+              <a:spAutoFit/>
+            </a:bodyPr>
+            <a:lstStyle/>
+            <a:p>
+              <a:r>
+                <a:rPr lang="el-GR" dirty="0" smtClean="0">
+                  <a:solidFill>
+                    <a:srgbClr val="222222"/>
+                  </a:solidFill>
+                  <a:latin typeface="arial" panose="020B0604020202020204" pitchFamily="34" charset="0"/>
+                </a:rPr>
+                <a:t>λ</a:t>
+              </a:r>
+              <a:r>
+                <a:rPr lang="en-US" sz="1000" dirty="0" smtClean="0">
+                  <a:solidFill>
+                    <a:srgbClr val="222222"/>
+                  </a:solidFill>
+                  <a:latin typeface="arial" panose="020B0604020202020204" pitchFamily="34" charset="0"/>
+                </a:rPr>
+                <a:t>o</a:t>
+              </a:r>
+              <a:endParaRPr lang="en-US" dirty="0"/>
+            </a:p>
+          </p:txBody>
+        </p:sp>
+      </p:grpSp>
+      <p:pic>
+        <p:nvPicPr>
+          <p:cNvPr id="20" name="Picture 19"/>
+          <p:cNvPicPr>
+            <a:picLocks noChangeAspect="1"/>
+          </p:cNvPicPr>
+          <p:nvPr/>
+        </p:nvPicPr>
+        <p:blipFill>
+          <a:blip r:embed="rId5"/>
+          <a:stretch>
+            <a:fillRect/>
+          </a:stretch>
+        </p:blipFill>
+        <p:spPr>
+          <a:xfrm>
+            <a:off x="6460183" y="2629131"/>
+            <a:ext cx="2648320" cy="1800476"/>
+          </a:xfrm>
+          <a:prstGeom prst="rect">
+            <a:avLst/>
+          </a:prstGeom>
+        </p:spPr>
+      </p:pic>
+      <p:cxnSp>
+        <p:nvCxnSpPr>
+          <p:cNvPr id="21" name="Straight Arrow Connector 20"/>
+          <p:cNvCxnSpPr/>
+          <p:nvPr/>
+        </p:nvCxnSpPr>
+        <p:spPr>
+          <a:xfrm>
+            <a:off x="2771800" y="4800444"/>
+            <a:ext cx="504056" cy="0"/>
+          </a:xfrm>
+          <a:prstGeom prst="straightConnector1">
+            <a:avLst/>
+          </a:prstGeom>
+          <a:ln w="38100">
+            <a:tailEnd type="triangle"/>
+          </a:ln>
+        </p:spPr>
+        <p:style>
+          <a:lnRef idx="1">
+            <a:schemeClr val="accent1"/>
+          </a:lnRef>
+          <a:fillRef idx="0">
+            <a:schemeClr val="accent1"/>
+          </a:fillRef>
+          <a:effectRef idx="0">
+            <a:schemeClr val="accent1"/>
+          </a:effectRef>
+          <a:fontRef idx="minor">
+            <a:schemeClr val="tx1"/>
+          </a:fontRef>
+        </p:style>
+      </p:cxnSp>
+      <p:pic>
+        <p:nvPicPr>
+          <p:cNvPr id="22" name="Picture 21"/>
+          <p:cNvPicPr>
+            <a:picLocks noChangeAspect="1"/>
+          </p:cNvPicPr>
+          <p:nvPr/>
+        </p:nvPicPr>
+        <p:blipFill>
+          <a:blip r:embed="rId6"/>
+          <a:stretch>
+            <a:fillRect/>
+          </a:stretch>
+        </p:blipFill>
+        <p:spPr>
+          <a:xfrm>
+            <a:off x="7017121" y="4691234"/>
+            <a:ext cx="1841935" cy="1120465"/>
+          </a:xfrm>
+          <a:prstGeom prst="rect">
+            <a:avLst/>
+          </a:prstGeom>
+        </p:spPr>
+      </p:pic>
+      <p:cxnSp>
+        <p:nvCxnSpPr>
+          <p:cNvPr id="23" name="Straight Arrow Connector 22"/>
+          <p:cNvCxnSpPr/>
+          <p:nvPr/>
+        </p:nvCxnSpPr>
+        <p:spPr>
+          <a:xfrm flipH="1">
+            <a:off x="7380312" y="3949905"/>
+            <a:ext cx="880070" cy="1207287"/>
+          </a:xfrm>
+          <a:prstGeom prst="straightConnector1">
+            <a:avLst/>
+          </a:prstGeom>
+          <a:ln w="38100">
+            <a:tailEnd type="triangle"/>
+          </a:ln>
+        </p:spPr>
+        <p:style>
+          <a:lnRef idx="1">
+            <a:schemeClr val="accent1"/>
+          </a:lnRef>
+          <a:fillRef idx="0">
+            <a:schemeClr val="accent1"/>
+          </a:fillRef>
+          <a:effectRef idx="0">
+            <a:schemeClr val="accent1"/>
+          </a:effectRef>
+          <a:fontRef idx="minor">
+            <a:schemeClr val="tx1"/>
+          </a:fontRef>
+        </p:style>
+      </p:cxnSp>
+      <p:sp>
+        <p:nvSpPr>
+          <p:cNvPr id="24" name="Oval 23"/>
+          <p:cNvSpPr/>
+          <p:nvPr/>
+        </p:nvSpPr>
+        <p:spPr>
+          <a:xfrm>
+            <a:off x="8172400" y="4746938"/>
+            <a:ext cx="576064" cy="576064"/>
+          </a:xfrm>
+          <a:prstGeom prst="ellipse">
+            <a:avLst/>
+          </a:prstGeom>
+          <a:noFill/>
+          <a:ln>
+            <a:prstDash val="sysDot"/>
+          </a:ln>
+        </p:spPr>
+        <p:style>
+          <a:lnRef idx="2">
+            <a:schemeClr val="accent1">
+              <a:shade val="50000"/>
+            </a:schemeClr>
+          </a:lnRef>
+          <a:fillRef idx="1">
+            <a:schemeClr val="accent1"/>
+          </a:fillRef>
+          <a:effectRef idx="0">
+            <a:schemeClr val="accent1"/>
+          </a:effectRef>
+          <a:fontRef idx="minor">
+            <a:schemeClr val="lt1"/>
+          </a:fontRef>
+        </p:style>
+        <p:txBody>
+          <a:bodyPr rtlCol="0" anchor="ctr"/>
+          <a:lstStyle/>
+          <a:p>
+            <a:pPr algn="ctr"/>
+            <a:endParaRPr lang="en-US"/>
+          </a:p>
+        </p:txBody>
+      </p:sp>
+      <p:cxnSp>
+        <p:nvCxnSpPr>
+          <p:cNvPr id="25" name="Straight Arrow Connector 24"/>
+          <p:cNvCxnSpPr/>
+          <p:nvPr/>
+        </p:nvCxnSpPr>
+        <p:spPr>
+          <a:xfrm>
+            <a:off x="5168095" y="3573890"/>
+            <a:ext cx="3004305" cy="1264607"/>
+          </a:xfrm>
+          <a:prstGeom prst="straightConnector1">
+            <a:avLst/>
+          </a:prstGeom>
+          <a:ln w="38100">
+            <a:tailEnd type="triangle"/>
+          </a:ln>
+        </p:spPr>
+        <p:style>
+          <a:lnRef idx="1">
+            <a:schemeClr val="accent1"/>
+          </a:lnRef>
+          <a:fillRef idx="0">
+            <a:schemeClr val="accent1"/>
+          </a:fillRef>
+          <a:effectRef idx="0">
+            <a:schemeClr val="accent1"/>
+          </a:effectRef>
+          <a:fontRef idx="minor">
+            <a:schemeClr val="tx1"/>
+          </a:fontRef>
+        </p:style>
+      </p:cxnSp>
+      <p:sp>
+        <p:nvSpPr>
+          <p:cNvPr id="26" name="Oval 25"/>
+          <p:cNvSpPr/>
+          <p:nvPr/>
+        </p:nvSpPr>
+        <p:spPr>
+          <a:xfrm>
+            <a:off x="7939664" y="5245175"/>
+            <a:ext cx="576064" cy="576064"/>
+          </a:xfrm>
+          <a:prstGeom prst="ellipse">
+            <a:avLst/>
+          </a:prstGeom>
+          <a:noFill/>
+          <a:ln>
+            <a:prstDash val="sysDot"/>
+          </a:ln>
+        </p:spPr>
+        <p:style>
+          <a:lnRef idx="2">
+            <a:schemeClr val="accent1">
+              <a:shade val="50000"/>
+            </a:schemeClr>
+          </a:lnRef>
+          <a:fillRef idx="1">
+            <a:schemeClr val="accent1"/>
+          </a:fillRef>
+          <a:effectRef idx="0">
+            <a:schemeClr val="accent1"/>
+          </a:effectRef>
+          <a:fontRef idx="minor">
+            <a:schemeClr val="lt1"/>
+          </a:fontRef>
+        </p:style>
+        <p:txBody>
+          <a:bodyPr rtlCol="0" anchor="ctr"/>
+          <a:lstStyle/>
+          <a:p>
+            <a:pPr algn="ctr"/>
+            <a:endParaRPr lang="en-US"/>
+          </a:p>
+        </p:txBody>
+      </p:sp>
+      <p:cxnSp>
+        <p:nvCxnSpPr>
+          <p:cNvPr id="27" name="Straight Arrow Connector 26"/>
+          <p:cNvCxnSpPr/>
+          <p:nvPr/>
+        </p:nvCxnSpPr>
+        <p:spPr>
+          <a:xfrm flipV="1">
+            <a:off x="5168095" y="5571799"/>
+            <a:ext cx="2769993" cy="92850"/>
+          </a:xfrm>
+          <a:prstGeom prst="straightConnector1">
+            <a:avLst/>
+          </a:prstGeom>
+          <a:ln w="38100">
+            <a:tailEnd type="triangle"/>
+          </a:ln>
+        </p:spPr>
+        <p:style>
+          <a:lnRef idx="1">
+            <a:schemeClr val="accent1"/>
+          </a:lnRef>
+          <a:fillRef idx="0">
+            <a:schemeClr val="accent1"/>
+          </a:fillRef>
+          <a:effectRef idx="0">
+            <a:schemeClr val="accent1"/>
+          </a:effectRef>
+          <a:fontRef idx="minor">
+            <a:schemeClr val="tx1"/>
+          </a:fontRef>
+        </p:style>
+      </p:cxnSp>
+    </p:spTree>
+    <p:extLst>
+      <p:ext uri="{BB962C8B-B14F-4D97-AF65-F5344CB8AC3E}">
+        <p14:creationId xmlns:p14="http://schemas.microsoft.com/office/powerpoint/2010/main" val="474726757"/>
+      </p:ext>
+    </p:extLst>
+  </p:cSld>
+  <p:clrMapOvr>
+    <a:masterClrMapping/>
+  </p:clrMapOvr>
+</p:sld>
+</file>
+
+<file path=ppt/slides/slide23.xml><?xml version="1.0" encoding="utf-8"?>
+<p:sld xmlns:a="http://schemas.openxmlformats.org/drawingml/2006/main" xmlns:r="http://schemas.openxmlformats.org/officeDocument/2006/relationships" xmlns:p="http://schemas.openxmlformats.org/presentationml/2006/main">
+  <p:cSld>
+    <p:spTree>
+      <p:nvGrpSpPr>
+        <p:cNvPr id="1" name=""/>
+        <p:cNvGrpSpPr/>
+        <p:nvPr/>
+      </p:nvGrpSpPr>
+      <p:grpSpPr>
+        <a:xfrm>
+          <a:off x="0" y="0"/>
+          <a:ext cx="0" cy="0"/>
+          <a:chOff x="0" y="0"/>
+          <a:chExt cx="0" cy="0"/>
+        </a:xfrm>
+      </p:grpSpPr>
+      <p:sp>
+        <p:nvSpPr>
+          <p:cNvPr id="2" name="Title 1">
+            <a:extLst>
+              <a:ext uri="{FF2B5EF4-FFF2-40B4-BE49-F238E27FC236}">
+                <a16:creationId xmlns:a16="http://schemas.microsoft.com/office/drawing/2014/main" id="{8EE2F135-273E-4834-B6F0-3D0858F133DF}"/>
+              </a:ext>
+            </a:extLst>
+          </p:cNvPr>
+          <p:cNvSpPr>
+            <a:spLocks noGrp="1"/>
+          </p:cNvSpPr>
+          <p:nvPr>
+            <p:ph type="title"/>
+          </p:nvPr>
+        </p:nvSpPr>
+        <p:spPr>
+          <a:xfrm>
+            <a:off x="457200" y="274638"/>
+            <a:ext cx="8291264" cy="1143000"/>
+          </a:xfrm>
+        </p:spPr>
+        <p:txBody>
+          <a:bodyPr/>
+          <a:lstStyle/>
+          <a:p>
+            <a:r>
+              <a:rPr lang="en-CA" dirty="0"/>
+              <a:t>Bragg Gratings: FDTD Bloch Boundary</a:t>
+            </a:r>
+          </a:p>
+        </p:txBody>
+      </p:sp>
+      <p:sp>
+        <p:nvSpPr>
+          <p:cNvPr id="4" name="Slide Number Placeholder 3">
+            <a:extLst>
+              <a:ext uri="{FF2B5EF4-FFF2-40B4-BE49-F238E27FC236}">
+                <a16:creationId xmlns:a16="http://schemas.microsoft.com/office/drawing/2014/main" id="{181E9F38-6DC0-4C01-A41D-AB533D6FEA17}"/>
+              </a:ext>
+            </a:extLst>
+          </p:cNvPr>
+          <p:cNvSpPr>
+            <a:spLocks noGrp="1"/>
+          </p:cNvSpPr>
+          <p:nvPr>
+            <p:ph type="sldNum" sz="quarter" idx="12"/>
+          </p:nvPr>
+        </p:nvSpPr>
+        <p:spPr/>
+        <p:txBody>
+          <a:bodyPr/>
+          <a:lstStyle/>
+          <a:p>
+            <a:fld id="{17BB8376-F12B-CB44-BE0C-DBE0A170CA7C}" type="slidenum">
+              <a:rPr lang="en-US" altLang="zh-CN" smtClean="0"/>
+              <a:pPr/>
+              <a:t>23</a:t>
+            </a:fld>
+            <a:endParaRPr lang="en-US" altLang="zh-CN"/>
+          </a:p>
+        </p:txBody>
+      </p:sp>
+      <p:sp>
+        <p:nvSpPr>
+          <p:cNvPr id="6" name="Footer Placeholder 2">
+            <a:extLst>
+              <a:ext uri="{FF2B5EF4-FFF2-40B4-BE49-F238E27FC236}">
+                <a16:creationId xmlns:a16="http://schemas.microsoft.com/office/drawing/2014/main" id="{81E21CDC-8116-449C-AF50-F12DB1CAE886}"/>
+              </a:ext>
+            </a:extLst>
+          </p:cNvPr>
+          <p:cNvSpPr>
+            <a:spLocks noGrp="1"/>
+          </p:cNvSpPr>
+          <p:nvPr>
+            <p:ph type="ftr" sz="quarter" idx="11"/>
+          </p:nvPr>
+        </p:nvSpPr>
+        <p:spPr>
+          <a:xfrm>
+            <a:off x="7452320" y="0"/>
+            <a:ext cx="1691680" cy="365125"/>
+          </a:xfrm>
+        </p:spPr>
+        <p:txBody>
+          <a:bodyPr/>
+          <a:lstStyle/>
+          <a:p>
+            <a:r>
+              <a:rPr lang="en-US" altLang="zh-CN" dirty="0"/>
+              <a:t> M. Hammood ©2020</a:t>
+            </a:r>
+          </a:p>
+        </p:txBody>
+      </p:sp>
+      <p:sp>
+        <p:nvSpPr>
+          <p:cNvPr id="7" name="TextBox 6">
+            <a:extLst>
+              <a:ext uri="{FF2B5EF4-FFF2-40B4-BE49-F238E27FC236}">
+                <a16:creationId xmlns:a16="http://schemas.microsoft.com/office/drawing/2014/main" id="{9AC1B49E-B2DD-4EBF-8C05-7CEEC47B1267}"/>
+              </a:ext>
+            </a:extLst>
+          </p:cNvPr>
+          <p:cNvSpPr txBox="1"/>
+          <p:nvPr/>
+        </p:nvSpPr>
+        <p:spPr>
+          <a:xfrm>
+            <a:off x="107504" y="1196752"/>
+            <a:ext cx="5976664" cy="2308324"/>
+          </a:xfrm>
+          <a:prstGeom prst="rect">
+            <a:avLst/>
+          </a:prstGeom>
+          <a:noFill/>
+        </p:spPr>
+        <p:txBody>
+          <a:bodyPr wrap="square" rtlCol="0">
+            <a:spAutoFit/>
+          </a:bodyPr>
+          <a:lstStyle/>
+          <a:p>
+            <a:pPr marL="742950" lvl="1" indent="-285750">
+              <a:buFont typeface="Arial" panose="020B0604020202020204" pitchFamily="34" charset="0"/>
+              <a:buChar char="•"/>
+            </a:pPr>
+            <a:r>
+              <a:rPr lang="en-US" sz="1600" b="1" dirty="0" smtClean="0">
+                <a:solidFill>
+                  <a:srgbClr val="17375E"/>
+                </a:solidFill>
+              </a:rPr>
+              <a:t>How to (method 2, project base):</a:t>
+            </a:r>
+          </a:p>
+          <a:p>
+            <a:pPr marL="1200150" lvl="2" indent="-285750">
+              <a:buFont typeface="Arial" panose="020B0604020202020204" pitchFamily="34" charset="0"/>
+              <a:buChar char="•"/>
+            </a:pPr>
+            <a:r>
+              <a:rPr lang="en-US" sz="1600" dirty="0">
+                <a:solidFill>
+                  <a:srgbClr val="17375E"/>
+                </a:solidFill>
+              </a:rPr>
+              <a:t>I provided sample parametric sweeps in the optimization and sweeps </a:t>
+            </a:r>
+            <a:r>
+              <a:rPr lang="en-US" sz="1600" dirty="0" smtClean="0">
+                <a:solidFill>
+                  <a:srgbClr val="17375E"/>
+                </a:solidFill>
+              </a:rPr>
+              <a:t>tab that will help you understand the effects of each of the following parameters:</a:t>
+            </a:r>
+          </a:p>
+          <a:p>
+            <a:pPr marL="1657350" lvl="3" indent="-285750">
+              <a:buFont typeface="Arial" panose="020B0604020202020204" pitchFamily="34" charset="0"/>
+              <a:buChar char="•"/>
+            </a:pPr>
+            <a:r>
+              <a:rPr lang="en-US" sz="1600" dirty="0" smtClean="0">
+                <a:solidFill>
+                  <a:srgbClr val="17375E"/>
+                </a:solidFill>
+              </a:rPr>
+              <a:t>Perturbation width</a:t>
+            </a:r>
+          </a:p>
+          <a:p>
+            <a:pPr marL="1657350" lvl="3" indent="-285750">
+              <a:buFont typeface="Arial" panose="020B0604020202020204" pitchFamily="34" charset="0"/>
+              <a:buChar char="•"/>
+            </a:pPr>
+            <a:r>
+              <a:rPr lang="en-US" sz="1600" dirty="0" smtClean="0">
+                <a:solidFill>
+                  <a:srgbClr val="17375E"/>
+                </a:solidFill>
+              </a:rPr>
+              <a:t>Sidewall angle</a:t>
+            </a:r>
+          </a:p>
+          <a:p>
+            <a:pPr marL="1657350" lvl="3" indent="-285750">
+              <a:buFont typeface="Arial" panose="020B0604020202020204" pitchFamily="34" charset="0"/>
+              <a:buChar char="•"/>
+            </a:pPr>
+            <a:r>
+              <a:rPr lang="en-US" sz="1600" dirty="0" smtClean="0">
+                <a:solidFill>
+                  <a:srgbClr val="17375E"/>
+                </a:solidFill>
+              </a:rPr>
+              <a:t>Bragg Period</a:t>
+            </a:r>
+          </a:p>
+          <a:p>
+            <a:pPr lvl="3"/>
+            <a:endParaRPr lang="en-US" sz="1600" b="1" dirty="0">
+              <a:solidFill>
+                <a:srgbClr val="17375E"/>
+              </a:solidFill>
+            </a:endParaRPr>
+          </a:p>
+        </p:txBody>
+      </p:sp>
+      <p:pic>
+        <p:nvPicPr>
+          <p:cNvPr id="3" name="Picture 2"/>
+          <p:cNvPicPr>
+            <a:picLocks noChangeAspect="1"/>
+          </p:cNvPicPr>
+          <p:nvPr/>
+        </p:nvPicPr>
+        <p:blipFill>
+          <a:blip r:embed="rId3"/>
+          <a:stretch>
+            <a:fillRect/>
+          </a:stretch>
+        </p:blipFill>
+        <p:spPr>
+          <a:xfrm>
+            <a:off x="6206419" y="1196753"/>
+            <a:ext cx="2929682" cy="4824536"/>
+          </a:xfrm>
+          <a:prstGeom prst="rect">
+            <a:avLst/>
+          </a:prstGeom>
+        </p:spPr>
+      </p:pic>
+      <p:pic>
+        <p:nvPicPr>
+          <p:cNvPr id="5" name="Picture 4"/>
+          <p:cNvPicPr>
+            <a:picLocks noChangeAspect="1"/>
+          </p:cNvPicPr>
+          <p:nvPr/>
+        </p:nvPicPr>
+        <p:blipFill>
+          <a:blip r:embed="rId4"/>
+          <a:stretch>
+            <a:fillRect/>
+          </a:stretch>
+        </p:blipFill>
+        <p:spPr>
+          <a:xfrm>
+            <a:off x="2267744" y="3441577"/>
+            <a:ext cx="2899596" cy="2592288"/>
+          </a:xfrm>
+          <a:prstGeom prst="rect">
+            <a:avLst/>
+          </a:prstGeom>
+        </p:spPr>
+      </p:pic>
+    </p:spTree>
+    <p:extLst>
+      <p:ext uri="{BB962C8B-B14F-4D97-AF65-F5344CB8AC3E}">
+        <p14:creationId xmlns:p14="http://schemas.microsoft.com/office/powerpoint/2010/main" val="2352386155"/>
       </p:ext>
     </p:extLst>
   </p:cSld>
@@ -18051,8 +23073,13 @@
           <a:p>
             <a:r>
               <a:rPr lang="en-CA" dirty="0"/>
-              <a:t>Bragg Gratings: Transfer-Matrix Method</a:t>
-            </a:r>
+              <a:t>Bragg </a:t>
+            </a:r>
+            <a:r>
+              <a:rPr lang="en-CA" dirty="0" smtClean="0"/>
+              <a:t>Gratings: References</a:t>
+            </a:r>
+            <a:endParaRPr lang="en-CA" dirty="0"/>
           </a:p>
         </p:txBody>
       </p:sp>
@@ -18081,6 +23108,299 @@
               <a:rPr lang="en-US" altLang="zh-CN" smtClean="0"/>
               <a:pPr/>
               <a:t>3</a:t>
+            </a:fld>
+            <a:endParaRPr lang="en-US" altLang="zh-CN"/>
+          </a:p>
+        </p:txBody>
+      </p:sp>
+      <p:sp>
+        <p:nvSpPr>
+          <p:cNvPr id="6" name="Footer Placeholder 2">
+            <a:extLst>
+              <a:ext uri="{FF2B5EF4-FFF2-40B4-BE49-F238E27FC236}">
+                <a16:creationId xmlns:a16="http://schemas.microsoft.com/office/drawing/2014/main" id="{81E21CDC-8116-449C-AF50-F12DB1CAE886}"/>
+              </a:ext>
+            </a:extLst>
+          </p:cNvPr>
+          <p:cNvSpPr>
+            <a:spLocks noGrp="1"/>
+          </p:cNvSpPr>
+          <p:nvPr>
+            <p:ph type="ftr" sz="quarter" idx="11"/>
+          </p:nvPr>
+        </p:nvSpPr>
+        <p:spPr>
+          <a:xfrm>
+            <a:off x="7452320" y="0"/>
+            <a:ext cx="1691680" cy="365125"/>
+          </a:xfrm>
+        </p:spPr>
+        <p:txBody>
+          <a:bodyPr/>
+          <a:lstStyle/>
+          <a:p>
+            <a:r>
+              <a:rPr lang="en-US" altLang="zh-CN" dirty="0"/>
+              <a:t> M. Hammood ©2020</a:t>
+            </a:r>
+          </a:p>
+        </p:txBody>
+      </p:sp>
+      <p:sp>
+        <p:nvSpPr>
+          <p:cNvPr id="9" name="TextBox 8">
+            <a:extLst>
+              <a:ext uri="{FF2B5EF4-FFF2-40B4-BE49-F238E27FC236}">
+                <a16:creationId xmlns:a16="http://schemas.microsoft.com/office/drawing/2014/main" id="{9AC1B49E-B2DD-4EBF-8C05-7CEEC47B1267}"/>
+              </a:ext>
+            </a:extLst>
+          </p:cNvPr>
+          <p:cNvSpPr txBox="1"/>
+          <p:nvPr/>
+        </p:nvSpPr>
+        <p:spPr>
+          <a:xfrm>
+            <a:off x="107504" y="1250160"/>
+            <a:ext cx="9036496" cy="2800767"/>
+          </a:xfrm>
+          <a:prstGeom prst="rect">
+            <a:avLst/>
+          </a:prstGeom>
+          <a:noFill/>
+        </p:spPr>
+        <p:txBody>
+          <a:bodyPr wrap="square" rtlCol="0">
+            <a:spAutoFit/>
+          </a:bodyPr>
+          <a:lstStyle/>
+          <a:p>
+            <a:pPr marL="742950" lvl="1" indent="-285750">
+              <a:buFont typeface="Arial" panose="020B0604020202020204" pitchFamily="34" charset="0"/>
+              <a:buChar char="•"/>
+            </a:pPr>
+            <a:r>
+              <a:rPr lang="en-US" sz="1600" b="1" dirty="0" smtClean="0">
+                <a:solidFill>
+                  <a:srgbClr val="17375E"/>
+                </a:solidFill>
+              </a:rPr>
+              <a:t>Bragg gratings and contra-directional couplers tutorial: </a:t>
+            </a:r>
+            <a:r>
+              <a:rPr lang="en-US" sz="1600" dirty="0" smtClean="0">
+                <a:hlinkClick r:id="rId3"/>
+              </a:rPr>
+              <a:t>https://www.youtube.com/watch?v=jr3NcJsKvTI</a:t>
+            </a:r>
+            <a:endParaRPr lang="en-US" sz="1600" dirty="0" smtClean="0"/>
+          </a:p>
+          <a:p>
+            <a:pPr lvl="2"/>
+            <a:endParaRPr lang="en-US" sz="1600" b="1" dirty="0" smtClean="0">
+              <a:solidFill>
+                <a:srgbClr val="17375E"/>
+              </a:solidFill>
+            </a:endParaRPr>
+          </a:p>
+          <a:p>
+            <a:pPr marL="742950" lvl="1" indent="-285750">
+              <a:buFont typeface="Arial" panose="020B0604020202020204" pitchFamily="34" charset="0"/>
+              <a:buChar char="•"/>
+            </a:pPr>
+            <a:r>
+              <a:rPr lang="en-US" sz="1600" b="1" dirty="0" smtClean="0">
+                <a:solidFill>
+                  <a:srgbClr val="17375E"/>
+                </a:solidFill>
+              </a:rPr>
+              <a:t>SiEPIC PDK KLayout integration of Bragg Gratings: </a:t>
+            </a:r>
+            <a:r>
+              <a:rPr lang="en-US" sz="1600" dirty="0">
+                <a:hlinkClick r:id="rId4"/>
+              </a:rPr>
+              <a:t>https://</a:t>
+            </a:r>
+            <a:r>
+              <a:rPr lang="en-US" sz="1600" dirty="0" smtClean="0">
+                <a:hlinkClick r:id="rId4"/>
+              </a:rPr>
+              <a:t>www.youtube.com/watch?v=h2MOOhsuYpA</a:t>
+            </a:r>
+            <a:endParaRPr lang="en-US" sz="1600" dirty="0" smtClean="0"/>
+          </a:p>
+          <a:p>
+            <a:pPr lvl="1"/>
+            <a:endParaRPr lang="en-US" sz="1600" b="1" dirty="0">
+              <a:solidFill>
+                <a:srgbClr val="17375E"/>
+              </a:solidFill>
+            </a:endParaRPr>
+          </a:p>
+          <a:p>
+            <a:pPr marL="742950" lvl="1" indent="-285750">
+              <a:buFont typeface="Arial" panose="020B0604020202020204" pitchFamily="34" charset="0"/>
+              <a:buChar char="•"/>
+            </a:pPr>
+            <a:r>
+              <a:rPr lang="en-US" sz="1600" b="1" dirty="0" smtClean="0">
+                <a:solidFill>
+                  <a:srgbClr val="17375E"/>
+                </a:solidFill>
+              </a:rPr>
+              <a:t>SiEPIC PDK KLayout integration of Contra-directional couplers:    </a:t>
+            </a:r>
+            <a:r>
+              <a:rPr lang="en-US" sz="1600" dirty="0" smtClean="0">
+                <a:hlinkClick r:id="rId5"/>
+              </a:rPr>
+              <a:t>https</a:t>
+            </a:r>
+            <a:r>
+              <a:rPr lang="en-US" sz="1600" dirty="0">
+                <a:hlinkClick r:id="rId5"/>
+              </a:rPr>
+              <a:t>://</a:t>
+            </a:r>
+            <a:r>
+              <a:rPr lang="en-US" sz="1600" dirty="0" smtClean="0">
+                <a:hlinkClick r:id="rId5"/>
+              </a:rPr>
+              <a:t>www.youtube.com/watch?v=aqocwLcqC0s</a:t>
+            </a:r>
+            <a:endParaRPr lang="en-US" sz="1600" dirty="0" smtClean="0"/>
+          </a:p>
+          <a:p>
+            <a:pPr lvl="1"/>
+            <a:r>
+              <a:rPr lang="en-US" sz="1600" dirty="0" smtClean="0"/>
+              <a:t>and</a:t>
+            </a:r>
+            <a:endParaRPr lang="en-US" sz="1600" dirty="0"/>
+          </a:p>
+          <a:p>
+            <a:pPr lvl="1"/>
+            <a:r>
+              <a:rPr lang="en-US" sz="1600" b="1" dirty="0" smtClean="0">
+                <a:solidFill>
+                  <a:srgbClr val="17375E"/>
+                </a:solidFill>
+              </a:rPr>
+              <a:t>     </a:t>
+            </a:r>
+            <a:r>
+              <a:rPr lang="en-US" sz="1600" dirty="0" smtClean="0">
+                <a:hlinkClick r:id="rId6"/>
+              </a:rPr>
+              <a:t>https://www.youtube.com/watch?v=-vWspXuu8I0</a:t>
+            </a:r>
+            <a:endParaRPr lang="en-US" sz="1600" b="1" dirty="0" smtClean="0">
+              <a:solidFill>
+                <a:srgbClr val="17375E"/>
+              </a:solidFill>
+            </a:endParaRPr>
+          </a:p>
+          <a:p>
+            <a:pPr marL="1200150" lvl="2" indent="-285750">
+              <a:buFont typeface="Arial" panose="020B0604020202020204" pitchFamily="34" charset="0"/>
+              <a:buChar char="•"/>
+            </a:pPr>
+            <a:endParaRPr lang="en-US" sz="1600" b="1" dirty="0">
+              <a:solidFill>
+                <a:srgbClr val="17375E"/>
+              </a:solidFill>
+            </a:endParaRPr>
+          </a:p>
+        </p:txBody>
+      </p:sp>
+    </p:spTree>
+    <p:extLst>
+      <p:ext uri="{BB962C8B-B14F-4D97-AF65-F5344CB8AC3E}">
+        <p14:creationId xmlns:p14="http://schemas.microsoft.com/office/powerpoint/2010/main" val="2150706831"/>
+      </p:ext>
+    </p:extLst>
+  </p:cSld>
+  <p:clrMapOvr>
+    <a:masterClrMapping/>
+  </p:clrMapOvr>
+</p:sld>
+</file>
+
+<file path=ppt/slides/slide4.xml><?xml version="1.0" encoding="utf-8"?>
+<p:sld xmlns:a="http://schemas.openxmlformats.org/drawingml/2006/main" xmlns:r="http://schemas.openxmlformats.org/officeDocument/2006/relationships" xmlns:p="http://schemas.openxmlformats.org/presentationml/2006/main">
+  <p:cSld>
+    <p:spTree>
+      <p:nvGrpSpPr>
+        <p:cNvPr id="1" name=""/>
+        <p:cNvGrpSpPr/>
+        <p:nvPr/>
+      </p:nvGrpSpPr>
+      <p:grpSpPr>
+        <a:xfrm>
+          <a:off x="0" y="0"/>
+          <a:ext cx="0" cy="0"/>
+          <a:chOff x="0" y="0"/>
+          <a:chExt cx="0" cy="0"/>
+        </a:xfrm>
+      </p:grpSpPr>
+      <p:sp>
+        <p:nvSpPr>
+          <p:cNvPr id="2" name="Title 1">
+            <a:extLst>
+              <a:ext uri="{FF2B5EF4-FFF2-40B4-BE49-F238E27FC236}">
+                <a16:creationId xmlns:a16="http://schemas.microsoft.com/office/drawing/2014/main" id="{8EE2F135-273E-4834-B6F0-3D0858F133DF}"/>
+              </a:ext>
+            </a:extLst>
+          </p:cNvPr>
+          <p:cNvSpPr>
+            <a:spLocks noGrp="1"/>
+          </p:cNvSpPr>
+          <p:nvPr>
+            <p:ph type="title"/>
+          </p:nvPr>
+        </p:nvSpPr>
+        <p:spPr>
+          <a:xfrm>
+            <a:off x="457200" y="274638"/>
+            <a:ext cx="8291264" cy="1143000"/>
+          </a:xfrm>
+        </p:spPr>
+        <p:txBody>
+          <a:bodyPr/>
+          <a:lstStyle/>
+          <a:p>
+            <a:r>
+              <a:rPr lang="en-CA" dirty="0"/>
+              <a:t>Bragg Gratings: Transfer-Matrix Method</a:t>
+            </a:r>
+          </a:p>
+        </p:txBody>
+      </p:sp>
+      <p:sp>
+        <p:nvSpPr>
+          <p:cNvPr id="4" name="Slide Number Placeholder 3">
+            <a:extLst>
+              <a:ext uri="{FF2B5EF4-FFF2-40B4-BE49-F238E27FC236}">
+                <a16:creationId xmlns:a16="http://schemas.microsoft.com/office/drawing/2014/main" id="{181E9F38-6DC0-4C01-A41D-AB533D6FEA17}"/>
+              </a:ext>
+            </a:extLst>
+          </p:cNvPr>
+          <p:cNvSpPr>
+            <a:spLocks noGrp="1"/>
+          </p:cNvSpPr>
+          <p:nvPr>
+            <p:ph type="sldNum" sz="quarter" idx="12"/>
+          </p:nvPr>
+        </p:nvSpPr>
+        <p:spPr/>
+        <p:txBody>
+          <a:bodyPr/>
+          <a:lstStyle/>
+          <a:p>
+            <a:fld id="{17BB8376-F12B-CB44-BE0C-DBE0A170CA7C}" type="slidenum">
+              <a:rPr lang="en-US" altLang="zh-CN" smtClean="0"/>
+              <a:pPr/>
+              <a:t>4</a:t>
             </a:fld>
             <a:endParaRPr lang="en-US" altLang="zh-CN"/>
           </a:p>
@@ -18224,7 +23544,7 @@
     </p:spTree>
     <p:extLst>
       <p:ext uri="{BB962C8B-B14F-4D97-AF65-F5344CB8AC3E}">
-        <p14:creationId xmlns:p14="http://schemas.microsoft.com/office/powerpoint/2010/main" val="2150706831"/>
+        <p14:creationId xmlns:p14="http://schemas.microsoft.com/office/powerpoint/2010/main" val="1146724784"/>
       </p:ext>
     </p:extLst>
   </p:cSld>
@@ -18234,7 +23554,7 @@
 </p:sld>
 </file>
 
-<file path=ppt/slides/slide4.xml><?xml version="1.0" encoding="utf-8"?>
+<file path=ppt/slides/slide5.xml><?xml version="1.0" encoding="utf-8"?>
 <p:sld xmlns:a="http://schemas.openxmlformats.org/drawingml/2006/main" xmlns:r="http://schemas.openxmlformats.org/officeDocument/2006/relationships" xmlns:p="http://schemas.openxmlformats.org/presentationml/2006/main">
   <p:cSld>
     <p:spTree>
@@ -18308,7 +23628,7 @@
             <a:fld id="{17BB8376-F12B-CB44-BE0C-DBE0A170CA7C}" type="slidenum">
               <a:rPr lang="en-US" altLang="zh-CN" smtClean="0"/>
               <a:pPr/>
-              <a:t>4</a:t>
+              <a:t>5</a:t>
             </a:fld>
             <a:endParaRPr lang="en-US" altLang="zh-CN"/>
           </a:p>
@@ -18692,199 +24012,6 @@
 </p:sld>
 </file>
 
-<file path=ppt/slides/slide5.xml><?xml version="1.0" encoding="utf-8"?>
-<p:sld xmlns:a="http://schemas.openxmlformats.org/drawingml/2006/main" xmlns:r="http://schemas.openxmlformats.org/officeDocument/2006/relationships" xmlns:p="http://schemas.openxmlformats.org/presentationml/2006/main">
-  <p:cSld>
-    <p:spTree>
-      <p:nvGrpSpPr>
-        <p:cNvPr id="1" name=""/>
-        <p:cNvGrpSpPr/>
-        <p:nvPr/>
-      </p:nvGrpSpPr>
-      <p:grpSpPr>
-        <a:xfrm>
-          <a:off x="0" y="0"/>
-          <a:ext cx="0" cy="0"/>
-          <a:chOff x="0" y="0"/>
-          <a:chExt cx="0" cy="0"/>
-        </a:xfrm>
-      </p:grpSpPr>
-      <p:sp>
-        <p:nvSpPr>
-          <p:cNvPr id="2" name="Title 1">
-            <a:extLst>
-              <a:ext uri="{FF2B5EF4-FFF2-40B4-BE49-F238E27FC236}">
-                <a16:creationId xmlns:a16="http://schemas.microsoft.com/office/drawing/2014/main" id="{8EE2F135-273E-4834-B6F0-3D0858F133DF}"/>
-              </a:ext>
-            </a:extLst>
-          </p:cNvPr>
-          <p:cNvSpPr>
-            <a:spLocks noGrp="1"/>
-          </p:cNvSpPr>
-          <p:nvPr>
-            <p:ph type="title"/>
-          </p:nvPr>
-        </p:nvSpPr>
-        <p:spPr>
-          <a:xfrm>
-            <a:off x="457200" y="274638"/>
-            <a:ext cx="8291264" cy="1143000"/>
-          </a:xfrm>
-        </p:spPr>
-        <p:txBody>
-          <a:bodyPr/>
-          <a:lstStyle/>
-          <a:p>
-            <a:r>
-              <a:rPr lang="en-CA" dirty="0"/>
-              <a:t>Bragg Gratings: Transfer-Matrix Method</a:t>
-            </a:r>
-          </a:p>
-        </p:txBody>
-      </p:sp>
-      <p:sp>
-        <p:nvSpPr>
-          <p:cNvPr id="4" name="Slide Number Placeholder 3">
-            <a:extLst>
-              <a:ext uri="{FF2B5EF4-FFF2-40B4-BE49-F238E27FC236}">
-                <a16:creationId xmlns:a16="http://schemas.microsoft.com/office/drawing/2014/main" id="{181E9F38-6DC0-4C01-A41D-AB533D6FEA17}"/>
-              </a:ext>
-            </a:extLst>
-          </p:cNvPr>
-          <p:cNvSpPr>
-            <a:spLocks noGrp="1"/>
-          </p:cNvSpPr>
-          <p:nvPr>
-            <p:ph type="sldNum" sz="quarter" idx="12"/>
-          </p:nvPr>
-        </p:nvSpPr>
-        <p:spPr/>
-        <p:txBody>
-          <a:bodyPr/>
-          <a:lstStyle/>
-          <a:p>
-            <a:fld id="{17BB8376-F12B-CB44-BE0C-DBE0A170CA7C}" type="slidenum">
-              <a:rPr lang="en-US" altLang="zh-CN" smtClean="0"/>
-              <a:pPr/>
-              <a:t>5</a:t>
-            </a:fld>
-            <a:endParaRPr lang="en-US" altLang="zh-CN"/>
-          </a:p>
-        </p:txBody>
-      </p:sp>
-      <p:sp>
-        <p:nvSpPr>
-          <p:cNvPr id="6" name="Footer Placeholder 2">
-            <a:extLst>
-              <a:ext uri="{FF2B5EF4-FFF2-40B4-BE49-F238E27FC236}">
-                <a16:creationId xmlns:a16="http://schemas.microsoft.com/office/drawing/2014/main" id="{81E21CDC-8116-449C-AF50-F12DB1CAE886}"/>
-              </a:ext>
-            </a:extLst>
-          </p:cNvPr>
-          <p:cNvSpPr>
-            <a:spLocks noGrp="1"/>
-          </p:cNvSpPr>
-          <p:nvPr>
-            <p:ph type="ftr" sz="quarter" idx="11"/>
-          </p:nvPr>
-        </p:nvSpPr>
-        <p:spPr>
-          <a:xfrm>
-            <a:off x="7452320" y="0"/>
-            <a:ext cx="1691680" cy="365125"/>
-          </a:xfrm>
-        </p:spPr>
-        <p:txBody>
-          <a:bodyPr/>
-          <a:lstStyle/>
-          <a:p>
-            <a:r>
-              <a:rPr lang="en-US" altLang="zh-CN" dirty="0"/>
-              <a:t> M. Hammood ©2020</a:t>
-            </a:r>
-          </a:p>
-        </p:txBody>
-      </p:sp>
-      <p:sp>
-        <p:nvSpPr>
-          <p:cNvPr id="10" name="TextBox 9">
-            <a:extLst>
-              <a:ext uri="{FF2B5EF4-FFF2-40B4-BE49-F238E27FC236}">
-                <a16:creationId xmlns:a16="http://schemas.microsoft.com/office/drawing/2014/main" id="{9AC1B49E-B2DD-4EBF-8C05-7CEEC47B1267}"/>
-              </a:ext>
-            </a:extLst>
-          </p:cNvPr>
-          <p:cNvSpPr txBox="1"/>
-          <p:nvPr/>
-        </p:nvSpPr>
-        <p:spPr>
-          <a:xfrm>
-            <a:off x="107504" y="1250160"/>
-            <a:ext cx="9036496" cy="338554"/>
-          </a:xfrm>
-          <a:prstGeom prst="rect">
-            <a:avLst/>
-          </a:prstGeom>
-          <a:noFill/>
-        </p:spPr>
-        <p:txBody>
-          <a:bodyPr wrap="square" rtlCol="0">
-            <a:spAutoFit/>
-          </a:bodyPr>
-          <a:lstStyle/>
-          <a:p>
-            <a:pPr marL="742950" lvl="1" indent="-285750">
-              <a:buFont typeface="Arial" panose="020B0604020202020204" pitchFamily="34" charset="0"/>
-              <a:buChar char="•"/>
-            </a:pPr>
-            <a:r>
-              <a:rPr lang="en-US" sz="1600" b="1" dirty="0">
-                <a:solidFill>
-                  <a:srgbClr val="17375E"/>
-                </a:solidFill>
-              </a:rPr>
-              <a:t>Sample spectra:</a:t>
-            </a:r>
-          </a:p>
-        </p:txBody>
-      </p:sp>
-      <p:pic>
-        <p:nvPicPr>
-          <p:cNvPr id="5" name="Picture 4"/>
-          <p:cNvPicPr>
-            <a:picLocks noChangeAspect="1"/>
-          </p:cNvPicPr>
-          <p:nvPr/>
-        </p:nvPicPr>
-        <p:blipFill>
-          <a:blip r:embed="rId3"/>
-          <a:stretch>
-            <a:fillRect/>
-          </a:stretch>
-        </p:blipFill>
-        <p:spPr>
-          <a:xfrm>
-            <a:off x="1858353" y="1769543"/>
-            <a:ext cx="5534797" cy="4210638"/>
-          </a:xfrm>
-          <a:prstGeom prst="rect">
-            <a:avLst/>
-          </a:prstGeom>
-        </p:spPr>
-      </p:pic>
-    </p:spTree>
-    <p:extLst>
-      <p:ext uri="{BB962C8B-B14F-4D97-AF65-F5344CB8AC3E}">
-        <p14:creationId xmlns:p14="http://schemas.microsoft.com/office/powerpoint/2010/main" val="2644213479"/>
-      </p:ext>
-    </p:extLst>
-  </p:cSld>
-  <p:clrMapOvr>
-    <a:masterClrMapping/>
-  </p:clrMapOvr>
-</p:sld>
-</file>
-
 <file path=ppt/slides/slide6.xml><?xml version="1.0" encoding="utf-8"?>
 <p:sld xmlns:a="http://schemas.openxmlformats.org/drawingml/2006/main" xmlns:r="http://schemas.openxmlformats.org/officeDocument/2006/relationships" xmlns:p="http://schemas.openxmlformats.org/presentationml/2006/main">
   <p:cSld>
@@ -18930,7 +24057,7 @@
           <a:p>
             <a:r>
               <a:rPr lang="en-CA" dirty="0"/>
-              <a:t>Bragg Gratings: EME</a:t>
+              <a:t>Bragg Gratings: Transfer-Matrix Method</a:t>
             </a:r>
           </a:p>
         </p:txBody>
@@ -18960,6 +24087,252 @@
               <a:rPr lang="en-US" altLang="zh-CN" smtClean="0"/>
               <a:pPr/>
               <a:t>6</a:t>
+            </a:fld>
+            <a:endParaRPr lang="en-US" altLang="zh-CN"/>
+          </a:p>
+        </p:txBody>
+      </p:sp>
+      <p:sp>
+        <p:nvSpPr>
+          <p:cNvPr id="6" name="Footer Placeholder 2">
+            <a:extLst>
+              <a:ext uri="{FF2B5EF4-FFF2-40B4-BE49-F238E27FC236}">
+                <a16:creationId xmlns:a16="http://schemas.microsoft.com/office/drawing/2014/main" id="{81E21CDC-8116-449C-AF50-F12DB1CAE886}"/>
+              </a:ext>
+            </a:extLst>
+          </p:cNvPr>
+          <p:cNvSpPr>
+            <a:spLocks noGrp="1"/>
+          </p:cNvSpPr>
+          <p:nvPr>
+            <p:ph type="ftr" sz="quarter" idx="11"/>
+          </p:nvPr>
+        </p:nvSpPr>
+        <p:spPr>
+          <a:xfrm>
+            <a:off x="7452320" y="0"/>
+            <a:ext cx="1691680" cy="365125"/>
+          </a:xfrm>
+        </p:spPr>
+        <p:txBody>
+          <a:bodyPr/>
+          <a:lstStyle/>
+          <a:p>
+            <a:r>
+              <a:rPr lang="en-US" altLang="zh-CN" dirty="0"/>
+              <a:t> M. Hammood ©2020</a:t>
+            </a:r>
+          </a:p>
+        </p:txBody>
+      </p:sp>
+      <p:sp>
+        <p:nvSpPr>
+          <p:cNvPr id="10" name="TextBox 9">
+            <a:extLst>
+              <a:ext uri="{FF2B5EF4-FFF2-40B4-BE49-F238E27FC236}">
+                <a16:creationId xmlns:a16="http://schemas.microsoft.com/office/drawing/2014/main" id="{9AC1B49E-B2DD-4EBF-8C05-7CEEC47B1267}"/>
+              </a:ext>
+            </a:extLst>
+          </p:cNvPr>
+          <p:cNvSpPr txBox="1"/>
+          <p:nvPr/>
+        </p:nvSpPr>
+        <p:spPr>
+          <a:xfrm>
+            <a:off x="107504" y="1250160"/>
+            <a:ext cx="9036496" cy="338554"/>
+          </a:xfrm>
+          <a:prstGeom prst="rect">
+            <a:avLst/>
+          </a:prstGeom>
+          <a:noFill/>
+        </p:spPr>
+        <p:txBody>
+          <a:bodyPr wrap="square" rtlCol="0">
+            <a:spAutoFit/>
+          </a:bodyPr>
+          <a:lstStyle/>
+          <a:p>
+            <a:pPr marL="742950" lvl="1" indent="-285750">
+              <a:buFont typeface="Arial" panose="020B0604020202020204" pitchFamily="34" charset="0"/>
+              <a:buChar char="•"/>
+            </a:pPr>
+            <a:r>
+              <a:rPr lang="en-US" sz="1600" dirty="0" smtClean="0">
+                <a:solidFill>
+                  <a:srgbClr val="17375E"/>
+                </a:solidFill>
+              </a:rPr>
+              <a:t>Run bragg_tmm.py</a:t>
+            </a:r>
+            <a:endParaRPr lang="en-US" sz="1600" dirty="0">
+              <a:solidFill>
+                <a:srgbClr val="17375E"/>
+              </a:solidFill>
+            </a:endParaRPr>
+          </a:p>
+        </p:txBody>
+      </p:sp>
+      <p:pic>
+        <p:nvPicPr>
+          <p:cNvPr id="3" name="Picture 2"/>
+          <p:cNvPicPr>
+            <a:picLocks noChangeAspect="1"/>
+          </p:cNvPicPr>
+          <p:nvPr/>
+        </p:nvPicPr>
+        <p:blipFill>
+          <a:blip r:embed="rId3"/>
+          <a:stretch>
+            <a:fillRect/>
+          </a:stretch>
+        </p:blipFill>
+        <p:spPr>
+          <a:xfrm>
+            <a:off x="3973872" y="1250160"/>
+            <a:ext cx="5124288" cy="4789786"/>
+          </a:xfrm>
+          <a:prstGeom prst="rect">
+            <a:avLst/>
+          </a:prstGeom>
+        </p:spPr>
+      </p:pic>
+      <p:pic>
+        <p:nvPicPr>
+          <p:cNvPr id="8" name="Picture 7"/>
+          <p:cNvPicPr>
+            <a:picLocks noChangeAspect="1"/>
+          </p:cNvPicPr>
+          <p:nvPr/>
+        </p:nvPicPr>
+        <p:blipFill>
+          <a:blip r:embed="rId4"/>
+          <a:stretch>
+            <a:fillRect/>
+          </a:stretch>
+        </p:blipFill>
+        <p:spPr>
+          <a:xfrm>
+            <a:off x="121121" y="3315519"/>
+            <a:ext cx="3576966" cy="2721205"/>
+          </a:xfrm>
+          <a:prstGeom prst="rect">
+            <a:avLst/>
+          </a:prstGeom>
+        </p:spPr>
+      </p:pic>
+      <p:pic>
+        <p:nvPicPr>
+          <p:cNvPr id="5" name="Picture 4"/>
+          <p:cNvPicPr>
+            <a:picLocks noChangeAspect="1"/>
+          </p:cNvPicPr>
+          <p:nvPr/>
+        </p:nvPicPr>
+        <p:blipFill>
+          <a:blip r:embed="rId5"/>
+          <a:stretch>
+            <a:fillRect/>
+          </a:stretch>
+        </p:blipFill>
+        <p:spPr>
+          <a:xfrm>
+            <a:off x="85888" y="2008746"/>
+            <a:ext cx="3725911" cy="930006"/>
+          </a:xfrm>
+          <a:prstGeom prst="rect">
+            <a:avLst/>
+          </a:prstGeom>
+        </p:spPr>
+      </p:pic>
+    </p:spTree>
+    <p:extLst>
+      <p:ext uri="{BB962C8B-B14F-4D97-AF65-F5344CB8AC3E}">
+        <p14:creationId xmlns:p14="http://schemas.microsoft.com/office/powerpoint/2010/main" val="2154674660"/>
+      </p:ext>
+    </p:extLst>
+  </p:cSld>
+  <p:clrMapOvr>
+    <a:masterClrMapping/>
+  </p:clrMapOvr>
+</p:sld>
+</file>
+
+<file path=ppt/slides/slide7.xml><?xml version="1.0" encoding="utf-8"?>
+<p:sld xmlns:a="http://schemas.openxmlformats.org/drawingml/2006/main" xmlns:r="http://schemas.openxmlformats.org/officeDocument/2006/relationships" xmlns:p="http://schemas.openxmlformats.org/presentationml/2006/main">
+  <p:cSld>
+    <p:spTree>
+      <p:nvGrpSpPr>
+        <p:cNvPr id="1" name=""/>
+        <p:cNvGrpSpPr/>
+        <p:nvPr/>
+      </p:nvGrpSpPr>
+      <p:grpSpPr>
+        <a:xfrm>
+          <a:off x="0" y="0"/>
+          <a:ext cx="0" cy="0"/>
+          <a:chOff x="0" y="0"/>
+          <a:chExt cx="0" cy="0"/>
+        </a:xfrm>
+      </p:grpSpPr>
+      <p:sp>
+        <p:nvSpPr>
+          <p:cNvPr id="2" name="Title 1">
+            <a:extLst>
+              <a:ext uri="{FF2B5EF4-FFF2-40B4-BE49-F238E27FC236}">
+                <a16:creationId xmlns:a16="http://schemas.microsoft.com/office/drawing/2014/main" id="{8EE2F135-273E-4834-B6F0-3D0858F133DF}"/>
+              </a:ext>
+            </a:extLst>
+          </p:cNvPr>
+          <p:cNvSpPr>
+            <a:spLocks noGrp="1"/>
+          </p:cNvSpPr>
+          <p:nvPr>
+            <p:ph type="title"/>
+          </p:nvPr>
+        </p:nvSpPr>
+        <p:spPr>
+          <a:xfrm>
+            <a:off x="457200" y="274638"/>
+            <a:ext cx="8291264" cy="1143000"/>
+          </a:xfrm>
+        </p:spPr>
+        <p:txBody>
+          <a:bodyPr/>
+          <a:lstStyle/>
+          <a:p>
+            <a:r>
+              <a:rPr lang="en-CA" dirty="0"/>
+              <a:t>Bragg Gratings: EME</a:t>
+            </a:r>
+          </a:p>
+        </p:txBody>
+      </p:sp>
+      <p:sp>
+        <p:nvSpPr>
+          <p:cNvPr id="4" name="Slide Number Placeholder 3">
+            <a:extLst>
+              <a:ext uri="{FF2B5EF4-FFF2-40B4-BE49-F238E27FC236}">
+                <a16:creationId xmlns:a16="http://schemas.microsoft.com/office/drawing/2014/main" id="{181E9F38-6DC0-4C01-A41D-AB533D6FEA17}"/>
+              </a:ext>
+            </a:extLst>
+          </p:cNvPr>
+          <p:cNvSpPr>
+            <a:spLocks noGrp="1"/>
+          </p:cNvSpPr>
+          <p:nvPr>
+            <p:ph type="sldNum" sz="quarter" idx="12"/>
+          </p:nvPr>
+        </p:nvSpPr>
+        <p:spPr/>
+        <p:txBody>
+          <a:bodyPr/>
+          <a:lstStyle/>
+          <a:p>
+            <a:fld id="{17BB8376-F12B-CB44-BE0C-DBE0A170CA7C}" type="slidenum">
+              <a:rPr lang="en-US" altLang="zh-CN" smtClean="0"/>
+              <a:pPr/>
+              <a:t>7</a:t>
             </a:fld>
             <a:endParaRPr lang="en-US" altLang="zh-CN"/>
           </a:p>
@@ -19268,292 +24641,6 @@
 </p:sld>
 </file>
 
-<file path=ppt/slides/slide7.xml><?xml version="1.0" encoding="utf-8"?>
-<p:sld xmlns:a="http://schemas.openxmlformats.org/drawingml/2006/main" xmlns:r="http://schemas.openxmlformats.org/officeDocument/2006/relationships" xmlns:p="http://schemas.openxmlformats.org/presentationml/2006/main">
-  <p:cSld>
-    <p:spTree>
-      <p:nvGrpSpPr>
-        <p:cNvPr id="1" name=""/>
-        <p:cNvGrpSpPr/>
-        <p:nvPr/>
-      </p:nvGrpSpPr>
-      <p:grpSpPr>
-        <a:xfrm>
-          <a:off x="0" y="0"/>
-          <a:ext cx="0" cy="0"/>
-          <a:chOff x="0" y="0"/>
-          <a:chExt cx="0" cy="0"/>
-        </a:xfrm>
-      </p:grpSpPr>
-      <p:sp>
-        <p:nvSpPr>
-          <p:cNvPr id="2" name="Title 1">
-            <a:extLst>
-              <a:ext uri="{FF2B5EF4-FFF2-40B4-BE49-F238E27FC236}">
-                <a16:creationId xmlns:a16="http://schemas.microsoft.com/office/drawing/2014/main" id="{8EE2F135-273E-4834-B6F0-3D0858F133DF}"/>
-              </a:ext>
-            </a:extLst>
-          </p:cNvPr>
-          <p:cNvSpPr>
-            <a:spLocks noGrp="1"/>
-          </p:cNvSpPr>
-          <p:nvPr>
-            <p:ph type="title"/>
-          </p:nvPr>
-        </p:nvSpPr>
-        <p:spPr>
-          <a:xfrm>
-            <a:off x="457200" y="274638"/>
-            <a:ext cx="8291264" cy="1143000"/>
-          </a:xfrm>
-        </p:spPr>
-        <p:txBody>
-          <a:bodyPr/>
-          <a:lstStyle/>
-          <a:p>
-            <a:r>
-              <a:rPr lang="en-CA" dirty="0"/>
-              <a:t>Bragg Gratings: EME</a:t>
-            </a:r>
-          </a:p>
-        </p:txBody>
-      </p:sp>
-      <p:sp>
-        <p:nvSpPr>
-          <p:cNvPr id="4" name="Slide Number Placeholder 3">
-            <a:extLst>
-              <a:ext uri="{FF2B5EF4-FFF2-40B4-BE49-F238E27FC236}">
-                <a16:creationId xmlns:a16="http://schemas.microsoft.com/office/drawing/2014/main" id="{181E9F38-6DC0-4C01-A41D-AB533D6FEA17}"/>
-              </a:ext>
-            </a:extLst>
-          </p:cNvPr>
-          <p:cNvSpPr>
-            <a:spLocks noGrp="1"/>
-          </p:cNvSpPr>
-          <p:nvPr>
-            <p:ph type="sldNum" sz="quarter" idx="12"/>
-          </p:nvPr>
-        </p:nvSpPr>
-        <p:spPr/>
-        <p:txBody>
-          <a:bodyPr/>
-          <a:lstStyle/>
-          <a:p>
-            <a:fld id="{17BB8376-F12B-CB44-BE0C-DBE0A170CA7C}" type="slidenum">
-              <a:rPr lang="en-US" altLang="zh-CN" smtClean="0"/>
-              <a:pPr/>
-              <a:t>7</a:t>
-            </a:fld>
-            <a:endParaRPr lang="en-US" altLang="zh-CN"/>
-          </a:p>
-        </p:txBody>
-      </p:sp>
-      <p:sp>
-        <p:nvSpPr>
-          <p:cNvPr id="6" name="Footer Placeholder 2">
-            <a:extLst>
-              <a:ext uri="{FF2B5EF4-FFF2-40B4-BE49-F238E27FC236}">
-                <a16:creationId xmlns:a16="http://schemas.microsoft.com/office/drawing/2014/main" id="{81E21CDC-8116-449C-AF50-F12DB1CAE886}"/>
-              </a:ext>
-            </a:extLst>
-          </p:cNvPr>
-          <p:cNvSpPr>
-            <a:spLocks noGrp="1"/>
-          </p:cNvSpPr>
-          <p:nvPr>
-            <p:ph type="ftr" sz="quarter" idx="11"/>
-          </p:nvPr>
-        </p:nvSpPr>
-        <p:spPr>
-          <a:xfrm>
-            <a:off x="7452320" y="0"/>
-            <a:ext cx="1691680" cy="365125"/>
-          </a:xfrm>
-        </p:spPr>
-        <p:txBody>
-          <a:bodyPr/>
-          <a:lstStyle/>
-          <a:p>
-            <a:r>
-              <a:rPr lang="en-US" altLang="zh-CN" dirty="0"/>
-              <a:t> M. Hammood ©2020</a:t>
-            </a:r>
-          </a:p>
-        </p:txBody>
-      </p:sp>
-      <p:sp>
-        <p:nvSpPr>
-          <p:cNvPr id="10" name="TextBox 9">
-            <a:extLst>
-              <a:ext uri="{FF2B5EF4-FFF2-40B4-BE49-F238E27FC236}">
-                <a16:creationId xmlns:a16="http://schemas.microsoft.com/office/drawing/2014/main" id="{9AC1B49E-B2DD-4EBF-8C05-7CEEC47B1267}"/>
-              </a:ext>
-            </a:extLst>
-          </p:cNvPr>
-          <p:cNvSpPr txBox="1"/>
-          <p:nvPr/>
-        </p:nvSpPr>
-        <p:spPr>
-          <a:xfrm>
-            <a:off x="107504" y="1250160"/>
-            <a:ext cx="9036496" cy="1323439"/>
-          </a:xfrm>
-          <a:prstGeom prst="rect">
-            <a:avLst/>
-          </a:prstGeom>
-          <a:noFill/>
-        </p:spPr>
-        <p:txBody>
-          <a:bodyPr wrap="square" rtlCol="0">
-            <a:spAutoFit/>
-          </a:bodyPr>
-          <a:lstStyle/>
-          <a:p>
-            <a:pPr marL="742950" lvl="1" indent="-285750">
-              <a:buFont typeface="Arial" panose="020B0604020202020204" pitchFamily="34" charset="0"/>
-              <a:buChar char="•"/>
-            </a:pPr>
-            <a:r>
-              <a:rPr lang="en-US" sz="1600" dirty="0">
-                <a:solidFill>
-                  <a:srgbClr val="17375E"/>
-                </a:solidFill>
-              </a:rPr>
-              <a:t>Run sample code </a:t>
-            </a:r>
-            <a:r>
-              <a:rPr lang="en-US" sz="1600" b="1" i="1" dirty="0" err="1">
-                <a:solidFill>
-                  <a:srgbClr val="17375E"/>
-                </a:solidFill>
-              </a:rPr>
-              <a:t>MAIN_EME.lsf</a:t>
-            </a:r>
-            <a:endParaRPr lang="en-US" sz="1600" b="1" i="1" dirty="0">
-              <a:solidFill>
-                <a:srgbClr val="17375E"/>
-              </a:solidFill>
-            </a:endParaRPr>
-          </a:p>
-          <a:p>
-            <a:pPr marL="742950" lvl="1" indent="-285750">
-              <a:buFont typeface="Arial" panose="020B0604020202020204" pitchFamily="34" charset="0"/>
-              <a:buChar char="•"/>
-            </a:pPr>
-            <a:endParaRPr lang="en-US" sz="1600" b="1" i="1" dirty="0">
-              <a:solidFill>
-                <a:srgbClr val="17375E"/>
-              </a:solidFill>
-            </a:endParaRPr>
-          </a:p>
-          <a:p>
-            <a:pPr marL="742950" lvl="1" indent="-285750">
-              <a:buFont typeface="Arial" panose="020B0604020202020204" pitchFamily="34" charset="0"/>
-              <a:buChar char="•"/>
-            </a:pPr>
-            <a:endParaRPr lang="en-US" sz="1600" b="1" i="1" dirty="0">
-              <a:solidFill>
-                <a:srgbClr val="17375E"/>
-              </a:solidFill>
-            </a:endParaRPr>
-          </a:p>
-          <a:p>
-            <a:pPr marL="742950" lvl="1" indent="-285750">
-              <a:buFont typeface="Arial" panose="020B0604020202020204" pitchFamily="34" charset="0"/>
-              <a:buChar char="•"/>
-            </a:pPr>
-            <a:r>
-              <a:rPr lang="en-US" sz="1600" b="1" dirty="0">
-                <a:solidFill>
-                  <a:srgbClr val="17375E"/>
-                </a:solidFill>
-              </a:rPr>
-              <a:t>Input parameters:</a:t>
-            </a:r>
-          </a:p>
-          <a:p>
-            <a:pPr marL="1200150" lvl="2" indent="-285750">
-              <a:buFont typeface="Arial" panose="020B0604020202020204" pitchFamily="34" charset="0"/>
-              <a:buChar char="•"/>
-            </a:pPr>
-            <a:r>
-              <a:rPr lang="en-US" sz="1600" dirty="0">
-                <a:solidFill>
-                  <a:srgbClr val="17375E"/>
-                </a:solidFill>
-              </a:rPr>
-              <a:t>Device physical parameters</a:t>
-            </a:r>
-          </a:p>
-        </p:txBody>
-      </p:sp>
-      <p:pic>
-        <p:nvPicPr>
-          <p:cNvPr id="7" name="Picture 6"/>
-          <p:cNvPicPr>
-            <a:picLocks noChangeAspect="1"/>
-          </p:cNvPicPr>
-          <p:nvPr/>
-        </p:nvPicPr>
-        <p:blipFill>
-          <a:blip r:embed="rId3"/>
-          <a:stretch>
-            <a:fillRect/>
-          </a:stretch>
-        </p:blipFill>
-        <p:spPr>
-          <a:xfrm>
-            <a:off x="468876" y="2826206"/>
-            <a:ext cx="6135522" cy="3096054"/>
-          </a:xfrm>
-          <a:prstGeom prst="rect">
-            <a:avLst/>
-          </a:prstGeom>
-        </p:spPr>
-      </p:pic>
-      <p:pic>
-        <p:nvPicPr>
-          <p:cNvPr id="5" name="Picture 4">
-            <a:extLst>
-              <a:ext uri="{FF2B5EF4-FFF2-40B4-BE49-F238E27FC236}">
-                <a16:creationId xmlns:a16="http://schemas.microsoft.com/office/drawing/2014/main" id="{06CC0B58-01E1-4E01-AAB9-75B14492287F}"/>
-              </a:ext>
-            </a:extLst>
-          </p:cNvPr>
-          <p:cNvPicPr>
-            <a:picLocks noChangeAspect="1"/>
-          </p:cNvPicPr>
-          <p:nvPr/>
-        </p:nvPicPr>
-        <p:blipFill>
-          <a:blip r:embed="rId4"/>
-          <a:stretch>
-            <a:fillRect/>
-          </a:stretch>
-        </p:blipFill>
-        <p:spPr>
-          <a:xfrm>
-            <a:off x="5303556" y="1207991"/>
-            <a:ext cx="3642676" cy="2438611"/>
-          </a:xfrm>
-          <a:prstGeom prst="rect">
-            <a:avLst/>
-          </a:prstGeom>
-        </p:spPr>
-      </p:pic>
-    </p:spTree>
-    <p:extLst>
-      <p:ext uri="{BB962C8B-B14F-4D97-AF65-F5344CB8AC3E}">
-        <p14:creationId xmlns:p14="http://schemas.microsoft.com/office/powerpoint/2010/main" val="986087577"/>
-      </p:ext>
-    </p:extLst>
-  </p:cSld>
-  <p:clrMapOvr>
-    <a:masterClrMapping/>
-  </p:clrMapOvr>
-</p:sld>
-</file>
-
 <file path=ppt/slides/slide8.xml><?xml version="1.0" encoding="utf-8"?>
 <p:sld xmlns:a="http://schemas.openxmlformats.org/drawingml/2006/main" xmlns:r="http://schemas.openxmlformats.org/officeDocument/2006/relationships" xmlns:p="http://schemas.openxmlformats.org/presentationml/2006/main">
   <p:cSld>
@@ -19667,9 +24754,187 @@
           </a:p>
         </p:txBody>
       </p:sp>
+      <p:sp>
+        <p:nvSpPr>
+          <p:cNvPr id="10" name="TextBox 9">
+            <a:extLst>
+              <a:ext uri="{FF2B5EF4-FFF2-40B4-BE49-F238E27FC236}">
+                <a16:creationId xmlns:a16="http://schemas.microsoft.com/office/drawing/2014/main" id="{9AC1B49E-B2DD-4EBF-8C05-7CEEC47B1267}"/>
+              </a:ext>
+            </a:extLst>
+          </p:cNvPr>
+          <p:cNvSpPr txBox="1"/>
+          <p:nvPr/>
+        </p:nvSpPr>
+        <p:spPr>
+          <a:xfrm>
+            <a:off x="107504" y="1250160"/>
+            <a:ext cx="9036496" cy="1815882"/>
+          </a:xfrm>
+          <a:prstGeom prst="rect">
+            <a:avLst/>
+          </a:prstGeom>
+          <a:noFill/>
+        </p:spPr>
+        <p:txBody>
+          <a:bodyPr wrap="square" rtlCol="0">
+            <a:spAutoFit/>
+          </a:bodyPr>
+          <a:lstStyle/>
+          <a:p>
+            <a:pPr marL="742950" lvl="1" indent="-285750">
+              <a:buFont typeface="Arial" panose="020B0604020202020204" pitchFamily="34" charset="0"/>
+              <a:buChar char="•"/>
+            </a:pPr>
+            <a:r>
+              <a:rPr lang="en-US" sz="1600" b="1" dirty="0">
+                <a:solidFill>
+                  <a:srgbClr val="17375E"/>
+                </a:solidFill>
+              </a:rPr>
+              <a:t>How to</a:t>
+            </a:r>
+            <a:r>
+              <a:rPr lang="en-US" sz="1600" b="1" dirty="0" smtClean="0">
+                <a:solidFill>
+                  <a:srgbClr val="17375E"/>
+                </a:solidFill>
+              </a:rPr>
+              <a:t>:</a:t>
+            </a:r>
+            <a:endParaRPr lang="en-US" sz="1600" dirty="0">
+              <a:solidFill>
+                <a:srgbClr val="17375E"/>
+              </a:solidFill>
+            </a:endParaRPr>
+          </a:p>
+          <a:p>
+            <a:pPr marL="1200150" lvl="2" indent="-285750">
+              <a:buFont typeface="Arial" panose="020B0604020202020204" pitchFamily="34" charset="0"/>
+              <a:buChar char="•"/>
+            </a:pPr>
+            <a:r>
+              <a:rPr lang="en-US" sz="1600" dirty="0" smtClean="0">
+                <a:solidFill>
+                  <a:srgbClr val="17375E"/>
+                </a:solidFill>
+              </a:rPr>
+              <a:t>Download </a:t>
+            </a:r>
+            <a:r>
+              <a:rPr lang="en-US" sz="1600" dirty="0">
+                <a:solidFill>
+                  <a:srgbClr val="17375E"/>
+                </a:solidFill>
+              </a:rPr>
+              <a:t>the scripts </a:t>
+            </a:r>
+            <a:r>
+              <a:rPr lang="en-US" sz="1600" dirty="0" smtClean="0">
+                <a:solidFill>
+                  <a:srgbClr val="17375E"/>
+                </a:solidFill>
+              </a:rPr>
+              <a:t>(Bragg_EME.zip) and </a:t>
+            </a:r>
+            <a:r>
+              <a:rPr lang="en-US" sz="1600" dirty="0">
+                <a:solidFill>
+                  <a:srgbClr val="17375E"/>
+                </a:solidFill>
+              </a:rPr>
+              <a:t>open a blank MODE project</a:t>
+            </a:r>
+          </a:p>
+          <a:p>
+            <a:pPr marL="1200150" lvl="2" indent="-285750">
+              <a:buFont typeface="Arial" panose="020B0604020202020204" pitchFamily="34" charset="0"/>
+              <a:buChar char="•"/>
+            </a:pPr>
+            <a:endParaRPr lang="en-US" sz="1600" dirty="0">
+              <a:solidFill>
+                <a:srgbClr val="17375E"/>
+              </a:solidFill>
+            </a:endParaRPr>
+          </a:p>
+          <a:p>
+            <a:pPr marL="1200150" lvl="2" indent="-285750">
+              <a:buFont typeface="Arial" panose="020B0604020202020204" pitchFamily="34" charset="0"/>
+              <a:buChar char="•"/>
+            </a:pPr>
+            <a:r>
+              <a:rPr lang="en-US" sz="1600" dirty="0" smtClean="0">
+                <a:solidFill>
+                  <a:srgbClr val="17375E"/>
+                </a:solidFill>
+              </a:rPr>
+              <a:t>With the new MODE project, load the </a:t>
+            </a:r>
+            <a:r>
+              <a:rPr lang="en-US" sz="1600" dirty="0">
+                <a:solidFill>
+                  <a:srgbClr val="17375E"/>
+                </a:solidFill>
+              </a:rPr>
+              <a:t>script </a:t>
+            </a:r>
+            <a:r>
+              <a:rPr lang="en-US" sz="1600" i="1" dirty="0" err="1" smtClean="0">
+                <a:solidFill>
+                  <a:srgbClr val="17375E"/>
+                </a:solidFill>
+              </a:rPr>
+              <a:t>MAIN_EME.lsf</a:t>
+            </a:r>
+            <a:endParaRPr lang="en-US" sz="1600" i="1" dirty="0" smtClean="0">
+              <a:solidFill>
+                <a:srgbClr val="17375E"/>
+              </a:solidFill>
+            </a:endParaRPr>
+          </a:p>
+          <a:p>
+            <a:pPr marL="1200150" lvl="2" indent="-285750">
+              <a:buFont typeface="Arial" panose="020B0604020202020204" pitchFamily="34" charset="0"/>
+              <a:buChar char="•"/>
+            </a:pPr>
+            <a:endParaRPr lang="en-US" sz="1600" dirty="0">
+              <a:solidFill>
+                <a:srgbClr val="17375E"/>
+              </a:solidFill>
+            </a:endParaRPr>
+          </a:p>
+          <a:p>
+            <a:pPr marL="1200150" lvl="2" indent="-285750">
+              <a:buFont typeface="Arial" panose="020B0604020202020204" pitchFamily="34" charset="0"/>
+              <a:buChar char="•"/>
+            </a:pPr>
+            <a:r>
+              <a:rPr lang="en-US" sz="1600" dirty="0" smtClean="0">
+                <a:solidFill>
+                  <a:srgbClr val="17375E"/>
+                </a:solidFill>
+              </a:rPr>
+              <a:t>Adjust </a:t>
+            </a:r>
+            <a:r>
+              <a:rPr lang="en-US" sz="1600" dirty="0">
+                <a:solidFill>
+                  <a:srgbClr val="17375E"/>
+                </a:solidFill>
+              </a:rPr>
+              <a:t>the simulation parameters to your needs (wavelength range, polarization, mesh accuracy or leave as default)</a:t>
+            </a:r>
+            <a:endParaRPr lang="en-US" sz="1600" dirty="0">
+              <a:solidFill>
+                <a:srgbClr val="17375E"/>
+              </a:solidFill>
+            </a:endParaRPr>
+          </a:p>
+        </p:txBody>
+      </p:sp>
       <p:pic>
         <p:nvPicPr>
-          <p:cNvPr id="8" name="Picture 7"/>
+          <p:cNvPr id="3" name="Picture 2"/>
           <p:cNvPicPr>
             <a:picLocks noChangeAspect="1"/>
           </p:cNvPicPr>
@@ -19683,8 +24948,8 @@
         </p:blipFill>
         <p:spPr>
           <a:xfrm>
-            <a:off x="1331640" y="1268760"/>
-            <a:ext cx="6344725" cy="4747874"/>
+            <a:off x="2645264" y="3717032"/>
+            <a:ext cx="3960976" cy="1582660"/>
           </a:xfrm>
           <a:prstGeom prst="rect">
             <a:avLst/>
@@ -19694,13 +24959,20 @@
     </p:spTree>
     <p:extLst>
       <p:ext uri="{BB962C8B-B14F-4D97-AF65-F5344CB8AC3E}">
-        <p14:creationId xmlns:p14="http://schemas.microsoft.com/office/powerpoint/2010/main" val="3839686485"/>
+        <p14:creationId xmlns:p14="http://schemas.microsoft.com/office/powerpoint/2010/main" val="986087577"/>
       </p:ext>
     </p:extLst>
   </p:cSld>
   <p:clrMapOvr>
     <a:masterClrMapping/>
   </p:clrMapOvr>
+  <p:timing>
+    <p:tnLst>
+      <p:par>
+        <p:cTn id="1" dur="indefinite" restart="never" nodeType="tmRoot"/>
+      </p:par>
+    </p:tnLst>
+  </p:timing>
 </p:sld>
 </file>
 
@@ -19832,7 +25104,7 @@
         <p:spPr>
           <a:xfrm>
             <a:off x="107504" y="1250160"/>
-            <a:ext cx="8496944" cy="1323439"/>
+            <a:ext cx="9036496" cy="830997"/>
           </a:xfrm>
           <a:prstGeom prst="rect">
             <a:avLst/>
@@ -19850,23 +25122,15 @@
               <a:buChar char="•"/>
             </a:pPr>
             <a:r>
-              <a:rPr lang="en-US" sz="1600" dirty="0">
+              <a:rPr lang="en-US" sz="1600" b="1" dirty="0">
                 <a:solidFill>
                   <a:srgbClr val="17375E"/>
                 </a:solidFill>
               </a:rPr>
-              <a:t>EME simulations can be used to quickly perform parametric studies to understand the effects of specific parameters, i.e. </a:t>
-            </a:r>
-            <a:r>
-              <a:rPr lang="en-US" sz="1600" b="1" dirty="0">
-                <a:solidFill>
-                  <a:srgbClr val="17375E"/>
-                </a:solidFill>
-              </a:rPr>
-              <a:t>the effects of changing the waveguide’s sidewall angle</a:t>
-            </a:r>
-            <a:r>
-              <a:rPr lang="en-US" sz="1600" dirty="0">
+              <a:t>How to</a:t>
+            </a:r>
+            <a:r>
+              <a:rPr lang="en-US" sz="1600" b="1" dirty="0" smtClean="0">
                 <a:solidFill>
                   <a:srgbClr val="17375E"/>
                 </a:solidFill>
@@ -19875,64 +25139,45 @@
             </a:r>
           </a:p>
           <a:p>
-            <a:pPr marL="742950" lvl="1" indent="-285750">
+            <a:pPr marL="1200150" lvl="2" indent="-285750">
               <a:buFont typeface="Arial" panose="020B0604020202020204" pitchFamily="34" charset="0"/>
               <a:buChar char="•"/>
             </a:pPr>
+            <a:r>
+              <a:rPr lang="en-US" sz="1600" dirty="0">
+                <a:solidFill>
+                  <a:srgbClr val="17375E"/>
+                </a:solidFill>
+              </a:rPr>
+              <a:t>The script will plot the transmission and reflection spectra, and then extract the 3-dB bandwidth and central wavelength (for your </a:t>
+            </a:r>
+            <a:r>
+              <a:rPr lang="en-US" sz="1600" dirty="0" smtClean="0">
+                <a:solidFill>
+                  <a:srgbClr val="17375E"/>
+                </a:solidFill>
+              </a:rPr>
+              <a:t>future Kappa </a:t>
+            </a:r>
+            <a:r>
+              <a:rPr lang="en-US" sz="1600" dirty="0">
+                <a:solidFill>
+                  <a:srgbClr val="17375E"/>
+                </a:solidFill>
+              </a:rPr>
+              <a:t>analysis).</a:t>
+            </a:r>
             <a:endParaRPr lang="en-US" sz="1600" dirty="0">
               <a:solidFill>
                 <a:srgbClr val="17375E"/>
               </a:solidFill>
             </a:endParaRPr>
           </a:p>
-          <a:p>
-            <a:pPr marL="742950" lvl="1" indent="-285750">
-              <a:buFont typeface="Arial" panose="020B0604020202020204" pitchFamily="34" charset="0"/>
-              <a:buChar char="•"/>
-            </a:pPr>
-            <a:r>
-              <a:rPr lang="en-US" sz="1600" dirty="0">
-                <a:solidFill>
-                  <a:srgbClr val="17375E"/>
-                </a:solidFill>
-              </a:rPr>
-              <a:t>Run applications -&gt; </a:t>
-            </a:r>
-            <a:r>
-              <a:rPr lang="en-US" sz="1600" dirty="0" err="1">
-                <a:solidFill>
-                  <a:srgbClr val="17375E"/>
-                </a:solidFill>
-              </a:rPr>
-              <a:t>dw_sweep</a:t>
-            </a:r>
-            <a:r>
-              <a:rPr lang="en-US" sz="1600" dirty="0">
-                <a:solidFill>
-                  <a:srgbClr val="17375E"/>
-                </a:solidFill>
-              </a:rPr>
-              <a:t> -&gt; </a:t>
-            </a:r>
-            <a:r>
-              <a:rPr lang="en-US" sz="1600" b="1" dirty="0" err="1">
-                <a:solidFill>
-                  <a:srgbClr val="17375E"/>
-                </a:solidFill>
-              </a:rPr>
-              <a:t>MAIN_dw_sweep.lsf</a:t>
-            </a:r>
-            <a:endParaRPr lang="en-US" sz="1600" b="1" dirty="0">
-              <a:solidFill>
-                <a:srgbClr val="17375E"/>
-              </a:solidFill>
-            </a:endParaRPr>
-          </a:p>
         </p:txBody>
       </p:sp>
       <p:pic>
         <p:nvPicPr>
-          <p:cNvPr id="3" name="Picture 2"/>
+          <p:cNvPr id="7" name="Picture 6"/>
           <p:cNvPicPr>
             <a:picLocks noChangeAspect="1"/>
           </p:cNvPicPr>
@@ -19946,8 +25191,8 @@
         </p:blipFill>
         <p:spPr>
           <a:xfrm>
-            <a:off x="107504" y="2564904"/>
-            <a:ext cx="4318018" cy="3456384"/>
+            <a:off x="107504" y="2204864"/>
+            <a:ext cx="5114160" cy="3728975"/>
           </a:xfrm>
           <a:prstGeom prst="rect">
             <a:avLst/>
@@ -19956,7 +25201,7 @@
       </p:pic>
       <p:pic>
         <p:nvPicPr>
-          <p:cNvPr id="5" name="Picture 4"/>
+          <p:cNvPr id="20" name="Picture 19"/>
           <p:cNvPicPr>
             <a:picLocks noChangeAspect="1"/>
           </p:cNvPicPr>
@@ -19970,32 +25215,8 @@
         </p:blipFill>
         <p:spPr>
           <a:xfrm>
-            <a:off x="4602832" y="2604830"/>
-            <a:ext cx="4349996" cy="3416458"/>
-          </a:xfrm>
-          <a:prstGeom prst="rect">
-            <a:avLst/>
-          </a:prstGeom>
-        </p:spPr>
-      </p:pic>
-      <p:pic>
-        <p:nvPicPr>
-          <p:cNvPr id="7" name="Picture 6"/>
-          <p:cNvPicPr>
-            <a:picLocks noChangeAspect="1"/>
-          </p:cNvPicPr>
-          <p:nvPr/>
-        </p:nvPicPr>
-        <p:blipFill>
-          <a:blip r:embed="rId5"/>
-          <a:stretch>
-            <a:fillRect/>
-          </a:stretch>
-        </p:blipFill>
-        <p:spPr>
-          <a:xfrm>
-            <a:off x="7460424" y="2780928"/>
-            <a:ext cx="1305959" cy="890700"/>
+            <a:off x="5436096" y="3255247"/>
+            <a:ext cx="3615602" cy="1990144"/>
           </a:xfrm>
           <a:prstGeom prst="rect">
             <a:avLst/>
@@ -20005,13 +25226,20 @@
     </p:spTree>
     <p:extLst>
       <p:ext uri="{BB962C8B-B14F-4D97-AF65-F5344CB8AC3E}">
-        <p14:creationId xmlns:p14="http://schemas.microsoft.com/office/powerpoint/2010/main" val="3210211336"/>
+        <p14:creationId xmlns:p14="http://schemas.microsoft.com/office/powerpoint/2010/main" val="4171527062"/>
       </p:ext>
     </p:extLst>
   </p:cSld>
   <p:clrMapOvr>
     <a:masterClrMapping/>
   </p:clrMapOvr>
+  <p:timing>
+    <p:tnLst>
+      <p:par>
+        <p:cTn id="1" dur="indefinite" restart="never" nodeType="tmRoot"/>
+      </p:par>
+    </p:tnLst>
+  </p:timing>
 </p:sld>
 </file>
 
